--- a/Einführung in R.pptx
+++ b/Einführung in R.pptx
@@ -271,7 +271,7 @@
           <a:p>
             <a:fld id="{3F46AE61-50B3-4440-BB01-1FF85E3E82A7}" type="datetimeFigureOut">
               <a:rPr lang="de-DE" smtClean="0"/>
-              <a:t>24.09.2024</a:t>
+              <a:t>26.09.2024</a:t>
             </a:fld>
             <a:endParaRPr lang="de-DE"/>
           </a:p>
@@ -469,7 +469,7 @@
           <a:p>
             <a:fld id="{3F46AE61-50B3-4440-BB01-1FF85E3E82A7}" type="datetimeFigureOut">
               <a:rPr lang="de-DE" smtClean="0"/>
-              <a:t>24.09.2024</a:t>
+              <a:t>26.09.2024</a:t>
             </a:fld>
             <a:endParaRPr lang="de-DE"/>
           </a:p>
@@ -677,7 +677,7 @@
           <a:p>
             <a:fld id="{3F46AE61-50B3-4440-BB01-1FF85E3E82A7}" type="datetimeFigureOut">
               <a:rPr lang="de-DE" smtClean="0"/>
-              <a:t>24.09.2024</a:t>
+              <a:t>26.09.2024</a:t>
             </a:fld>
             <a:endParaRPr lang="de-DE"/>
           </a:p>
@@ -875,7 +875,7 @@
           <a:p>
             <a:fld id="{3F46AE61-50B3-4440-BB01-1FF85E3E82A7}" type="datetimeFigureOut">
               <a:rPr lang="de-DE" smtClean="0"/>
-              <a:t>24.09.2024</a:t>
+              <a:t>26.09.2024</a:t>
             </a:fld>
             <a:endParaRPr lang="de-DE"/>
           </a:p>
@@ -1150,7 +1150,7 @@
           <a:p>
             <a:fld id="{3F46AE61-50B3-4440-BB01-1FF85E3E82A7}" type="datetimeFigureOut">
               <a:rPr lang="de-DE" smtClean="0"/>
-              <a:t>24.09.2024</a:t>
+              <a:t>26.09.2024</a:t>
             </a:fld>
             <a:endParaRPr lang="de-DE"/>
           </a:p>
@@ -1415,7 +1415,7 @@
           <a:p>
             <a:fld id="{3F46AE61-50B3-4440-BB01-1FF85E3E82A7}" type="datetimeFigureOut">
               <a:rPr lang="de-DE" smtClean="0"/>
-              <a:t>24.09.2024</a:t>
+              <a:t>26.09.2024</a:t>
             </a:fld>
             <a:endParaRPr lang="de-DE"/>
           </a:p>
@@ -1827,7 +1827,7 @@
           <a:p>
             <a:fld id="{3F46AE61-50B3-4440-BB01-1FF85E3E82A7}" type="datetimeFigureOut">
               <a:rPr lang="de-DE" smtClean="0"/>
-              <a:t>24.09.2024</a:t>
+              <a:t>26.09.2024</a:t>
             </a:fld>
             <a:endParaRPr lang="de-DE"/>
           </a:p>
@@ -1968,7 +1968,7 @@
           <a:p>
             <a:fld id="{3F46AE61-50B3-4440-BB01-1FF85E3E82A7}" type="datetimeFigureOut">
               <a:rPr lang="de-DE" smtClean="0"/>
-              <a:t>24.09.2024</a:t>
+              <a:t>26.09.2024</a:t>
             </a:fld>
             <a:endParaRPr lang="de-DE"/>
           </a:p>
@@ -2081,7 +2081,7 @@
           <a:p>
             <a:fld id="{3F46AE61-50B3-4440-BB01-1FF85E3E82A7}" type="datetimeFigureOut">
               <a:rPr lang="de-DE" smtClean="0"/>
-              <a:t>24.09.2024</a:t>
+              <a:t>26.09.2024</a:t>
             </a:fld>
             <a:endParaRPr lang="de-DE"/>
           </a:p>
@@ -2392,7 +2392,7 @@
           <a:p>
             <a:fld id="{3F46AE61-50B3-4440-BB01-1FF85E3E82A7}" type="datetimeFigureOut">
               <a:rPr lang="de-DE" smtClean="0"/>
-              <a:t>24.09.2024</a:t>
+              <a:t>26.09.2024</a:t>
             </a:fld>
             <a:endParaRPr lang="de-DE"/>
           </a:p>
@@ -2680,7 +2680,7 @@
           <a:p>
             <a:fld id="{3F46AE61-50B3-4440-BB01-1FF85E3E82A7}" type="datetimeFigureOut">
               <a:rPr lang="de-DE" smtClean="0"/>
-              <a:t>24.09.2024</a:t>
+              <a:t>26.09.2024</a:t>
             </a:fld>
             <a:endParaRPr lang="de-DE"/>
           </a:p>
@@ -2921,7 +2921,7 @@
           <a:p>
             <a:fld id="{3F46AE61-50B3-4440-BB01-1FF85E3E82A7}" type="datetimeFigureOut">
               <a:rPr lang="de-DE" smtClean="0"/>
-              <a:t>24.09.2024</a:t>
+              <a:t>26.09.2024</a:t>
             </a:fld>
             <a:endParaRPr lang="de-DE"/>
           </a:p>

--- a/Einführung in R.pptx
+++ b/Einführung in R.pptx
@@ -15,9 +15,10 @@
     <p:sldId id="258" r:id="rId9"/>
     <p:sldId id="260" r:id="rId10"/>
     <p:sldId id="261" r:id="rId11"/>
-    <p:sldId id="262" r:id="rId12"/>
-    <p:sldId id="263" r:id="rId13"/>
-    <p:sldId id="265" r:id="rId14"/>
+    <p:sldId id="269" r:id="rId12"/>
+    <p:sldId id="262" r:id="rId13"/>
+    <p:sldId id="263" r:id="rId14"/>
+    <p:sldId id="265" r:id="rId15"/>
   </p:sldIdLst>
   <p:sldSz cx="12192000" cy="6858000"/>
   <p:notesSz cx="6858000" cy="9144000"/>
@@ -271,7 +272,7 @@
           <a:p>
             <a:fld id="{3F46AE61-50B3-4440-BB01-1FF85E3E82A7}" type="datetimeFigureOut">
               <a:rPr lang="de-DE" smtClean="0"/>
-              <a:t>26.09.2024</a:t>
+              <a:t>27.09.2024</a:t>
             </a:fld>
             <a:endParaRPr lang="de-DE"/>
           </a:p>
@@ -469,7 +470,7 @@
           <a:p>
             <a:fld id="{3F46AE61-50B3-4440-BB01-1FF85E3E82A7}" type="datetimeFigureOut">
               <a:rPr lang="de-DE" smtClean="0"/>
-              <a:t>26.09.2024</a:t>
+              <a:t>27.09.2024</a:t>
             </a:fld>
             <a:endParaRPr lang="de-DE"/>
           </a:p>
@@ -677,7 +678,7 @@
           <a:p>
             <a:fld id="{3F46AE61-50B3-4440-BB01-1FF85E3E82A7}" type="datetimeFigureOut">
               <a:rPr lang="de-DE" smtClean="0"/>
-              <a:t>26.09.2024</a:t>
+              <a:t>27.09.2024</a:t>
             </a:fld>
             <a:endParaRPr lang="de-DE"/>
           </a:p>
@@ -875,7 +876,7 @@
           <a:p>
             <a:fld id="{3F46AE61-50B3-4440-BB01-1FF85E3E82A7}" type="datetimeFigureOut">
               <a:rPr lang="de-DE" smtClean="0"/>
-              <a:t>26.09.2024</a:t>
+              <a:t>27.09.2024</a:t>
             </a:fld>
             <a:endParaRPr lang="de-DE"/>
           </a:p>
@@ -1150,7 +1151,7 @@
           <a:p>
             <a:fld id="{3F46AE61-50B3-4440-BB01-1FF85E3E82A7}" type="datetimeFigureOut">
               <a:rPr lang="de-DE" smtClean="0"/>
-              <a:t>26.09.2024</a:t>
+              <a:t>27.09.2024</a:t>
             </a:fld>
             <a:endParaRPr lang="de-DE"/>
           </a:p>
@@ -1415,7 +1416,7 @@
           <a:p>
             <a:fld id="{3F46AE61-50B3-4440-BB01-1FF85E3E82A7}" type="datetimeFigureOut">
               <a:rPr lang="de-DE" smtClean="0"/>
-              <a:t>26.09.2024</a:t>
+              <a:t>27.09.2024</a:t>
             </a:fld>
             <a:endParaRPr lang="de-DE"/>
           </a:p>
@@ -1827,7 +1828,7 @@
           <a:p>
             <a:fld id="{3F46AE61-50B3-4440-BB01-1FF85E3E82A7}" type="datetimeFigureOut">
               <a:rPr lang="de-DE" smtClean="0"/>
-              <a:t>26.09.2024</a:t>
+              <a:t>27.09.2024</a:t>
             </a:fld>
             <a:endParaRPr lang="de-DE"/>
           </a:p>
@@ -1968,7 +1969,7 @@
           <a:p>
             <a:fld id="{3F46AE61-50B3-4440-BB01-1FF85E3E82A7}" type="datetimeFigureOut">
               <a:rPr lang="de-DE" smtClean="0"/>
-              <a:t>26.09.2024</a:t>
+              <a:t>27.09.2024</a:t>
             </a:fld>
             <a:endParaRPr lang="de-DE"/>
           </a:p>
@@ -2081,7 +2082,7 @@
           <a:p>
             <a:fld id="{3F46AE61-50B3-4440-BB01-1FF85E3E82A7}" type="datetimeFigureOut">
               <a:rPr lang="de-DE" smtClean="0"/>
-              <a:t>26.09.2024</a:t>
+              <a:t>27.09.2024</a:t>
             </a:fld>
             <a:endParaRPr lang="de-DE"/>
           </a:p>
@@ -2392,7 +2393,7 @@
           <a:p>
             <a:fld id="{3F46AE61-50B3-4440-BB01-1FF85E3E82A7}" type="datetimeFigureOut">
               <a:rPr lang="de-DE" smtClean="0"/>
-              <a:t>26.09.2024</a:t>
+              <a:t>27.09.2024</a:t>
             </a:fld>
             <a:endParaRPr lang="de-DE"/>
           </a:p>
@@ -2680,7 +2681,7 @@
           <a:p>
             <a:fld id="{3F46AE61-50B3-4440-BB01-1FF85E3E82A7}" type="datetimeFigureOut">
               <a:rPr lang="de-DE" smtClean="0"/>
-              <a:t>26.09.2024</a:t>
+              <a:t>27.09.2024</a:t>
             </a:fld>
             <a:endParaRPr lang="de-DE"/>
           </a:p>
@@ -2921,7 +2922,7 @@
           <a:p>
             <a:fld id="{3F46AE61-50B3-4440-BB01-1FF85E3E82A7}" type="datetimeFigureOut">
               <a:rPr lang="de-DE" smtClean="0"/>
-              <a:t>26.09.2024</a:t>
+              <a:t>27.09.2024</a:t>
             </a:fld>
             <a:endParaRPr lang="de-DE"/>
           </a:p>
@@ -3581,7 +3582,7 @@
           <p:cNvPr id="2" name="Titel 1">
             <a:extLst>
               <a:ext uri="{FF2B5EF4-FFF2-40B4-BE49-F238E27FC236}">
-                <a16:creationId xmlns:a16="http://schemas.microsoft.com/office/drawing/2014/main" id="{AC027F97-6EC1-4A37-B082-BDDE5E5BAF69}"/>
+                <a16:creationId xmlns:a16="http://schemas.microsoft.com/office/drawing/2014/main" id="{0E150637-28B9-41D3-8696-7FEB4DFA0671}"/>
               </a:ext>
             </a:extLst>
           </p:cNvPr>
@@ -3599,7 +3600,7 @@
           <a:p>
             <a:r>
               <a:rPr lang="de-DE" dirty="0"/>
-              <a:t>Matrizen</a:t>
+              <a:t>Funktionen</a:t>
             </a:r>
           </a:p>
         </p:txBody>
@@ -3609,7 +3610,7 @@
           <p:cNvPr id="3" name="Inhaltsplatzhalter 2">
             <a:extLst>
               <a:ext uri="{FF2B5EF4-FFF2-40B4-BE49-F238E27FC236}">
-                <a16:creationId xmlns:a16="http://schemas.microsoft.com/office/drawing/2014/main" id="{7150AA3E-74DA-400E-A9AE-32DE27C78691}"/>
+                <a16:creationId xmlns:a16="http://schemas.microsoft.com/office/drawing/2014/main" id="{438E3F8C-ED94-4360-876E-DB66036C02A9}"/>
               </a:ext>
             </a:extLst>
           </p:cNvPr>
@@ -3627,33 +3628,63 @@
           <a:p>
             <a:r>
               <a:rPr lang="de-DE" dirty="0"/>
-              <a:t>2 dimensionaler Vektor</a:t>
-            </a:r>
-          </a:p>
-          <a:p>
-            <a:r>
-              <a:rPr lang="de-DE" dirty="0"/>
-              <a:t>Bei Indizierung mit [] muss jetzt Zeile und Spalte angegeben werden</a:t>
-            </a:r>
-          </a:p>
-          <a:p>
-            <a:r>
-              <a:rPr lang="de-DE" dirty="0"/>
-              <a:t>Erste Zahl: Zeile</a:t>
-            </a:r>
-          </a:p>
-          <a:p>
-            <a:r>
-              <a:rPr lang="de-DE" dirty="0"/>
-              <a:t>Zweite Zahl: Spalte</a:t>
-            </a:r>
+              <a:t>Gekennzeichnet durch ( )</a:t>
+            </a:r>
+          </a:p>
+          <a:p>
+            <a:r>
+              <a:rPr lang="de-DE" dirty="0"/>
+              <a:t>Mit F1 Taste lässt sich die Hilfe Seite der Funktion öffnen</a:t>
+            </a:r>
+          </a:p>
+          <a:p>
+            <a:r>
+              <a:rPr lang="de-DE" dirty="0"/>
+              <a:t>Unbekannte Funktionen lassen sich per Hilfe-&gt;Suche finden</a:t>
+            </a:r>
+          </a:p>
+          <a:p>
+            <a:r>
+              <a:rPr lang="de-DE" dirty="0"/>
+              <a:t>Viele Funktionen sind nur in zusätzlichen Paketen enthalten</a:t>
+            </a:r>
+          </a:p>
+          <a:p>
+            <a:pPr lvl="1"/>
+            <a:r>
+              <a:rPr lang="de-DE" dirty="0"/>
+              <a:t>-&gt; Google </a:t>
+            </a:r>
+          </a:p>
+          <a:p>
+            <a:r>
+              <a:rPr lang="de-DE" dirty="0" err="1"/>
+              <a:t>install.packages</a:t>
+            </a:r>
+            <a:r>
+              <a:rPr lang="de-DE" dirty="0"/>
+              <a:t>(„Paketname“) installiert das Paket</a:t>
+            </a:r>
+          </a:p>
+          <a:p>
+            <a:r>
+              <a:rPr lang="de-DE" dirty="0" err="1"/>
+              <a:t>library</a:t>
+            </a:r>
+            <a:r>
+              <a:rPr lang="de-DE" dirty="0"/>
+              <a:t>(Paketname) oder Paketname:: machen Funktionen zugreifbar</a:t>
+            </a:r>
+          </a:p>
+          <a:p>
+            <a:endParaRPr lang="de-DE" dirty="0"/>
           </a:p>
         </p:txBody>
       </p:sp>
     </p:spTree>
     <p:extLst>
       <p:ext uri="{BB962C8B-B14F-4D97-AF65-F5344CB8AC3E}">
-        <p14:creationId xmlns:p14="http://schemas.microsoft.com/office/powerpoint/2010/main" val="2897851853"/>
+        <p14:creationId xmlns:p14="http://schemas.microsoft.com/office/powerpoint/2010/main" val="3779274688"/>
       </p:ext>
     </p:extLst>
   </p:cSld>
@@ -3685,6 +3716,110 @@
           <p:cNvPr id="2" name="Titel 1">
             <a:extLst>
               <a:ext uri="{FF2B5EF4-FFF2-40B4-BE49-F238E27FC236}">
+                <a16:creationId xmlns:a16="http://schemas.microsoft.com/office/drawing/2014/main" id="{AC027F97-6EC1-4A37-B082-BDDE5E5BAF69}"/>
+              </a:ext>
+            </a:extLst>
+          </p:cNvPr>
+          <p:cNvSpPr>
+            <a:spLocks noGrp="1"/>
+          </p:cNvSpPr>
+          <p:nvPr>
+            <p:ph type="title"/>
+          </p:nvPr>
+        </p:nvSpPr>
+        <p:spPr/>
+        <p:txBody>
+          <a:bodyPr/>
+          <a:lstStyle/>
+          <a:p>
+            <a:r>
+              <a:rPr lang="de-DE" dirty="0"/>
+              <a:t>Matrizen</a:t>
+            </a:r>
+          </a:p>
+        </p:txBody>
+      </p:sp>
+      <p:sp>
+        <p:nvSpPr>
+          <p:cNvPr id="3" name="Inhaltsplatzhalter 2">
+            <a:extLst>
+              <a:ext uri="{FF2B5EF4-FFF2-40B4-BE49-F238E27FC236}">
+                <a16:creationId xmlns:a16="http://schemas.microsoft.com/office/drawing/2014/main" id="{7150AA3E-74DA-400E-A9AE-32DE27C78691}"/>
+              </a:ext>
+            </a:extLst>
+          </p:cNvPr>
+          <p:cNvSpPr>
+            <a:spLocks noGrp="1"/>
+          </p:cNvSpPr>
+          <p:nvPr>
+            <p:ph idx="1"/>
+          </p:nvPr>
+        </p:nvSpPr>
+        <p:spPr/>
+        <p:txBody>
+          <a:bodyPr/>
+          <a:lstStyle/>
+          <a:p>
+            <a:r>
+              <a:rPr lang="de-DE" dirty="0"/>
+              <a:t>2 dimensionaler Vektor</a:t>
+            </a:r>
+          </a:p>
+          <a:p>
+            <a:r>
+              <a:rPr lang="de-DE" dirty="0"/>
+              <a:t>Bei Indizierung mit [] muss jetzt Zeile und Spalte angegeben werden</a:t>
+            </a:r>
+          </a:p>
+          <a:p>
+            <a:r>
+              <a:rPr lang="de-DE" dirty="0"/>
+              <a:t>Erste Zahl: Zeile</a:t>
+            </a:r>
+          </a:p>
+          <a:p>
+            <a:r>
+              <a:rPr lang="de-DE" dirty="0"/>
+              <a:t>Zweite Zahl: Spalte</a:t>
+            </a:r>
+          </a:p>
+        </p:txBody>
+      </p:sp>
+    </p:spTree>
+    <p:extLst>
+      <p:ext uri="{BB962C8B-B14F-4D97-AF65-F5344CB8AC3E}">
+        <p14:creationId xmlns:p14="http://schemas.microsoft.com/office/powerpoint/2010/main" val="2897851853"/>
+      </p:ext>
+    </p:extLst>
+  </p:cSld>
+  <p:clrMapOvr>
+    <a:masterClrMapping/>
+  </p:clrMapOvr>
+</p:sld>
+</file>
+
+<file path=ppt/slides/slide13.xml><?xml version="1.0" encoding="utf-8"?>
+<p:sld xmlns:a="http://schemas.openxmlformats.org/drawingml/2006/main" xmlns:r="http://schemas.openxmlformats.org/officeDocument/2006/relationships" xmlns:p="http://schemas.openxmlformats.org/presentationml/2006/main">
+  <p:cSld>
+    <p:spTree>
+      <p:nvGrpSpPr>
+        <p:cNvPr id="1" name=""/>
+        <p:cNvGrpSpPr/>
+        <p:nvPr/>
+      </p:nvGrpSpPr>
+      <p:grpSpPr>
+        <a:xfrm>
+          <a:off x="0" y="0"/>
+          <a:ext cx="0" cy="0"/>
+          <a:chOff x="0" y="0"/>
+          <a:chExt cx="0" cy="0"/>
+        </a:xfrm>
+      </p:grpSpPr>
+      <p:sp>
+        <p:nvSpPr>
+          <p:cNvPr id="2" name="Titel 1">
+            <a:extLst>
+              <a:ext uri="{FF2B5EF4-FFF2-40B4-BE49-F238E27FC236}">
                 <a16:creationId xmlns:a16="http://schemas.microsoft.com/office/drawing/2014/main" id="{9F03FD5D-0C57-4C4A-9C16-0AFCA3AC19A3}"/>
               </a:ext>
             </a:extLst>
@@ -3779,7 +3914,7 @@
 </p:sld>
 </file>
 
-<file path=ppt/slides/slide13.xml><?xml version="1.0" encoding="utf-8"?>
+<file path=ppt/slides/slide14.xml><?xml version="1.0" encoding="utf-8"?>
 <p:sld xmlns:a="http://schemas.openxmlformats.org/drawingml/2006/main" xmlns:r="http://schemas.openxmlformats.org/officeDocument/2006/relationships" xmlns:p="http://schemas.openxmlformats.org/presentationml/2006/main">
   <p:cSld>
     <p:spTree>

--- a/Einführung in R.pptx
+++ b/Einführung in R.pptx
@@ -2,31 +2,34 @@
 <file path=ppt/presentation.xml><?xml version="1.0" encoding="utf-8"?>
 <p:presentation xmlns:a="http://schemas.openxmlformats.org/drawingml/2006/main" xmlns:r="http://schemas.openxmlformats.org/officeDocument/2006/relationships" xmlns:p="http://schemas.openxmlformats.org/presentationml/2006/main" saveSubsetFonts="1">
   <p:sldMasterIdLst>
-    <p:sldMasterId id="2147483648" r:id="rId1"/>
+    <p:sldMasterId id="2147483732" r:id="rId1"/>
   </p:sldMasterIdLst>
   <p:sldIdLst>
     <p:sldId id="256" r:id="rId2"/>
     <p:sldId id="267" r:id="rId3"/>
-    <p:sldId id="268" r:id="rId4"/>
-    <p:sldId id="266" r:id="rId5"/>
-    <p:sldId id="257" r:id="rId6"/>
-    <p:sldId id="259" r:id="rId7"/>
-    <p:sldId id="264" r:id="rId8"/>
-    <p:sldId id="258" r:id="rId9"/>
-    <p:sldId id="260" r:id="rId10"/>
-    <p:sldId id="261" r:id="rId11"/>
-    <p:sldId id="269" r:id="rId12"/>
-    <p:sldId id="262" r:id="rId13"/>
-    <p:sldId id="263" r:id="rId14"/>
-    <p:sldId id="265" r:id="rId15"/>
+    <p:sldId id="257" r:id="rId4"/>
+    <p:sldId id="270" r:id="rId5"/>
+    <p:sldId id="271" r:id="rId6"/>
+    <p:sldId id="272" r:id="rId7"/>
+    <p:sldId id="268" r:id="rId8"/>
+    <p:sldId id="259" r:id="rId9"/>
+    <p:sldId id="266" r:id="rId10"/>
+    <p:sldId id="264" r:id="rId11"/>
+    <p:sldId id="258" r:id="rId12"/>
+    <p:sldId id="260" r:id="rId13"/>
+    <p:sldId id="261" r:id="rId14"/>
+    <p:sldId id="269" r:id="rId15"/>
+    <p:sldId id="262" r:id="rId16"/>
+    <p:sldId id="263" r:id="rId17"/>
+    <p:sldId id="265" r:id="rId18"/>
   </p:sldIdLst>
   <p:sldSz cx="12192000" cy="6858000"/>
   <p:notesSz cx="6858000" cy="9144000"/>
   <p:defaultTextStyle>
     <a:defPPr>
-      <a:defRPr lang="de-DE"/>
+      <a:defRPr lang="en-US"/>
     </a:defPPr>
-    <a:lvl1pPr marL="0" algn="l" defTabSz="914400" rtl="0" eaLnBrk="1" latinLnBrk="0" hangingPunct="1">
+    <a:lvl1pPr marL="0" algn="l" defTabSz="457200" rtl="0" eaLnBrk="1" latinLnBrk="0" hangingPunct="1">
       <a:defRPr sz="1800" kern="1200">
         <a:solidFill>
           <a:schemeClr val="tx1"/>
@@ -36,7 +39,7 @@
         <a:cs typeface="+mn-cs"/>
       </a:defRPr>
     </a:lvl1pPr>
-    <a:lvl2pPr marL="457200" algn="l" defTabSz="914400" rtl="0" eaLnBrk="1" latinLnBrk="0" hangingPunct="1">
+    <a:lvl2pPr marL="457200" algn="l" defTabSz="457200" rtl="0" eaLnBrk="1" latinLnBrk="0" hangingPunct="1">
       <a:defRPr sz="1800" kern="1200">
         <a:solidFill>
           <a:schemeClr val="tx1"/>
@@ -46,7 +49,7 @@
         <a:cs typeface="+mn-cs"/>
       </a:defRPr>
     </a:lvl2pPr>
-    <a:lvl3pPr marL="914400" algn="l" defTabSz="914400" rtl="0" eaLnBrk="1" latinLnBrk="0" hangingPunct="1">
+    <a:lvl3pPr marL="914400" algn="l" defTabSz="457200" rtl="0" eaLnBrk="1" latinLnBrk="0" hangingPunct="1">
       <a:defRPr sz="1800" kern="1200">
         <a:solidFill>
           <a:schemeClr val="tx1"/>
@@ -56,7 +59,7 @@
         <a:cs typeface="+mn-cs"/>
       </a:defRPr>
     </a:lvl3pPr>
-    <a:lvl4pPr marL="1371600" algn="l" defTabSz="914400" rtl="0" eaLnBrk="1" latinLnBrk="0" hangingPunct="1">
+    <a:lvl4pPr marL="1371600" algn="l" defTabSz="457200" rtl="0" eaLnBrk="1" latinLnBrk="0" hangingPunct="1">
       <a:defRPr sz="1800" kern="1200">
         <a:solidFill>
           <a:schemeClr val="tx1"/>
@@ -66,7 +69,7 @@
         <a:cs typeface="+mn-cs"/>
       </a:defRPr>
     </a:lvl4pPr>
-    <a:lvl5pPr marL="1828800" algn="l" defTabSz="914400" rtl="0" eaLnBrk="1" latinLnBrk="0" hangingPunct="1">
+    <a:lvl5pPr marL="1828800" algn="l" defTabSz="457200" rtl="0" eaLnBrk="1" latinLnBrk="0" hangingPunct="1">
       <a:defRPr sz="1800" kern="1200">
         <a:solidFill>
           <a:schemeClr val="tx1"/>
@@ -76,7 +79,7 @@
         <a:cs typeface="+mn-cs"/>
       </a:defRPr>
     </a:lvl5pPr>
-    <a:lvl6pPr marL="2286000" algn="l" defTabSz="914400" rtl="0" eaLnBrk="1" latinLnBrk="0" hangingPunct="1">
+    <a:lvl6pPr marL="2286000" algn="l" defTabSz="457200" rtl="0" eaLnBrk="1" latinLnBrk="0" hangingPunct="1">
       <a:defRPr sz="1800" kern="1200">
         <a:solidFill>
           <a:schemeClr val="tx1"/>
@@ -86,7 +89,7 @@
         <a:cs typeface="+mn-cs"/>
       </a:defRPr>
     </a:lvl6pPr>
-    <a:lvl7pPr marL="2743200" algn="l" defTabSz="914400" rtl="0" eaLnBrk="1" latinLnBrk="0" hangingPunct="1">
+    <a:lvl7pPr marL="2743200" algn="l" defTabSz="457200" rtl="0" eaLnBrk="1" latinLnBrk="0" hangingPunct="1">
       <a:defRPr sz="1800" kern="1200">
         <a:solidFill>
           <a:schemeClr val="tx1"/>
@@ -96,7 +99,7 @@
         <a:cs typeface="+mn-cs"/>
       </a:defRPr>
     </a:lvl7pPr>
-    <a:lvl8pPr marL="3200400" algn="l" defTabSz="914400" rtl="0" eaLnBrk="1" latinLnBrk="0" hangingPunct="1">
+    <a:lvl8pPr marL="3200400" algn="l" defTabSz="457200" rtl="0" eaLnBrk="1" latinLnBrk="0" hangingPunct="1">
       <a:defRPr sz="1800" kern="1200">
         <a:solidFill>
           <a:schemeClr val="tx1"/>
@@ -106,7 +109,7 @@
         <a:cs typeface="+mn-cs"/>
       </a:defRPr>
     </a:lvl8pPr>
-    <a:lvl9pPr marL="3657600" algn="l" defTabSz="914400" rtl="0" eaLnBrk="1" latinLnBrk="0" hangingPunct="1">
+    <a:lvl9pPr marL="3657600" algn="l" defTabSz="457200" rtl="0" eaLnBrk="1" latinLnBrk="0" hangingPunct="1">
       <a:defRPr sz="1800" kern="1200">
         <a:solidFill>
           <a:schemeClr val="tx1"/>
@@ -128,6 +131,14 @@
 <file path=ppt/slideLayouts/slideLayout1.xml><?xml version="1.0" encoding="utf-8"?>
 <p:sldLayout xmlns:a="http://schemas.openxmlformats.org/drawingml/2006/main" xmlns:r="http://schemas.openxmlformats.org/officeDocument/2006/relationships" xmlns:p="http://schemas.openxmlformats.org/presentationml/2006/main" type="title" preserve="1">
   <p:cSld name="Titelfolie">
+    <p:bg>
+      <p:bgPr>
+        <a:solidFill>
+          <a:schemeClr val="accent1"/>
+        </a:solidFill>
+        <a:effectLst/>
+      </p:bgPr>
+    </p:bg>
     <p:spTree>
       <p:nvGrpSpPr>
         <p:cNvPr id="1" name=""/>
@@ -144,31 +155,69 @@
       </p:grpSpPr>
       <p:sp>
         <p:nvSpPr>
-          <p:cNvPr id="2" name="Titel 1">
-            <a:extLst>
-              <a:ext uri="{FF2B5EF4-FFF2-40B4-BE49-F238E27FC236}">
-                <a16:creationId xmlns:a16="http://schemas.microsoft.com/office/drawing/2014/main" id="{208C6BDE-4365-4A8B-B9AC-FE77C0E4D7A2}"/>
-              </a:ext>
-            </a:extLst>
-          </p:cNvPr>
-          <p:cNvSpPr>
-            <a:spLocks noGrp="1"/>
-          </p:cNvSpPr>
-          <p:nvPr>
-            <p:ph type="ctrTitle"/>
-          </p:nvPr>
+          <p:cNvPr id="4" name="Rectangle 3"/>
+          <p:cNvSpPr/>
+          <p:nvPr/>
         </p:nvSpPr>
         <p:spPr>
           <a:xfrm>
-            <a:off x="1524000" y="1122363"/>
-            <a:ext cx="9144000" cy="2387600"/>
+            <a:off x="0" y="0"/>
+            <a:ext cx="12192000" cy="6858000"/>
+          </a:xfrm>
+          <a:prstGeom prst="rect">
+            <a:avLst/>
+          </a:prstGeom>
+          <a:ln>
+            <a:noFill/>
+          </a:ln>
+        </p:spPr>
+        <p:style>
+          <a:lnRef idx="2">
+            <a:schemeClr val="accent1">
+              <a:shade val="50000"/>
+            </a:schemeClr>
+          </a:lnRef>
+          <a:fillRef idx="1">
+            <a:schemeClr val="accent1"/>
+          </a:fillRef>
+          <a:effectRef idx="0">
+            <a:schemeClr val="accent1"/>
+          </a:effectRef>
+          <a:fontRef idx="minor">
+            <a:schemeClr val="lt1"/>
+          </a:fontRef>
+        </p:style>
+      </p:sp>
+      <p:sp>
+        <p:nvSpPr>
+          <p:cNvPr id="2" name="Title 1"/>
+          <p:cNvSpPr>
+            <a:spLocks noGrp="1"/>
+          </p:cNvSpPr>
+          <p:nvPr>
+            <p:ph type="ctrTitle"/>
+          </p:nvPr>
+        </p:nvSpPr>
+        <p:spPr>
+          <a:xfrm>
+            <a:off x="603504" y="770467"/>
+            <a:ext cx="10782300" cy="3352800"/>
           </a:xfrm>
         </p:spPr>
         <p:txBody>
-          <a:bodyPr anchor="b"/>
+          <a:bodyPr anchor="b">
+            <a:noAutofit/>
+          </a:bodyPr>
           <a:lstStyle>
-            <a:lvl1pPr algn="ctr">
-              <a:defRPr sz="6000"/>
+            <a:lvl1pPr algn="l">
+              <a:lnSpc>
+                <a:spcPct val="80000"/>
+              </a:lnSpc>
+              <a:defRPr sz="8800" spc="-120" baseline="0">
+                <a:solidFill>
+                  <a:srgbClr val="FFFFFF"/>
+                </a:solidFill>
+              </a:defRPr>
             </a:lvl1pPr>
           </a:lstStyle>
           <a:p>
@@ -176,18 +225,13 @@
               <a:rPr lang="de-DE"/>
               <a:t>Mastertitelformat bearbeiten</a:t>
             </a:r>
-          </a:p>
-        </p:txBody>
-      </p:sp>
-      <p:sp>
-        <p:nvSpPr>
-          <p:cNvPr id="3" name="Untertitel 2">
-            <a:extLst>
-              <a:ext uri="{FF2B5EF4-FFF2-40B4-BE49-F238E27FC236}">
-                <a16:creationId xmlns:a16="http://schemas.microsoft.com/office/drawing/2014/main" id="{EBEED8F7-0133-4492-8FAB-6DA076E5D4F6}"/>
-              </a:ext>
-            </a:extLst>
-          </p:cNvPr>
+            <a:endParaRPr lang="en-US" dirty="0"/>
+          </a:p>
+        </p:txBody>
+      </p:sp>
+      <p:sp>
+        <p:nvSpPr>
+          <p:cNvPr id="3" name="Subtitle 2"/>
           <p:cNvSpPr>
             <a:spLocks noGrp="1"/>
           </p:cNvSpPr>
@@ -197,82 +241,94 @@
         </p:nvSpPr>
         <p:spPr>
           <a:xfrm>
-            <a:off x="1524000" y="3602038"/>
-            <a:ext cx="9144000" cy="1655762"/>
+            <a:off x="667512" y="4206876"/>
+            <a:ext cx="9228201" cy="1645920"/>
           </a:xfrm>
         </p:spPr>
         <p:txBody>
+          <a:bodyPr>
+            <a:normAutofit/>
+          </a:bodyPr>
+          <a:lstStyle>
+            <a:lvl1pPr marL="0" indent="0" algn="l">
+              <a:buNone/>
+              <a:defRPr sz="3200">
+                <a:solidFill>
+                  <a:schemeClr val="bg1"/>
+                </a:solidFill>
+                <a:latin typeface="+mj-lt"/>
+              </a:defRPr>
+            </a:lvl1pPr>
+            <a:lvl2pPr marL="457200" indent="0" algn="ctr">
+              <a:buNone/>
+              <a:defRPr sz="2800"/>
+            </a:lvl2pPr>
+            <a:lvl3pPr marL="914400" indent="0" algn="ctr">
+              <a:buNone/>
+              <a:defRPr sz="2400"/>
+            </a:lvl3pPr>
+            <a:lvl4pPr marL="1371600" indent="0" algn="ctr">
+              <a:buNone/>
+              <a:defRPr sz="2000"/>
+            </a:lvl4pPr>
+            <a:lvl5pPr marL="1828800" indent="0" algn="ctr">
+              <a:buNone/>
+              <a:defRPr sz="2000"/>
+            </a:lvl5pPr>
+            <a:lvl6pPr marL="2286000" indent="0" algn="ctr">
+              <a:buNone/>
+              <a:defRPr sz="2000"/>
+            </a:lvl6pPr>
+            <a:lvl7pPr marL="2743200" indent="0" algn="ctr">
+              <a:buNone/>
+              <a:defRPr sz="2000"/>
+            </a:lvl7pPr>
+            <a:lvl8pPr marL="3200400" indent="0" algn="ctr">
+              <a:buNone/>
+              <a:defRPr sz="2000"/>
+            </a:lvl8pPr>
+            <a:lvl9pPr marL="3657600" indent="0" algn="ctr">
+              <a:buNone/>
+              <a:defRPr sz="2000"/>
+            </a:lvl9pPr>
+          </a:lstStyle>
+          <a:p>
+            <a:r>
+              <a:rPr lang="de-DE"/>
+              <a:t>Master-Untertitelformat bearbeiten</a:t>
+            </a:r>
+            <a:endParaRPr lang="en-US" dirty="0"/>
+          </a:p>
+        </p:txBody>
+      </p:sp>
+      <p:sp>
+        <p:nvSpPr>
+          <p:cNvPr id="7" name="Date Placeholder 6"/>
+          <p:cNvSpPr>
+            <a:spLocks noGrp="1"/>
+          </p:cNvSpPr>
+          <p:nvPr>
+            <p:ph type="dt" sz="half" idx="10"/>
+          </p:nvPr>
+        </p:nvSpPr>
+        <p:spPr/>
+        <p:txBody>
           <a:bodyPr/>
           <a:lstStyle>
-            <a:lvl1pPr marL="0" indent="0" algn="ctr">
-              <a:buNone/>
-              <a:defRPr sz="2400"/>
+            <a:lvl1pPr>
+              <a:defRPr>
+                <a:solidFill>
+                  <a:srgbClr val="FFFFFF">
+                    <a:alpha val="80000"/>
+                  </a:srgbClr>
+                </a:solidFill>
+              </a:defRPr>
             </a:lvl1pPr>
-            <a:lvl2pPr marL="457200" indent="0" algn="ctr">
-              <a:buNone/>
-              <a:defRPr sz="2000"/>
-            </a:lvl2pPr>
-            <a:lvl3pPr marL="914400" indent="0" algn="ctr">
-              <a:buNone/>
-              <a:defRPr sz="1800"/>
-            </a:lvl3pPr>
-            <a:lvl4pPr marL="1371600" indent="0" algn="ctr">
-              <a:buNone/>
-              <a:defRPr sz="1600"/>
-            </a:lvl4pPr>
-            <a:lvl5pPr marL="1828800" indent="0" algn="ctr">
-              <a:buNone/>
-              <a:defRPr sz="1600"/>
-            </a:lvl5pPr>
-            <a:lvl6pPr marL="2286000" indent="0" algn="ctr">
-              <a:buNone/>
-              <a:defRPr sz="1600"/>
-            </a:lvl6pPr>
-            <a:lvl7pPr marL="2743200" indent="0" algn="ctr">
-              <a:buNone/>
-              <a:defRPr sz="1600"/>
-            </a:lvl7pPr>
-            <a:lvl8pPr marL="3200400" indent="0" algn="ctr">
-              <a:buNone/>
-              <a:defRPr sz="1600"/>
-            </a:lvl8pPr>
-            <a:lvl9pPr marL="3657600" indent="0" algn="ctr">
-              <a:buNone/>
-              <a:defRPr sz="1600"/>
-            </a:lvl9pPr>
           </a:lstStyle>
-          <a:p>
-            <a:r>
-              <a:rPr lang="de-DE"/>
-              <a:t>Master-Untertitelformat bearbeiten</a:t>
-            </a:r>
-          </a:p>
-        </p:txBody>
-      </p:sp>
-      <p:sp>
-        <p:nvSpPr>
-          <p:cNvPr id="4" name="Datumsplatzhalter 3">
-            <a:extLst>
-              <a:ext uri="{FF2B5EF4-FFF2-40B4-BE49-F238E27FC236}">
-                <a16:creationId xmlns:a16="http://schemas.microsoft.com/office/drawing/2014/main" id="{260B8C13-DA46-49CE-BD45-9A9872E44306}"/>
-              </a:ext>
-            </a:extLst>
-          </p:cNvPr>
-          <p:cNvSpPr>
-            <a:spLocks noGrp="1"/>
-          </p:cNvSpPr>
-          <p:nvPr>
-            <p:ph type="dt" sz="half" idx="10"/>
-          </p:nvPr>
-        </p:nvSpPr>
-        <p:spPr/>
-        <p:txBody>
-          <a:bodyPr/>
-          <a:lstStyle/>
           <a:p>
             <a:fld id="{3F46AE61-50B3-4440-BB01-1FF85E3E82A7}" type="datetimeFigureOut">
               <a:rPr lang="de-DE" smtClean="0"/>
-              <a:t>27.09.2024</a:t>
+              <a:t>29.09.2024</a:t>
             </a:fld>
             <a:endParaRPr lang="de-DE"/>
           </a:p>
@@ -280,13 +336,7 @@
       </p:sp>
       <p:sp>
         <p:nvSpPr>
-          <p:cNvPr id="5" name="Fußzeilenplatzhalter 4">
-            <a:extLst>
-              <a:ext uri="{FF2B5EF4-FFF2-40B4-BE49-F238E27FC236}">
-                <a16:creationId xmlns:a16="http://schemas.microsoft.com/office/drawing/2014/main" id="{30D44C6B-6E4A-4BEF-BF59-491314631897}"/>
-              </a:ext>
-            </a:extLst>
-          </p:cNvPr>
+          <p:cNvPr id="8" name="Footer Placeholder 7"/>
           <p:cNvSpPr>
             <a:spLocks noGrp="1"/>
           </p:cNvSpPr>
@@ -297,7 +347,17 @@
         <p:spPr/>
         <p:txBody>
           <a:bodyPr/>
-          <a:lstStyle/>
+          <a:lstStyle>
+            <a:lvl1pPr>
+              <a:defRPr>
+                <a:solidFill>
+                  <a:srgbClr val="FFFFFF">
+                    <a:alpha val="80000"/>
+                  </a:srgbClr>
+                </a:solidFill>
+              </a:defRPr>
+            </a:lvl1pPr>
+          </a:lstStyle>
           <a:p>
             <a:endParaRPr lang="de-DE"/>
           </a:p>
@@ -305,13 +365,7 @@
       </p:sp>
       <p:sp>
         <p:nvSpPr>
-          <p:cNvPr id="6" name="Foliennummernplatzhalter 5">
-            <a:extLst>
-              <a:ext uri="{FF2B5EF4-FFF2-40B4-BE49-F238E27FC236}">
-                <a16:creationId xmlns:a16="http://schemas.microsoft.com/office/drawing/2014/main" id="{A202DA46-4CDC-40F6-AB24-6D861DB6C027}"/>
-              </a:ext>
-            </a:extLst>
-          </p:cNvPr>
+          <p:cNvPr id="9" name="Slide Number Placeholder 8"/>
           <p:cNvSpPr>
             <a:spLocks noGrp="1"/>
           </p:cNvSpPr>
@@ -322,7 +376,17 @@
         <p:spPr/>
         <p:txBody>
           <a:bodyPr/>
-          <a:lstStyle/>
+          <a:lstStyle>
+            <a:lvl1pPr>
+              <a:defRPr>
+                <a:solidFill>
+                  <a:srgbClr val="FFFFFF">
+                    <a:alpha val="25000"/>
+                  </a:srgbClr>
+                </a:solidFill>
+              </a:defRPr>
+            </a:lvl1pPr>
+          </a:lstStyle>
           <a:p>
             <a:fld id="{60F72BB8-D371-4C53-BF81-5F90ACECF96B}" type="slidenum">
               <a:rPr lang="de-DE" smtClean="0"/>
@@ -335,7 +399,7 @@
     </p:spTree>
     <p:extLst>
       <p:ext uri="{BB962C8B-B14F-4D97-AF65-F5344CB8AC3E}">
-        <p14:creationId xmlns:p14="http://schemas.microsoft.com/office/powerpoint/2010/main" val="3552492028"/>
+        <p14:creationId xmlns:p14="http://schemas.microsoft.com/office/powerpoint/2010/main" val="3396134289"/>
       </p:ext>
     </p:extLst>
   </p:cSld>
@@ -364,13 +428,7 @@
       </p:grpSpPr>
       <p:sp>
         <p:nvSpPr>
-          <p:cNvPr id="2" name="Titel 1">
-            <a:extLst>
-              <a:ext uri="{FF2B5EF4-FFF2-40B4-BE49-F238E27FC236}">
-                <a16:creationId xmlns:a16="http://schemas.microsoft.com/office/drawing/2014/main" id="{E585A01C-9968-4299-BCFD-05C89649BB3E}"/>
-              </a:ext>
-            </a:extLst>
-          </p:cNvPr>
+          <p:cNvPr id="2" name="Title 1"/>
           <p:cNvSpPr>
             <a:spLocks noGrp="1"/>
           </p:cNvSpPr>
@@ -387,18 +445,13 @@
               <a:rPr lang="de-DE"/>
               <a:t>Mastertitelformat bearbeiten</a:t>
             </a:r>
-          </a:p>
-        </p:txBody>
-      </p:sp>
-      <p:sp>
-        <p:nvSpPr>
-          <p:cNvPr id="3" name="Vertikaler Textplatzhalter 2">
-            <a:extLst>
-              <a:ext uri="{FF2B5EF4-FFF2-40B4-BE49-F238E27FC236}">
-                <a16:creationId xmlns:a16="http://schemas.microsoft.com/office/drawing/2014/main" id="{A40E75A1-4C4A-48D2-9B2C-094A5B366A27}"/>
-              </a:ext>
-            </a:extLst>
-          </p:cNvPr>
+            <a:endParaRPr lang="en-US" dirty="0"/>
+          </a:p>
+        </p:txBody>
+      </p:sp>
+      <p:sp>
+        <p:nvSpPr>
+          <p:cNvPr id="3" name="Vertical Text Placeholder 2"/>
           <p:cNvSpPr>
             <a:spLocks noGrp="1"/>
           </p:cNvSpPr>
@@ -444,18 +497,13 @@
               <a:rPr lang="de-DE"/>
               <a:t>Fünfte Ebene</a:t>
             </a:r>
-          </a:p>
-        </p:txBody>
-      </p:sp>
-      <p:sp>
-        <p:nvSpPr>
-          <p:cNvPr id="4" name="Datumsplatzhalter 3">
-            <a:extLst>
-              <a:ext uri="{FF2B5EF4-FFF2-40B4-BE49-F238E27FC236}">
-                <a16:creationId xmlns:a16="http://schemas.microsoft.com/office/drawing/2014/main" id="{8088B42D-3E74-4A5C-B775-741D5D791EAE}"/>
-              </a:ext>
-            </a:extLst>
-          </p:cNvPr>
+            <a:endParaRPr lang="en-US" dirty="0"/>
+          </a:p>
+        </p:txBody>
+      </p:sp>
+      <p:sp>
+        <p:nvSpPr>
+          <p:cNvPr id="4" name="Date Placeholder 3"/>
           <p:cNvSpPr>
             <a:spLocks noGrp="1"/>
           </p:cNvSpPr>
@@ -470,7 +518,7 @@
           <a:p>
             <a:fld id="{3F46AE61-50B3-4440-BB01-1FF85E3E82A7}" type="datetimeFigureOut">
               <a:rPr lang="de-DE" smtClean="0"/>
-              <a:t>27.09.2024</a:t>
+              <a:t>29.09.2024</a:t>
             </a:fld>
             <a:endParaRPr lang="de-DE"/>
           </a:p>
@@ -478,13 +526,7 @@
       </p:sp>
       <p:sp>
         <p:nvSpPr>
-          <p:cNvPr id="5" name="Fußzeilenplatzhalter 4">
-            <a:extLst>
-              <a:ext uri="{FF2B5EF4-FFF2-40B4-BE49-F238E27FC236}">
-                <a16:creationId xmlns:a16="http://schemas.microsoft.com/office/drawing/2014/main" id="{D09E93B7-A5C0-4159-A317-279274AE80BC}"/>
-              </a:ext>
-            </a:extLst>
-          </p:cNvPr>
+          <p:cNvPr id="5" name="Footer Placeholder 4"/>
           <p:cNvSpPr>
             <a:spLocks noGrp="1"/>
           </p:cNvSpPr>
@@ -503,13 +545,7 @@
       </p:sp>
       <p:sp>
         <p:nvSpPr>
-          <p:cNvPr id="6" name="Foliennummernplatzhalter 5">
-            <a:extLst>
-              <a:ext uri="{FF2B5EF4-FFF2-40B4-BE49-F238E27FC236}">
-                <a16:creationId xmlns:a16="http://schemas.microsoft.com/office/drawing/2014/main" id="{0D79C3EC-8820-4D63-B780-E7E7D0298A6D}"/>
-              </a:ext>
-            </a:extLst>
-          </p:cNvPr>
+          <p:cNvPr id="6" name="Slide Number Placeholder 5"/>
           <p:cNvSpPr>
             <a:spLocks noGrp="1"/>
           </p:cNvSpPr>
@@ -533,7 +569,7 @@
     </p:spTree>
     <p:extLst>
       <p:ext uri="{BB962C8B-B14F-4D97-AF65-F5344CB8AC3E}">
-        <p14:creationId xmlns:p14="http://schemas.microsoft.com/office/powerpoint/2010/main" val="2664409191"/>
+        <p14:creationId xmlns:p14="http://schemas.microsoft.com/office/powerpoint/2010/main" val="331887012"/>
       </p:ext>
     </p:extLst>
   </p:cSld>
@@ -562,13 +598,7 @@
       </p:grpSpPr>
       <p:sp>
         <p:nvSpPr>
-          <p:cNvPr id="2" name="Vertikaler Titel 1">
-            <a:extLst>
-              <a:ext uri="{FF2B5EF4-FFF2-40B4-BE49-F238E27FC236}">
-                <a16:creationId xmlns:a16="http://schemas.microsoft.com/office/drawing/2014/main" id="{8F6600E1-99D3-4BF1-9414-A5328C04832C}"/>
-              </a:ext>
-            </a:extLst>
-          </p:cNvPr>
+          <p:cNvPr id="2" name="Vertical Title 1"/>
           <p:cNvSpPr>
             <a:spLocks noGrp="1"/>
           </p:cNvSpPr>
@@ -578,8 +608,8 @@
         </p:nvSpPr>
         <p:spPr>
           <a:xfrm>
-            <a:off x="8724900" y="365125"/>
-            <a:ext cx="2628900" cy="5811838"/>
+            <a:off x="8743950" y="695325"/>
+            <a:ext cx="2628900" cy="4800600"/>
           </a:xfrm>
         </p:spPr>
         <p:txBody>
@@ -590,18 +620,13 @@
               <a:rPr lang="de-DE"/>
               <a:t>Mastertitelformat bearbeiten</a:t>
             </a:r>
-          </a:p>
-        </p:txBody>
-      </p:sp>
-      <p:sp>
-        <p:nvSpPr>
-          <p:cNvPr id="3" name="Vertikaler Textplatzhalter 2">
-            <a:extLst>
-              <a:ext uri="{FF2B5EF4-FFF2-40B4-BE49-F238E27FC236}">
-                <a16:creationId xmlns:a16="http://schemas.microsoft.com/office/drawing/2014/main" id="{B87C23C3-15B6-4737-A1BC-FCE3D19EEBB5}"/>
-              </a:ext>
-            </a:extLst>
-          </p:cNvPr>
+            <a:endParaRPr lang="en-US" dirty="0"/>
+          </a:p>
+        </p:txBody>
+      </p:sp>
+      <p:sp>
+        <p:nvSpPr>
+          <p:cNvPr id="3" name="Vertical Text Placeholder 2"/>
           <p:cNvSpPr>
             <a:spLocks noGrp="1"/>
           </p:cNvSpPr>
@@ -611,8 +636,8 @@
         </p:nvSpPr>
         <p:spPr>
           <a:xfrm>
-            <a:off x="838200" y="365125"/>
-            <a:ext cx="7734300" cy="5811838"/>
+            <a:off x="771525" y="714375"/>
+            <a:ext cx="7734300" cy="5400675"/>
           </a:xfrm>
         </p:spPr>
         <p:txBody>
@@ -652,18 +677,13 @@
               <a:rPr lang="de-DE"/>
               <a:t>Fünfte Ebene</a:t>
             </a:r>
-          </a:p>
-        </p:txBody>
-      </p:sp>
-      <p:sp>
-        <p:nvSpPr>
-          <p:cNvPr id="4" name="Datumsplatzhalter 3">
-            <a:extLst>
-              <a:ext uri="{FF2B5EF4-FFF2-40B4-BE49-F238E27FC236}">
-                <a16:creationId xmlns:a16="http://schemas.microsoft.com/office/drawing/2014/main" id="{A6745182-D12B-4C45-82EF-4ECCFAE8F729}"/>
-              </a:ext>
-            </a:extLst>
-          </p:cNvPr>
+            <a:endParaRPr lang="en-US" dirty="0"/>
+          </a:p>
+        </p:txBody>
+      </p:sp>
+      <p:sp>
+        <p:nvSpPr>
+          <p:cNvPr id="4" name="Date Placeholder 3"/>
           <p:cNvSpPr>
             <a:spLocks noGrp="1"/>
           </p:cNvSpPr>
@@ -678,7 +698,7 @@
           <a:p>
             <a:fld id="{3F46AE61-50B3-4440-BB01-1FF85E3E82A7}" type="datetimeFigureOut">
               <a:rPr lang="de-DE" smtClean="0"/>
-              <a:t>27.09.2024</a:t>
+              <a:t>29.09.2024</a:t>
             </a:fld>
             <a:endParaRPr lang="de-DE"/>
           </a:p>
@@ -686,13 +706,7 @@
       </p:sp>
       <p:sp>
         <p:nvSpPr>
-          <p:cNvPr id="5" name="Fußzeilenplatzhalter 4">
-            <a:extLst>
-              <a:ext uri="{FF2B5EF4-FFF2-40B4-BE49-F238E27FC236}">
-                <a16:creationId xmlns:a16="http://schemas.microsoft.com/office/drawing/2014/main" id="{893A700F-9CDA-4F2E-944B-040FBEF53C59}"/>
-              </a:ext>
-            </a:extLst>
-          </p:cNvPr>
+          <p:cNvPr id="5" name="Footer Placeholder 4"/>
           <p:cNvSpPr>
             <a:spLocks noGrp="1"/>
           </p:cNvSpPr>
@@ -711,13 +725,7 @@
       </p:sp>
       <p:sp>
         <p:nvSpPr>
-          <p:cNvPr id="6" name="Foliennummernplatzhalter 5">
-            <a:extLst>
-              <a:ext uri="{FF2B5EF4-FFF2-40B4-BE49-F238E27FC236}">
-                <a16:creationId xmlns:a16="http://schemas.microsoft.com/office/drawing/2014/main" id="{66F73EBA-813D-4DED-8E7E-6573FF4484C8}"/>
-              </a:ext>
-            </a:extLst>
-          </p:cNvPr>
+          <p:cNvPr id="6" name="Slide Number Placeholder 5"/>
           <p:cNvSpPr>
             <a:spLocks noGrp="1"/>
           </p:cNvSpPr>
@@ -741,7 +749,7 @@
     </p:spTree>
     <p:extLst>
       <p:ext uri="{BB962C8B-B14F-4D97-AF65-F5344CB8AC3E}">
-        <p14:creationId xmlns:p14="http://schemas.microsoft.com/office/powerpoint/2010/main" val="3222643652"/>
+        <p14:creationId xmlns:p14="http://schemas.microsoft.com/office/powerpoint/2010/main" val="2439019761"/>
       </p:ext>
     </p:extLst>
   </p:cSld>
@@ -770,13 +778,7 @@
       </p:grpSpPr>
       <p:sp>
         <p:nvSpPr>
-          <p:cNvPr id="2" name="Titel 1">
-            <a:extLst>
-              <a:ext uri="{FF2B5EF4-FFF2-40B4-BE49-F238E27FC236}">
-                <a16:creationId xmlns:a16="http://schemas.microsoft.com/office/drawing/2014/main" id="{49E02AF2-C2ED-4454-9071-4D92E0BB1902}"/>
-              </a:ext>
-            </a:extLst>
-          </p:cNvPr>
+          <p:cNvPr id="2" name="Title 1"/>
           <p:cNvSpPr>
             <a:spLocks noGrp="1"/>
           </p:cNvSpPr>
@@ -793,18 +795,13 @@
               <a:rPr lang="de-DE"/>
               <a:t>Mastertitelformat bearbeiten</a:t>
             </a:r>
-          </a:p>
-        </p:txBody>
-      </p:sp>
-      <p:sp>
-        <p:nvSpPr>
-          <p:cNvPr id="3" name="Inhaltsplatzhalter 2">
-            <a:extLst>
-              <a:ext uri="{FF2B5EF4-FFF2-40B4-BE49-F238E27FC236}">
-                <a16:creationId xmlns:a16="http://schemas.microsoft.com/office/drawing/2014/main" id="{23A09C66-8595-43ED-A41B-8E02A6F8CD5E}"/>
-              </a:ext>
-            </a:extLst>
-          </p:cNvPr>
+            <a:endParaRPr lang="en-US" dirty="0"/>
+          </a:p>
+        </p:txBody>
+      </p:sp>
+      <p:sp>
+        <p:nvSpPr>
+          <p:cNvPr id="3" name="Content Placeholder 2"/>
           <p:cNvSpPr>
             <a:spLocks noGrp="1"/>
           </p:cNvSpPr>
@@ -850,18 +847,13 @@
               <a:rPr lang="de-DE"/>
               <a:t>Fünfte Ebene</a:t>
             </a:r>
-          </a:p>
-        </p:txBody>
-      </p:sp>
-      <p:sp>
-        <p:nvSpPr>
-          <p:cNvPr id="4" name="Datumsplatzhalter 3">
-            <a:extLst>
-              <a:ext uri="{FF2B5EF4-FFF2-40B4-BE49-F238E27FC236}">
-                <a16:creationId xmlns:a16="http://schemas.microsoft.com/office/drawing/2014/main" id="{3333B566-D08F-4F8A-AFE4-A153576D6864}"/>
-              </a:ext>
-            </a:extLst>
-          </p:cNvPr>
+            <a:endParaRPr lang="en-US" dirty="0"/>
+          </a:p>
+        </p:txBody>
+      </p:sp>
+      <p:sp>
+        <p:nvSpPr>
+          <p:cNvPr id="4" name="Date Placeholder 3"/>
           <p:cNvSpPr>
             <a:spLocks noGrp="1"/>
           </p:cNvSpPr>
@@ -876,7 +868,7 @@
           <a:p>
             <a:fld id="{3F46AE61-50B3-4440-BB01-1FF85E3E82A7}" type="datetimeFigureOut">
               <a:rPr lang="de-DE" smtClean="0"/>
-              <a:t>27.09.2024</a:t>
+              <a:t>29.09.2024</a:t>
             </a:fld>
             <a:endParaRPr lang="de-DE"/>
           </a:p>
@@ -884,13 +876,7 @@
       </p:sp>
       <p:sp>
         <p:nvSpPr>
-          <p:cNvPr id="5" name="Fußzeilenplatzhalter 4">
-            <a:extLst>
-              <a:ext uri="{FF2B5EF4-FFF2-40B4-BE49-F238E27FC236}">
-                <a16:creationId xmlns:a16="http://schemas.microsoft.com/office/drawing/2014/main" id="{206FA33E-340C-48E8-8B51-CD4E353AF538}"/>
-              </a:ext>
-            </a:extLst>
-          </p:cNvPr>
+          <p:cNvPr id="5" name="Footer Placeholder 4"/>
           <p:cNvSpPr>
             <a:spLocks noGrp="1"/>
           </p:cNvSpPr>
@@ -909,13 +895,7 @@
       </p:sp>
       <p:sp>
         <p:nvSpPr>
-          <p:cNvPr id="6" name="Foliennummernplatzhalter 5">
-            <a:extLst>
-              <a:ext uri="{FF2B5EF4-FFF2-40B4-BE49-F238E27FC236}">
-                <a16:creationId xmlns:a16="http://schemas.microsoft.com/office/drawing/2014/main" id="{8AD08211-8DB6-4EC4-917F-42D8FE4A3C46}"/>
-              </a:ext>
-            </a:extLst>
-          </p:cNvPr>
+          <p:cNvPr id="6" name="Slide Number Placeholder 5"/>
           <p:cNvSpPr>
             <a:spLocks noGrp="1"/>
           </p:cNvSpPr>
@@ -939,7 +919,7 @@
     </p:spTree>
     <p:extLst>
       <p:ext uri="{BB962C8B-B14F-4D97-AF65-F5344CB8AC3E}">
-        <p14:creationId xmlns:p14="http://schemas.microsoft.com/office/powerpoint/2010/main" val="3673401770"/>
+        <p14:creationId xmlns:p14="http://schemas.microsoft.com/office/powerpoint/2010/main" val="2256114281"/>
       </p:ext>
     </p:extLst>
   </p:cSld>
@@ -968,13 +948,7 @@
       </p:grpSpPr>
       <p:sp>
         <p:nvSpPr>
-          <p:cNvPr id="2" name="Titel 1">
-            <a:extLst>
-              <a:ext uri="{FF2B5EF4-FFF2-40B4-BE49-F238E27FC236}">
-                <a16:creationId xmlns:a16="http://schemas.microsoft.com/office/drawing/2014/main" id="{95CB9AC8-2D65-43AD-8267-C0767E2ED386}"/>
-              </a:ext>
-            </a:extLst>
-          </p:cNvPr>
+          <p:cNvPr id="2" name="Title 1"/>
           <p:cNvSpPr>
             <a:spLocks noGrp="1"/>
           </p:cNvSpPr>
@@ -984,63 +958,68 @@
         </p:nvSpPr>
         <p:spPr>
           <a:xfrm>
-            <a:off x="831850" y="1709738"/>
-            <a:ext cx="10515600" cy="2852737"/>
+            <a:off x="603504" y="767419"/>
+            <a:ext cx="10780776" cy="3355848"/>
           </a:xfrm>
         </p:spPr>
         <p:txBody>
-          <a:bodyPr anchor="b"/>
+          <a:bodyPr anchor="b">
+            <a:normAutofit/>
+          </a:bodyPr>
           <a:lstStyle>
             <a:lvl1pPr>
-              <a:defRPr sz="6000"/>
-            </a:lvl1pPr>
-          </a:lstStyle>
-          <a:p>
-            <a:r>
-              <a:rPr lang="de-DE"/>
-              <a:t>Mastertitelformat bearbeiten</a:t>
-            </a:r>
-          </a:p>
-        </p:txBody>
-      </p:sp>
-      <p:sp>
-        <p:nvSpPr>
-          <p:cNvPr id="3" name="Textplatzhalter 2">
-            <a:extLst>
-              <a:ext uri="{FF2B5EF4-FFF2-40B4-BE49-F238E27FC236}">
-                <a16:creationId xmlns:a16="http://schemas.microsoft.com/office/drawing/2014/main" id="{0A959A4D-E113-4553-BAA0-3D82BE572731}"/>
-              </a:ext>
-            </a:extLst>
-          </p:cNvPr>
-          <p:cNvSpPr>
-            <a:spLocks noGrp="1"/>
-          </p:cNvSpPr>
-          <p:nvPr>
-            <p:ph type="body" idx="1"/>
-          </p:nvPr>
-        </p:nvSpPr>
-        <p:spPr>
-          <a:xfrm>
-            <a:off x="831850" y="4589463"/>
-            <a:ext cx="10515600" cy="1500187"/>
-          </a:xfrm>
-        </p:spPr>
-        <p:txBody>
-          <a:bodyPr/>
-          <a:lstStyle>
-            <a:lvl1pPr marL="0" indent="0">
-              <a:buNone/>
-              <a:defRPr sz="2400">
+              <a:lnSpc>
+                <a:spcPct val="80000"/>
+              </a:lnSpc>
+              <a:defRPr sz="8800" b="0" baseline="0">
                 <a:solidFill>
-                  <a:schemeClr val="tx1">
-                    <a:tint val="75000"/>
-                  </a:schemeClr>
+                  <a:schemeClr val="accent1"/>
                 </a:solidFill>
               </a:defRPr>
             </a:lvl1pPr>
+          </a:lstStyle>
+          <a:p>
+            <a:r>
+              <a:rPr lang="de-DE"/>
+              <a:t>Mastertitelformat bearbeiten</a:t>
+            </a:r>
+            <a:endParaRPr lang="en-US" dirty="0"/>
+          </a:p>
+        </p:txBody>
+      </p:sp>
+      <p:sp>
+        <p:nvSpPr>
+          <p:cNvPr id="3" name="Text Placeholder 2"/>
+          <p:cNvSpPr>
+            <a:spLocks noGrp="1"/>
+          </p:cNvSpPr>
+          <p:nvPr>
+            <p:ph type="body" idx="1"/>
+          </p:nvPr>
+        </p:nvSpPr>
+        <p:spPr>
+          <a:xfrm>
+            <a:off x="667512" y="4204209"/>
+            <a:ext cx="9226296" cy="1645920"/>
+          </a:xfrm>
+        </p:spPr>
+        <p:txBody>
+          <a:bodyPr anchor="t">
+            <a:normAutofit/>
+          </a:bodyPr>
+          <a:lstStyle>
+            <a:lvl1pPr marL="0" indent="0">
+              <a:buNone/>
+              <a:defRPr sz="3200">
+                <a:solidFill>
+                  <a:schemeClr val="tx1"/>
+                </a:solidFill>
+                <a:latin typeface="+mj-lt"/>
+              </a:defRPr>
+            </a:lvl1pPr>
             <a:lvl2pPr marL="457200" indent="0">
               <a:buNone/>
-              <a:defRPr sz="2000">
+              <a:defRPr sz="1800">
                 <a:solidFill>
                   <a:schemeClr val="tx1">
                     <a:tint val="75000"/>
@@ -1050,7 +1029,7 @@
             </a:lvl2pPr>
             <a:lvl3pPr marL="914400" indent="0">
               <a:buNone/>
-              <a:defRPr sz="1800">
+              <a:defRPr sz="1600">
                 <a:solidFill>
                   <a:schemeClr val="tx1">
                     <a:tint val="75000"/>
@@ -1060,7 +1039,7 @@
             </a:lvl3pPr>
             <a:lvl4pPr marL="1371600" indent="0">
               <a:buNone/>
-              <a:defRPr sz="1600">
+              <a:defRPr sz="1400">
                 <a:solidFill>
                   <a:schemeClr val="tx1">
                     <a:tint val="75000"/>
@@ -1070,7 +1049,7 @@
             </a:lvl4pPr>
             <a:lvl5pPr marL="1828800" indent="0">
               <a:buNone/>
-              <a:defRPr sz="1600">
+              <a:defRPr sz="1400">
                 <a:solidFill>
                   <a:schemeClr val="tx1">
                     <a:tint val="75000"/>
@@ -1080,7 +1059,7 @@
             </a:lvl5pPr>
             <a:lvl6pPr marL="2286000" indent="0">
               <a:buNone/>
-              <a:defRPr sz="1600">
+              <a:defRPr sz="1400">
                 <a:solidFill>
                   <a:schemeClr val="tx1">
                     <a:tint val="75000"/>
@@ -1090,7 +1069,7 @@
             </a:lvl6pPr>
             <a:lvl7pPr marL="2743200" indent="0">
               <a:buNone/>
-              <a:defRPr sz="1600">
+              <a:defRPr sz="1400">
                 <a:solidFill>
                   <a:schemeClr val="tx1">
                     <a:tint val="75000"/>
@@ -1100,7 +1079,7 @@
             </a:lvl7pPr>
             <a:lvl8pPr marL="3200400" indent="0">
               <a:buNone/>
-              <a:defRPr sz="1600">
+              <a:defRPr sz="1400">
                 <a:solidFill>
                   <a:schemeClr val="tx1">
                     <a:tint val="75000"/>
@@ -1110,7 +1089,7 @@
             </a:lvl8pPr>
             <a:lvl9pPr marL="3657600" indent="0">
               <a:buNone/>
-              <a:defRPr sz="1600">
+              <a:defRPr sz="1400">
                 <a:solidFill>
                   <a:schemeClr val="tx1">
                     <a:tint val="75000"/>
@@ -1130,13 +1109,7 @@
       </p:sp>
       <p:sp>
         <p:nvSpPr>
-          <p:cNvPr id="4" name="Datumsplatzhalter 3">
-            <a:extLst>
-              <a:ext uri="{FF2B5EF4-FFF2-40B4-BE49-F238E27FC236}">
-                <a16:creationId xmlns:a16="http://schemas.microsoft.com/office/drawing/2014/main" id="{25804CF7-407E-45A4-9B6E-626348E461D1}"/>
-              </a:ext>
-            </a:extLst>
-          </p:cNvPr>
+          <p:cNvPr id="4" name="Date Placeholder 3"/>
           <p:cNvSpPr>
             <a:spLocks noGrp="1"/>
           </p:cNvSpPr>
@@ -1151,7 +1124,7 @@
           <a:p>
             <a:fld id="{3F46AE61-50B3-4440-BB01-1FF85E3E82A7}" type="datetimeFigureOut">
               <a:rPr lang="de-DE" smtClean="0"/>
-              <a:t>27.09.2024</a:t>
+              <a:t>29.09.2024</a:t>
             </a:fld>
             <a:endParaRPr lang="de-DE"/>
           </a:p>
@@ -1159,13 +1132,7 @@
       </p:sp>
       <p:sp>
         <p:nvSpPr>
-          <p:cNvPr id="5" name="Fußzeilenplatzhalter 4">
-            <a:extLst>
-              <a:ext uri="{FF2B5EF4-FFF2-40B4-BE49-F238E27FC236}">
-                <a16:creationId xmlns:a16="http://schemas.microsoft.com/office/drawing/2014/main" id="{3F493243-8911-4DDD-8219-664D653B9FF6}"/>
-              </a:ext>
-            </a:extLst>
-          </p:cNvPr>
+          <p:cNvPr id="5" name="Footer Placeholder 4"/>
           <p:cNvSpPr>
             <a:spLocks noGrp="1"/>
           </p:cNvSpPr>
@@ -1184,13 +1151,7 @@
       </p:sp>
       <p:sp>
         <p:nvSpPr>
-          <p:cNvPr id="6" name="Foliennummernplatzhalter 5">
-            <a:extLst>
-              <a:ext uri="{FF2B5EF4-FFF2-40B4-BE49-F238E27FC236}">
-                <a16:creationId xmlns:a16="http://schemas.microsoft.com/office/drawing/2014/main" id="{03EDF364-F063-48CC-BB32-4B64F9B5D869}"/>
-              </a:ext>
-            </a:extLst>
-          </p:cNvPr>
+          <p:cNvPr id="6" name="Slide Number Placeholder 5"/>
           <p:cNvSpPr>
             <a:spLocks noGrp="1"/>
           </p:cNvSpPr>
@@ -1214,7 +1175,7 @@
     </p:spTree>
     <p:extLst>
       <p:ext uri="{BB962C8B-B14F-4D97-AF65-F5344CB8AC3E}">
-        <p14:creationId xmlns:p14="http://schemas.microsoft.com/office/powerpoint/2010/main" val="4291075186"/>
+        <p14:creationId xmlns:p14="http://schemas.microsoft.com/office/powerpoint/2010/main" val="1706636741"/>
       </p:ext>
     </p:extLst>
   </p:cSld>
@@ -1243,13 +1204,7 @@
       </p:grpSpPr>
       <p:sp>
         <p:nvSpPr>
-          <p:cNvPr id="2" name="Titel 1">
-            <a:extLst>
-              <a:ext uri="{FF2B5EF4-FFF2-40B4-BE49-F238E27FC236}">
-                <a16:creationId xmlns:a16="http://schemas.microsoft.com/office/drawing/2014/main" id="{5CDE6161-77AB-419B-9062-F52B1A2A9392}"/>
-              </a:ext>
-            </a:extLst>
-          </p:cNvPr>
+          <p:cNvPr id="2" name="Title 1"/>
           <p:cNvSpPr>
             <a:spLocks noGrp="1"/>
           </p:cNvSpPr>
@@ -1266,18 +1221,13 @@
               <a:rPr lang="de-DE"/>
               <a:t>Mastertitelformat bearbeiten</a:t>
             </a:r>
-          </a:p>
-        </p:txBody>
-      </p:sp>
-      <p:sp>
-        <p:nvSpPr>
-          <p:cNvPr id="3" name="Inhaltsplatzhalter 2">
-            <a:extLst>
-              <a:ext uri="{FF2B5EF4-FFF2-40B4-BE49-F238E27FC236}">
-                <a16:creationId xmlns:a16="http://schemas.microsoft.com/office/drawing/2014/main" id="{F941CDFE-D892-4D5F-B7D4-DE8B740914F1}"/>
-              </a:ext>
-            </a:extLst>
-          </p:cNvPr>
+            <a:endParaRPr lang="en-US" dirty="0"/>
+          </a:p>
+        </p:txBody>
+      </p:sp>
+      <p:sp>
+        <p:nvSpPr>
+          <p:cNvPr id="3" name="Content Placeholder 2"/>
           <p:cNvSpPr>
             <a:spLocks noGrp="1"/>
           </p:cNvSpPr>
@@ -1287,13 +1237,41 @@
         </p:nvSpPr>
         <p:spPr>
           <a:xfrm>
-            <a:off x="838200" y="1825625"/>
-            <a:ext cx="5181600" cy="4351338"/>
+            <a:off x="676656" y="1998134"/>
+            <a:ext cx="4663440" cy="3767328"/>
           </a:xfrm>
         </p:spPr>
         <p:txBody>
           <a:bodyPr/>
-          <a:lstStyle/>
+          <a:lstStyle>
+            <a:lvl1pPr>
+              <a:defRPr sz="2400"/>
+            </a:lvl1pPr>
+            <a:lvl2pPr>
+              <a:defRPr sz="2000"/>
+            </a:lvl2pPr>
+            <a:lvl3pPr>
+              <a:defRPr sz="1800"/>
+            </a:lvl3pPr>
+            <a:lvl4pPr>
+              <a:defRPr sz="1600"/>
+            </a:lvl4pPr>
+            <a:lvl5pPr>
+              <a:defRPr sz="1600"/>
+            </a:lvl5pPr>
+            <a:lvl6pPr>
+              <a:defRPr sz="1600"/>
+            </a:lvl6pPr>
+            <a:lvl7pPr>
+              <a:defRPr sz="1600"/>
+            </a:lvl7pPr>
+            <a:lvl8pPr>
+              <a:defRPr sz="1600"/>
+            </a:lvl8pPr>
+            <a:lvl9pPr>
+              <a:defRPr sz="1600"/>
+            </a:lvl9pPr>
+          </a:lstStyle>
           <a:p>
             <a:pPr lvl="0"/>
             <a:r>
@@ -1328,18 +1306,13 @@
               <a:rPr lang="de-DE"/>
               <a:t>Fünfte Ebene</a:t>
             </a:r>
-          </a:p>
-        </p:txBody>
-      </p:sp>
-      <p:sp>
-        <p:nvSpPr>
-          <p:cNvPr id="4" name="Inhaltsplatzhalter 3">
-            <a:extLst>
-              <a:ext uri="{FF2B5EF4-FFF2-40B4-BE49-F238E27FC236}">
-                <a16:creationId xmlns:a16="http://schemas.microsoft.com/office/drawing/2014/main" id="{8E6CA0AB-3D82-4B66-8BDC-FEA7204B2E0E}"/>
-              </a:ext>
-            </a:extLst>
-          </p:cNvPr>
+            <a:endParaRPr lang="en-US" dirty="0"/>
+          </a:p>
+        </p:txBody>
+      </p:sp>
+      <p:sp>
+        <p:nvSpPr>
+          <p:cNvPr id="4" name="Content Placeholder 3"/>
           <p:cNvSpPr>
             <a:spLocks noGrp="1"/>
           </p:cNvSpPr>
@@ -1349,13 +1322,41 @@
         </p:nvSpPr>
         <p:spPr>
           <a:xfrm>
-            <a:off x="6172200" y="1825625"/>
-            <a:ext cx="5181600" cy="4351338"/>
+            <a:off x="6011330" y="1998134"/>
+            <a:ext cx="4663440" cy="3767328"/>
           </a:xfrm>
         </p:spPr>
         <p:txBody>
           <a:bodyPr/>
-          <a:lstStyle/>
+          <a:lstStyle>
+            <a:lvl1pPr>
+              <a:defRPr sz="2400"/>
+            </a:lvl1pPr>
+            <a:lvl2pPr>
+              <a:defRPr sz="2000"/>
+            </a:lvl2pPr>
+            <a:lvl3pPr>
+              <a:defRPr sz="1800"/>
+            </a:lvl3pPr>
+            <a:lvl4pPr>
+              <a:defRPr sz="1600"/>
+            </a:lvl4pPr>
+            <a:lvl5pPr>
+              <a:defRPr sz="1600"/>
+            </a:lvl5pPr>
+            <a:lvl6pPr>
+              <a:defRPr sz="1600"/>
+            </a:lvl6pPr>
+            <a:lvl7pPr>
+              <a:defRPr sz="1600"/>
+            </a:lvl7pPr>
+            <a:lvl8pPr>
+              <a:defRPr sz="1600"/>
+            </a:lvl8pPr>
+            <a:lvl9pPr>
+              <a:defRPr sz="1600"/>
+            </a:lvl9pPr>
+          </a:lstStyle>
           <a:p>
             <a:pPr lvl="0"/>
             <a:r>
@@ -1390,18 +1391,13 @@
               <a:rPr lang="de-DE"/>
               <a:t>Fünfte Ebene</a:t>
             </a:r>
-          </a:p>
-        </p:txBody>
-      </p:sp>
-      <p:sp>
-        <p:nvSpPr>
-          <p:cNvPr id="5" name="Datumsplatzhalter 4">
-            <a:extLst>
-              <a:ext uri="{FF2B5EF4-FFF2-40B4-BE49-F238E27FC236}">
-                <a16:creationId xmlns:a16="http://schemas.microsoft.com/office/drawing/2014/main" id="{35C66F12-6530-425B-B826-DB7A27E37A58}"/>
-              </a:ext>
-            </a:extLst>
-          </p:cNvPr>
+            <a:endParaRPr lang="en-US" dirty="0"/>
+          </a:p>
+        </p:txBody>
+      </p:sp>
+      <p:sp>
+        <p:nvSpPr>
+          <p:cNvPr id="5" name="Date Placeholder 4"/>
           <p:cNvSpPr>
             <a:spLocks noGrp="1"/>
           </p:cNvSpPr>
@@ -1416,7 +1412,7 @@
           <a:p>
             <a:fld id="{3F46AE61-50B3-4440-BB01-1FF85E3E82A7}" type="datetimeFigureOut">
               <a:rPr lang="de-DE" smtClean="0"/>
-              <a:t>27.09.2024</a:t>
+              <a:t>29.09.2024</a:t>
             </a:fld>
             <a:endParaRPr lang="de-DE"/>
           </a:p>
@@ -1424,13 +1420,7 @@
       </p:sp>
       <p:sp>
         <p:nvSpPr>
-          <p:cNvPr id="6" name="Fußzeilenplatzhalter 5">
-            <a:extLst>
-              <a:ext uri="{FF2B5EF4-FFF2-40B4-BE49-F238E27FC236}">
-                <a16:creationId xmlns:a16="http://schemas.microsoft.com/office/drawing/2014/main" id="{747E05D8-0553-43F2-90BB-1F93711B1A25}"/>
-              </a:ext>
-            </a:extLst>
-          </p:cNvPr>
+          <p:cNvPr id="6" name="Footer Placeholder 5"/>
           <p:cNvSpPr>
             <a:spLocks noGrp="1"/>
           </p:cNvSpPr>
@@ -1449,13 +1439,7 @@
       </p:sp>
       <p:sp>
         <p:nvSpPr>
-          <p:cNvPr id="7" name="Foliennummernplatzhalter 6">
-            <a:extLst>
-              <a:ext uri="{FF2B5EF4-FFF2-40B4-BE49-F238E27FC236}">
-                <a16:creationId xmlns:a16="http://schemas.microsoft.com/office/drawing/2014/main" id="{B6935692-9533-4E19-9C64-A05BE6321F56}"/>
-              </a:ext>
-            </a:extLst>
-          </p:cNvPr>
+          <p:cNvPr id="7" name="Slide Number Placeholder 6"/>
           <p:cNvSpPr>
             <a:spLocks noGrp="1"/>
           </p:cNvSpPr>
@@ -1479,7 +1463,7 @@
     </p:spTree>
     <p:extLst>
       <p:ext uri="{BB962C8B-B14F-4D97-AF65-F5344CB8AC3E}">
-        <p14:creationId xmlns:p14="http://schemas.microsoft.com/office/powerpoint/2010/main" val="1314666023"/>
+        <p14:creationId xmlns:p14="http://schemas.microsoft.com/office/powerpoint/2010/main" val="4195534494"/>
       </p:ext>
     </p:extLst>
   </p:cSld>
@@ -1508,65 +1492,59 @@
       </p:grpSpPr>
       <p:sp>
         <p:nvSpPr>
-          <p:cNvPr id="2" name="Titel 1">
-            <a:extLst>
-              <a:ext uri="{FF2B5EF4-FFF2-40B4-BE49-F238E27FC236}">
-                <a16:creationId xmlns:a16="http://schemas.microsoft.com/office/drawing/2014/main" id="{BAF774E5-5986-4A51-9286-6815A5AB7F0F}"/>
-              </a:ext>
-            </a:extLst>
-          </p:cNvPr>
+          <p:cNvPr id="10" name="Title 9"/>
           <p:cNvSpPr>
             <a:spLocks noGrp="1"/>
           </p:cNvSpPr>
           <p:nvPr>
             <p:ph type="title"/>
+          </p:nvPr>
+        </p:nvSpPr>
+        <p:spPr/>
+        <p:txBody>
+          <a:bodyPr/>
+          <a:lstStyle/>
+          <a:p>
+            <a:r>
+              <a:rPr lang="de-DE"/>
+              <a:t>Mastertitelformat bearbeiten</a:t>
+            </a:r>
+            <a:endParaRPr lang="en-US" dirty="0"/>
+          </a:p>
+        </p:txBody>
+      </p:sp>
+      <p:sp>
+        <p:nvSpPr>
+          <p:cNvPr id="3" name="Text Placeholder 2"/>
+          <p:cNvSpPr>
+            <a:spLocks noGrp="1"/>
+          </p:cNvSpPr>
+          <p:nvPr>
+            <p:ph type="body" idx="1"/>
           </p:nvPr>
         </p:nvSpPr>
         <p:spPr>
           <a:xfrm>
-            <a:off x="839788" y="365125"/>
-            <a:ext cx="10515600" cy="1325563"/>
+            <a:off x="676656" y="2040467"/>
+            <a:ext cx="4663440" cy="723400"/>
           </a:xfrm>
         </p:spPr>
         <p:txBody>
-          <a:bodyPr/>
-          <a:lstStyle/>
-          <a:p>
-            <a:r>
-              <a:rPr lang="de-DE"/>
-              <a:t>Mastertitelformat bearbeiten</a:t>
-            </a:r>
-          </a:p>
-        </p:txBody>
-      </p:sp>
-      <p:sp>
-        <p:nvSpPr>
-          <p:cNvPr id="3" name="Textplatzhalter 2">
-            <a:extLst>
-              <a:ext uri="{FF2B5EF4-FFF2-40B4-BE49-F238E27FC236}">
-                <a16:creationId xmlns:a16="http://schemas.microsoft.com/office/drawing/2014/main" id="{1E1178E7-6D7F-46F2-80FE-6195CE17B17B}"/>
-              </a:ext>
-            </a:extLst>
-          </p:cNvPr>
-          <p:cNvSpPr>
-            <a:spLocks noGrp="1"/>
-          </p:cNvSpPr>
-          <p:nvPr>
-            <p:ph type="body" idx="1"/>
-          </p:nvPr>
-        </p:nvSpPr>
-        <p:spPr>
-          <a:xfrm>
-            <a:off x="839788" y="1681163"/>
-            <a:ext cx="5157787" cy="823912"/>
-          </a:xfrm>
-        </p:spPr>
-        <p:txBody>
-          <a:bodyPr anchor="b"/>
+          <a:bodyPr anchor="ctr">
+            <a:normAutofit/>
+          </a:bodyPr>
           <a:lstStyle>
             <a:lvl1pPr marL="0" indent="0">
               <a:buNone/>
-              <a:defRPr sz="2400" b="1"/>
+              <a:defRPr sz="2200" b="0" cap="all" baseline="0">
+                <a:solidFill>
+                  <a:schemeClr val="tx1">
+                    <a:lumMod val="85000"/>
+                    <a:lumOff val="15000"/>
+                  </a:schemeClr>
+                </a:solidFill>
+                <a:latin typeface="+mj-lt"/>
+              </a:defRPr>
             </a:lvl1pPr>
             <a:lvl2pPr marL="457200" indent="0">
               <a:buNone/>
@@ -1612,13 +1590,7 @@
       </p:sp>
       <p:sp>
         <p:nvSpPr>
-          <p:cNvPr id="4" name="Inhaltsplatzhalter 3">
-            <a:extLst>
-              <a:ext uri="{FF2B5EF4-FFF2-40B4-BE49-F238E27FC236}">
-                <a16:creationId xmlns:a16="http://schemas.microsoft.com/office/drawing/2014/main" id="{C5FBB8DD-160A-4C87-AEB2-4B7B71B59A5B}"/>
-              </a:ext>
-            </a:extLst>
-          </p:cNvPr>
+          <p:cNvPr id="4" name="Content Placeholder 3"/>
           <p:cNvSpPr>
             <a:spLocks noGrp="1"/>
           </p:cNvSpPr>
@@ -1628,13 +1600,41 @@
         </p:nvSpPr>
         <p:spPr>
           <a:xfrm>
-            <a:off x="839788" y="2505075"/>
-            <a:ext cx="5157787" cy="3684588"/>
+            <a:off x="676656" y="2753084"/>
+            <a:ext cx="4663440" cy="3200400"/>
           </a:xfrm>
         </p:spPr>
         <p:txBody>
           <a:bodyPr/>
-          <a:lstStyle/>
+          <a:lstStyle>
+            <a:lvl1pPr>
+              <a:defRPr sz="2400"/>
+            </a:lvl1pPr>
+            <a:lvl2pPr>
+              <a:defRPr sz="2000"/>
+            </a:lvl2pPr>
+            <a:lvl3pPr>
+              <a:defRPr sz="1800"/>
+            </a:lvl3pPr>
+            <a:lvl4pPr>
+              <a:defRPr sz="1600"/>
+            </a:lvl4pPr>
+            <a:lvl5pPr>
+              <a:defRPr sz="1600"/>
+            </a:lvl5pPr>
+            <a:lvl6pPr>
+              <a:defRPr sz="1600"/>
+            </a:lvl6pPr>
+            <a:lvl7pPr>
+              <a:defRPr sz="1600"/>
+            </a:lvl7pPr>
+            <a:lvl8pPr>
+              <a:defRPr sz="1600"/>
+            </a:lvl8pPr>
+            <a:lvl9pPr>
+              <a:defRPr sz="1600"/>
+            </a:lvl9pPr>
+          </a:lstStyle>
           <a:p>
             <a:pPr lvl="0"/>
             <a:r>
@@ -1669,18 +1669,13 @@
               <a:rPr lang="de-DE"/>
               <a:t>Fünfte Ebene</a:t>
             </a:r>
-          </a:p>
-        </p:txBody>
-      </p:sp>
-      <p:sp>
-        <p:nvSpPr>
-          <p:cNvPr id="5" name="Textplatzhalter 4">
-            <a:extLst>
-              <a:ext uri="{FF2B5EF4-FFF2-40B4-BE49-F238E27FC236}">
-                <a16:creationId xmlns:a16="http://schemas.microsoft.com/office/drawing/2014/main" id="{A8E26CFF-6A5F-4039-88FC-58C8ACD0AB14}"/>
-              </a:ext>
-            </a:extLst>
-          </p:cNvPr>
+            <a:endParaRPr lang="en-US" dirty="0"/>
+          </a:p>
+        </p:txBody>
+      </p:sp>
+      <p:sp>
+        <p:nvSpPr>
+          <p:cNvPr id="5" name="Text Placeholder 4"/>
           <p:cNvSpPr>
             <a:spLocks noGrp="1"/>
           </p:cNvSpPr>
@@ -1690,16 +1685,26 @@
         </p:nvSpPr>
         <p:spPr>
           <a:xfrm>
-            <a:off x="6172200" y="1681163"/>
-            <a:ext cx="5183188" cy="823912"/>
+            <a:off x="6007608" y="2038435"/>
+            <a:ext cx="4663440" cy="722376"/>
           </a:xfrm>
         </p:spPr>
         <p:txBody>
-          <a:bodyPr anchor="b"/>
+          <a:bodyPr anchor="ctr">
+            <a:normAutofit/>
+          </a:bodyPr>
           <a:lstStyle>
             <a:lvl1pPr marL="0" indent="0">
               <a:buNone/>
-              <a:defRPr sz="2400" b="1"/>
+              <a:defRPr sz="2200" b="0" cap="all" baseline="0">
+                <a:solidFill>
+                  <a:schemeClr val="tx1">
+                    <a:lumMod val="85000"/>
+                    <a:lumOff val="15000"/>
+                  </a:schemeClr>
+                </a:solidFill>
+                <a:latin typeface="+mj-lt"/>
+              </a:defRPr>
             </a:lvl1pPr>
             <a:lvl2pPr marL="457200" indent="0">
               <a:buNone/>
@@ -1745,13 +1750,7 @@
       </p:sp>
       <p:sp>
         <p:nvSpPr>
-          <p:cNvPr id="6" name="Inhaltsplatzhalter 5">
-            <a:extLst>
-              <a:ext uri="{FF2B5EF4-FFF2-40B4-BE49-F238E27FC236}">
-                <a16:creationId xmlns:a16="http://schemas.microsoft.com/office/drawing/2014/main" id="{570EEB23-DD75-4670-A46F-60FD6CDCD459}"/>
-              </a:ext>
-            </a:extLst>
-          </p:cNvPr>
+          <p:cNvPr id="6" name="Content Placeholder 5"/>
           <p:cNvSpPr>
             <a:spLocks noGrp="1"/>
           </p:cNvSpPr>
@@ -1761,13 +1760,41 @@
         </p:nvSpPr>
         <p:spPr>
           <a:xfrm>
-            <a:off x="6172200" y="2505075"/>
-            <a:ext cx="5183188" cy="3684588"/>
+            <a:off x="6007608" y="2750990"/>
+            <a:ext cx="4663440" cy="3200400"/>
           </a:xfrm>
         </p:spPr>
         <p:txBody>
           <a:bodyPr/>
-          <a:lstStyle/>
+          <a:lstStyle>
+            <a:lvl1pPr>
+              <a:defRPr sz="2400"/>
+            </a:lvl1pPr>
+            <a:lvl2pPr>
+              <a:defRPr sz="2000"/>
+            </a:lvl2pPr>
+            <a:lvl3pPr>
+              <a:defRPr sz="1800"/>
+            </a:lvl3pPr>
+            <a:lvl4pPr>
+              <a:defRPr sz="1600"/>
+            </a:lvl4pPr>
+            <a:lvl5pPr>
+              <a:defRPr sz="1600"/>
+            </a:lvl5pPr>
+            <a:lvl6pPr>
+              <a:defRPr sz="1600"/>
+            </a:lvl6pPr>
+            <a:lvl7pPr>
+              <a:defRPr sz="1600"/>
+            </a:lvl7pPr>
+            <a:lvl8pPr>
+              <a:defRPr sz="1600"/>
+            </a:lvl8pPr>
+            <a:lvl9pPr>
+              <a:defRPr sz="1600"/>
+            </a:lvl9pPr>
+          </a:lstStyle>
           <a:p>
             <a:pPr lvl="0"/>
             <a:r>
@@ -1802,18 +1829,13 @@
               <a:rPr lang="de-DE"/>
               <a:t>Fünfte Ebene</a:t>
             </a:r>
-          </a:p>
-        </p:txBody>
-      </p:sp>
-      <p:sp>
-        <p:nvSpPr>
-          <p:cNvPr id="7" name="Datumsplatzhalter 6">
-            <a:extLst>
-              <a:ext uri="{FF2B5EF4-FFF2-40B4-BE49-F238E27FC236}">
-                <a16:creationId xmlns:a16="http://schemas.microsoft.com/office/drawing/2014/main" id="{65B38836-24DF-447D-8C75-C9924B006454}"/>
-              </a:ext>
-            </a:extLst>
-          </p:cNvPr>
+            <a:endParaRPr lang="en-US" dirty="0"/>
+          </a:p>
+        </p:txBody>
+      </p:sp>
+      <p:sp>
+        <p:nvSpPr>
+          <p:cNvPr id="7" name="Date Placeholder 6"/>
           <p:cNvSpPr>
             <a:spLocks noGrp="1"/>
           </p:cNvSpPr>
@@ -1828,7 +1850,7 @@
           <a:p>
             <a:fld id="{3F46AE61-50B3-4440-BB01-1FF85E3E82A7}" type="datetimeFigureOut">
               <a:rPr lang="de-DE" smtClean="0"/>
-              <a:t>27.09.2024</a:t>
+              <a:t>29.09.2024</a:t>
             </a:fld>
             <a:endParaRPr lang="de-DE"/>
           </a:p>
@@ -1836,13 +1858,7 @@
       </p:sp>
       <p:sp>
         <p:nvSpPr>
-          <p:cNvPr id="8" name="Fußzeilenplatzhalter 7">
-            <a:extLst>
-              <a:ext uri="{FF2B5EF4-FFF2-40B4-BE49-F238E27FC236}">
-                <a16:creationId xmlns:a16="http://schemas.microsoft.com/office/drawing/2014/main" id="{B24D4B6D-1571-48A8-AD58-EDE1298B34CD}"/>
-              </a:ext>
-            </a:extLst>
-          </p:cNvPr>
+          <p:cNvPr id="8" name="Footer Placeholder 7"/>
           <p:cNvSpPr>
             <a:spLocks noGrp="1"/>
           </p:cNvSpPr>
@@ -1861,13 +1877,7 @@
       </p:sp>
       <p:sp>
         <p:nvSpPr>
-          <p:cNvPr id="9" name="Foliennummernplatzhalter 8">
-            <a:extLst>
-              <a:ext uri="{FF2B5EF4-FFF2-40B4-BE49-F238E27FC236}">
-                <a16:creationId xmlns:a16="http://schemas.microsoft.com/office/drawing/2014/main" id="{684F0949-9411-4901-86E8-4B9A09D68063}"/>
-              </a:ext>
-            </a:extLst>
-          </p:cNvPr>
+          <p:cNvPr id="9" name="Slide Number Placeholder 8"/>
           <p:cNvSpPr>
             <a:spLocks noGrp="1"/>
           </p:cNvSpPr>
@@ -1891,7 +1901,7 @@
     </p:spTree>
     <p:extLst>
       <p:ext uri="{BB962C8B-B14F-4D97-AF65-F5344CB8AC3E}">
-        <p14:creationId xmlns:p14="http://schemas.microsoft.com/office/powerpoint/2010/main" val="12360029"/>
+        <p14:creationId xmlns:p14="http://schemas.microsoft.com/office/powerpoint/2010/main" val="792723251"/>
       </p:ext>
     </p:extLst>
   </p:cSld>
@@ -1920,13 +1930,7 @@
       </p:grpSpPr>
       <p:sp>
         <p:nvSpPr>
-          <p:cNvPr id="2" name="Titel 1">
-            <a:extLst>
-              <a:ext uri="{FF2B5EF4-FFF2-40B4-BE49-F238E27FC236}">
-                <a16:creationId xmlns:a16="http://schemas.microsoft.com/office/drawing/2014/main" id="{DB4FA4C8-2AB1-4B9A-A051-0C3C478CC499}"/>
-              </a:ext>
-            </a:extLst>
-          </p:cNvPr>
+          <p:cNvPr id="6" name="Title 5"/>
           <p:cNvSpPr>
             <a:spLocks noGrp="1"/>
           </p:cNvSpPr>
@@ -1943,18 +1947,13 @@
               <a:rPr lang="de-DE"/>
               <a:t>Mastertitelformat bearbeiten</a:t>
             </a:r>
-          </a:p>
-        </p:txBody>
-      </p:sp>
-      <p:sp>
-        <p:nvSpPr>
-          <p:cNvPr id="3" name="Datumsplatzhalter 2">
-            <a:extLst>
-              <a:ext uri="{FF2B5EF4-FFF2-40B4-BE49-F238E27FC236}">
-                <a16:creationId xmlns:a16="http://schemas.microsoft.com/office/drawing/2014/main" id="{FAD00AC1-C22A-40A5-8258-864AA49AC8A5}"/>
-              </a:ext>
-            </a:extLst>
-          </p:cNvPr>
+            <a:endParaRPr lang="en-US" dirty="0"/>
+          </a:p>
+        </p:txBody>
+      </p:sp>
+      <p:sp>
+        <p:nvSpPr>
+          <p:cNvPr id="3" name="Date Placeholder 2"/>
           <p:cNvSpPr>
             <a:spLocks noGrp="1"/>
           </p:cNvSpPr>
@@ -1969,7 +1968,7 @@
           <a:p>
             <a:fld id="{3F46AE61-50B3-4440-BB01-1FF85E3E82A7}" type="datetimeFigureOut">
               <a:rPr lang="de-DE" smtClean="0"/>
-              <a:t>27.09.2024</a:t>
+              <a:t>29.09.2024</a:t>
             </a:fld>
             <a:endParaRPr lang="de-DE"/>
           </a:p>
@@ -1977,13 +1976,7 @@
       </p:sp>
       <p:sp>
         <p:nvSpPr>
-          <p:cNvPr id="4" name="Fußzeilenplatzhalter 3">
-            <a:extLst>
-              <a:ext uri="{FF2B5EF4-FFF2-40B4-BE49-F238E27FC236}">
-                <a16:creationId xmlns:a16="http://schemas.microsoft.com/office/drawing/2014/main" id="{BD86142E-608C-446B-B4B0-3C893B2D8A8F}"/>
-              </a:ext>
-            </a:extLst>
-          </p:cNvPr>
+          <p:cNvPr id="4" name="Footer Placeholder 3"/>
           <p:cNvSpPr>
             <a:spLocks noGrp="1"/>
           </p:cNvSpPr>
@@ -2002,13 +1995,7 @@
       </p:sp>
       <p:sp>
         <p:nvSpPr>
-          <p:cNvPr id="5" name="Foliennummernplatzhalter 4">
-            <a:extLst>
-              <a:ext uri="{FF2B5EF4-FFF2-40B4-BE49-F238E27FC236}">
-                <a16:creationId xmlns:a16="http://schemas.microsoft.com/office/drawing/2014/main" id="{0BCF5A72-99B7-4B30-941D-F8B8A55C6936}"/>
-              </a:ext>
-            </a:extLst>
-          </p:cNvPr>
+          <p:cNvPr id="5" name="Slide Number Placeholder 4"/>
           <p:cNvSpPr>
             <a:spLocks noGrp="1"/>
           </p:cNvSpPr>
@@ -2032,7 +2019,7 @@
     </p:spTree>
     <p:extLst>
       <p:ext uri="{BB962C8B-B14F-4D97-AF65-F5344CB8AC3E}">
-        <p14:creationId xmlns:p14="http://schemas.microsoft.com/office/powerpoint/2010/main" val="354494160"/>
+        <p14:creationId xmlns:p14="http://schemas.microsoft.com/office/powerpoint/2010/main" val="1417621056"/>
       </p:ext>
     </p:extLst>
   </p:cSld>
@@ -2061,13 +2048,7 @@
       </p:grpSpPr>
       <p:sp>
         <p:nvSpPr>
-          <p:cNvPr id="2" name="Datumsplatzhalter 1">
-            <a:extLst>
-              <a:ext uri="{FF2B5EF4-FFF2-40B4-BE49-F238E27FC236}">
-                <a16:creationId xmlns:a16="http://schemas.microsoft.com/office/drawing/2014/main" id="{966DFF68-5968-4CBD-AB46-262D853ECECC}"/>
-              </a:ext>
-            </a:extLst>
-          </p:cNvPr>
+          <p:cNvPr id="2" name="Date Placeholder 1"/>
           <p:cNvSpPr>
             <a:spLocks noGrp="1"/>
           </p:cNvSpPr>
@@ -2082,7 +2063,7 @@
           <a:p>
             <a:fld id="{3F46AE61-50B3-4440-BB01-1FF85E3E82A7}" type="datetimeFigureOut">
               <a:rPr lang="de-DE" smtClean="0"/>
-              <a:t>27.09.2024</a:t>
+              <a:t>29.09.2024</a:t>
             </a:fld>
             <a:endParaRPr lang="de-DE"/>
           </a:p>
@@ -2090,13 +2071,7 @@
       </p:sp>
       <p:sp>
         <p:nvSpPr>
-          <p:cNvPr id="3" name="Fußzeilenplatzhalter 2">
-            <a:extLst>
-              <a:ext uri="{FF2B5EF4-FFF2-40B4-BE49-F238E27FC236}">
-                <a16:creationId xmlns:a16="http://schemas.microsoft.com/office/drawing/2014/main" id="{F32268E3-B660-4637-9E05-ED7CF7799395}"/>
-              </a:ext>
-            </a:extLst>
-          </p:cNvPr>
+          <p:cNvPr id="3" name="Footer Placeholder 2"/>
           <p:cNvSpPr>
             <a:spLocks noGrp="1"/>
           </p:cNvSpPr>
@@ -2115,13 +2090,7 @@
       </p:sp>
       <p:sp>
         <p:nvSpPr>
-          <p:cNvPr id="4" name="Foliennummernplatzhalter 3">
-            <a:extLst>
-              <a:ext uri="{FF2B5EF4-FFF2-40B4-BE49-F238E27FC236}">
-                <a16:creationId xmlns:a16="http://schemas.microsoft.com/office/drawing/2014/main" id="{682E4910-92F2-4367-AB49-47D2C4AB316C}"/>
-              </a:ext>
-            </a:extLst>
-          </p:cNvPr>
+          <p:cNvPr id="4" name="Slide Number Placeholder 3"/>
           <p:cNvSpPr>
             <a:spLocks noGrp="1"/>
           </p:cNvSpPr>
@@ -2145,7 +2114,7 @@
     </p:spTree>
     <p:extLst>
       <p:ext uri="{BB962C8B-B14F-4D97-AF65-F5344CB8AC3E}">
-        <p14:creationId xmlns:p14="http://schemas.microsoft.com/office/powerpoint/2010/main" val="489221706"/>
+        <p14:creationId xmlns:p14="http://schemas.microsoft.com/office/powerpoint/2010/main" val="2624280401"/>
       </p:ext>
     </p:extLst>
   </p:cSld>
@@ -2174,31 +2143,69 @@
       </p:grpSpPr>
       <p:sp>
         <p:nvSpPr>
-          <p:cNvPr id="2" name="Titel 1">
-            <a:extLst>
-              <a:ext uri="{FF2B5EF4-FFF2-40B4-BE49-F238E27FC236}">
-                <a16:creationId xmlns:a16="http://schemas.microsoft.com/office/drawing/2014/main" id="{E45FAB35-C09B-4775-8C5F-703B83ABCA56}"/>
-              </a:ext>
-            </a:extLst>
-          </p:cNvPr>
-          <p:cNvSpPr>
-            <a:spLocks noGrp="1"/>
-          </p:cNvSpPr>
-          <p:nvPr>
-            <p:ph type="title"/>
-          </p:nvPr>
+          <p:cNvPr id="2" name="Rectangle 1"/>
+          <p:cNvSpPr/>
+          <p:nvPr/>
         </p:nvSpPr>
         <p:spPr>
           <a:xfrm>
-            <a:off x="839788" y="457200"/>
-            <a:ext cx="3932237" cy="1600200"/>
+            <a:off x="7620000" y="0"/>
+            <a:ext cx="4572000" cy="6858000"/>
+          </a:xfrm>
+          <a:prstGeom prst="rect">
+            <a:avLst/>
+          </a:prstGeom>
+          <a:ln>
+            <a:noFill/>
+          </a:ln>
+        </p:spPr>
+        <p:style>
+          <a:lnRef idx="2">
+            <a:schemeClr val="accent1">
+              <a:shade val="50000"/>
+            </a:schemeClr>
+          </a:lnRef>
+          <a:fillRef idx="1">
+            <a:schemeClr val="accent1"/>
+          </a:fillRef>
+          <a:effectRef idx="0">
+            <a:schemeClr val="accent1"/>
+          </a:effectRef>
+          <a:fontRef idx="minor">
+            <a:schemeClr val="lt1"/>
+          </a:fontRef>
+        </p:style>
+      </p:sp>
+      <p:sp>
+        <p:nvSpPr>
+          <p:cNvPr id="9" name="Title 8"/>
+          <p:cNvSpPr>
+            <a:spLocks noGrp="1"/>
+          </p:cNvSpPr>
+          <p:nvPr>
+            <p:ph type="title"/>
+          </p:nvPr>
+        </p:nvSpPr>
+        <p:spPr>
+          <a:xfrm>
+            <a:off x="8261404" y="542282"/>
+            <a:ext cx="3383280" cy="1920240"/>
           </a:xfrm>
         </p:spPr>
         <p:txBody>
-          <a:bodyPr anchor="b"/>
+          <a:bodyPr anchor="b">
+            <a:noAutofit/>
+          </a:bodyPr>
           <a:lstStyle>
             <a:lvl1pPr>
-              <a:defRPr sz="3200"/>
+              <a:lnSpc>
+                <a:spcPct val="85000"/>
+              </a:lnSpc>
+              <a:defRPr sz="4000">
+                <a:solidFill>
+                  <a:srgbClr val="FFFFFF"/>
+                </a:solidFill>
+              </a:defRPr>
             </a:lvl1pPr>
           </a:lstStyle>
           <a:p>
@@ -2206,18 +2213,13 @@
               <a:rPr lang="de-DE"/>
               <a:t>Mastertitelformat bearbeiten</a:t>
             </a:r>
-          </a:p>
-        </p:txBody>
-      </p:sp>
-      <p:sp>
-        <p:nvSpPr>
-          <p:cNvPr id="3" name="Inhaltsplatzhalter 2">
-            <a:extLst>
-              <a:ext uri="{FF2B5EF4-FFF2-40B4-BE49-F238E27FC236}">
-                <a16:creationId xmlns:a16="http://schemas.microsoft.com/office/drawing/2014/main" id="{CB9DE195-3C98-4D8A-989C-57D2B714AE21}"/>
-              </a:ext>
-            </a:extLst>
-          </p:cNvPr>
+            <a:endParaRPr lang="en-US" dirty="0"/>
+          </a:p>
+        </p:txBody>
+      </p:sp>
+      <p:sp>
+        <p:nvSpPr>
+          <p:cNvPr id="3" name="Content Placeholder 2"/>
           <p:cNvSpPr>
             <a:spLocks noGrp="1"/>
           </p:cNvSpPr>
@@ -2227,8 +2229,8 @@
         </p:nvSpPr>
         <p:spPr>
           <a:xfrm>
-            <a:off x="5183188" y="987425"/>
-            <a:ext cx="6172200" cy="4873625"/>
+            <a:off x="762000" y="762000"/>
+            <a:ext cx="6096000" cy="4572000"/>
           </a:xfrm>
         </p:spPr>
         <p:txBody>
@@ -2296,18 +2298,13 @@
               <a:rPr lang="de-DE"/>
               <a:t>Fünfte Ebene</a:t>
             </a:r>
-          </a:p>
-        </p:txBody>
-      </p:sp>
-      <p:sp>
-        <p:nvSpPr>
-          <p:cNvPr id="4" name="Textplatzhalter 3">
-            <a:extLst>
-              <a:ext uri="{FF2B5EF4-FFF2-40B4-BE49-F238E27FC236}">
-                <a16:creationId xmlns:a16="http://schemas.microsoft.com/office/drawing/2014/main" id="{3BC774B4-4EF8-42BC-8C6D-90F2A55CAE2A}"/>
-              </a:ext>
-            </a:extLst>
-          </p:cNvPr>
+            <a:endParaRPr lang="en-US" dirty="0"/>
+          </a:p>
+        </p:txBody>
+      </p:sp>
+      <p:sp>
+        <p:nvSpPr>
+          <p:cNvPr id="4" name="Text Placeholder 3"/>
           <p:cNvSpPr>
             <a:spLocks noGrp="1"/>
           </p:cNvSpPr>
@@ -2317,133 +2314,160 @@
         </p:nvSpPr>
         <p:spPr>
           <a:xfrm>
-            <a:off x="839788" y="2057400"/>
-            <a:ext cx="3932237" cy="3811588"/>
+            <a:off x="8275982" y="2511813"/>
+            <a:ext cx="3398520" cy="3126987"/>
           </a:xfrm>
         </p:spPr>
         <p:txBody>
+          <a:bodyPr>
+            <a:normAutofit/>
+          </a:bodyPr>
+          <a:lstStyle>
+            <a:lvl1pPr marL="0" marR="0" indent="0" algn="l" defTabSz="914400" rtl="0" eaLnBrk="1" fontAlgn="auto" latinLnBrk="0" hangingPunct="1">
+              <a:lnSpc>
+                <a:spcPct val="100000"/>
+              </a:lnSpc>
+              <a:spcBef>
+                <a:spcPts val="1200"/>
+              </a:spcBef>
+              <a:spcAft>
+                <a:spcPts val="0"/>
+              </a:spcAft>
+              <a:buClrTx/>
+              <a:buSzTx/>
+              <a:buFontTx/>
+              <a:buNone/>
+              <a:tabLst/>
+              <a:defRPr sz="1800">
+                <a:solidFill>
+                  <a:srgbClr val="262626"/>
+                </a:solidFill>
+              </a:defRPr>
+            </a:lvl1pPr>
+            <a:lvl2pPr marL="457200" indent="0">
+              <a:buNone/>
+              <a:defRPr sz="1200"/>
+            </a:lvl2pPr>
+            <a:lvl3pPr marL="914400" indent="0">
+              <a:buNone/>
+              <a:defRPr sz="1000"/>
+            </a:lvl3pPr>
+            <a:lvl4pPr marL="1371600" indent="0">
+              <a:buNone/>
+              <a:defRPr sz="900"/>
+            </a:lvl4pPr>
+            <a:lvl5pPr marL="1828800" indent="0">
+              <a:buNone/>
+              <a:defRPr sz="900"/>
+            </a:lvl5pPr>
+            <a:lvl6pPr marL="2286000" indent="0">
+              <a:buNone/>
+              <a:defRPr sz="900"/>
+            </a:lvl6pPr>
+            <a:lvl7pPr marL="2743200" indent="0">
+              <a:buNone/>
+              <a:defRPr sz="900"/>
+            </a:lvl7pPr>
+            <a:lvl8pPr marL="3200400" indent="0">
+              <a:buNone/>
+              <a:defRPr sz="900"/>
+            </a:lvl8pPr>
+            <a:lvl9pPr marL="3657600" indent="0">
+              <a:buNone/>
+              <a:defRPr sz="900"/>
+            </a:lvl9pPr>
+          </a:lstStyle>
+          <a:p>
+            <a:pPr marL="0" marR="0" lvl="0" indent="0" algn="l" defTabSz="914400" rtl="0" eaLnBrk="1" fontAlgn="auto" latinLnBrk="0" hangingPunct="1">
+              <a:lnSpc>
+                <a:spcPct val="100000"/>
+              </a:lnSpc>
+              <a:spcBef>
+                <a:spcPts val="1400"/>
+              </a:spcBef>
+              <a:spcAft>
+                <a:spcPts val="0"/>
+              </a:spcAft>
+              <a:buClrTx/>
+              <a:buSzTx/>
+              <a:buFontTx/>
+              <a:buNone/>
+              <a:tabLst/>
+              <a:defRPr/>
+            </a:pPr>
+            <a:r>
+              <a:rPr lang="de-DE"/>
+              <a:t>Mastertextformat bearbeiten</a:t>
+            </a:r>
+          </a:p>
+        </p:txBody>
+      </p:sp>
+      <p:sp>
+        <p:nvSpPr>
+          <p:cNvPr id="5" name="Date Placeholder 4"/>
+          <p:cNvSpPr>
+            <a:spLocks noGrp="1"/>
+          </p:cNvSpPr>
+          <p:nvPr>
+            <p:ph type="dt" sz="half" idx="10"/>
+          </p:nvPr>
+        </p:nvSpPr>
+        <p:spPr/>
+        <p:txBody>
+          <a:bodyPr/>
+          <a:lstStyle/>
+          <a:p>
+            <a:fld id="{3F46AE61-50B3-4440-BB01-1FF85E3E82A7}" type="datetimeFigureOut">
+              <a:rPr lang="de-DE" smtClean="0"/>
+              <a:t>29.09.2024</a:t>
+            </a:fld>
+            <a:endParaRPr lang="de-DE"/>
+          </a:p>
+        </p:txBody>
+      </p:sp>
+      <p:sp>
+        <p:nvSpPr>
+          <p:cNvPr id="6" name="Footer Placeholder 5"/>
+          <p:cNvSpPr>
+            <a:spLocks noGrp="1"/>
+          </p:cNvSpPr>
+          <p:nvPr>
+            <p:ph type="ftr" sz="quarter" idx="11"/>
+          </p:nvPr>
+        </p:nvSpPr>
+        <p:spPr/>
+        <p:txBody>
+          <a:bodyPr/>
+          <a:lstStyle/>
+          <a:p>
+            <a:endParaRPr lang="de-DE"/>
+          </a:p>
+        </p:txBody>
+      </p:sp>
+      <p:sp>
+        <p:nvSpPr>
+          <p:cNvPr id="7" name="Slide Number Placeholder 6"/>
+          <p:cNvSpPr>
+            <a:spLocks noGrp="1"/>
+          </p:cNvSpPr>
+          <p:nvPr>
+            <p:ph type="sldNum" sz="quarter" idx="12"/>
+          </p:nvPr>
+        </p:nvSpPr>
+        <p:spPr/>
+        <p:txBody>
           <a:bodyPr/>
           <a:lstStyle>
-            <a:lvl1pPr marL="0" indent="0">
-              <a:buNone/>
-              <a:defRPr sz="1600"/>
+            <a:lvl1pPr>
+              <a:defRPr>
+                <a:solidFill>
+                  <a:srgbClr val="FFFFFF">
+                    <a:alpha val="20000"/>
+                  </a:srgbClr>
+                </a:solidFill>
+              </a:defRPr>
             </a:lvl1pPr>
-            <a:lvl2pPr marL="457200" indent="0">
-              <a:buNone/>
-              <a:defRPr sz="1400"/>
-            </a:lvl2pPr>
-            <a:lvl3pPr marL="914400" indent="0">
-              <a:buNone/>
-              <a:defRPr sz="1200"/>
-            </a:lvl3pPr>
-            <a:lvl4pPr marL="1371600" indent="0">
-              <a:buNone/>
-              <a:defRPr sz="1000"/>
-            </a:lvl4pPr>
-            <a:lvl5pPr marL="1828800" indent="0">
-              <a:buNone/>
-              <a:defRPr sz="1000"/>
-            </a:lvl5pPr>
-            <a:lvl6pPr marL="2286000" indent="0">
-              <a:buNone/>
-              <a:defRPr sz="1000"/>
-            </a:lvl6pPr>
-            <a:lvl7pPr marL="2743200" indent="0">
-              <a:buNone/>
-              <a:defRPr sz="1000"/>
-            </a:lvl7pPr>
-            <a:lvl8pPr marL="3200400" indent="0">
-              <a:buNone/>
-              <a:defRPr sz="1000"/>
-            </a:lvl8pPr>
-            <a:lvl9pPr marL="3657600" indent="0">
-              <a:buNone/>
-              <a:defRPr sz="1000"/>
-            </a:lvl9pPr>
           </a:lstStyle>
-          <a:p>
-            <a:pPr lvl="0"/>
-            <a:r>
-              <a:rPr lang="de-DE"/>
-              <a:t>Mastertextformat bearbeiten</a:t>
-            </a:r>
-          </a:p>
-        </p:txBody>
-      </p:sp>
-      <p:sp>
-        <p:nvSpPr>
-          <p:cNvPr id="5" name="Datumsplatzhalter 4">
-            <a:extLst>
-              <a:ext uri="{FF2B5EF4-FFF2-40B4-BE49-F238E27FC236}">
-                <a16:creationId xmlns:a16="http://schemas.microsoft.com/office/drawing/2014/main" id="{4E8AECCA-194F-431C-A276-17B545F94265}"/>
-              </a:ext>
-            </a:extLst>
-          </p:cNvPr>
-          <p:cNvSpPr>
-            <a:spLocks noGrp="1"/>
-          </p:cNvSpPr>
-          <p:nvPr>
-            <p:ph type="dt" sz="half" idx="10"/>
-          </p:nvPr>
-        </p:nvSpPr>
-        <p:spPr/>
-        <p:txBody>
-          <a:bodyPr/>
-          <a:lstStyle/>
-          <a:p>
-            <a:fld id="{3F46AE61-50B3-4440-BB01-1FF85E3E82A7}" type="datetimeFigureOut">
-              <a:rPr lang="de-DE" smtClean="0"/>
-              <a:t>27.09.2024</a:t>
-            </a:fld>
-            <a:endParaRPr lang="de-DE"/>
-          </a:p>
-        </p:txBody>
-      </p:sp>
-      <p:sp>
-        <p:nvSpPr>
-          <p:cNvPr id="6" name="Fußzeilenplatzhalter 5">
-            <a:extLst>
-              <a:ext uri="{FF2B5EF4-FFF2-40B4-BE49-F238E27FC236}">
-                <a16:creationId xmlns:a16="http://schemas.microsoft.com/office/drawing/2014/main" id="{528F07DD-3D6D-456D-80AF-5430639D2A39}"/>
-              </a:ext>
-            </a:extLst>
-          </p:cNvPr>
-          <p:cNvSpPr>
-            <a:spLocks noGrp="1"/>
-          </p:cNvSpPr>
-          <p:nvPr>
-            <p:ph type="ftr" sz="quarter" idx="11"/>
-          </p:nvPr>
-        </p:nvSpPr>
-        <p:spPr/>
-        <p:txBody>
-          <a:bodyPr/>
-          <a:lstStyle/>
-          <a:p>
-            <a:endParaRPr lang="de-DE"/>
-          </a:p>
-        </p:txBody>
-      </p:sp>
-      <p:sp>
-        <p:nvSpPr>
-          <p:cNvPr id="7" name="Foliennummernplatzhalter 6">
-            <a:extLst>
-              <a:ext uri="{FF2B5EF4-FFF2-40B4-BE49-F238E27FC236}">
-                <a16:creationId xmlns:a16="http://schemas.microsoft.com/office/drawing/2014/main" id="{F8C7AE0F-7111-4012-9FD7-2BB22C234F8E}"/>
-              </a:ext>
-            </a:extLst>
-          </p:cNvPr>
-          <p:cNvSpPr>
-            <a:spLocks noGrp="1"/>
-          </p:cNvSpPr>
-          <p:nvPr>
-            <p:ph type="sldNum" sz="quarter" idx="12"/>
-          </p:nvPr>
-        </p:nvSpPr>
-        <p:spPr/>
-        <p:txBody>
-          <a:bodyPr/>
-          <a:lstStyle/>
           <a:p>
             <a:fld id="{60F72BB8-D371-4C53-BF81-5F90ACECF96B}" type="slidenum">
               <a:rPr lang="de-DE" smtClean="0"/>
@@ -2456,7 +2480,7 @@
     </p:spTree>
     <p:extLst>
       <p:ext uri="{BB962C8B-B14F-4D97-AF65-F5344CB8AC3E}">
-        <p14:creationId xmlns:p14="http://schemas.microsoft.com/office/powerpoint/2010/main" val="1681928114"/>
+        <p14:creationId xmlns:p14="http://schemas.microsoft.com/office/powerpoint/2010/main" val="199190212"/>
       </p:ext>
     </p:extLst>
   </p:cSld>
@@ -2469,6 +2493,14 @@
 <file path=ppt/slideLayouts/slideLayout9.xml><?xml version="1.0" encoding="utf-8"?>
 <p:sldLayout xmlns:a="http://schemas.openxmlformats.org/drawingml/2006/main" xmlns:r="http://schemas.openxmlformats.org/officeDocument/2006/relationships" xmlns:p="http://schemas.openxmlformats.org/presentationml/2006/main" type="picTx" preserve="1">
   <p:cSld name="Bild mit Überschrift">
+    <p:bg>
+      <p:bgPr>
+        <a:solidFill>
+          <a:schemeClr val="accent1"/>
+        </a:solidFill>
+        <a:effectLst/>
+      </p:bgPr>
+    </p:bg>
     <p:spTree>
       <p:nvGrpSpPr>
         <p:cNvPr id="1" name=""/>
@@ -2485,13 +2517,7 @@
       </p:grpSpPr>
       <p:sp>
         <p:nvSpPr>
-          <p:cNvPr id="2" name="Titel 1">
-            <a:extLst>
-              <a:ext uri="{FF2B5EF4-FFF2-40B4-BE49-F238E27FC236}">
-                <a16:creationId xmlns:a16="http://schemas.microsoft.com/office/drawing/2014/main" id="{04B16AED-AE82-4C68-8F95-C6608BE9F279}"/>
-              </a:ext>
-            </a:extLst>
-          </p:cNvPr>
+          <p:cNvPr id="2" name="Title 1"/>
           <p:cNvSpPr>
             <a:spLocks noGrp="1"/>
           </p:cNvSpPr>
@@ -2501,15 +2527,21 @@
         </p:nvSpPr>
         <p:spPr>
           <a:xfrm>
-            <a:off x="839788" y="457200"/>
-            <a:ext cx="3932237" cy="1600200"/>
+            <a:off x="649224" y="5418667"/>
+            <a:ext cx="10780776" cy="613283"/>
           </a:xfrm>
         </p:spPr>
         <p:txBody>
-          <a:bodyPr anchor="b"/>
+          <a:bodyPr anchor="b">
+            <a:normAutofit/>
+          </a:bodyPr>
           <a:lstStyle>
             <a:lvl1pPr>
-              <a:defRPr sz="3200"/>
+              <a:defRPr sz="3200" b="0">
+                <a:solidFill>
+                  <a:srgbClr val="FFFFFF"/>
+                </a:solidFill>
+              </a:defRPr>
             </a:lvl1pPr>
           </a:lstStyle>
           <a:p>
@@ -2517,20 +2549,15 @@
               <a:rPr lang="de-DE"/>
               <a:t>Mastertitelformat bearbeiten</a:t>
             </a:r>
-          </a:p>
-        </p:txBody>
-      </p:sp>
-      <p:sp>
-        <p:nvSpPr>
-          <p:cNvPr id="3" name="Bildplatzhalter 2">
-            <a:extLst>
-              <a:ext uri="{FF2B5EF4-FFF2-40B4-BE49-F238E27FC236}">
-                <a16:creationId xmlns:a16="http://schemas.microsoft.com/office/drawing/2014/main" id="{2E907FC4-F342-4EC1-A6DC-C9443630A324}"/>
-              </a:ext>
-            </a:extLst>
-          </p:cNvPr>
-          <p:cNvSpPr>
-            <a:spLocks noGrp="1"/>
+            <a:endParaRPr lang="en-US" dirty="0"/>
+          </a:p>
+        </p:txBody>
+      </p:sp>
+      <p:sp>
+        <p:nvSpPr>
+          <p:cNvPr id="3" name="Picture Placeholder 2"/>
+          <p:cNvSpPr>
+            <a:spLocks noGrp="1" noChangeAspect="1"/>
           </p:cNvSpPr>
           <p:nvPr>
             <p:ph type="pic" idx="1"/>
@@ -2538,16 +2565,32 @@
         </p:nvSpPr>
         <p:spPr>
           <a:xfrm>
-            <a:off x="5183188" y="987425"/>
-            <a:ext cx="6172200" cy="4873625"/>
+            <a:off x="0" y="0"/>
+            <a:ext cx="12192000" cy="5330952"/>
           </a:xfrm>
+          <a:solidFill>
+            <a:schemeClr val="accent1">
+              <a:lumMod val="40000"/>
+              <a:lumOff val="60000"/>
+            </a:schemeClr>
+          </a:solidFill>
         </p:spPr>
         <p:txBody>
-          <a:bodyPr/>
+          <a:bodyPr anchor="t"/>
           <a:lstStyle>
-            <a:lvl1pPr marL="0" indent="0">
-              <a:buNone/>
-              <a:defRPr sz="3200"/>
+            <a:lvl1pPr marL="0" indent="0" algn="ctr">
+              <a:spcBef>
+                <a:spcPts val="800"/>
+              </a:spcBef>
+              <a:buNone/>
+              <a:defRPr sz="3200">
+                <a:solidFill>
+                  <a:schemeClr val="tx1">
+                    <a:lumMod val="75000"/>
+                    <a:lumOff val="25000"/>
+                  </a:schemeClr>
+                </a:solidFill>
+              </a:defRPr>
             </a:lvl1pPr>
             <a:lvl2pPr marL="457200" indent="0">
               <a:buNone/>
@@ -2583,19 +2626,17 @@
             </a:lvl9pPr>
           </a:lstStyle>
           <a:p>
-            <a:endParaRPr lang="de-DE"/>
-          </a:p>
-        </p:txBody>
-      </p:sp>
-      <p:sp>
-        <p:nvSpPr>
-          <p:cNvPr id="4" name="Textplatzhalter 3">
-            <a:extLst>
-              <a:ext uri="{FF2B5EF4-FFF2-40B4-BE49-F238E27FC236}">
-                <a16:creationId xmlns:a16="http://schemas.microsoft.com/office/drawing/2014/main" id="{BAC4C878-304A-4D3C-A1B2-CD0D9728ED9F}"/>
-              </a:ext>
-            </a:extLst>
-          </p:cNvPr>
+            <a:r>
+              <a:rPr lang="de-DE"/>
+              <a:t>Bild durch Klicken auf Symbol hinzufügen</a:t>
+            </a:r>
+            <a:endParaRPr lang="en-US" dirty="0"/>
+          </a:p>
+        </p:txBody>
+      </p:sp>
+      <p:sp>
+        <p:nvSpPr>
+          <p:cNvPr id="4" name="Text Placeholder 3"/>
           <p:cNvSpPr>
             <a:spLocks noGrp="1"/>
           </p:cNvSpPr>
@@ -2605,83 +2646,96 @@
         </p:nvSpPr>
         <p:spPr>
           <a:xfrm>
-            <a:off x="839788" y="2057400"/>
-            <a:ext cx="3932237" cy="3811588"/>
+            <a:off x="676656" y="5909735"/>
+            <a:ext cx="9229344" cy="533400"/>
           </a:xfrm>
         </p:spPr>
         <p:txBody>
+          <a:bodyPr>
+            <a:normAutofit/>
+          </a:bodyPr>
+          <a:lstStyle>
+            <a:lvl1pPr marL="0" indent="0">
+              <a:lnSpc>
+                <a:spcPct val="90000"/>
+              </a:lnSpc>
+              <a:buNone/>
+              <a:defRPr sz="1400">
+                <a:solidFill>
+                  <a:srgbClr val="262626"/>
+                </a:solidFill>
+              </a:defRPr>
+            </a:lvl1pPr>
+            <a:lvl2pPr marL="457200" indent="0">
+              <a:buNone/>
+              <a:defRPr sz="1200"/>
+            </a:lvl2pPr>
+            <a:lvl3pPr marL="914400" indent="0">
+              <a:buNone/>
+              <a:defRPr sz="1000"/>
+            </a:lvl3pPr>
+            <a:lvl4pPr marL="1371600" indent="0">
+              <a:buNone/>
+              <a:defRPr sz="900"/>
+            </a:lvl4pPr>
+            <a:lvl5pPr marL="1828800" indent="0">
+              <a:buNone/>
+              <a:defRPr sz="900"/>
+            </a:lvl5pPr>
+            <a:lvl6pPr marL="2286000" indent="0">
+              <a:buNone/>
+              <a:defRPr sz="900"/>
+            </a:lvl6pPr>
+            <a:lvl7pPr marL="2743200" indent="0">
+              <a:buNone/>
+              <a:defRPr sz="900"/>
+            </a:lvl7pPr>
+            <a:lvl8pPr marL="3200400" indent="0">
+              <a:buNone/>
+              <a:defRPr sz="900"/>
+            </a:lvl8pPr>
+            <a:lvl9pPr marL="3657600" indent="0">
+              <a:buNone/>
+              <a:defRPr sz="900"/>
+            </a:lvl9pPr>
+          </a:lstStyle>
+          <a:p>
+            <a:pPr lvl="0"/>
+            <a:r>
+              <a:rPr lang="de-DE"/>
+              <a:t>Mastertextformat bearbeiten</a:t>
+            </a:r>
+          </a:p>
+        </p:txBody>
+      </p:sp>
+      <p:sp>
+        <p:nvSpPr>
+          <p:cNvPr id="12" name="Date Placeholder 11"/>
+          <p:cNvSpPr>
+            <a:spLocks noGrp="1"/>
+          </p:cNvSpPr>
+          <p:nvPr>
+            <p:ph type="dt" sz="half" idx="10"/>
+          </p:nvPr>
+        </p:nvSpPr>
+        <p:spPr/>
+        <p:txBody>
           <a:bodyPr/>
           <a:lstStyle>
-            <a:lvl1pPr marL="0" indent="0">
-              <a:buNone/>
-              <a:defRPr sz="1600"/>
+            <a:lvl1pPr>
+              <a:defRPr>
+                <a:solidFill>
+                  <a:srgbClr val="FFFFFF">
+                    <a:alpha val="80000"/>
+                  </a:srgbClr>
+                </a:solidFill>
+              </a:defRPr>
             </a:lvl1pPr>
-            <a:lvl2pPr marL="457200" indent="0">
-              <a:buNone/>
-              <a:defRPr sz="1400"/>
-            </a:lvl2pPr>
-            <a:lvl3pPr marL="914400" indent="0">
-              <a:buNone/>
-              <a:defRPr sz="1200"/>
-            </a:lvl3pPr>
-            <a:lvl4pPr marL="1371600" indent="0">
-              <a:buNone/>
-              <a:defRPr sz="1000"/>
-            </a:lvl4pPr>
-            <a:lvl5pPr marL="1828800" indent="0">
-              <a:buNone/>
-              <a:defRPr sz="1000"/>
-            </a:lvl5pPr>
-            <a:lvl6pPr marL="2286000" indent="0">
-              <a:buNone/>
-              <a:defRPr sz="1000"/>
-            </a:lvl6pPr>
-            <a:lvl7pPr marL="2743200" indent="0">
-              <a:buNone/>
-              <a:defRPr sz="1000"/>
-            </a:lvl7pPr>
-            <a:lvl8pPr marL="3200400" indent="0">
-              <a:buNone/>
-              <a:defRPr sz="1000"/>
-            </a:lvl8pPr>
-            <a:lvl9pPr marL="3657600" indent="0">
-              <a:buNone/>
-              <a:defRPr sz="1000"/>
-            </a:lvl9pPr>
           </a:lstStyle>
-          <a:p>
-            <a:pPr lvl="0"/>
-            <a:r>
-              <a:rPr lang="de-DE"/>
-              <a:t>Mastertextformat bearbeiten</a:t>
-            </a:r>
-          </a:p>
-        </p:txBody>
-      </p:sp>
-      <p:sp>
-        <p:nvSpPr>
-          <p:cNvPr id="5" name="Datumsplatzhalter 4">
-            <a:extLst>
-              <a:ext uri="{FF2B5EF4-FFF2-40B4-BE49-F238E27FC236}">
-                <a16:creationId xmlns:a16="http://schemas.microsoft.com/office/drawing/2014/main" id="{35A88CC7-C7C0-4A4B-8EC8-48DA8305039E}"/>
-              </a:ext>
-            </a:extLst>
-          </p:cNvPr>
-          <p:cNvSpPr>
-            <a:spLocks noGrp="1"/>
-          </p:cNvSpPr>
-          <p:nvPr>
-            <p:ph type="dt" sz="half" idx="10"/>
-          </p:nvPr>
-        </p:nvSpPr>
-        <p:spPr/>
-        <p:txBody>
-          <a:bodyPr/>
-          <a:lstStyle/>
           <a:p>
             <a:fld id="{3F46AE61-50B3-4440-BB01-1FF85E3E82A7}" type="datetimeFigureOut">
               <a:rPr lang="de-DE" smtClean="0"/>
-              <a:t>27.09.2024</a:t>
+              <a:t>29.09.2024</a:t>
             </a:fld>
             <a:endParaRPr lang="de-DE"/>
           </a:p>
@@ -2689,13 +2743,7 @@
       </p:sp>
       <p:sp>
         <p:nvSpPr>
-          <p:cNvPr id="6" name="Fußzeilenplatzhalter 5">
-            <a:extLst>
-              <a:ext uri="{FF2B5EF4-FFF2-40B4-BE49-F238E27FC236}">
-                <a16:creationId xmlns:a16="http://schemas.microsoft.com/office/drawing/2014/main" id="{9F419987-BABC-4352-8ED6-78D78E25596B}"/>
-              </a:ext>
-            </a:extLst>
-          </p:cNvPr>
+          <p:cNvPr id="13" name="Footer Placeholder 12"/>
           <p:cNvSpPr>
             <a:spLocks noGrp="1"/>
           </p:cNvSpPr>
@@ -2706,7 +2754,17 @@
         <p:spPr/>
         <p:txBody>
           <a:bodyPr/>
-          <a:lstStyle/>
+          <a:lstStyle>
+            <a:lvl1pPr>
+              <a:defRPr>
+                <a:solidFill>
+                  <a:srgbClr val="FFFFFF">
+                    <a:alpha val="80000"/>
+                  </a:srgbClr>
+                </a:solidFill>
+              </a:defRPr>
+            </a:lvl1pPr>
+          </a:lstStyle>
           <a:p>
             <a:endParaRPr lang="de-DE"/>
           </a:p>
@@ -2714,13 +2772,7 @@
       </p:sp>
       <p:sp>
         <p:nvSpPr>
-          <p:cNvPr id="7" name="Foliennummernplatzhalter 6">
-            <a:extLst>
-              <a:ext uri="{FF2B5EF4-FFF2-40B4-BE49-F238E27FC236}">
-                <a16:creationId xmlns:a16="http://schemas.microsoft.com/office/drawing/2014/main" id="{68AEB249-4B10-4714-B420-3BB3A67D8CF6}"/>
-              </a:ext>
-            </a:extLst>
-          </p:cNvPr>
+          <p:cNvPr id="14" name="Slide Number Placeholder 13"/>
           <p:cNvSpPr>
             <a:spLocks noGrp="1"/>
           </p:cNvSpPr>
@@ -2731,7 +2783,17 @@
         <p:spPr/>
         <p:txBody>
           <a:bodyPr/>
-          <a:lstStyle/>
+          <a:lstStyle>
+            <a:lvl1pPr>
+              <a:defRPr>
+                <a:solidFill>
+                  <a:srgbClr val="FFFFFF">
+                    <a:alpha val="25000"/>
+                  </a:srgbClr>
+                </a:solidFill>
+              </a:defRPr>
+            </a:lvl1pPr>
+          </a:lstStyle>
           <a:p>
             <a:fld id="{60F72BB8-D371-4C53-BF81-5F90ACECF96B}" type="slidenum">
               <a:rPr lang="de-DE" smtClean="0"/>
@@ -2744,12 +2806,12 @@
     </p:spTree>
     <p:extLst>
       <p:ext uri="{BB962C8B-B14F-4D97-AF65-F5344CB8AC3E}">
-        <p14:creationId xmlns:p14="http://schemas.microsoft.com/office/powerpoint/2010/main" val="3314117921"/>
+        <p14:creationId xmlns:p14="http://schemas.microsoft.com/office/powerpoint/2010/main" val="4248924942"/>
       </p:ext>
     </p:extLst>
   </p:cSld>
   <p:clrMapOvr>
-    <a:masterClrMapping/>
+    <a:overrideClrMapping bg1="lt1" tx1="dk1" bg2="lt2" tx2="dk2" accent1="accent1" accent2="accent2" accent3="accent3" accent4="accent4" accent5="accent5" accent6="accent6" hlink="hlink" folHlink="folHlink"/>
   </p:clrMapOvr>
 </p:sldLayout>
 </file>
@@ -2778,13 +2840,7 @@
       </p:grpSpPr>
       <p:sp>
         <p:nvSpPr>
-          <p:cNvPr id="2" name="Titelplatzhalter 1">
-            <a:extLst>
-              <a:ext uri="{FF2B5EF4-FFF2-40B4-BE49-F238E27FC236}">
-                <a16:creationId xmlns:a16="http://schemas.microsoft.com/office/drawing/2014/main" id="{3842D7FA-944A-412E-8DFA-F38284F94580}"/>
-              </a:ext>
-            </a:extLst>
-          </p:cNvPr>
+          <p:cNvPr id="2" name="Title Placeholder 1"/>
           <p:cNvSpPr>
             <a:spLocks noGrp="1"/>
           </p:cNvSpPr>
@@ -2794,8 +2850,8 @@
         </p:nvSpPr>
         <p:spPr>
           <a:xfrm>
-            <a:off x="838200" y="365125"/>
-            <a:ext cx="10515600" cy="1325563"/>
+            <a:off x="657224" y="499533"/>
+            <a:ext cx="10772775" cy="1658198"/>
           </a:xfrm>
           <a:prstGeom prst="rect">
             <a:avLst/>
@@ -2811,18 +2867,13 @@
               <a:rPr lang="de-DE"/>
               <a:t>Mastertitelformat bearbeiten</a:t>
             </a:r>
-          </a:p>
-        </p:txBody>
-      </p:sp>
-      <p:sp>
-        <p:nvSpPr>
-          <p:cNvPr id="3" name="Textplatzhalter 2">
-            <a:extLst>
-              <a:ext uri="{FF2B5EF4-FFF2-40B4-BE49-F238E27FC236}">
-                <a16:creationId xmlns:a16="http://schemas.microsoft.com/office/drawing/2014/main" id="{5DE4554F-C51A-46D2-80BB-C7C17A878747}"/>
-              </a:ext>
-            </a:extLst>
-          </p:cNvPr>
+            <a:endParaRPr lang="en-US" dirty="0"/>
+          </a:p>
+        </p:txBody>
+      </p:sp>
+      <p:sp>
+        <p:nvSpPr>
+          <p:cNvPr id="3" name="Text Placeholder 2"/>
           <p:cNvSpPr>
             <a:spLocks noGrp="1"/>
           </p:cNvSpPr>
@@ -2832,8 +2883,8 @@
         </p:nvSpPr>
         <p:spPr>
           <a:xfrm>
-            <a:off x="838200" y="1825625"/>
-            <a:ext cx="10515600" cy="4351338"/>
+            <a:off x="676656" y="2011680"/>
+            <a:ext cx="10753725" cy="3766185"/>
           </a:xfrm>
           <a:prstGeom prst="rect">
             <a:avLst/>
@@ -2878,18 +2929,13 @@
               <a:rPr lang="de-DE"/>
               <a:t>Fünfte Ebene</a:t>
             </a:r>
-          </a:p>
-        </p:txBody>
-      </p:sp>
-      <p:sp>
-        <p:nvSpPr>
-          <p:cNvPr id="4" name="Datumsplatzhalter 3">
-            <a:extLst>
-              <a:ext uri="{FF2B5EF4-FFF2-40B4-BE49-F238E27FC236}">
-                <a16:creationId xmlns:a16="http://schemas.microsoft.com/office/drawing/2014/main" id="{8EC873F9-8395-4891-B39D-67DF885610C4}"/>
-              </a:ext>
-            </a:extLst>
-          </p:cNvPr>
+            <a:endParaRPr lang="en-US" dirty="0"/>
+          </a:p>
+        </p:txBody>
+      </p:sp>
+      <p:sp>
+        <p:nvSpPr>
+          <p:cNvPr id="4" name="Date Placeholder 3"/>
           <p:cNvSpPr>
             <a:spLocks noGrp="1"/>
           </p:cNvSpPr>
@@ -2899,8 +2945,8 @@
         </p:nvSpPr>
         <p:spPr>
           <a:xfrm>
-            <a:off x="838200" y="6356350"/>
-            <a:ext cx="2743200" cy="365125"/>
+            <a:off x="685800" y="6412447"/>
+            <a:ext cx="4114800" cy="228600"/>
           </a:xfrm>
           <a:prstGeom prst="rect">
             <a:avLst/>
@@ -2910,10 +2956,10 @@
           <a:bodyPr vert="horz" lIns="91440" tIns="45720" rIns="91440" bIns="45720" rtlCol="0" anchor="ctr"/>
           <a:lstStyle>
             <a:lvl1pPr algn="l">
-              <a:defRPr sz="1200">
+              <a:defRPr sz="950">
                 <a:solidFill>
                   <a:schemeClr val="tx1">
-                    <a:tint val="75000"/>
+                    <a:alpha val="80000"/>
                   </a:schemeClr>
                 </a:solidFill>
               </a:defRPr>
@@ -2922,7 +2968,7 @@
           <a:p>
             <a:fld id="{3F46AE61-50B3-4440-BB01-1FF85E3E82A7}" type="datetimeFigureOut">
               <a:rPr lang="de-DE" smtClean="0"/>
-              <a:t>27.09.2024</a:t>
+              <a:t>29.09.2024</a:t>
             </a:fld>
             <a:endParaRPr lang="de-DE"/>
           </a:p>
@@ -2930,13 +2976,7 @@
       </p:sp>
       <p:sp>
         <p:nvSpPr>
-          <p:cNvPr id="5" name="Fußzeilenplatzhalter 4">
-            <a:extLst>
-              <a:ext uri="{FF2B5EF4-FFF2-40B4-BE49-F238E27FC236}">
-                <a16:creationId xmlns:a16="http://schemas.microsoft.com/office/drawing/2014/main" id="{2A3D4EC3-36A7-43A0-886E-BEC365AC74FB}"/>
-              </a:ext>
-            </a:extLst>
-          </p:cNvPr>
+          <p:cNvPr id="5" name="Footer Placeholder 4"/>
           <p:cNvSpPr>
             <a:spLocks noGrp="1"/>
           </p:cNvSpPr>
@@ -2946,8 +2986,8 @@
         </p:nvSpPr>
         <p:spPr>
           <a:xfrm>
-            <a:off x="4038600" y="6356350"/>
-            <a:ext cx="4114800" cy="365125"/>
+            <a:off x="685800" y="6554697"/>
+            <a:ext cx="5029200" cy="228600"/>
           </a:xfrm>
           <a:prstGeom prst="rect">
             <a:avLst/>
@@ -2956,11 +2996,11 @@
         <p:txBody>
           <a:bodyPr vert="horz" lIns="91440" tIns="45720" rIns="91440" bIns="45720" rtlCol="0" anchor="ctr"/>
           <a:lstStyle>
-            <a:lvl1pPr algn="ctr">
-              <a:defRPr sz="1200">
+            <a:lvl1pPr algn="l">
+              <a:defRPr sz="950" cap="all" baseline="0">
                 <a:solidFill>
                   <a:schemeClr val="tx1">
-                    <a:tint val="75000"/>
+                    <a:alpha val="80000"/>
                   </a:schemeClr>
                 </a:solidFill>
               </a:defRPr>
@@ -2973,13 +3013,7 @@
       </p:sp>
       <p:sp>
         <p:nvSpPr>
-          <p:cNvPr id="6" name="Foliennummernplatzhalter 5">
-            <a:extLst>
-              <a:ext uri="{FF2B5EF4-FFF2-40B4-BE49-F238E27FC236}">
-                <a16:creationId xmlns:a16="http://schemas.microsoft.com/office/drawing/2014/main" id="{65DB3181-CF11-457E-910D-44CF19763BE2}"/>
-              </a:ext>
-            </a:extLst>
-          </p:cNvPr>
+          <p:cNvPr id="6" name="Slide Number Placeholder 5"/>
           <p:cNvSpPr>
             <a:spLocks noGrp="1"/>
           </p:cNvSpPr>
@@ -2989,23 +3023,27 @@
         </p:nvSpPr>
         <p:spPr>
           <a:xfrm>
-            <a:off x="8610600" y="6356350"/>
-            <a:ext cx="2743200" cy="365125"/>
+            <a:off x="8763926" y="5876412"/>
+            <a:ext cx="2926080" cy="1397039"/>
           </a:xfrm>
           <a:prstGeom prst="rect">
             <a:avLst/>
           </a:prstGeom>
         </p:spPr>
         <p:txBody>
-          <a:bodyPr vert="horz" lIns="91440" tIns="45720" rIns="91440" bIns="45720" rtlCol="0" anchor="ctr"/>
+          <a:bodyPr vert="horz" lIns="91440" tIns="45720" rIns="91440" bIns="45720" rtlCol="0" anchor="b"/>
           <a:lstStyle>
             <a:lvl1pPr algn="r">
-              <a:defRPr sz="1200">
+              <a:defRPr sz="10300" b="0">
+                <a:ln>
+                  <a:noFill/>
+                </a:ln>
                 <a:solidFill>
-                  <a:schemeClr val="tx1">
-                    <a:tint val="75000"/>
+                  <a:schemeClr val="accent1">
+                    <a:alpha val="25000"/>
                   </a:schemeClr>
                 </a:solidFill>
+                <a:latin typeface="+mj-lt"/>
               </a:defRPr>
             </a:lvl1pPr>
           </a:lstStyle>
@@ -3021,37 +3059,37 @@
     </p:spTree>
     <p:extLst>
       <p:ext uri="{BB962C8B-B14F-4D97-AF65-F5344CB8AC3E}">
-        <p14:creationId xmlns:p14="http://schemas.microsoft.com/office/powerpoint/2010/main" val="227028721"/>
+        <p14:creationId xmlns:p14="http://schemas.microsoft.com/office/powerpoint/2010/main" val="2585557726"/>
       </p:ext>
     </p:extLst>
   </p:cSld>
   <p:clrMap bg1="lt1" tx1="dk1" bg2="lt2" tx2="dk2" accent1="accent1" accent2="accent2" accent3="accent3" accent4="accent4" accent5="accent5" accent6="accent6" hlink="hlink" folHlink="folHlink"/>
   <p:sldLayoutIdLst>
-    <p:sldLayoutId id="2147483649" r:id="rId1"/>
-    <p:sldLayoutId id="2147483650" r:id="rId2"/>
-    <p:sldLayoutId id="2147483651" r:id="rId3"/>
-    <p:sldLayoutId id="2147483652" r:id="rId4"/>
-    <p:sldLayoutId id="2147483653" r:id="rId5"/>
-    <p:sldLayoutId id="2147483654" r:id="rId6"/>
-    <p:sldLayoutId id="2147483655" r:id="rId7"/>
-    <p:sldLayoutId id="2147483656" r:id="rId8"/>
-    <p:sldLayoutId id="2147483657" r:id="rId9"/>
-    <p:sldLayoutId id="2147483658" r:id="rId10"/>
-    <p:sldLayoutId id="2147483659" r:id="rId11"/>
+    <p:sldLayoutId id="2147483733" r:id="rId1"/>
+    <p:sldLayoutId id="2147483734" r:id="rId2"/>
+    <p:sldLayoutId id="2147483735" r:id="rId3"/>
+    <p:sldLayoutId id="2147483736" r:id="rId4"/>
+    <p:sldLayoutId id="2147483737" r:id="rId5"/>
+    <p:sldLayoutId id="2147483738" r:id="rId6"/>
+    <p:sldLayoutId id="2147483739" r:id="rId7"/>
+    <p:sldLayoutId id="2147483740" r:id="rId8"/>
+    <p:sldLayoutId id="2147483741" r:id="rId9"/>
+    <p:sldLayoutId id="2147483742" r:id="rId10"/>
+    <p:sldLayoutId id="2147483743" r:id="rId11"/>
   </p:sldLayoutIdLst>
   <p:txStyles>
     <p:titleStyle>
       <a:lvl1pPr algn="l" defTabSz="914400" rtl="0" eaLnBrk="1" latinLnBrk="0" hangingPunct="1">
         <a:lnSpc>
-          <a:spcPct val="90000"/>
+          <a:spcPct val="85000"/>
         </a:lnSpc>
         <a:spcBef>
           <a:spcPct val="0"/>
         </a:spcBef>
         <a:buNone/>
-        <a:defRPr sz="4400" kern="1200">
+        <a:defRPr sz="5400" kern="1200" spc="-120" baseline="0">
           <a:solidFill>
-            <a:schemeClr val="tx1"/>
+            <a:schemeClr val="accent1"/>
           </a:solidFill>
           <a:latin typeface="+mj-lt"/>
           <a:ea typeface="+mj-ea"/>
@@ -3060,162 +3098,189 @@
       </a:lvl1pPr>
     </p:titleStyle>
     <p:bodyStyle>
-      <a:lvl1pPr marL="228600" indent="-228600" algn="l" defTabSz="914400" rtl="0" eaLnBrk="1" latinLnBrk="0" hangingPunct="1">
+      <a:lvl1pPr marL="91440" indent="-91440" algn="l" defTabSz="914400" rtl="0" eaLnBrk="1" latinLnBrk="0" hangingPunct="1">
         <a:lnSpc>
-          <a:spcPct val="90000"/>
+          <a:spcPct val="85000"/>
         </a:lnSpc>
         <a:spcBef>
-          <a:spcPts val="1000"/>
+          <a:spcPts val="1300"/>
         </a:spcBef>
-        <a:buFont typeface="Arial" panose="020B0604020202020204" pitchFamily="34" charset="0"/>
-        <a:buChar char="•"/>
-        <a:defRPr sz="2800" kern="1200">
+        <a:buFont typeface="Arial" pitchFamily="34" charset="0"/>
+        <a:buChar char=" "/>
+        <a:defRPr sz="2400" kern="1200">
           <a:solidFill>
-            <a:schemeClr val="tx1"/>
+            <a:schemeClr val="tx1">
+              <a:lumMod val="85000"/>
+              <a:lumOff val="15000"/>
+            </a:schemeClr>
           </a:solidFill>
           <a:latin typeface="+mn-lt"/>
           <a:ea typeface="+mn-ea"/>
           <a:cs typeface="+mn-cs"/>
         </a:defRPr>
       </a:lvl1pPr>
-      <a:lvl2pPr marL="685800" indent="-228600" algn="l" defTabSz="914400" rtl="0" eaLnBrk="1" latinLnBrk="0" hangingPunct="1">
+      <a:lvl2pPr marL="347472" indent="-342900" algn="l" defTabSz="914400" rtl="0" eaLnBrk="1" latinLnBrk="0" hangingPunct="1">
         <a:lnSpc>
-          <a:spcPct val="90000"/>
+          <a:spcPct val="85000"/>
         </a:lnSpc>
         <a:spcBef>
-          <a:spcPts val="500"/>
+          <a:spcPts val="600"/>
         </a:spcBef>
-        <a:buFont typeface="Arial" panose="020B0604020202020204" pitchFamily="34" charset="0"/>
-        <a:buChar char="•"/>
+        <a:buFont typeface="Arial" pitchFamily="34" charset="0"/>
+        <a:buChar char=" "/>
         <a:defRPr sz="2400" kern="1200">
           <a:solidFill>
-            <a:schemeClr val="tx1"/>
+            <a:schemeClr val="tx1">
+              <a:lumMod val="85000"/>
+              <a:lumOff val="15000"/>
+            </a:schemeClr>
           </a:solidFill>
           <a:latin typeface="+mn-lt"/>
           <a:ea typeface="+mn-ea"/>
           <a:cs typeface="+mn-cs"/>
         </a:defRPr>
       </a:lvl2pPr>
-      <a:lvl3pPr marL="1143000" indent="-228600" algn="l" defTabSz="914400" rtl="0" eaLnBrk="1" latinLnBrk="0" hangingPunct="1">
+      <a:lvl3pPr marL="548640" indent="-548640" algn="l" defTabSz="914400" rtl="0" eaLnBrk="1" latinLnBrk="0" hangingPunct="1">
         <a:lnSpc>
-          <a:spcPct val="90000"/>
+          <a:spcPct val="85000"/>
         </a:lnSpc>
         <a:spcBef>
-          <a:spcPts val="500"/>
+          <a:spcPts val="600"/>
         </a:spcBef>
-        <a:buFont typeface="Arial" panose="020B0604020202020204" pitchFamily="34" charset="0"/>
-        <a:buChar char="•"/>
-        <a:defRPr sz="2000" kern="1200">
+        <a:buFont typeface="Arial" pitchFamily="34" charset="0"/>
+        <a:buChar char=" "/>
+        <a:defRPr sz="2000" i="1" kern="1200">
           <a:solidFill>
-            <a:schemeClr val="tx1"/>
+            <a:schemeClr val="tx1">
+              <a:lumMod val="85000"/>
+              <a:lumOff val="15000"/>
+            </a:schemeClr>
           </a:solidFill>
           <a:latin typeface="+mn-lt"/>
           <a:ea typeface="+mn-ea"/>
           <a:cs typeface="+mn-cs"/>
         </a:defRPr>
       </a:lvl3pPr>
-      <a:lvl4pPr marL="1600200" indent="-228600" algn="l" defTabSz="914400" rtl="0" eaLnBrk="1" latinLnBrk="0" hangingPunct="1">
+      <a:lvl4pPr marL="822960" indent="-822960" algn="l" defTabSz="914400" rtl="0" eaLnBrk="1" latinLnBrk="0" hangingPunct="1">
         <a:lnSpc>
-          <a:spcPct val="90000"/>
+          <a:spcPct val="85000"/>
         </a:lnSpc>
         <a:spcBef>
-          <a:spcPts val="500"/>
+          <a:spcPts val="600"/>
         </a:spcBef>
-        <a:buFont typeface="Arial" panose="020B0604020202020204" pitchFamily="34" charset="0"/>
-        <a:buChar char="•"/>
+        <a:buFont typeface="Arial" pitchFamily="34" charset="0"/>
+        <a:buChar char=" "/>
         <a:defRPr sz="1800" kern="1200">
           <a:solidFill>
-            <a:schemeClr val="tx1"/>
+            <a:schemeClr val="tx1">
+              <a:lumMod val="85000"/>
+              <a:lumOff val="15000"/>
+            </a:schemeClr>
           </a:solidFill>
           <a:latin typeface="+mn-lt"/>
           <a:ea typeface="+mn-ea"/>
           <a:cs typeface="+mn-cs"/>
         </a:defRPr>
       </a:lvl4pPr>
-      <a:lvl5pPr marL="2057400" indent="-228600" algn="l" defTabSz="914400" rtl="0" eaLnBrk="1" latinLnBrk="0" hangingPunct="1">
+      <a:lvl5pPr marL="1097280" indent="-1097280" algn="l" defTabSz="914400" rtl="0" eaLnBrk="1" latinLnBrk="0" hangingPunct="1">
         <a:lnSpc>
-          <a:spcPct val="90000"/>
+          <a:spcPct val="85000"/>
         </a:lnSpc>
         <a:spcBef>
-          <a:spcPts val="500"/>
+          <a:spcPts val="600"/>
         </a:spcBef>
-        <a:buFont typeface="Arial" panose="020B0604020202020204" pitchFamily="34" charset="0"/>
-        <a:buChar char="•"/>
+        <a:buFont typeface="Arial" pitchFamily="34" charset="0"/>
+        <a:buChar char=" "/>
         <a:defRPr sz="1800" kern="1200">
           <a:solidFill>
-            <a:schemeClr val="tx1"/>
+            <a:schemeClr val="tx1">
+              <a:lumMod val="85000"/>
+              <a:lumOff val="15000"/>
+            </a:schemeClr>
           </a:solidFill>
           <a:latin typeface="+mn-lt"/>
           <a:ea typeface="+mn-ea"/>
           <a:cs typeface="+mn-cs"/>
         </a:defRPr>
       </a:lvl5pPr>
-      <a:lvl6pPr marL="2514600" indent="-228600" algn="l" defTabSz="914400" rtl="0" eaLnBrk="1" latinLnBrk="0" hangingPunct="1">
+      <a:lvl6pPr marL="1200000" indent="-228600" algn="l" defTabSz="914400" rtl="0" eaLnBrk="1" latinLnBrk="0" hangingPunct="1">
         <a:lnSpc>
-          <a:spcPct val="90000"/>
+          <a:spcPct val="85000"/>
         </a:lnSpc>
         <a:spcBef>
-          <a:spcPts val="500"/>
+          <a:spcPts val="600"/>
         </a:spcBef>
-        <a:buFont typeface="Arial" panose="020B0604020202020204" pitchFamily="34" charset="0"/>
-        <a:buChar char="•"/>
+        <a:buFont typeface="Arial" pitchFamily="34" charset="0"/>
+        <a:buChar char=" "/>
         <a:defRPr sz="1800" kern="1200">
           <a:solidFill>
-            <a:schemeClr val="tx1"/>
+            <a:schemeClr val="tx1">
+              <a:lumMod val="85000"/>
+              <a:lumOff val="15000"/>
+            </a:schemeClr>
           </a:solidFill>
           <a:latin typeface="+mn-lt"/>
           <a:ea typeface="+mn-ea"/>
           <a:cs typeface="+mn-cs"/>
         </a:defRPr>
       </a:lvl6pPr>
-      <a:lvl7pPr marL="2971800" indent="-228600" algn="l" defTabSz="914400" rtl="0" eaLnBrk="1" latinLnBrk="0" hangingPunct="1">
+      <a:lvl7pPr marL="1400000" indent="-228600" algn="l" defTabSz="914400" rtl="0" eaLnBrk="1" latinLnBrk="0" hangingPunct="1">
         <a:lnSpc>
-          <a:spcPct val="90000"/>
+          <a:spcPct val="85000"/>
         </a:lnSpc>
         <a:spcBef>
-          <a:spcPts val="500"/>
+          <a:spcPts val="600"/>
         </a:spcBef>
-        <a:buFont typeface="Arial" panose="020B0604020202020204" pitchFamily="34" charset="0"/>
-        <a:buChar char="•"/>
+        <a:buFont typeface="Arial" pitchFamily="34" charset="0"/>
+        <a:buChar char=" "/>
         <a:defRPr sz="1800" kern="1200">
           <a:solidFill>
-            <a:schemeClr val="tx1"/>
+            <a:schemeClr val="tx1">
+              <a:lumMod val="85000"/>
+              <a:lumOff val="15000"/>
+            </a:schemeClr>
           </a:solidFill>
           <a:latin typeface="+mn-lt"/>
           <a:ea typeface="+mn-ea"/>
           <a:cs typeface="+mn-cs"/>
         </a:defRPr>
       </a:lvl7pPr>
-      <a:lvl8pPr marL="3429000" indent="-228600" algn="l" defTabSz="914400" rtl="0" eaLnBrk="1" latinLnBrk="0" hangingPunct="1">
+      <a:lvl8pPr marL="1600000" indent="-228600" algn="l" defTabSz="914400" rtl="0" eaLnBrk="1" latinLnBrk="0" hangingPunct="1">
         <a:lnSpc>
-          <a:spcPct val="90000"/>
+          <a:spcPct val="85000"/>
         </a:lnSpc>
         <a:spcBef>
-          <a:spcPts val="500"/>
+          <a:spcPts val="600"/>
         </a:spcBef>
-        <a:buFont typeface="Arial" panose="020B0604020202020204" pitchFamily="34" charset="0"/>
-        <a:buChar char="•"/>
+        <a:buFont typeface="Arial" pitchFamily="34" charset="0"/>
+        <a:buChar char=" "/>
         <a:defRPr sz="1800" kern="1200">
           <a:solidFill>
-            <a:schemeClr val="tx1"/>
+            <a:schemeClr val="tx1">
+              <a:lumMod val="85000"/>
+              <a:lumOff val="15000"/>
+            </a:schemeClr>
           </a:solidFill>
           <a:latin typeface="+mn-lt"/>
           <a:ea typeface="+mn-ea"/>
           <a:cs typeface="+mn-cs"/>
         </a:defRPr>
       </a:lvl8pPr>
-      <a:lvl9pPr marL="3886200" indent="-228600" algn="l" defTabSz="914400" rtl="0" eaLnBrk="1" latinLnBrk="0" hangingPunct="1">
+      <a:lvl9pPr marL="1800000" indent="-228600" algn="l" defTabSz="914400" rtl="0" eaLnBrk="1" latinLnBrk="0" hangingPunct="1">
         <a:lnSpc>
-          <a:spcPct val="90000"/>
+          <a:spcPct val="85000"/>
         </a:lnSpc>
         <a:spcBef>
-          <a:spcPts val="500"/>
+          <a:spcPts val="600"/>
         </a:spcBef>
-        <a:buFont typeface="Arial" panose="020B0604020202020204" pitchFamily="34" charset="0"/>
-        <a:buChar char="•"/>
+        <a:buFont typeface="Arial" pitchFamily="34" charset="0"/>
+        <a:buChar char=" "/>
         <a:defRPr sz="1800" kern="1200">
           <a:solidFill>
-            <a:schemeClr val="tx1"/>
+            <a:schemeClr val="tx1">
+              <a:lumMod val="85000"/>
+              <a:lumOff val="15000"/>
+            </a:schemeClr>
           </a:solidFill>
           <a:latin typeface="+mn-lt"/>
           <a:ea typeface="+mn-ea"/>
@@ -3225,7 +3290,7 @@
     </p:bodyStyle>
     <p:otherStyle>
       <a:defPPr>
-        <a:defRPr lang="de-DE"/>
+        <a:defRPr lang="en-US"/>
       </a:defPPr>
       <a:lvl1pPr marL="0" algn="l" defTabSz="914400" rtl="0" eaLnBrk="1" latinLnBrk="0" hangingPunct="1">
         <a:defRPr sz="1800" kern="1200">
@@ -3361,8 +3426,16 @@
           <a:lstStyle/>
           <a:p>
             <a:r>
-              <a:rPr lang="de-DE" dirty="0"/>
-              <a:t>Einführung in R</a:t>
+              <a:rPr lang="de-DE" sz="8000" dirty="0"/>
+              <a:t>Einführung in die </a:t>
+            </a:r>
+            <a:r>
+              <a:rPr lang="de-DE" sz="8000" dirty="0" err="1"/>
+              <a:t>OpenSource</a:t>
+            </a:r>
+            <a:r>
+              <a:rPr lang="de-DE" sz="8000" dirty="0"/>
+              <a:t> Programmiersprache R</a:t>
             </a:r>
           </a:p>
         </p:txBody>
@@ -3383,14 +3456,19 @@
             <p:ph type="subTitle" idx="1"/>
           </p:nvPr>
         </p:nvSpPr>
-        <p:spPr/>
+        <p:spPr>
+          <a:xfrm>
+            <a:off x="603504" y="4765085"/>
+            <a:ext cx="9228201" cy="1645920"/>
+          </a:xfrm>
+        </p:spPr>
         <p:txBody>
           <a:bodyPr/>
           <a:lstStyle/>
           <a:p>
             <a:r>
               <a:rPr lang="de-DE" dirty="0"/>
-              <a:t>Kompaktkurs WS 24/25</a:t>
+              <a:t>WS 24/25</a:t>
             </a:r>
           </a:p>
         </p:txBody>
@@ -3430,7 +3508,7 @@
           <p:cNvPr id="2" name="Titel 1">
             <a:extLst>
               <a:ext uri="{FF2B5EF4-FFF2-40B4-BE49-F238E27FC236}">
-                <a16:creationId xmlns:a16="http://schemas.microsoft.com/office/drawing/2014/main" id="{3C1D52D2-BC55-4FD1-AC05-C91977EDF9C4}"/>
+                <a16:creationId xmlns:a16="http://schemas.microsoft.com/office/drawing/2014/main" id="{A6344944-9C58-48B1-86DB-DABE5BE9D378}"/>
               </a:ext>
             </a:extLst>
           </p:cNvPr>
@@ -3443,12 +3521,14 @@
         </p:nvSpPr>
         <p:spPr/>
         <p:txBody>
-          <a:bodyPr/>
+          <a:bodyPr>
+            <a:normAutofit/>
+          </a:bodyPr>
           <a:lstStyle/>
           <a:p>
             <a:r>
               <a:rPr lang="de-DE" dirty="0"/>
-              <a:t>Vektoren</a:t>
+              <a:t>Überblick Variablen, Vektoren, Dataframes und Operatoren	</a:t>
             </a:r>
           </a:p>
         </p:txBody>
@@ -3458,7 +3538,7 @@
           <p:cNvPr id="3" name="Inhaltsplatzhalter 2">
             <a:extLst>
               <a:ext uri="{FF2B5EF4-FFF2-40B4-BE49-F238E27FC236}">
-                <a16:creationId xmlns:a16="http://schemas.microsoft.com/office/drawing/2014/main" id="{006FC6F6-D4B2-44EA-8BD7-20724DCA6B3C}"/>
+                <a16:creationId xmlns:a16="http://schemas.microsoft.com/office/drawing/2014/main" id="{6D3D05C8-D36B-4033-941D-E8AB01EC1083}"/>
               </a:ext>
             </a:extLst>
           </p:cNvPr>
@@ -3469,80 +3549,26 @@
             <p:ph idx="1"/>
           </p:nvPr>
         </p:nvSpPr>
-        <p:spPr>
-          <a:xfrm>
-            <a:off x="838200" y="1493874"/>
-            <a:ext cx="10515600" cy="4683089"/>
-          </a:xfrm>
-        </p:spPr>
+        <p:spPr/>
         <p:txBody>
           <a:bodyPr/>
           <a:lstStyle/>
           <a:p>
             <a:r>
               <a:rPr lang="de-DE" dirty="0"/>
-              <a:t>Verbinden von mehreren Werten mit c( ) (</a:t>
-            </a:r>
-            <a:r>
-              <a:rPr lang="de-DE" dirty="0" err="1"/>
-              <a:t>combine</a:t>
-            </a:r>
+              <a:t>-- hier kommt dann eine Grafik hin die zeigt, dass Tabellen wie in Excel eigentlich Dataframes sind, die Spalten Vektoren und jede Zelle eine Variable---</a:t>
+            </a:r>
+          </a:p>
+          <a:p>
             <a:r>
               <a:rPr lang="de-DE" dirty="0"/>
-              <a:t>, </a:t>
-            </a:r>
-            <a:r>
-              <a:rPr lang="de-DE" dirty="0" err="1"/>
-              <a:t>concetinate</a:t>
-            </a:r>
-            <a:r>
-              <a:rPr lang="de-DE" dirty="0"/>
-              <a:t>)</a:t>
-            </a:r>
-          </a:p>
-          <a:p>
-            <a:r>
-              <a:rPr lang="de-DE" dirty="0"/>
-              <a:t>Operatoren werden auf alle Elemente eines Vektors ausgeführt</a:t>
-            </a:r>
-          </a:p>
-          <a:p>
-            <a:pPr marL="457200" lvl="1" indent="0">
+              <a:t>Mithilfe von Operatoren interagieren diese Variablen miteinander</a:t>
+            </a:r>
+          </a:p>
+          <a:p>
+            <a:pPr marL="0" indent="0">
               <a:buNone/>
             </a:pPr>
-            <a:r>
-              <a:rPr lang="de-DE" dirty="0"/>
-              <a:t>-&gt; ermöglicht effizientes Editieren und durchführen von Abfragen</a:t>
-            </a:r>
-          </a:p>
-          <a:p>
-            <a:r>
-              <a:rPr lang="de-DE" dirty="0"/>
-              <a:t>An bestehende Vektoren lassen sich weitere Elemente anhängen</a:t>
-            </a:r>
-          </a:p>
-          <a:p>
-            <a:r>
-              <a:rPr lang="de-DE" dirty="0"/>
-              <a:t>Indizierung mit [ ] ermöglicht Elemente aus Vektor abzufragen</a:t>
-            </a:r>
-          </a:p>
-          <a:p>
-            <a:r>
-              <a:rPr lang="de-DE" dirty="0"/>
-              <a:t>Indizierung mit negativem Index wählt alle Elemente außer dem Index aus</a:t>
-            </a:r>
-          </a:p>
-          <a:p>
-            <a:pPr marL="457200" lvl="1" indent="0">
-              <a:buNone/>
-            </a:pPr>
-            <a:r>
-              <a:rPr lang="de-DE" dirty="0"/>
-              <a:t>-&gt; ermöglicht das löschen von Elementen</a:t>
-            </a:r>
-          </a:p>
-          <a:p>
             <a:endParaRPr lang="de-DE" dirty="0"/>
           </a:p>
         </p:txBody>
@@ -3550,7 +3576,7 @@
     </p:spTree>
     <p:extLst>
       <p:ext uri="{BB962C8B-B14F-4D97-AF65-F5344CB8AC3E}">
-        <p14:creationId xmlns:p14="http://schemas.microsoft.com/office/powerpoint/2010/main" val="3361973577"/>
+        <p14:creationId xmlns:p14="http://schemas.microsoft.com/office/powerpoint/2010/main" val="3843651669"/>
       </p:ext>
     </p:extLst>
   </p:cSld>
@@ -3582,7 +3608,7 @@
           <p:cNvPr id="2" name="Titel 1">
             <a:extLst>
               <a:ext uri="{FF2B5EF4-FFF2-40B4-BE49-F238E27FC236}">
-                <a16:creationId xmlns:a16="http://schemas.microsoft.com/office/drawing/2014/main" id="{0E150637-28B9-41D3-8696-7FEB4DFA0671}"/>
+                <a16:creationId xmlns:a16="http://schemas.microsoft.com/office/drawing/2014/main" id="{20407509-513C-47CC-8009-8AD3E405F82F}"/>
               </a:ext>
             </a:extLst>
           </p:cNvPr>
@@ -3600,7 +3626,7 @@
           <a:p>
             <a:r>
               <a:rPr lang="de-DE" dirty="0"/>
-              <a:t>Funktionen</a:t>
+              <a:t>Operatoren</a:t>
             </a:r>
           </a:p>
         </p:txBody>
@@ -3610,7 +3636,7 @@
           <p:cNvPr id="3" name="Inhaltsplatzhalter 2">
             <a:extLst>
               <a:ext uri="{FF2B5EF4-FFF2-40B4-BE49-F238E27FC236}">
-                <a16:creationId xmlns:a16="http://schemas.microsoft.com/office/drawing/2014/main" id="{438E3F8C-ED94-4360-876E-DB66036C02A9}"/>
+                <a16:creationId xmlns:a16="http://schemas.microsoft.com/office/drawing/2014/main" id="{6F6163AC-D70A-4FCA-9081-8094260F0750}"/>
               </a:ext>
             </a:extLst>
           </p:cNvPr>
@@ -3628,63 +3654,48 @@
           <a:p>
             <a:r>
               <a:rPr lang="de-DE" dirty="0"/>
-              <a:t>Gekennzeichnet durch ( )</a:t>
-            </a:r>
-          </a:p>
-          <a:p>
+              <a:t>Mathematische Operatoren</a:t>
+            </a:r>
+          </a:p>
+          <a:p>
+            <a:pPr lvl="1"/>
             <a:r>
               <a:rPr lang="de-DE" dirty="0"/>
-              <a:t>Mit F1 Taste lässt sich die Hilfe Seite der Funktion öffnen</a:t>
+              <a:t>+, -, *, /, ^, %%</a:t>
             </a:r>
           </a:p>
           <a:p>
             <a:r>
               <a:rPr lang="de-DE" dirty="0"/>
-              <a:t>Unbekannte Funktionen lassen sich per Hilfe-&gt;Suche finden</a:t>
-            </a:r>
-          </a:p>
-          <a:p>
+              <a:t>Logische Operatoren</a:t>
+            </a:r>
+          </a:p>
+          <a:p>
+            <a:pPr lvl="1"/>
             <a:r>
               <a:rPr lang="de-DE" dirty="0"/>
-              <a:t>Viele Funktionen sind nur in zusätzlichen Paketen enthalten</a:t>
+              <a:t>&gt;, &lt;, &gt;=, &lt;=, ==, !=</a:t>
+            </a:r>
+          </a:p>
+          <a:p>
+            <a:r>
+              <a:rPr lang="de-DE" dirty="0"/>
+              <a:t>Zuweisungsoperator</a:t>
             </a:r>
           </a:p>
           <a:p>
             <a:pPr lvl="1"/>
             <a:r>
               <a:rPr lang="de-DE" dirty="0"/>
-              <a:t>-&gt; Google </a:t>
-            </a:r>
-          </a:p>
-          <a:p>
-            <a:r>
-              <a:rPr lang="de-DE" dirty="0" err="1"/>
-              <a:t>install.packages</a:t>
-            </a:r>
-            <a:r>
-              <a:rPr lang="de-DE" dirty="0"/>
-              <a:t>(„Paketname“) installiert das Paket</a:t>
-            </a:r>
-          </a:p>
-          <a:p>
-            <a:r>
-              <a:rPr lang="de-DE" dirty="0" err="1"/>
-              <a:t>library</a:t>
-            </a:r>
-            <a:r>
-              <a:rPr lang="de-DE" dirty="0"/>
-              <a:t>(Paketname) oder Paketname:: machen Funktionen zugreifbar</a:t>
-            </a:r>
-          </a:p>
-          <a:p>
-            <a:endParaRPr lang="de-DE" dirty="0"/>
+              <a:t>&lt;-, =</a:t>
+            </a:r>
           </a:p>
         </p:txBody>
       </p:sp>
     </p:spTree>
     <p:extLst>
       <p:ext uri="{BB962C8B-B14F-4D97-AF65-F5344CB8AC3E}">
-        <p14:creationId xmlns:p14="http://schemas.microsoft.com/office/powerpoint/2010/main" val="3779274688"/>
+        <p14:creationId xmlns:p14="http://schemas.microsoft.com/office/powerpoint/2010/main" val="4203500632"/>
       </p:ext>
     </p:extLst>
   </p:cSld>
@@ -3716,7 +3727,7 @@
           <p:cNvPr id="2" name="Titel 1">
             <a:extLst>
               <a:ext uri="{FF2B5EF4-FFF2-40B4-BE49-F238E27FC236}">
-                <a16:creationId xmlns:a16="http://schemas.microsoft.com/office/drawing/2014/main" id="{AC027F97-6EC1-4A37-B082-BDDE5E5BAF69}"/>
+                <a16:creationId xmlns:a16="http://schemas.microsoft.com/office/drawing/2014/main" id="{1ED96637-3F36-4C1D-801B-B0EDFA6C4EBA}"/>
               </a:ext>
             </a:extLst>
           </p:cNvPr>
@@ -3734,7 +3745,7 @@
           <a:p>
             <a:r>
               <a:rPr lang="de-DE" dirty="0"/>
-              <a:t>Matrizen</a:t>
+              <a:t>Variablen</a:t>
             </a:r>
           </a:p>
         </p:txBody>
@@ -3744,7 +3755,7 @@
           <p:cNvPr id="3" name="Inhaltsplatzhalter 2">
             <a:extLst>
               <a:ext uri="{FF2B5EF4-FFF2-40B4-BE49-F238E27FC236}">
-                <a16:creationId xmlns:a16="http://schemas.microsoft.com/office/drawing/2014/main" id="{7150AA3E-74DA-400E-A9AE-32DE27C78691}"/>
+                <a16:creationId xmlns:a16="http://schemas.microsoft.com/office/drawing/2014/main" id="{D2354EA2-205F-4306-ACBB-57BA81043F32}"/>
               </a:ext>
             </a:extLst>
           </p:cNvPr>
@@ -3762,25 +3773,16 @@
           <a:p>
             <a:r>
               <a:rPr lang="de-DE" dirty="0"/>
-              <a:t>2 dimensionaler Vektor</a:t>
-            </a:r>
+              <a:t>Speichern Werte wie Zahlen oder Wörter</a:t>
+            </a:r>
+          </a:p>
+          <a:p>
+            <a:endParaRPr lang="de-DE" dirty="0"/>
           </a:p>
           <a:p>
             <a:r>
               <a:rPr lang="de-DE" dirty="0"/>
-              <a:t>Bei Indizierung mit [] muss jetzt Zeile und Spalte angegeben werden</a:t>
-            </a:r>
-          </a:p>
-          <a:p>
-            <a:r>
-              <a:rPr lang="de-DE" dirty="0"/>
-              <a:t>Erste Zahl: Zeile</a:t>
-            </a:r>
-          </a:p>
-          <a:p>
-            <a:r>
-              <a:rPr lang="de-DE" dirty="0"/>
-              <a:t>Zweite Zahl: Spalte</a:t>
+              <a:t>Lassen sich wieder überschreiben</a:t>
             </a:r>
           </a:p>
         </p:txBody>
@@ -3788,7 +3790,7 @@
     </p:spTree>
     <p:extLst>
       <p:ext uri="{BB962C8B-B14F-4D97-AF65-F5344CB8AC3E}">
-        <p14:creationId xmlns:p14="http://schemas.microsoft.com/office/powerpoint/2010/main" val="2897851853"/>
+        <p14:creationId xmlns:p14="http://schemas.microsoft.com/office/powerpoint/2010/main" val="3971068175"/>
       </p:ext>
     </p:extLst>
   </p:cSld>
@@ -3820,6 +3822,396 @@
           <p:cNvPr id="2" name="Titel 1">
             <a:extLst>
               <a:ext uri="{FF2B5EF4-FFF2-40B4-BE49-F238E27FC236}">
+                <a16:creationId xmlns:a16="http://schemas.microsoft.com/office/drawing/2014/main" id="{3C1D52D2-BC55-4FD1-AC05-C91977EDF9C4}"/>
+              </a:ext>
+            </a:extLst>
+          </p:cNvPr>
+          <p:cNvSpPr>
+            <a:spLocks noGrp="1"/>
+          </p:cNvSpPr>
+          <p:nvPr>
+            <p:ph type="title"/>
+          </p:nvPr>
+        </p:nvSpPr>
+        <p:spPr/>
+        <p:txBody>
+          <a:bodyPr/>
+          <a:lstStyle/>
+          <a:p>
+            <a:r>
+              <a:rPr lang="de-DE" dirty="0"/>
+              <a:t>Vektoren</a:t>
+            </a:r>
+          </a:p>
+        </p:txBody>
+      </p:sp>
+      <p:sp>
+        <p:nvSpPr>
+          <p:cNvPr id="3" name="Inhaltsplatzhalter 2">
+            <a:extLst>
+              <a:ext uri="{FF2B5EF4-FFF2-40B4-BE49-F238E27FC236}">
+                <a16:creationId xmlns:a16="http://schemas.microsoft.com/office/drawing/2014/main" id="{006FC6F6-D4B2-44EA-8BD7-20724DCA6B3C}"/>
+              </a:ext>
+            </a:extLst>
+          </p:cNvPr>
+          <p:cNvSpPr>
+            <a:spLocks noGrp="1"/>
+          </p:cNvSpPr>
+          <p:nvPr>
+            <p:ph idx="1"/>
+          </p:nvPr>
+        </p:nvSpPr>
+        <p:spPr>
+          <a:xfrm>
+            <a:off x="838200" y="1493874"/>
+            <a:ext cx="10515600" cy="4683089"/>
+          </a:xfrm>
+        </p:spPr>
+        <p:txBody>
+          <a:bodyPr/>
+          <a:lstStyle/>
+          <a:p>
+            <a:r>
+              <a:rPr lang="de-DE" dirty="0"/>
+              <a:t>Verbinden von mehreren Werten mit c( ) (</a:t>
+            </a:r>
+            <a:r>
+              <a:rPr lang="de-DE" dirty="0" err="1"/>
+              <a:t>combine</a:t>
+            </a:r>
+            <a:r>
+              <a:rPr lang="de-DE" dirty="0"/>
+              <a:t>, </a:t>
+            </a:r>
+            <a:r>
+              <a:rPr lang="de-DE" dirty="0" err="1"/>
+              <a:t>concetinate</a:t>
+            </a:r>
+            <a:r>
+              <a:rPr lang="de-DE" dirty="0"/>
+              <a:t>)</a:t>
+            </a:r>
+          </a:p>
+          <a:p>
+            <a:r>
+              <a:rPr lang="de-DE" dirty="0"/>
+              <a:t>Operatoren werden auf alle Elemente eines Vektors ausgeführt</a:t>
+            </a:r>
+          </a:p>
+          <a:p>
+            <a:pPr marL="457200" lvl="1" indent="0">
+              <a:buNone/>
+            </a:pPr>
+            <a:r>
+              <a:rPr lang="de-DE" dirty="0"/>
+              <a:t>-&gt; ermöglicht effizientes Editieren und durchführen von Abfragen</a:t>
+            </a:r>
+          </a:p>
+          <a:p>
+            <a:r>
+              <a:rPr lang="de-DE" dirty="0"/>
+              <a:t>An bestehende Vektoren lassen sich weitere Elemente anhängen</a:t>
+            </a:r>
+          </a:p>
+          <a:p>
+            <a:r>
+              <a:rPr lang="de-DE" dirty="0"/>
+              <a:t>Indizierung mit [ ] ermöglicht Elemente aus Vektor abzufragen</a:t>
+            </a:r>
+          </a:p>
+          <a:p>
+            <a:r>
+              <a:rPr lang="de-DE" dirty="0"/>
+              <a:t>Indizierung mit negativem Index wählt alle Elemente außer dem Index aus</a:t>
+            </a:r>
+          </a:p>
+          <a:p>
+            <a:pPr marL="457200" lvl="1" indent="0">
+              <a:buNone/>
+            </a:pPr>
+            <a:r>
+              <a:rPr lang="de-DE" dirty="0"/>
+              <a:t>-&gt; ermöglicht das löschen von Elementen</a:t>
+            </a:r>
+          </a:p>
+          <a:p>
+            <a:endParaRPr lang="de-DE" dirty="0"/>
+          </a:p>
+        </p:txBody>
+      </p:sp>
+    </p:spTree>
+    <p:extLst>
+      <p:ext uri="{BB962C8B-B14F-4D97-AF65-F5344CB8AC3E}">
+        <p14:creationId xmlns:p14="http://schemas.microsoft.com/office/powerpoint/2010/main" val="3361973577"/>
+      </p:ext>
+    </p:extLst>
+  </p:cSld>
+  <p:clrMapOvr>
+    <a:masterClrMapping/>
+  </p:clrMapOvr>
+</p:sld>
+</file>
+
+<file path=ppt/slides/slide14.xml><?xml version="1.0" encoding="utf-8"?>
+<p:sld xmlns:a="http://schemas.openxmlformats.org/drawingml/2006/main" xmlns:r="http://schemas.openxmlformats.org/officeDocument/2006/relationships" xmlns:p="http://schemas.openxmlformats.org/presentationml/2006/main">
+  <p:cSld>
+    <p:spTree>
+      <p:nvGrpSpPr>
+        <p:cNvPr id="1" name=""/>
+        <p:cNvGrpSpPr/>
+        <p:nvPr/>
+      </p:nvGrpSpPr>
+      <p:grpSpPr>
+        <a:xfrm>
+          <a:off x="0" y="0"/>
+          <a:ext cx="0" cy="0"/>
+          <a:chOff x="0" y="0"/>
+          <a:chExt cx="0" cy="0"/>
+        </a:xfrm>
+      </p:grpSpPr>
+      <p:sp>
+        <p:nvSpPr>
+          <p:cNvPr id="2" name="Titel 1">
+            <a:extLst>
+              <a:ext uri="{FF2B5EF4-FFF2-40B4-BE49-F238E27FC236}">
+                <a16:creationId xmlns:a16="http://schemas.microsoft.com/office/drawing/2014/main" id="{0E150637-28B9-41D3-8696-7FEB4DFA0671}"/>
+              </a:ext>
+            </a:extLst>
+          </p:cNvPr>
+          <p:cNvSpPr>
+            <a:spLocks noGrp="1"/>
+          </p:cNvSpPr>
+          <p:nvPr>
+            <p:ph type="title"/>
+          </p:nvPr>
+        </p:nvSpPr>
+        <p:spPr/>
+        <p:txBody>
+          <a:bodyPr/>
+          <a:lstStyle/>
+          <a:p>
+            <a:r>
+              <a:rPr lang="de-DE" dirty="0"/>
+              <a:t>Funktionen</a:t>
+            </a:r>
+          </a:p>
+        </p:txBody>
+      </p:sp>
+      <p:sp>
+        <p:nvSpPr>
+          <p:cNvPr id="3" name="Inhaltsplatzhalter 2">
+            <a:extLst>
+              <a:ext uri="{FF2B5EF4-FFF2-40B4-BE49-F238E27FC236}">
+                <a16:creationId xmlns:a16="http://schemas.microsoft.com/office/drawing/2014/main" id="{438E3F8C-ED94-4360-876E-DB66036C02A9}"/>
+              </a:ext>
+            </a:extLst>
+          </p:cNvPr>
+          <p:cNvSpPr>
+            <a:spLocks noGrp="1"/>
+          </p:cNvSpPr>
+          <p:nvPr>
+            <p:ph idx="1"/>
+          </p:nvPr>
+        </p:nvSpPr>
+        <p:spPr/>
+        <p:txBody>
+          <a:bodyPr/>
+          <a:lstStyle/>
+          <a:p>
+            <a:r>
+              <a:rPr lang="de-DE" dirty="0"/>
+              <a:t>Gekennzeichnet durch ( )</a:t>
+            </a:r>
+          </a:p>
+          <a:p>
+            <a:r>
+              <a:rPr lang="de-DE" dirty="0"/>
+              <a:t>Mit F1 Taste lässt sich die Hilfe Seite der Funktion öffnen</a:t>
+            </a:r>
+          </a:p>
+          <a:p>
+            <a:r>
+              <a:rPr lang="de-DE" dirty="0"/>
+              <a:t>Unbekannte Funktionen lassen sich per Hilfe-&gt;Suche finden</a:t>
+            </a:r>
+          </a:p>
+          <a:p>
+            <a:r>
+              <a:rPr lang="de-DE" dirty="0"/>
+              <a:t>Viele Funktionen sind nur in zusätzlichen Paketen enthalten</a:t>
+            </a:r>
+          </a:p>
+          <a:p>
+            <a:pPr lvl="1"/>
+            <a:r>
+              <a:rPr lang="de-DE" dirty="0"/>
+              <a:t>-&gt; Google </a:t>
+            </a:r>
+          </a:p>
+          <a:p>
+            <a:r>
+              <a:rPr lang="de-DE" dirty="0" err="1"/>
+              <a:t>install.packages</a:t>
+            </a:r>
+            <a:r>
+              <a:rPr lang="de-DE" dirty="0"/>
+              <a:t>(„Paketname“) installiert das Paket</a:t>
+            </a:r>
+          </a:p>
+          <a:p>
+            <a:r>
+              <a:rPr lang="de-DE" dirty="0" err="1"/>
+              <a:t>library</a:t>
+            </a:r>
+            <a:r>
+              <a:rPr lang="de-DE" dirty="0"/>
+              <a:t>(Paketname) oder Paketname:: machen Funktionen zugreifbar</a:t>
+            </a:r>
+          </a:p>
+          <a:p>
+            <a:endParaRPr lang="de-DE" dirty="0"/>
+          </a:p>
+        </p:txBody>
+      </p:sp>
+    </p:spTree>
+    <p:extLst>
+      <p:ext uri="{BB962C8B-B14F-4D97-AF65-F5344CB8AC3E}">
+        <p14:creationId xmlns:p14="http://schemas.microsoft.com/office/powerpoint/2010/main" val="3779274688"/>
+      </p:ext>
+    </p:extLst>
+  </p:cSld>
+  <p:clrMapOvr>
+    <a:masterClrMapping/>
+  </p:clrMapOvr>
+</p:sld>
+</file>
+
+<file path=ppt/slides/slide15.xml><?xml version="1.0" encoding="utf-8"?>
+<p:sld xmlns:a="http://schemas.openxmlformats.org/drawingml/2006/main" xmlns:r="http://schemas.openxmlformats.org/officeDocument/2006/relationships" xmlns:p="http://schemas.openxmlformats.org/presentationml/2006/main">
+  <p:cSld>
+    <p:spTree>
+      <p:nvGrpSpPr>
+        <p:cNvPr id="1" name=""/>
+        <p:cNvGrpSpPr/>
+        <p:nvPr/>
+      </p:nvGrpSpPr>
+      <p:grpSpPr>
+        <a:xfrm>
+          <a:off x="0" y="0"/>
+          <a:ext cx="0" cy="0"/>
+          <a:chOff x="0" y="0"/>
+          <a:chExt cx="0" cy="0"/>
+        </a:xfrm>
+      </p:grpSpPr>
+      <p:sp>
+        <p:nvSpPr>
+          <p:cNvPr id="2" name="Titel 1">
+            <a:extLst>
+              <a:ext uri="{FF2B5EF4-FFF2-40B4-BE49-F238E27FC236}">
+                <a16:creationId xmlns:a16="http://schemas.microsoft.com/office/drawing/2014/main" id="{AC027F97-6EC1-4A37-B082-BDDE5E5BAF69}"/>
+              </a:ext>
+            </a:extLst>
+          </p:cNvPr>
+          <p:cNvSpPr>
+            <a:spLocks noGrp="1"/>
+          </p:cNvSpPr>
+          <p:nvPr>
+            <p:ph type="title"/>
+          </p:nvPr>
+        </p:nvSpPr>
+        <p:spPr/>
+        <p:txBody>
+          <a:bodyPr/>
+          <a:lstStyle/>
+          <a:p>
+            <a:r>
+              <a:rPr lang="de-DE" dirty="0"/>
+              <a:t>Matrizen</a:t>
+            </a:r>
+          </a:p>
+        </p:txBody>
+      </p:sp>
+      <p:sp>
+        <p:nvSpPr>
+          <p:cNvPr id="3" name="Inhaltsplatzhalter 2">
+            <a:extLst>
+              <a:ext uri="{FF2B5EF4-FFF2-40B4-BE49-F238E27FC236}">
+                <a16:creationId xmlns:a16="http://schemas.microsoft.com/office/drawing/2014/main" id="{7150AA3E-74DA-400E-A9AE-32DE27C78691}"/>
+              </a:ext>
+            </a:extLst>
+          </p:cNvPr>
+          <p:cNvSpPr>
+            <a:spLocks noGrp="1"/>
+          </p:cNvSpPr>
+          <p:nvPr>
+            <p:ph idx="1"/>
+          </p:nvPr>
+        </p:nvSpPr>
+        <p:spPr/>
+        <p:txBody>
+          <a:bodyPr/>
+          <a:lstStyle/>
+          <a:p>
+            <a:r>
+              <a:rPr lang="de-DE" dirty="0"/>
+              <a:t>2 dimensionaler Vektor</a:t>
+            </a:r>
+          </a:p>
+          <a:p>
+            <a:r>
+              <a:rPr lang="de-DE" dirty="0"/>
+              <a:t>Bei Indizierung mit [] muss jetzt Zeile und Spalte angegeben werden</a:t>
+            </a:r>
+          </a:p>
+          <a:p>
+            <a:r>
+              <a:rPr lang="de-DE" dirty="0"/>
+              <a:t>Erste Zahl: Zeile</a:t>
+            </a:r>
+          </a:p>
+          <a:p>
+            <a:r>
+              <a:rPr lang="de-DE" dirty="0"/>
+              <a:t>Zweite Zahl: Spalte</a:t>
+            </a:r>
+          </a:p>
+        </p:txBody>
+      </p:sp>
+    </p:spTree>
+    <p:extLst>
+      <p:ext uri="{BB962C8B-B14F-4D97-AF65-F5344CB8AC3E}">
+        <p14:creationId xmlns:p14="http://schemas.microsoft.com/office/powerpoint/2010/main" val="2897851853"/>
+      </p:ext>
+    </p:extLst>
+  </p:cSld>
+  <p:clrMapOvr>
+    <a:masterClrMapping/>
+  </p:clrMapOvr>
+</p:sld>
+</file>
+
+<file path=ppt/slides/slide16.xml><?xml version="1.0" encoding="utf-8"?>
+<p:sld xmlns:a="http://schemas.openxmlformats.org/drawingml/2006/main" xmlns:r="http://schemas.openxmlformats.org/officeDocument/2006/relationships" xmlns:p="http://schemas.openxmlformats.org/presentationml/2006/main">
+  <p:cSld>
+    <p:spTree>
+      <p:nvGrpSpPr>
+        <p:cNvPr id="1" name=""/>
+        <p:cNvGrpSpPr/>
+        <p:nvPr/>
+      </p:nvGrpSpPr>
+      <p:grpSpPr>
+        <a:xfrm>
+          <a:off x="0" y="0"/>
+          <a:ext cx="0" cy="0"/>
+          <a:chOff x="0" y="0"/>
+          <a:chExt cx="0" cy="0"/>
+        </a:xfrm>
+      </p:grpSpPr>
+      <p:sp>
+        <p:nvSpPr>
+          <p:cNvPr id="2" name="Titel 1">
+            <a:extLst>
+              <a:ext uri="{FF2B5EF4-FFF2-40B4-BE49-F238E27FC236}">
                 <a16:creationId xmlns:a16="http://schemas.microsoft.com/office/drawing/2014/main" id="{9F03FD5D-0C57-4C4A-9C16-0AFCA3AC19A3}"/>
               </a:ext>
             </a:extLst>
@@ -3914,7 +4306,7 @@
 </p:sld>
 </file>
 
-<file path=ppt/slides/slide14.xml><?xml version="1.0" encoding="utf-8"?>
+<file path=ppt/slides/slide17.xml><?xml version="1.0" encoding="utf-8"?>
 <p:sld xmlns:a="http://schemas.openxmlformats.org/drawingml/2006/main" xmlns:r="http://schemas.openxmlformats.org/officeDocument/2006/relationships" xmlns:p="http://schemas.openxmlformats.org/presentationml/2006/main">
   <p:cSld>
     <p:spTree>
@@ -4038,74 +4430,273 @@
             <p:ph type="title"/>
           </p:nvPr>
         </p:nvSpPr>
-        <p:spPr/>
+        <p:spPr>
+          <a:xfrm>
+            <a:off x="738964" y="102037"/>
+            <a:ext cx="8309343" cy="1154003"/>
+          </a:xfrm>
+        </p:spPr>
         <p:txBody>
           <a:bodyPr/>
           <a:lstStyle/>
           <a:p>
             <a:r>
               <a:rPr lang="de-DE" dirty="0"/>
-              <a:t>Ziel des Kurses</a:t>
-            </a:r>
-          </a:p>
-        </p:txBody>
-      </p:sp>
-      <p:sp>
-        <p:nvSpPr>
-          <p:cNvPr id="3" name="Inhaltsplatzhalter 2">
+              <a:t>Ziele des Kurses</a:t>
+            </a:r>
+          </a:p>
+        </p:txBody>
+      </p:sp>
+      <p:sp>
+        <p:nvSpPr>
+          <p:cNvPr id="8" name="Gleichschenkliges Dreieck 7">
             <a:extLst>
               <a:ext uri="{FF2B5EF4-FFF2-40B4-BE49-F238E27FC236}">
-                <a16:creationId xmlns:a16="http://schemas.microsoft.com/office/drawing/2014/main" id="{BB4B2906-7CCC-4CFA-9241-E1BCD9D2E0B4}"/>
+                <a16:creationId xmlns:a16="http://schemas.microsoft.com/office/drawing/2014/main" id="{D5A8D03E-9023-4284-AF7C-4E7CA03DD535}"/>
               </a:ext>
             </a:extLst>
           </p:cNvPr>
-          <p:cNvSpPr>
-            <a:spLocks noGrp="1"/>
-          </p:cNvSpPr>
-          <p:nvPr>
-            <p:ph idx="1"/>
-          </p:nvPr>
-        </p:nvSpPr>
-        <p:spPr/>
-        <p:txBody>
-          <a:bodyPr/>
-          <a:lstStyle/>
-          <a:p>
-            <a:r>
-              <a:rPr lang="de-DE" dirty="0"/>
-              <a:t>1. jeder/jede soll in der Lage sein Daten in beliebigen Format in R zu analysieren</a:t>
-            </a:r>
-          </a:p>
-          <a:p>
-            <a:r>
-              <a:rPr lang="de-DE" dirty="0"/>
-              <a:t>2. ordentliches Fundament für eigenständige Weiterbildung</a:t>
-            </a:r>
-          </a:p>
-          <a:p>
-            <a:r>
-              <a:rPr lang="de-DE" dirty="0"/>
-              <a:t>3. Aufbau einer gewissen Frustrationstoleranz</a:t>
-            </a:r>
-          </a:p>
-          <a:p>
-            <a:pPr lvl="1"/>
-            <a:r>
-              <a:rPr lang="de-DE" dirty="0"/>
-              <a:t>Mitunter einer der wichtigsten Skills beim Programmieren</a:t>
-            </a:r>
-          </a:p>
-          <a:p>
-            <a:pPr lvl="1"/>
-            <a:r>
-              <a:rPr lang="de-DE" dirty="0"/>
-              <a:t>-&gt; Die Drei Sachen könnte man als Pyramide darstellen, mit 1 ganz oben und </a:t>
-            </a:r>
-            <a:r>
-              <a:rPr lang="de-DE"/>
-              <a:t>unten Frustrationstoleranz</a:t>
-            </a:r>
-            <a:endParaRPr lang="de-DE" dirty="0"/>
+          <p:cNvSpPr/>
+          <p:nvPr/>
+        </p:nvSpPr>
+        <p:spPr>
+          <a:xfrm>
+            <a:off x="4035055" y="1160294"/>
+            <a:ext cx="7759110" cy="5194892"/>
+          </a:xfrm>
+          <a:prstGeom prst="triangle">
+            <a:avLst/>
+          </a:prstGeom>
+        </p:spPr>
+        <p:style>
+          <a:lnRef idx="2">
+            <a:schemeClr val="accent1">
+              <a:shade val="50000"/>
+            </a:schemeClr>
+          </a:lnRef>
+          <a:fillRef idx="1">
+            <a:schemeClr val="accent1"/>
+          </a:fillRef>
+          <a:effectRef idx="0">
+            <a:schemeClr val="accent1"/>
+          </a:effectRef>
+          <a:fontRef idx="minor">
+            <a:schemeClr val="lt1"/>
+          </a:fontRef>
+        </p:style>
+        <p:txBody>
+          <a:bodyPr rtlCol="0" anchor="ctr"/>
+          <a:lstStyle/>
+          <a:p>
+            <a:pPr algn="ctr"/>
+            <a:endParaRPr lang="de-DE"/>
+          </a:p>
+        </p:txBody>
+      </p:sp>
+      <p:sp>
+        <p:nvSpPr>
+          <p:cNvPr id="5" name="Rechteck: abgerundete Ecken 4">
+            <a:extLst>
+              <a:ext uri="{FF2B5EF4-FFF2-40B4-BE49-F238E27FC236}">
+                <a16:creationId xmlns:a16="http://schemas.microsoft.com/office/drawing/2014/main" id="{3345A024-8FF3-40B7-BEC1-03D335774080}"/>
+              </a:ext>
+            </a:extLst>
+          </p:cNvPr>
+          <p:cNvSpPr/>
+          <p:nvPr/>
+        </p:nvSpPr>
+        <p:spPr>
+          <a:xfrm>
+            <a:off x="2078222" y="1398412"/>
+            <a:ext cx="5836388" cy="961395"/>
+          </a:xfrm>
+          <a:prstGeom prst="roundRect">
+            <a:avLst/>
+          </a:prstGeom>
+          <a:solidFill>
+            <a:schemeClr val="bg1"/>
+          </a:solidFill>
+        </p:spPr>
+        <p:style>
+          <a:lnRef idx="2">
+            <a:schemeClr val="accent1">
+              <a:shade val="50000"/>
+            </a:schemeClr>
+          </a:lnRef>
+          <a:fillRef idx="1">
+            <a:schemeClr val="accent1"/>
+          </a:fillRef>
+          <a:effectRef idx="0">
+            <a:schemeClr val="accent1"/>
+          </a:effectRef>
+          <a:fontRef idx="minor">
+            <a:schemeClr val="lt1"/>
+          </a:fontRef>
+        </p:style>
+        <p:txBody>
+          <a:bodyPr rtlCol="0" anchor="ctr"/>
+          <a:lstStyle/>
+          <a:p>
+            <a:pPr lvl="0"/>
+            <a:r>
+              <a:rPr lang="de-DE" sz="2400" dirty="0">
+                <a:solidFill>
+                  <a:schemeClr val="tx1"/>
+                </a:solidFill>
+              </a:rPr>
+              <a:t>Daten einlesen, analysieren und visualisieren</a:t>
+            </a:r>
+          </a:p>
+        </p:txBody>
+      </p:sp>
+      <p:sp>
+        <p:nvSpPr>
+          <p:cNvPr id="6" name="Rechteck: abgerundete Ecken 5">
+            <a:extLst>
+              <a:ext uri="{FF2B5EF4-FFF2-40B4-BE49-F238E27FC236}">
+                <a16:creationId xmlns:a16="http://schemas.microsoft.com/office/drawing/2014/main" id="{3FD3B1CA-2E98-4C9D-9FF8-A2CE2E95C9EF}"/>
+              </a:ext>
+            </a:extLst>
+          </p:cNvPr>
+          <p:cNvSpPr/>
+          <p:nvPr/>
+        </p:nvSpPr>
+        <p:spPr>
+          <a:xfrm>
+            <a:off x="2037907" y="3009408"/>
+            <a:ext cx="6000307" cy="1015409"/>
+          </a:xfrm>
+          <a:prstGeom prst="roundRect">
+            <a:avLst/>
+          </a:prstGeom>
+          <a:solidFill>
+            <a:schemeClr val="bg1"/>
+          </a:solidFill>
+        </p:spPr>
+        <p:style>
+          <a:lnRef idx="2">
+            <a:schemeClr val="accent1">
+              <a:shade val="50000"/>
+            </a:schemeClr>
+          </a:lnRef>
+          <a:fillRef idx="1">
+            <a:schemeClr val="accent1"/>
+          </a:fillRef>
+          <a:effectRef idx="0">
+            <a:schemeClr val="accent1"/>
+          </a:effectRef>
+          <a:fontRef idx="minor">
+            <a:schemeClr val="lt1"/>
+          </a:fontRef>
+        </p:style>
+        <p:txBody>
+          <a:bodyPr rtlCol="0" anchor="ctr"/>
+          <a:lstStyle/>
+          <a:p>
+            <a:pPr lvl="0" defTabSz="914400"/>
+            <a:r>
+              <a:rPr lang="de-DE" sz="2400" kern="0" dirty="0">
+                <a:solidFill>
+                  <a:sysClr val="windowText" lastClr="000000"/>
+                </a:solidFill>
+              </a:rPr>
+              <a:t>Vermittlung der Grundlagen für eigenständige Weiterbildung</a:t>
+            </a:r>
+          </a:p>
+        </p:txBody>
+      </p:sp>
+      <p:sp>
+        <p:nvSpPr>
+          <p:cNvPr id="7" name="Rechteck: abgerundete Ecken 6">
+            <a:extLst>
+              <a:ext uri="{FF2B5EF4-FFF2-40B4-BE49-F238E27FC236}">
+                <a16:creationId xmlns:a16="http://schemas.microsoft.com/office/drawing/2014/main" id="{E2CD539F-5E76-49E0-9D3F-6C0AF89D4520}"/>
+              </a:ext>
+            </a:extLst>
+          </p:cNvPr>
+          <p:cNvSpPr/>
+          <p:nvPr/>
+        </p:nvSpPr>
+        <p:spPr>
+          <a:xfrm>
+            <a:off x="2037907" y="4682297"/>
+            <a:ext cx="5915246" cy="1208140"/>
+          </a:xfrm>
+          <a:prstGeom prst="roundRect">
+            <a:avLst/>
+          </a:prstGeom>
+          <a:solidFill>
+            <a:schemeClr val="bg1"/>
+          </a:solidFill>
+        </p:spPr>
+        <p:style>
+          <a:lnRef idx="2">
+            <a:schemeClr val="accent1">
+              <a:shade val="50000"/>
+            </a:schemeClr>
+          </a:lnRef>
+          <a:fillRef idx="1">
+            <a:schemeClr val="accent1"/>
+          </a:fillRef>
+          <a:effectRef idx="0">
+            <a:schemeClr val="accent1"/>
+          </a:effectRef>
+          <a:fontRef idx="minor">
+            <a:schemeClr val="lt1"/>
+          </a:fontRef>
+        </p:style>
+        <p:txBody>
+          <a:bodyPr rtlCol="0" anchor="ctr"/>
+          <a:lstStyle/>
+          <a:p>
+            <a:pPr lvl="0" defTabSz="914400"/>
+            <a:r>
+              <a:rPr lang="de-DE" sz="2400" kern="0" dirty="0">
+                <a:solidFill>
+                  <a:sysClr val="windowText" lastClr="000000"/>
+                </a:solidFill>
+              </a:rPr>
+              <a:t>Aufbau von Frustrationstoleranz</a:t>
+            </a:r>
+          </a:p>
+        </p:txBody>
+      </p:sp>
+      <p:sp>
+        <p:nvSpPr>
+          <p:cNvPr id="9" name="Textfeld 8">
+            <a:extLst>
+              <a:ext uri="{FF2B5EF4-FFF2-40B4-BE49-F238E27FC236}">
+                <a16:creationId xmlns:a16="http://schemas.microsoft.com/office/drawing/2014/main" id="{834A5640-56B7-435D-A8DC-15B2FF236DA3}"/>
+              </a:ext>
+            </a:extLst>
+          </p:cNvPr>
+          <p:cNvSpPr txBox="1"/>
+          <p:nvPr/>
+        </p:nvSpPr>
+        <p:spPr>
+          <a:xfrm>
+            <a:off x="2078222" y="5459588"/>
+            <a:ext cx="4742121" cy="400110"/>
+          </a:xfrm>
+          <a:prstGeom prst="rect">
+            <a:avLst/>
+          </a:prstGeom>
+          <a:noFill/>
+        </p:spPr>
+        <p:txBody>
+          <a:bodyPr wrap="square" rtlCol="0">
+            <a:spAutoFit/>
+          </a:bodyPr>
+          <a:lstStyle/>
+          <a:p>
+            <a:r>
+              <a:rPr lang="de-DE" sz="2000" b="1" dirty="0">
+                <a:solidFill>
+                  <a:srgbClr val="C00000"/>
+                </a:solidFill>
+              </a:rPr>
+              <a:t>Wichtigste Kompetenz beim Programmieren!</a:t>
+            </a:r>
           </a:p>
         </p:txBody>
       </p:sp>
@@ -4119,6 +4710,268 @@
   <p:clrMapOvr>
     <a:masterClrMapping/>
   </p:clrMapOvr>
+  <p:timing>
+    <p:tnLst>
+      <p:par>
+        <p:cTn id="1" dur="indefinite" restart="never" nodeType="tmRoot">
+          <p:childTnLst>
+            <p:seq concurrent="1" nextAc="seek">
+              <p:cTn id="2" dur="indefinite" nodeType="mainSeq">
+                <p:childTnLst>
+                  <p:par>
+                    <p:cTn id="3" fill="hold">
+                      <p:stCondLst>
+                        <p:cond delay="indefinite"/>
+                      </p:stCondLst>
+                      <p:childTnLst>
+                        <p:par>
+                          <p:cTn id="4" fill="hold">
+                            <p:stCondLst>
+                              <p:cond delay="0"/>
+                            </p:stCondLst>
+                            <p:childTnLst>
+                              <p:par>
+                                <p:cTn id="5" presetID="1" presetClass="entr" presetSubtype="0" fill="hold" grpId="0" nodeType="clickEffect">
+                                  <p:stCondLst>
+                                    <p:cond delay="0"/>
+                                  </p:stCondLst>
+                                  <p:childTnLst>
+                                    <p:set>
+                                      <p:cBhvr>
+                                        <p:cTn id="6" dur="1" fill="hold">
+                                          <p:stCondLst>
+                                            <p:cond delay="0"/>
+                                          </p:stCondLst>
+                                        </p:cTn>
+                                        <p:tgtEl>
+                                          <p:spTgt spid="5"/>
+                                        </p:tgtEl>
+                                        <p:attrNameLst>
+                                          <p:attrName>style.visibility</p:attrName>
+                                        </p:attrNameLst>
+                                      </p:cBhvr>
+                                      <p:to>
+                                        <p:strVal val="visible"/>
+                                      </p:to>
+                                    </p:set>
+                                  </p:childTnLst>
+                                </p:cTn>
+                              </p:par>
+                            </p:childTnLst>
+                          </p:cTn>
+                        </p:par>
+                      </p:childTnLst>
+                    </p:cTn>
+                  </p:par>
+                  <p:par>
+                    <p:cTn id="7" fill="hold">
+                      <p:stCondLst>
+                        <p:cond delay="indefinite"/>
+                      </p:stCondLst>
+                      <p:childTnLst>
+                        <p:par>
+                          <p:cTn id="8" fill="hold">
+                            <p:stCondLst>
+                              <p:cond delay="0"/>
+                            </p:stCondLst>
+                            <p:childTnLst>
+                              <p:par>
+                                <p:cTn id="9" presetID="1" presetClass="entr" presetSubtype="0" fill="hold" grpId="0" nodeType="clickEffect">
+                                  <p:stCondLst>
+                                    <p:cond delay="0"/>
+                                  </p:stCondLst>
+                                  <p:childTnLst>
+                                    <p:set>
+                                      <p:cBhvr>
+                                        <p:cTn id="10" dur="1" fill="hold">
+                                          <p:stCondLst>
+                                            <p:cond delay="0"/>
+                                          </p:stCondLst>
+                                        </p:cTn>
+                                        <p:tgtEl>
+                                          <p:spTgt spid="8"/>
+                                        </p:tgtEl>
+                                        <p:attrNameLst>
+                                          <p:attrName>style.visibility</p:attrName>
+                                        </p:attrNameLst>
+                                      </p:cBhvr>
+                                      <p:to>
+                                        <p:strVal val="visible"/>
+                                      </p:to>
+                                    </p:set>
+                                  </p:childTnLst>
+                                </p:cTn>
+                              </p:par>
+                            </p:childTnLst>
+                          </p:cTn>
+                        </p:par>
+                      </p:childTnLst>
+                    </p:cTn>
+                  </p:par>
+                  <p:par>
+                    <p:cTn id="11" fill="hold">
+                      <p:stCondLst>
+                        <p:cond delay="indefinite"/>
+                      </p:stCondLst>
+                      <p:childTnLst>
+                        <p:par>
+                          <p:cTn id="12" fill="hold">
+                            <p:stCondLst>
+                              <p:cond delay="0"/>
+                            </p:stCondLst>
+                            <p:childTnLst>
+                              <p:par>
+                                <p:cTn id="13" presetID="1" presetClass="entr" presetSubtype="0" fill="hold" grpId="0" nodeType="clickEffect">
+                                  <p:stCondLst>
+                                    <p:cond delay="0"/>
+                                  </p:stCondLst>
+                                  <p:childTnLst>
+                                    <p:set>
+                                      <p:cBhvr>
+                                        <p:cTn id="14" dur="1" fill="hold">
+                                          <p:stCondLst>
+                                            <p:cond delay="0"/>
+                                          </p:stCondLst>
+                                        </p:cTn>
+                                        <p:tgtEl>
+                                          <p:spTgt spid="6"/>
+                                        </p:tgtEl>
+                                        <p:attrNameLst>
+                                          <p:attrName>style.visibility</p:attrName>
+                                        </p:attrNameLst>
+                                      </p:cBhvr>
+                                      <p:to>
+                                        <p:strVal val="visible"/>
+                                      </p:to>
+                                    </p:set>
+                                  </p:childTnLst>
+                                </p:cTn>
+                              </p:par>
+                            </p:childTnLst>
+                          </p:cTn>
+                        </p:par>
+                      </p:childTnLst>
+                    </p:cTn>
+                  </p:par>
+                  <p:par>
+                    <p:cTn id="15" fill="hold">
+                      <p:stCondLst>
+                        <p:cond delay="indefinite"/>
+                      </p:stCondLst>
+                      <p:childTnLst>
+                        <p:par>
+                          <p:cTn id="16" fill="hold">
+                            <p:stCondLst>
+                              <p:cond delay="0"/>
+                            </p:stCondLst>
+                            <p:childTnLst>
+                              <p:par>
+                                <p:cTn id="17" presetID="1" presetClass="entr" presetSubtype="0" fill="hold" grpId="0" nodeType="clickEffect">
+                                  <p:stCondLst>
+                                    <p:cond delay="0"/>
+                                  </p:stCondLst>
+                                  <p:childTnLst>
+                                    <p:set>
+                                      <p:cBhvr>
+                                        <p:cTn id="18" dur="1" fill="hold">
+                                          <p:stCondLst>
+                                            <p:cond delay="0"/>
+                                          </p:stCondLst>
+                                        </p:cTn>
+                                        <p:tgtEl>
+                                          <p:spTgt spid="7"/>
+                                        </p:tgtEl>
+                                        <p:attrNameLst>
+                                          <p:attrName>style.visibility</p:attrName>
+                                        </p:attrNameLst>
+                                      </p:cBhvr>
+                                      <p:to>
+                                        <p:strVal val="visible"/>
+                                      </p:to>
+                                    </p:set>
+                                  </p:childTnLst>
+                                </p:cTn>
+                              </p:par>
+                            </p:childTnLst>
+                          </p:cTn>
+                        </p:par>
+                      </p:childTnLst>
+                    </p:cTn>
+                  </p:par>
+                  <p:par>
+                    <p:cTn id="19" fill="hold">
+                      <p:stCondLst>
+                        <p:cond delay="indefinite"/>
+                      </p:stCondLst>
+                      <p:childTnLst>
+                        <p:par>
+                          <p:cTn id="20" fill="hold">
+                            <p:stCondLst>
+                              <p:cond delay="0"/>
+                            </p:stCondLst>
+                            <p:childTnLst>
+                              <p:par>
+                                <p:cTn id="21" presetID="1" presetClass="entr" presetSubtype="0" fill="hold" grpId="0" nodeType="clickEffect">
+                                  <p:stCondLst>
+                                    <p:cond delay="0"/>
+                                  </p:stCondLst>
+                                  <p:childTnLst>
+                                    <p:set>
+                                      <p:cBhvr>
+                                        <p:cTn id="22" dur="1" fill="hold">
+                                          <p:stCondLst>
+                                            <p:cond delay="0"/>
+                                          </p:stCondLst>
+                                        </p:cTn>
+                                        <p:tgtEl>
+                                          <p:spTgt spid="9"/>
+                                        </p:tgtEl>
+                                        <p:attrNameLst>
+                                          <p:attrName>style.visibility</p:attrName>
+                                        </p:attrNameLst>
+                                      </p:cBhvr>
+                                      <p:to>
+                                        <p:strVal val="visible"/>
+                                      </p:to>
+                                    </p:set>
+                                  </p:childTnLst>
+                                </p:cTn>
+                              </p:par>
+                            </p:childTnLst>
+                          </p:cTn>
+                        </p:par>
+                      </p:childTnLst>
+                    </p:cTn>
+                  </p:par>
+                </p:childTnLst>
+              </p:cTn>
+              <p:prevCondLst>
+                <p:cond evt="onPrev" delay="0">
+                  <p:tgtEl>
+                    <p:sldTgt/>
+                  </p:tgtEl>
+                </p:cond>
+              </p:prevCondLst>
+              <p:nextCondLst>
+                <p:cond evt="onNext" delay="0">
+                  <p:tgtEl>
+                    <p:sldTgt/>
+                  </p:tgtEl>
+                </p:cond>
+              </p:nextCondLst>
+            </p:seq>
+          </p:childTnLst>
+        </p:cTn>
+      </p:par>
+    </p:tnLst>
+    <p:bldLst>
+      <p:bldP spid="8" grpId="0" animBg="1"/>
+      <p:bldP spid="5" grpId="0" animBg="1"/>
+      <p:bldP spid="6" grpId="0" animBg="1"/>
+      <p:bldP spid="7" grpId="0" animBg="1"/>
+      <p:bldP spid="9" grpId="0"/>
+    </p:bldLst>
+  </p:timing>
 </p:sld>
 </file>
 
@@ -4144,7 +4997,7 @@
           <p:cNvPr id="2" name="Titel 1">
             <a:extLst>
               <a:ext uri="{FF2B5EF4-FFF2-40B4-BE49-F238E27FC236}">
-                <a16:creationId xmlns:a16="http://schemas.microsoft.com/office/drawing/2014/main" id="{53F3CB14-631E-4C5C-9540-2B486A0596D0}"/>
+                <a16:creationId xmlns:a16="http://schemas.microsoft.com/office/drawing/2014/main" id="{B93C6933-6D3D-4D1D-A3F6-D1B681117398}"/>
               </a:ext>
             </a:extLst>
           </p:cNvPr>
@@ -4155,14 +5008,19 @@
             <p:ph type="title"/>
           </p:nvPr>
         </p:nvSpPr>
-        <p:spPr/>
+        <p:spPr>
+          <a:xfrm>
+            <a:off x="620010" y="228403"/>
+            <a:ext cx="10772775" cy="1052820"/>
+          </a:xfrm>
+        </p:spPr>
         <p:txBody>
           <a:bodyPr/>
           <a:lstStyle/>
           <a:p>
             <a:r>
               <a:rPr lang="de-DE" dirty="0"/>
-              <a:t>Wie? Warum? Was?</a:t>
+              <a:t>Warum R? – 4 Gründe</a:t>
             </a:r>
           </a:p>
         </p:txBody>
@@ -4172,7 +5030,7 @@
           <p:cNvPr id="3" name="Inhaltsplatzhalter 2">
             <a:extLst>
               <a:ext uri="{FF2B5EF4-FFF2-40B4-BE49-F238E27FC236}">
-                <a16:creationId xmlns:a16="http://schemas.microsoft.com/office/drawing/2014/main" id="{5F3C6564-70C3-4D65-94C3-483418EA0C1E}"/>
+                <a16:creationId xmlns:a16="http://schemas.microsoft.com/office/drawing/2014/main" id="{94EB8A9B-6500-4485-AEDC-806CD651CDCB}"/>
               </a:ext>
             </a:extLst>
           </p:cNvPr>
@@ -4183,93 +5041,699 @@
             <p:ph idx="1"/>
           </p:nvPr>
         </p:nvSpPr>
-        <p:spPr/>
-        <p:txBody>
-          <a:bodyPr/>
-          <a:lstStyle/>
-          <a:p>
+        <p:spPr>
+          <a:xfrm>
+            <a:off x="676656" y="1339702"/>
+            <a:ext cx="10753725" cy="5018765"/>
+          </a:xfrm>
+        </p:spPr>
+        <p:txBody>
+          <a:bodyPr>
+            <a:normAutofit fontScale="92500" lnSpcReduction="10000"/>
+          </a:bodyPr>
+          <a:lstStyle/>
+          <a:p>
+            <a:pPr marL="457200" indent="-457200">
+              <a:buFont typeface="+mj-lt"/>
+              <a:buAutoNum type="arabicParenR"/>
+            </a:pPr>
+            <a:r>
+              <a:rPr lang="de-DE" sz="2600" dirty="0"/>
+              <a:t>Kostenlos!!!</a:t>
+            </a:r>
+          </a:p>
+          <a:p>
+            <a:pPr marL="457200" indent="-457200">
+              <a:buFont typeface="+mj-lt"/>
+              <a:buAutoNum type="arabicParenR"/>
+            </a:pPr>
+            <a:r>
+              <a:rPr lang="de-DE" sz="2600" dirty="0"/>
+              <a:t>Vielseitige Software</a:t>
+            </a:r>
+          </a:p>
+          <a:p>
+            <a:pPr marL="4572" lvl="1" indent="0">
+              <a:buNone/>
+            </a:pPr>
             <a:r>
               <a:rPr lang="de-DE" dirty="0"/>
-              <a:t>In Programmiervorlesungen wird meist das Wie gelehrt</a:t>
-            </a:r>
-          </a:p>
-          <a:p>
-            <a:pPr lvl="1"/>
+              <a:t>	- ständige Weiterentwicklung durch Community (R Pakete)</a:t>
+            </a:r>
+          </a:p>
+          <a:p>
+            <a:pPr marL="4572" lvl="1" indent="0">
+              <a:buNone/>
+            </a:pPr>
             <a:r>
               <a:rPr lang="de-DE" dirty="0"/>
-              <a:t>Wie installiere ich die Software? Wie importiere ich Daten? Wie rufe ich Funktionen auf? …</a:t>
-            </a:r>
-          </a:p>
-          <a:p>
+              <a:t>	- ermöglicht Auswertung von komplexen Fragestellungen </a:t>
+            </a:r>
+          </a:p>
+          <a:p>
+            <a:pPr marL="4572" lvl="1" indent="0">
+              <a:buNone/>
+            </a:pPr>
             <a:r>
               <a:rPr lang="de-DE" dirty="0"/>
-              <a:t>Warum das ganze wichtig ist, bleibt oft auf der Strecke</a:t>
-            </a:r>
-          </a:p>
-          <a:p>
-            <a:pPr lvl="1"/>
+              <a:t>		</a:t>
+            </a:r>
+            <a:r>
+              <a:rPr lang="de-DE" dirty="0" err="1"/>
+              <a:t>Bsp</a:t>
+            </a:r>
             <a:r>
               <a:rPr lang="de-DE" dirty="0"/>
-              <a:t>Dabei ist Warum die wichtigste Frage um Motivation zu aufrecht zu halten</a:t>
-            </a:r>
-          </a:p>
-          <a:p>
-            <a:pPr lvl="1"/>
+              <a:t>: Klassifizierung von Satellitenbildern mit </a:t>
+            </a:r>
+            <a:r>
+              <a:rPr lang="de-DE" dirty="0" err="1"/>
+              <a:t>Machine</a:t>
+            </a:r>
             <a:r>
               <a:rPr lang="de-DE" dirty="0"/>
-              <a:t>-&gt; sobald die Warum Frage für Sie nicht geklärt ist, bitte sofort fragen </a:t>
-            </a:r>
-            <a:r>
-              <a:rPr lang="de-DE" dirty="0">
-                <a:sym typeface="Wingdings" panose="05000000000000000000" pitchFamily="2" charset="2"/>
-              </a:rPr>
-              <a:t></a:t>
-            </a:r>
-          </a:p>
-          <a:p>
-            <a:r>
-              <a:rPr lang="de-DE" dirty="0">
-                <a:sym typeface="Wingdings" panose="05000000000000000000" pitchFamily="2" charset="2"/>
-              </a:rPr>
-              <a:t>Was zur Hölle machen wir gerade?!</a:t>
-            </a:r>
-          </a:p>
-          <a:p>
-            <a:pPr lvl="1"/>
-            <a:r>
-              <a:rPr lang="de-DE" dirty="0">
-                <a:sym typeface="Wingdings" panose="05000000000000000000" pitchFamily="2" charset="2"/>
-              </a:rPr>
-              <a:t>Die Frage wird höchstwahrscheinlich kommen und wahrscheinlich sind Sie nicht allein</a:t>
-            </a:r>
-          </a:p>
-          <a:p>
-            <a:pPr lvl="1"/>
-            <a:r>
-              <a:rPr lang="de-DE" dirty="0">
-                <a:sym typeface="Wingdings" panose="05000000000000000000" pitchFamily="2" charset="2"/>
-              </a:rPr>
-              <a:t>Nicht abhängen lassen. Geben Sie mir die Chance Sie wieder abzuholen </a:t>
-            </a:r>
-          </a:p>
-          <a:p>
-            <a:pPr lvl="1"/>
-            <a:endParaRPr lang="de-DE" dirty="0">
-              <a:sym typeface="Wingdings" panose="05000000000000000000" pitchFamily="2" charset="2"/>
-            </a:endParaRPr>
+              <a:t> Learning Algorithmen  </a:t>
+            </a:r>
+          </a:p>
+          <a:p>
+            <a:pPr marL="457200" indent="-457200">
+              <a:buFont typeface="+mj-lt"/>
+              <a:buAutoNum type="arabicParenR"/>
+            </a:pPr>
+            <a:r>
+              <a:rPr lang="de-DE" sz="2600" dirty="0"/>
+              <a:t>Standard in Umwelt- und Forstwissenschaften</a:t>
+            </a:r>
+          </a:p>
+          <a:p>
+            <a:pPr marL="4572" lvl="1" indent="0">
+              <a:buNone/>
+            </a:pPr>
+            <a:r>
+              <a:rPr lang="de-DE" dirty="0"/>
+              <a:t>	- vereinfacht Austausch von Forschungsergebnissen und Modellen zwischen 			Einrichtungen</a:t>
+            </a:r>
+          </a:p>
+          <a:p>
+            <a:pPr marL="4572" lvl="1" indent="0">
+              <a:buNone/>
+            </a:pPr>
+            <a:r>
+              <a:rPr lang="de-DE" dirty="0"/>
+              <a:t>	- R Skills können Einstellungskriterium sein (zumindest an FVA BW)</a:t>
+            </a:r>
+          </a:p>
+          <a:p>
+            <a:pPr marL="457200" indent="-457200">
+              <a:buFont typeface="+mj-lt"/>
+              <a:buAutoNum type="arabicParenR"/>
+            </a:pPr>
+            <a:r>
+              <a:rPr lang="de-DE" sz="2600" dirty="0"/>
+              <a:t>R ist eine Programmiersprache</a:t>
+            </a:r>
+          </a:p>
+          <a:p>
+            <a:pPr marL="0" indent="0">
+              <a:buNone/>
+            </a:pPr>
+            <a:r>
+              <a:rPr lang="de-DE" dirty="0"/>
+              <a:t>	- Programmier-Skills lassen sich auf andere Programmiersprachen wie Python, C++, 		Java etc. übertragen</a:t>
+            </a:r>
+          </a:p>
+          <a:p>
+            <a:pPr marL="0" indent="0">
+              <a:buNone/>
+            </a:pPr>
+            <a:r>
+              <a:rPr lang="de-DE" dirty="0"/>
+              <a:t>	- Datenauswertung wird automatisch dokumentiert -&gt; Fehler lassen sich 				nachvollziehen </a:t>
+            </a:r>
           </a:p>
         </p:txBody>
       </p:sp>
     </p:spTree>
     <p:extLst>
       <p:ext uri="{BB962C8B-B14F-4D97-AF65-F5344CB8AC3E}">
-        <p14:creationId xmlns:p14="http://schemas.microsoft.com/office/powerpoint/2010/main" val="3031557349"/>
+        <p14:creationId xmlns:p14="http://schemas.microsoft.com/office/powerpoint/2010/main" val="3562039280"/>
       </p:ext>
     </p:extLst>
   </p:cSld>
   <p:clrMapOvr>
     <a:masterClrMapping/>
   </p:clrMapOvr>
+  <p:timing>
+    <p:tnLst>
+      <p:par>
+        <p:cTn id="1" dur="indefinite" restart="never" nodeType="tmRoot">
+          <p:childTnLst>
+            <p:seq concurrent="1" nextAc="seek">
+              <p:cTn id="2" dur="indefinite" nodeType="mainSeq">
+                <p:childTnLst>
+                  <p:par>
+                    <p:cTn id="3" fill="hold">
+                      <p:stCondLst>
+                        <p:cond delay="indefinite"/>
+                      </p:stCondLst>
+                      <p:childTnLst>
+                        <p:par>
+                          <p:cTn id="4" fill="hold">
+                            <p:stCondLst>
+                              <p:cond delay="0"/>
+                            </p:stCondLst>
+                            <p:childTnLst>
+                              <p:par>
+                                <p:cTn id="5" presetID="1" presetClass="entr" presetSubtype="0" fill="hold" nodeType="clickEffect">
+                                  <p:stCondLst>
+                                    <p:cond delay="0"/>
+                                  </p:stCondLst>
+                                  <p:childTnLst>
+                                    <p:set>
+                                      <p:cBhvr>
+                                        <p:cTn id="6" dur="1" fill="hold">
+                                          <p:stCondLst>
+                                            <p:cond delay="0"/>
+                                          </p:stCondLst>
+                                        </p:cTn>
+                                        <p:tgtEl>
+                                          <p:spTgt spid="3">
+                                            <p:txEl>
+                                              <p:pRg st="0" end="0"/>
+                                            </p:txEl>
+                                          </p:spTgt>
+                                        </p:tgtEl>
+                                        <p:attrNameLst>
+                                          <p:attrName>style.visibility</p:attrName>
+                                        </p:attrNameLst>
+                                      </p:cBhvr>
+                                      <p:to>
+                                        <p:strVal val="visible"/>
+                                      </p:to>
+                                    </p:set>
+                                  </p:childTnLst>
+                                </p:cTn>
+                              </p:par>
+                            </p:childTnLst>
+                          </p:cTn>
+                        </p:par>
+                      </p:childTnLst>
+                    </p:cTn>
+                  </p:par>
+                  <p:par>
+                    <p:cTn id="7" fill="hold">
+                      <p:stCondLst>
+                        <p:cond delay="indefinite"/>
+                      </p:stCondLst>
+                      <p:childTnLst>
+                        <p:par>
+                          <p:cTn id="8" fill="hold">
+                            <p:stCondLst>
+                              <p:cond delay="0"/>
+                            </p:stCondLst>
+                            <p:childTnLst>
+                              <p:par>
+                                <p:cTn id="9" presetID="1" presetClass="entr" presetSubtype="0" fill="hold" nodeType="clickEffect">
+                                  <p:stCondLst>
+                                    <p:cond delay="0"/>
+                                  </p:stCondLst>
+                                  <p:childTnLst>
+                                    <p:set>
+                                      <p:cBhvr>
+                                        <p:cTn id="10" dur="1" fill="hold">
+                                          <p:stCondLst>
+                                            <p:cond delay="0"/>
+                                          </p:stCondLst>
+                                        </p:cTn>
+                                        <p:tgtEl>
+                                          <p:spTgt spid="3">
+                                            <p:txEl>
+                                              <p:pRg st="1" end="1"/>
+                                            </p:txEl>
+                                          </p:spTgt>
+                                        </p:tgtEl>
+                                        <p:attrNameLst>
+                                          <p:attrName>style.visibility</p:attrName>
+                                        </p:attrNameLst>
+                                      </p:cBhvr>
+                                      <p:to>
+                                        <p:strVal val="visible"/>
+                                      </p:to>
+                                    </p:set>
+                                  </p:childTnLst>
+                                </p:cTn>
+                              </p:par>
+                            </p:childTnLst>
+                          </p:cTn>
+                        </p:par>
+                      </p:childTnLst>
+                    </p:cTn>
+                  </p:par>
+                  <p:par>
+                    <p:cTn id="11" fill="hold">
+                      <p:stCondLst>
+                        <p:cond delay="indefinite"/>
+                      </p:stCondLst>
+                      <p:childTnLst>
+                        <p:par>
+                          <p:cTn id="12" fill="hold">
+                            <p:stCondLst>
+                              <p:cond delay="0"/>
+                            </p:stCondLst>
+                            <p:childTnLst>
+                              <p:par>
+                                <p:cTn id="13" presetID="1" presetClass="entr" presetSubtype="0" fill="hold" nodeType="clickEffect">
+                                  <p:stCondLst>
+                                    <p:cond delay="0"/>
+                                  </p:stCondLst>
+                                  <p:childTnLst>
+                                    <p:set>
+                                      <p:cBhvr>
+                                        <p:cTn id="14" dur="1" fill="hold">
+                                          <p:stCondLst>
+                                            <p:cond delay="0"/>
+                                          </p:stCondLst>
+                                        </p:cTn>
+                                        <p:tgtEl>
+                                          <p:spTgt spid="3">
+                                            <p:txEl>
+                                              <p:pRg st="2" end="2"/>
+                                            </p:txEl>
+                                          </p:spTgt>
+                                        </p:tgtEl>
+                                        <p:attrNameLst>
+                                          <p:attrName>style.visibility</p:attrName>
+                                        </p:attrNameLst>
+                                      </p:cBhvr>
+                                      <p:to>
+                                        <p:strVal val="visible"/>
+                                      </p:to>
+                                    </p:set>
+                                  </p:childTnLst>
+                                </p:cTn>
+                              </p:par>
+                            </p:childTnLst>
+                          </p:cTn>
+                        </p:par>
+                      </p:childTnLst>
+                    </p:cTn>
+                  </p:par>
+                  <p:par>
+                    <p:cTn id="15" fill="hold">
+                      <p:stCondLst>
+                        <p:cond delay="indefinite"/>
+                      </p:stCondLst>
+                      <p:childTnLst>
+                        <p:par>
+                          <p:cTn id="16" fill="hold">
+                            <p:stCondLst>
+                              <p:cond delay="0"/>
+                            </p:stCondLst>
+                            <p:childTnLst>
+                              <p:par>
+                                <p:cTn id="17" presetID="1" presetClass="entr" presetSubtype="0" fill="hold" nodeType="clickEffect">
+                                  <p:stCondLst>
+                                    <p:cond delay="0"/>
+                                  </p:stCondLst>
+                                  <p:childTnLst>
+                                    <p:set>
+                                      <p:cBhvr>
+                                        <p:cTn id="18" dur="1" fill="hold">
+                                          <p:stCondLst>
+                                            <p:cond delay="0"/>
+                                          </p:stCondLst>
+                                        </p:cTn>
+                                        <p:tgtEl>
+                                          <p:spTgt spid="3">
+                                            <p:txEl>
+                                              <p:pRg st="3" end="3"/>
+                                            </p:txEl>
+                                          </p:spTgt>
+                                        </p:tgtEl>
+                                        <p:attrNameLst>
+                                          <p:attrName>style.visibility</p:attrName>
+                                        </p:attrNameLst>
+                                      </p:cBhvr>
+                                      <p:to>
+                                        <p:strVal val="visible"/>
+                                      </p:to>
+                                    </p:set>
+                                  </p:childTnLst>
+                                </p:cTn>
+                              </p:par>
+                              <p:par>
+                                <p:cTn id="19" presetID="1" presetClass="entr" presetSubtype="0" fill="hold" nodeType="withEffect">
+                                  <p:stCondLst>
+                                    <p:cond delay="0"/>
+                                  </p:stCondLst>
+                                  <p:childTnLst>
+                                    <p:set>
+                                      <p:cBhvr>
+                                        <p:cTn id="20" dur="1" fill="hold">
+                                          <p:stCondLst>
+                                            <p:cond delay="0"/>
+                                          </p:stCondLst>
+                                        </p:cTn>
+                                        <p:tgtEl>
+                                          <p:spTgt spid="3">
+                                            <p:txEl>
+                                              <p:pRg st="4" end="4"/>
+                                            </p:txEl>
+                                          </p:spTgt>
+                                        </p:tgtEl>
+                                        <p:attrNameLst>
+                                          <p:attrName>style.visibility</p:attrName>
+                                        </p:attrNameLst>
+                                      </p:cBhvr>
+                                      <p:to>
+                                        <p:strVal val="visible"/>
+                                      </p:to>
+                                    </p:set>
+                                  </p:childTnLst>
+                                </p:cTn>
+                              </p:par>
+                            </p:childTnLst>
+                          </p:cTn>
+                        </p:par>
+                      </p:childTnLst>
+                    </p:cTn>
+                  </p:par>
+                  <p:par>
+                    <p:cTn id="21" fill="hold">
+                      <p:stCondLst>
+                        <p:cond delay="indefinite"/>
+                      </p:stCondLst>
+                      <p:childTnLst>
+                        <p:par>
+                          <p:cTn id="22" fill="hold">
+                            <p:stCondLst>
+                              <p:cond delay="0"/>
+                            </p:stCondLst>
+                            <p:childTnLst>
+                              <p:par>
+                                <p:cTn id="23" presetID="1" presetClass="entr" presetSubtype="0" fill="hold" nodeType="clickEffect">
+                                  <p:stCondLst>
+                                    <p:cond delay="0"/>
+                                  </p:stCondLst>
+                                  <p:childTnLst>
+                                    <p:set>
+                                      <p:cBhvr>
+                                        <p:cTn id="24" dur="1" fill="hold">
+                                          <p:stCondLst>
+                                            <p:cond delay="0"/>
+                                          </p:stCondLst>
+                                        </p:cTn>
+                                        <p:tgtEl>
+                                          <p:spTgt spid="3">
+                                            <p:txEl>
+                                              <p:pRg st="5" end="5"/>
+                                            </p:txEl>
+                                          </p:spTgt>
+                                        </p:tgtEl>
+                                        <p:attrNameLst>
+                                          <p:attrName>style.visibility</p:attrName>
+                                        </p:attrNameLst>
+                                      </p:cBhvr>
+                                      <p:to>
+                                        <p:strVal val="visible"/>
+                                      </p:to>
+                                    </p:set>
+                                  </p:childTnLst>
+                                </p:cTn>
+                              </p:par>
+                            </p:childTnLst>
+                          </p:cTn>
+                        </p:par>
+                      </p:childTnLst>
+                    </p:cTn>
+                  </p:par>
+                  <p:par>
+                    <p:cTn id="25" fill="hold">
+                      <p:stCondLst>
+                        <p:cond delay="indefinite"/>
+                      </p:stCondLst>
+                      <p:childTnLst>
+                        <p:par>
+                          <p:cTn id="26" fill="hold">
+                            <p:stCondLst>
+                              <p:cond delay="0"/>
+                            </p:stCondLst>
+                            <p:childTnLst>
+                              <p:par>
+                                <p:cTn id="27" presetID="1" presetClass="entr" presetSubtype="0" fill="hold" nodeType="clickEffect">
+                                  <p:stCondLst>
+                                    <p:cond delay="0"/>
+                                  </p:stCondLst>
+                                  <p:childTnLst>
+                                    <p:set>
+                                      <p:cBhvr>
+                                        <p:cTn id="28" dur="1" fill="hold">
+                                          <p:stCondLst>
+                                            <p:cond delay="0"/>
+                                          </p:stCondLst>
+                                        </p:cTn>
+                                        <p:tgtEl>
+                                          <p:spTgt spid="3">
+                                            <p:txEl>
+                                              <p:pRg st="6" end="6"/>
+                                            </p:txEl>
+                                          </p:spTgt>
+                                        </p:tgtEl>
+                                        <p:attrNameLst>
+                                          <p:attrName>style.visibility</p:attrName>
+                                        </p:attrNameLst>
+                                      </p:cBhvr>
+                                      <p:to>
+                                        <p:strVal val="visible"/>
+                                      </p:to>
+                                    </p:set>
+                                  </p:childTnLst>
+                                </p:cTn>
+                              </p:par>
+                            </p:childTnLst>
+                          </p:cTn>
+                        </p:par>
+                      </p:childTnLst>
+                    </p:cTn>
+                  </p:par>
+                  <p:par>
+                    <p:cTn id="29" fill="hold">
+                      <p:stCondLst>
+                        <p:cond delay="indefinite"/>
+                      </p:stCondLst>
+                      <p:childTnLst>
+                        <p:par>
+                          <p:cTn id="30" fill="hold">
+                            <p:stCondLst>
+                              <p:cond delay="0"/>
+                            </p:stCondLst>
+                            <p:childTnLst>
+                              <p:par>
+                                <p:cTn id="31" presetID="1" presetClass="entr" presetSubtype="0" fill="hold" nodeType="clickEffect">
+                                  <p:stCondLst>
+                                    <p:cond delay="0"/>
+                                  </p:stCondLst>
+                                  <p:childTnLst>
+                                    <p:set>
+                                      <p:cBhvr>
+                                        <p:cTn id="32" dur="1" fill="hold">
+                                          <p:stCondLst>
+                                            <p:cond delay="0"/>
+                                          </p:stCondLst>
+                                        </p:cTn>
+                                        <p:tgtEl>
+                                          <p:spTgt spid="3">
+                                            <p:txEl>
+                                              <p:pRg st="7" end="7"/>
+                                            </p:txEl>
+                                          </p:spTgt>
+                                        </p:tgtEl>
+                                        <p:attrNameLst>
+                                          <p:attrName>style.visibility</p:attrName>
+                                        </p:attrNameLst>
+                                      </p:cBhvr>
+                                      <p:to>
+                                        <p:strVal val="visible"/>
+                                      </p:to>
+                                    </p:set>
+                                  </p:childTnLst>
+                                </p:cTn>
+                              </p:par>
+                            </p:childTnLst>
+                          </p:cTn>
+                        </p:par>
+                      </p:childTnLst>
+                    </p:cTn>
+                  </p:par>
+                  <p:par>
+                    <p:cTn id="33" fill="hold">
+                      <p:stCondLst>
+                        <p:cond delay="indefinite"/>
+                      </p:stCondLst>
+                      <p:childTnLst>
+                        <p:par>
+                          <p:cTn id="34" fill="hold">
+                            <p:stCondLst>
+                              <p:cond delay="0"/>
+                            </p:stCondLst>
+                            <p:childTnLst>
+                              <p:par>
+                                <p:cTn id="35" presetID="1" presetClass="entr" presetSubtype="0" fill="hold" nodeType="clickEffect">
+                                  <p:stCondLst>
+                                    <p:cond delay="0"/>
+                                  </p:stCondLst>
+                                  <p:childTnLst>
+                                    <p:set>
+                                      <p:cBhvr>
+                                        <p:cTn id="36" dur="1" fill="hold">
+                                          <p:stCondLst>
+                                            <p:cond delay="0"/>
+                                          </p:stCondLst>
+                                        </p:cTn>
+                                        <p:tgtEl>
+                                          <p:spTgt spid="3">
+                                            <p:txEl>
+                                              <p:pRg st="8" end="8"/>
+                                            </p:txEl>
+                                          </p:spTgt>
+                                        </p:tgtEl>
+                                        <p:attrNameLst>
+                                          <p:attrName>style.visibility</p:attrName>
+                                        </p:attrNameLst>
+                                      </p:cBhvr>
+                                      <p:to>
+                                        <p:strVal val="visible"/>
+                                      </p:to>
+                                    </p:set>
+                                  </p:childTnLst>
+                                </p:cTn>
+                              </p:par>
+                            </p:childTnLst>
+                          </p:cTn>
+                        </p:par>
+                      </p:childTnLst>
+                    </p:cTn>
+                  </p:par>
+                  <p:par>
+                    <p:cTn id="37" fill="hold">
+                      <p:stCondLst>
+                        <p:cond delay="indefinite"/>
+                      </p:stCondLst>
+                      <p:childTnLst>
+                        <p:par>
+                          <p:cTn id="38" fill="hold">
+                            <p:stCondLst>
+                              <p:cond delay="0"/>
+                            </p:stCondLst>
+                            <p:childTnLst>
+                              <p:par>
+                                <p:cTn id="39" presetID="1" presetClass="entr" presetSubtype="0" fill="hold" nodeType="clickEffect">
+                                  <p:stCondLst>
+                                    <p:cond delay="0"/>
+                                  </p:stCondLst>
+                                  <p:childTnLst>
+                                    <p:set>
+                                      <p:cBhvr>
+                                        <p:cTn id="40" dur="1" fill="hold">
+                                          <p:stCondLst>
+                                            <p:cond delay="0"/>
+                                          </p:stCondLst>
+                                        </p:cTn>
+                                        <p:tgtEl>
+                                          <p:spTgt spid="3">
+                                            <p:txEl>
+                                              <p:pRg st="9" end="9"/>
+                                            </p:txEl>
+                                          </p:spTgt>
+                                        </p:tgtEl>
+                                        <p:attrNameLst>
+                                          <p:attrName>style.visibility</p:attrName>
+                                        </p:attrNameLst>
+                                      </p:cBhvr>
+                                      <p:to>
+                                        <p:strVal val="visible"/>
+                                      </p:to>
+                                    </p:set>
+                                  </p:childTnLst>
+                                </p:cTn>
+                              </p:par>
+                            </p:childTnLst>
+                          </p:cTn>
+                        </p:par>
+                      </p:childTnLst>
+                    </p:cTn>
+                  </p:par>
+                  <p:par>
+                    <p:cTn id="41" fill="hold">
+                      <p:stCondLst>
+                        <p:cond delay="indefinite"/>
+                      </p:stCondLst>
+                      <p:childTnLst>
+                        <p:par>
+                          <p:cTn id="42" fill="hold">
+                            <p:stCondLst>
+                              <p:cond delay="0"/>
+                            </p:stCondLst>
+                            <p:childTnLst>
+                              <p:par>
+                                <p:cTn id="43" presetID="1" presetClass="entr" presetSubtype="0" fill="hold" nodeType="clickEffect">
+                                  <p:stCondLst>
+                                    <p:cond delay="0"/>
+                                  </p:stCondLst>
+                                  <p:childTnLst>
+                                    <p:set>
+                                      <p:cBhvr>
+                                        <p:cTn id="44" dur="1" fill="hold">
+                                          <p:stCondLst>
+                                            <p:cond delay="0"/>
+                                          </p:stCondLst>
+                                        </p:cTn>
+                                        <p:tgtEl>
+                                          <p:spTgt spid="3">
+                                            <p:txEl>
+                                              <p:pRg st="10" end="10"/>
+                                            </p:txEl>
+                                          </p:spTgt>
+                                        </p:tgtEl>
+                                        <p:attrNameLst>
+                                          <p:attrName>style.visibility</p:attrName>
+                                        </p:attrNameLst>
+                                      </p:cBhvr>
+                                      <p:to>
+                                        <p:strVal val="visible"/>
+                                      </p:to>
+                                    </p:set>
+                                  </p:childTnLst>
+                                </p:cTn>
+                              </p:par>
+                            </p:childTnLst>
+                          </p:cTn>
+                        </p:par>
+                      </p:childTnLst>
+                    </p:cTn>
+                  </p:par>
+                </p:childTnLst>
+              </p:cTn>
+              <p:prevCondLst>
+                <p:cond evt="onPrev" delay="0">
+                  <p:tgtEl>
+                    <p:sldTgt/>
+                  </p:tgtEl>
+                </p:cond>
+              </p:prevCondLst>
+              <p:nextCondLst>
+                <p:cond evt="onNext" delay="0">
+                  <p:tgtEl>
+                    <p:sldTgt/>
+                  </p:tgtEl>
+                </p:cond>
+              </p:nextCondLst>
+            </p:seq>
+          </p:childTnLst>
+        </p:cTn>
+      </p:par>
+    </p:tnLst>
+  </p:timing>
 </p:sld>
 </file>
 
@@ -4295,7 +5759,7 @@
           <p:cNvPr id="2" name="Titel 1">
             <a:extLst>
               <a:ext uri="{FF2B5EF4-FFF2-40B4-BE49-F238E27FC236}">
-                <a16:creationId xmlns:a16="http://schemas.microsoft.com/office/drawing/2014/main" id="{858BBC3F-B9C0-4F85-99F3-433B6393D071}"/>
+                <a16:creationId xmlns:a16="http://schemas.microsoft.com/office/drawing/2014/main" id="{9AA104F6-3FE4-4C40-BF8A-F4BDCE497FD3}"/>
               </a:ext>
             </a:extLst>
           </p:cNvPr>
@@ -4306,21 +5770,18 @@
             <p:ph type="title"/>
           </p:nvPr>
         </p:nvSpPr>
-        <p:spPr>
-          <a:xfrm>
-            <a:off x="838200" y="301329"/>
-            <a:ext cx="10515600" cy="671549"/>
-          </a:xfrm>
-        </p:spPr>
-        <p:txBody>
-          <a:bodyPr>
-            <a:normAutofit fontScale="90000"/>
-          </a:bodyPr>
-          <a:lstStyle/>
-          <a:p>
+        <p:spPr/>
+        <p:txBody>
+          <a:bodyPr/>
+          <a:lstStyle/>
+          <a:p>
+            <a:r>
+              <a:rPr lang="de-DE" dirty="0"/>
+              <a:t>Ausblick: </a:t>
+            </a:r>
             <a:r>
               <a:rPr lang="de-DE" dirty="0" err="1"/>
-              <a:t>übungsideen</a:t>
+              <a:t>ShinyApps</a:t>
             </a:r>
             <a:endParaRPr lang="de-DE" dirty="0"/>
           </a:p>
@@ -4331,7 +5792,7 @@
           <p:cNvPr id="3" name="Inhaltsplatzhalter 2">
             <a:extLst>
               <a:ext uri="{FF2B5EF4-FFF2-40B4-BE49-F238E27FC236}">
-                <a16:creationId xmlns:a16="http://schemas.microsoft.com/office/drawing/2014/main" id="{60044577-1E83-4644-854B-66D6DD2E498E}"/>
+                <a16:creationId xmlns:a16="http://schemas.microsoft.com/office/drawing/2014/main" id="{0641ED57-2C43-41D3-BD74-1EAAD8B696F1}"/>
               </a:ext>
             </a:extLst>
           </p:cNvPr>
@@ -4344,8 +5805,8 @@
         </p:nvSpPr>
         <p:spPr>
           <a:xfrm>
-            <a:off x="838200" y="1047307"/>
-            <a:ext cx="10515600" cy="5129656"/>
+            <a:off x="719137" y="2592282"/>
+            <a:ext cx="10753725" cy="3766185"/>
           </a:xfrm>
         </p:spPr>
         <p:txBody>
@@ -4353,28 +5814,21 @@
           <a:lstStyle/>
           <a:p>
             <a:r>
-              <a:rPr lang="de-DE" dirty="0"/>
-              <a:t>Bulls-</a:t>
-            </a:r>
-            <a:r>
-              <a:rPr lang="de-DE" dirty="0" err="1"/>
-              <a:t>eye</a:t>
-            </a:r>
-            <a:r>
-              <a:rPr lang="de-DE" dirty="0"/>
-              <a:t>: Matrix mit Werten wie bei einer Zielscheibe füllen -&gt; Mit Excel Matrix aufzeigen</a:t>
-            </a:r>
-          </a:p>
-          <a:p>
-            <a:pPr lvl="1"/>
-            <a:r>
-              <a:rPr lang="de-DE" dirty="0"/>
-              <a:t>Zweite Phase: die außenliegenden </a:t>
-            </a:r>
-            <a:r>
-              <a:rPr lang="de-DE"/>
-              <a:t>Zellen löschen</a:t>
-            </a:r>
+              <a:rPr lang="de-DE" dirty="0">
+                <a:hlinkClick r:id="rId2"/>
+              </a:rPr>
+              <a:t>https://shiny.posit.co/r/gallery/</a:t>
+            </a:r>
+            <a:endParaRPr lang="de-DE" dirty="0"/>
+          </a:p>
+          <a:p>
+            <a:r>
+              <a:rPr lang="de-DE" dirty="0">
+                <a:hlinkClick r:id="rId3"/>
+              </a:rPr>
+              <a:t>https://shiny.posit.co/r/gallery/life-sciences/biodiversity-national-parks/</a:t>
+            </a:r>
+            <a:endParaRPr lang="de-DE" dirty="0"/>
           </a:p>
           <a:p>
             <a:endParaRPr lang="de-DE" dirty="0"/>
@@ -4384,7 +5838,7 @@
     </p:spTree>
     <p:extLst>
       <p:ext uri="{BB962C8B-B14F-4D97-AF65-F5344CB8AC3E}">
-        <p14:creationId xmlns:p14="http://schemas.microsoft.com/office/powerpoint/2010/main" val="3343503711"/>
+        <p14:creationId xmlns:p14="http://schemas.microsoft.com/office/powerpoint/2010/main" val="2020609052"/>
       </p:ext>
     </p:extLst>
   </p:cSld>
@@ -4416,7 +5870,7 @@
           <p:cNvPr id="2" name="Titel 1">
             <a:extLst>
               <a:ext uri="{FF2B5EF4-FFF2-40B4-BE49-F238E27FC236}">
-                <a16:creationId xmlns:a16="http://schemas.microsoft.com/office/drawing/2014/main" id="{B93C6933-6D3D-4D1D-A3F6-D1B681117398}"/>
+                <a16:creationId xmlns:a16="http://schemas.microsoft.com/office/drawing/2014/main" id="{8C626A2C-6314-4DF8-AEAF-1598B8888A8A}"/>
               </a:ext>
             </a:extLst>
           </p:cNvPr>
@@ -4427,80 +5881,322 @@
             <p:ph type="title"/>
           </p:nvPr>
         </p:nvSpPr>
-        <p:spPr/>
+        <p:spPr>
+          <a:xfrm>
+            <a:off x="588112" y="223087"/>
+            <a:ext cx="10772775" cy="981449"/>
+          </a:xfrm>
+        </p:spPr>
         <p:txBody>
           <a:bodyPr/>
           <a:lstStyle/>
           <a:p>
             <a:r>
               <a:rPr lang="de-DE" dirty="0"/>
-              <a:t>Warum R bzw. Skript basierte Auswertung?</a:t>
-            </a:r>
-          </a:p>
-        </p:txBody>
-      </p:sp>
-      <p:sp>
-        <p:nvSpPr>
-          <p:cNvPr id="3" name="Inhaltsplatzhalter 2">
+              <a:t>Themen</a:t>
+            </a:r>
+          </a:p>
+        </p:txBody>
+      </p:sp>
+      <p:sp>
+        <p:nvSpPr>
+          <p:cNvPr id="8" name="Textfeld 7">
             <a:extLst>
               <a:ext uri="{FF2B5EF4-FFF2-40B4-BE49-F238E27FC236}">
-                <a16:creationId xmlns:a16="http://schemas.microsoft.com/office/drawing/2014/main" id="{94EB8A9B-6500-4485-AEDC-806CD651CDCB}"/>
+                <a16:creationId xmlns:a16="http://schemas.microsoft.com/office/drawing/2014/main" id="{1D13942C-EB21-4684-817C-05E846B50E1B}"/>
               </a:ext>
             </a:extLst>
           </p:cNvPr>
-          <p:cNvSpPr>
-            <a:spLocks noGrp="1"/>
-          </p:cNvSpPr>
-          <p:nvPr>
-            <p:ph idx="1"/>
-          </p:nvPr>
-        </p:nvSpPr>
-        <p:spPr/>
-        <p:txBody>
-          <a:bodyPr/>
-          <a:lstStyle/>
-          <a:p>
-            <a:r>
-              <a:rPr lang="de-DE" dirty="0"/>
-              <a:t>R ist mittlerweile Standard in der Wissenschaft</a:t>
-            </a:r>
-          </a:p>
-          <a:p>
-            <a:r>
-              <a:rPr lang="de-DE" dirty="0"/>
-              <a:t>…</a:t>
-            </a:r>
-          </a:p>
-          <a:p>
-            <a:r>
-              <a:rPr lang="de-DE" dirty="0"/>
-              <a:t>…</a:t>
-            </a:r>
-          </a:p>
-          <a:p>
-            <a:r>
-              <a:rPr lang="de-DE" dirty="0"/>
-              <a:t>..</a:t>
-            </a:r>
-          </a:p>
-          <a:p>
-            <a:r>
-              <a:rPr lang="de-DE" dirty="0"/>
-              <a:t>Aber am wichtigsten: einfache Wiederholung der Auswertung weil jeder Schritt im Skript festgehalten wird -&gt; hier Beispiel: Excel vs. R wenn ein Fehler gemacht wurde oder der gleiche Datensatz nochmal analysiert werden soll (Wetterstation oder ähnliches)</a:t>
-            </a:r>
+          <p:cNvSpPr txBox="1"/>
+          <p:nvPr/>
+        </p:nvSpPr>
+        <p:spPr>
+          <a:xfrm>
+            <a:off x="1020726" y="1480982"/>
+            <a:ext cx="9128051" cy="2092881"/>
+          </a:xfrm>
+          <a:prstGeom prst="rect">
+            <a:avLst/>
+          </a:prstGeom>
+          <a:solidFill>
+            <a:schemeClr val="accent1"/>
+          </a:solidFill>
+        </p:spPr>
+        <p:txBody>
+          <a:bodyPr wrap="square" rtlCol="0">
+            <a:spAutoFit/>
+          </a:bodyPr>
+          <a:lstStyle/>
+          <a:p>
+            <a:pPr marL="4572" lvl="1" indent="0">
+              <a:buNone/>
+            </a:pPr>
+            <a:r>
+              <a:rPr lang="de-DE" sz="2800" b="1" dirty="0">
+                <a:solidFill>
+                  <a:schemeClr val="bg1"/>
+                </a:solidFill>
+              </a:rPr>
+              <a:t>Grundlagen Datenauswertung:</a:t>
+            </a:r>
+          </a:p>
+          <a:p>
+            <a:pPr marL="4572" lvl="1" indent="0">
+              <a:buNone/>
+            </a:pPr>
+            <a:r>
+              <a:rPr lang="de-DE" sz="2800" dirty="0"/>
+              <a:t>Datenstrukturen - </a:t>
+            </a:r>
+            <a:r>
+              <a:rPr lang="de-DE" sz="2800" i="0" dirty="0"/>
+              <a:t>Variablen, Vektoren, Matrizen/</a:t>
+            </a:r>
+            <a:r>
+              <a:rPr lang="de-DE" sz="2800" i="0" dirty="0" err="1"/>
+              <a:t>data.frames</a:t>
+            </a:r>
+            <a:endParaRPr lang="de-DE" sz="2800" i="0" dirty="0"/>
+          </a:p>
+          <a:p>
+            <a:pPr marL="0" lvl="2" indent="0">
+              <a:buNone/>
+            </a:pPr>
+            <a:r>
+              <a:rPr lang="de-DE" sz="2800" i="0" dirty="0"/>
+              <a:t>Funktionen</a:t>
+            </a:r>
+          </a:p>
+          <a:p>
+            <a:pPr marL="0" lvl="2" indent="0">
+              <a:buNone/>
+            </a:pPr>
+            <a:r>
+              <a:rPr lang="de-DE" sz="2800" i="0" dirty="0"/>
+              <a:t>Visualisierungen</a:t>
+            </a:r>
+          </a:p>
+          <a:p>
+            <a:endParaRPr lang="de-DE" dirty="0"/>
+          </a:p>
+        </p:txBody>
+      </p:sp>
+      <p:sp>
+        <p:nvSpPr>
+          <p:cNvPr id="9" name="Textfeld 8">
+            <a:extLst>
+              <a:ext uri="{FF2B5EF4-FFF2-40B4-BE49-F238E27FC236}">
+                <a16:creationId xmlns:a16="http://schemas.microsoft.com/office/drawing/2014/main" id="{3E534967-124A-4813-A4AC-86171E65A7CE}"/>
+              </a:ext>
+            </a:extLst>
+          </p:cNvPr>
+          <p:cNvSpPr txBox="1"/>
+          <p:nvPr/>
+        </p:nvSpPr>
+        <p:spPr>
+          <a:xfrm>
+            <a:off x="1020726" y="3917970"/>
+            <a:ext cx="9146658" cy="2092881"/>
+          </a:xfrm>
+          <a:prstGeom prst="rect">
+            <a:avLst/>
+          </a:prstGeom>
+          <a:solidFill>
+            <a:schemeClr val="accent1"/>
+          </a:solidFill>
+        </p:spPr>
+        <p:txBody>
+          <a:bodyPr wrap="square" rtlCol="0">
+            <a:spAutoFit/>
+          </a:bodyPr>
+          <a:lstStyle/>
+          <a:p>
+            <a:pPr marL="0" lvl="2" indent="0">
+              <a:buNone/>
+            </a:pPr>
+            <a:r>
+              <a:rPr lang="de-DE" sz="2800" b="1" i="0" dirty="0">
+                <a:solidFill>
+                  <a:schemeClr val="bg1"/>
+                </a:solidFill>
+              </a:rPr>
+              <a:t>Grundlagen Programmieren:</a:t>
+            </a:r>
+          </a:p>
+          <a:p>
+            <a:pPr marL="0" lvl="2" indent="0">
+              <a:buNone/>
+            </a:pPr>
+            <a:r>
+              <a:rPr lang="de-DE" sz="2800" i="0" dirty="0"/>
+              <a:t>Eigene Funktionen schreiben</a:t>
+            </a:r>
+          </a:p>
+          <a:p>
+            <a:pPr marL="0" lvl="2" indent="0">
+              <a:buNone/>
+            </a:pPr>
+            <a:r>
+              <a:rPr lang="de-DE" sz="2800" i="0" dirty="0"/>
+              <a:t>Konditionen (</a:t>
+            </a:r>
+            <a:r>
+              <a:rPr lang="de-DE" sz="2800" i="0" dirty="0" err="1"/>
+              <a:t>if-else</a:t>
+            </a:r>
+            <a:r>
+              <a:rPr lang="de-DE" sz="2800" i="0" dirty="0"/>
+              <a:t>)</a:t>
+            </a:r>
+          </a:p>
+          <a:p>
+            <a:pPr marL="0" lvl="2" indent="0">
+              <a:buNone/>
+            </a:pPr>
+            <a:r>
+              <a:rPr lang="de-DE" sz="2800" i="0" dirty="0"/>
+              <a:t>Automatisierung mit Schleifen</a:t>
+            </a:r>
+          </a:p>
+          <a:p>
+            <a:endParaRPr lang="de-DE" dirty="0"/>
           </a:p>
         </p:txBody>
       </p:sp>
     </p:spTree>
     <p:extLst>
       <p:ext uri="{BB962C8B-B14F-4D97-AF65-F5344CB8AC3E}">
-        <p14:creationId xmlns:p14="http://schemas.microsoft.com/office/powerpoint/2010/main" val="3562039280"/>
+        <p14:creationId xmlns:p14="http://schemas.microsoft.com/office/powerpoint/2010/main" val="3967384758"/>
       </p:ext>
     </p:extLst>
   </p:cSld>
   <p:clrMapOvr>
     <a:masterClrMapping/>
   </p:clrMapOvr>
+  <p:timing>
+    <p:tnLst>
+      <p:par>
+        <p:cTn id="1" dur="indefinite" restart="never" nodeType="tmRoot">
+          <p:childTnLst>
+            <p:seq concurrent="1" nextAc="seek">
+              <p:cTn id="2" dur="indefinite" nodeType="mainSeq">
+                <p:childTnLst>
+                  <p:par>
+                    <p:cTn id="3" fill="hold">
+                      <p:stCondLst>
+                        <p:cond delay="indefinite"/>
+                      </p:stCondLst>
+                      <p:childTnLst>
+                        <p:par>
+                          <p:cTn id="4" fill="hold">
+                            <p:stCondLst>
+                              <p:cond delay="0"/>
+                            </p:stCondLst>
+                            <p:childTnLst>
+                              <p:par>
+                                <p:cTn id="5" presetID="1" presetClass="entr" presetSubtype="0" fill="hold" grpId="0" nodeType="clickEffect">
+                                  <p:stCondLst>
+                                    <p:cond delay="0"/>
+                                  </p:stCondLst>
+                                  <p:childTnLst>
+                                    <p:set>
+                                      <p:cBhvr>
+                                        <p:cTn id="6" dur="1" fill="hold">
+                                          <p:stCondLst>
+                                            <p:cond delay="0"/>
+                                          </p:stCondLst>
+                                        </p:cTn>
+                                        <p:tgtEl>
+                                          <p:spTgt spid="8"/>
+                                        </p:tgtEl>
+                                        <p:attrNameLst>
+                                          <p:attrName>style.visibility</p:attrName>
+                                        </p:attrNameLst>
+                                      </p:cBhvr>
+                                      <p:to>
+                                        <p:strVal val="visible"/>
+                                      </p:to>
+                                    </p:set>
+                                  </p:childTnLst>
+                                </p:cTn>
+                              </p:par>
+                            </p:childTnLst>
+                          </p:cTn>
+                        </p:par>
+                      </p:childTnLst>
+                    </p:cTn>
+                  </p:par>
+                  <p:par>
+                    <p:cTn id="7" fill="hold">
+                      <p:stCondLst>
+                        <p:cond delay="indefinite"/>
+                      </p:stCondLst>
+                      <p:childTnLst>
+                        <p:par>
+                          <p:cTn id="8" fill="hold">
+                            <p:stCondLst>
+                              <p:cond delay="0"/>
+                            </p:stCondLst>
+                            <p:childTnLst>
+                              <p:par>
+                                <p:cTn id="9" presetID="1" presetClass="entr" presetSubtype="0" fill="hold" grpId="0" nodeType="clickEffect">
+                                  <p:stCondLst>
+                                    <p:cond delay="0"/>
+                                  </p:stCondLst>
+                                  <p:childTnLst>
+                                    <p:set>
+                                      <p:cBhvr>
+                                        <p:cTn id="10" dur="1" fill="hold">
+                                          <p:stCondLst>
+                                            <p:cond delay="0"/>
+                                          </p:stCondLst>
+                                        </p:cTn>
+                                        <p:tgtEl>
+                                          <p:spTgt spid="9"/>
+                                        </p:tgtEl>
+                                        <p:attrNameLst>
+                                          <p:attrName>style.visibility</p:attrName>
+                                        </p:attrNameLst>
+                                      </p:cBhvr>
+                                      <p:to>
+                                        <p:strVal val="visible"/>
+                                      </p:to>
+                                    </p:set>
+                                  </p:childTnLst>
+                                </p:cTn>
+                              </p:par>
+                            </p:childTnLst>
+                          </p:cTn>
+                        </p:par>
+                      </p:childTnLst>
+                    </p:cTn>
+                  </p:par>
+                </p:childTnLst>
+              </p:cTn>
+              <p:prevCondLst>
+                <p:cond evt="onPrev" delay="0">
+                  <p:tgtEl>
+                    <p:sldTgt/>
+                  </p:tgtEl>
+                </p:cond>
+              </p:prevCondLst>
+              <p:nextCondLst>
+                <p:cond evt="onNext" delay="0">
+                  <p:tgtEl>
+                    <p:sldTgt/>
+                  </p:tgtEl>
+                </p:cond>
+              </p:nextCondLst>
+            </p:seq>
+          </p:childTnLst>
+        </p:cTn>
+      </p:par>
+    </p:tnLst>
+    <p:bldLst>
+      <p:bldP spid="8" grpId="0" animBg="1"/>
+      <p:bldP spid="9" grpId="0" animBg="1"/>
+    </p:bldLst>
+  </p:timing>
 </p:sld>
 </file>
 
@@ -4526,7 +6222,7 @@
           <p:cNvPr id="2" name="Titel 1">
             <a:extLst>
               <a:ext uri="{FF2B5EF4-FFF2-40B4-BE49-F238E27FC236}">
-                <a16:creationId xmlns:a16="http://schemas.microsoft.com/office/drawing/2014/main" id="{0ABFC3E5-C14C-45D2-BD61-4046892D6AA2}"/>
+                <a16:creationId xmlns:a16="http://schemas.microsoft.com/office/drawing/2014/main" id="{E394AD58-EE10-4922-A7BC-9E9EB83C290C}"/>
               </a:ext>
             </a:extLst>
           </p:cNvPr>
@@ -4544,7 +6240,7 @@
           <a:p>
             <a:r>
               <a:rPr lang="de-DE" dirty="0"/>
-              <a:t>Installation R und R Studio</a:t>
+              <a:t>Ablauf</a:t>
             </a:r>
           </a:p>
         </p:txBody>
@@ -4554,7 +6250,7 @@
           <p:cNvPr id="3" name="Inhaltsplatzhalter 2">
             <a:extLst>
               <a:ext uri="{FF2B5EF4-FFF2-40B4-BE49-F238E27FC236}">
-                <a16:creationId xmlns:a16="http://schemas.microsoft.com/office/drawing/2014/main" id="{4E2E7174-84C9-457F-84EE-9C94D38A3AAA}"/>
+                <a16:creationId xmlns:a16="http://schemas.microsoft.com/office/drawing/2014/main" id="{12E1BCA6-6D1F-4073-9450-F3C84BBE46AA}"/>
               </a:ext>
             </a:extLst>
           </p:cNvPr>
@@ -4567,12 +6263,47 @@
         </p:nvSpPr>
         <p:spPr/>
         <p:txBody>
-          <a:bodyPr/>
-          <a:lstStyle/>
-          <a:p>
-            <a:r>
-              <a:rPr lang="de-DE" dirty="0"/>
-              <a:t>---Hier link zu R Studio mit R Download---</a:t>
+          <a:bodyPr>
+            <a:normAutofit lnSpcReduction="10000"/>
+          </a:bodyPr>
+          <a:lstStyle/>
+          <a:p>
+            <a:pPr marL="0" indent="0">
+              <a:buNone/>
+            </a:pPr>
+            <a:r>
+              <a:rPr lang="de-DE" sz="3200" dirty="0"/>
+              <a:t> 9:45 – 13:00 mit kleineren Pausen</a:t>
+            </a:r>
+          </a:p>
+          <a:p>
+            <a:r>
+              <a:rPr lang="de-DE" sz="3200" dirty="0"/>
+              <a:t>Pause</a:t>
+            </a:r>
+          </a:p>
+          <a:p>
+            <a:r>
+              <a:rPr lang="de-DE" sz="3200" dirty="0"/>
+              <a:t>14:00</a:t>
+            </a:r>
+          </a:p>
+          <a:p>
+            <a:endParaRPr lang="de-DE" sz="3200" dirty="0"/>
+          </a:p>
+          <a:p>
+            <a:r>
+              <a:rPr lang="de-DE" sz="3200" dirty="0"/>
+              <a:t>Mischung aus PowerPoint Folien, Live Coding und Übungen</a:t>
+            </a:r>
+          </a:p>
+          <a:p>
+            <a:endParaRPr lang="de-DE" dirty="0"/>
+          </a:p>
+          <a:p>
+            <a:r>
+              <a:rPr lang="de-DE" sz="2800" dirty="0"/>
+              <a:t>Regelmäßige Teilnahme ist Voraussetzung für das Bestehen des Kurses!</a:t>
             </a:r>
           </a:p>
         </p:txBody>
@@ -4580,13 +6311,252 @@
     </p:spTree>
     <p:extLst>
       <p:ext uri="{BB962C8B-B14F-4D97-AF65-F5344CB8AC3E}">
-        <p14:creationId xmlns:p14="http://schemas.microsoft.com/office/powerpoint/2010/main" val="1162293732"/>
+        <p14:creationId xmlns:p14="http://schemas.microsoft.com/office/powerpoint/2010/main" val="1340847923"/>
       </p:ext>
     </p:extLst>
   </p:cSld>
   <p:clrMapOvr>
     <a:masterClrMapping/>
   </p:clrMapOvr>
+  <p:timing>
+    <p:tnLst>
+      <p:par>
+        <p:cTn id="1" dur="indefinite" restart="never" nodeType="tmRoot">
+          <p:childTnLst>
+            <p:seq concurrent="1" nextAc="seek">
+              <p:cTn id="2" dur="indefinite" nodeType="mainSeq">
+                <p:childTnLst>
+                  <p:par>
+                    <p:cTn id="3" fill="hold">
+                      <p:stCondLst>
+                        <p:cond delay="indefinite"/>
+                      </p:stCondLst>
+                      <p:childTnLst>
+                        <p:par>
+                          <p:cTn id="4" fill="hold">
+                            <p:stCondLst>
+                              <p:cond delay="0"/>
+                            </p:stCondLst>
+                            <p:childTnLst>
+                              <p:par>
+                                <p:cTn id="5" presetID="1" presetClass="entr" presetSubtype="0" fill="hold" nodeType="clickEffect">
+                                  <p:stCondLst>
+                                    <p:cond delay="0"/>
+                                  </p:stCondLst>
+                                  <p:childTnLst>
+                                    <p:set>
+                                      <p:cBhvr>
+                                        <p:cTn id="6" dur="1" fill="hold">
+                                          <p:stCondLst>
+                                            <p:cond delay="0"/>
+                                          </p:stCondLst>
+                                        </p:cTn>
+                                        <p:tgtEl>
+                                          <p:spTgt spid="3">
+                                            <p:txEl>
+                                              <p:pRg st="0" end="0"/>
+                                            </p:txEl>
+                                          </p:spTgt>
+                                        </p:tgtEl>
+                                        <p:attrNameLst>
+                                          <p:attrName>style.visibility</p:attrName>
+                                        </p:attrNameLst>
+                                      </p:cBhvr>
+                                      <p:to>
+                                        <p:strVal val="visible"/>
+                                      </p:to>
+                                    </p:set>
+                                  </p:childTnLst>
+                                </p:cTn>
+                              </p:par>
+                              <p:par>
+                                <p:cTn id="7" presetID="1" presetClass="entr" presetSubtype="0" fill="hold" nodeType="withEffect">
+                                  <p:stCondLst>
+                                    <p:cond delay="0"/>
+                                  </p:stCondLst>
+                                  <p:childTnLst>
+                                    <p:set>
+                                      <p:cBhvr>
+                                        <p:cTn id="8" dur="1" fill="hold">
+                                          <p:stCondLst>
+                                            <p:cond delay="0"/>
+                                          </p:stCondLst>
+                                        </p:cTn>
+                                        <p:tgtEl>
+                                          <p:spTgt spid="3">
+                                            <p:txEl>
+                                              <p:pRg st="1" end="1"/>
+                                            </p:txEl>
+                                          </p:spTgt>
+                                        </p:tgtEl>
+                                        <p:attrNameLst>
+                                          <p:attrName>style.visibility</p:attrName>
+                                        </p:attrNameLst>
+                                      </p:cBhvr>
+                                      <p:to>
+                                        <p:strVal val="visible"/>
+                                      </p:to>
+                                    </p:set>
+                                  </p:childTnLst>
+                                </p:cTn>
+                              </p:par>
+                              <p:par>
+                                <p:cTn id="9" presetID="1" presetClass="entr" presetSubtype="0" fill="hold" nodeType="withEffect">
+                                  <p:stCondLst>
+                                    <p:cond delay="0"/>
+                                  </p:stCondLst>
+                                  <p:childTnLst>
+                                    <p:set>
+                                      <p:cBhvr>
+                                        <p:cTn id="10" dur="1" fill="hold">
+                                          <p:stCondLst>
+                                            <p:cond delay="0"/>
+                                          </p:stCondLst>
+                                        </p:cTn>
+                                        <p:tgtEl>
+                                          <p:spTgt spid="3">
+                                            <p:txEl>
+                                              <p:pRg st="2" end="2"/>
+                                            </p:txEl>
+                                          </p:spTgt>
+                                        </p:tgtEl>
+                                        <p:attrNameLst>
+                                          <p:attrName>style.visibility</p:attrName>
+                                        </p:attrNameLst>
+                                      </p:cBhvr>
+                                      <p:to>
+                                        <p:strVal val="visible"/>
+                                      </p:to>
+                                    </p:set>
+                                  </p:childTnLst>
+                                </p:cTn>
+                              </p:par>
+                            </p:childTnLst>
+                          </p:cTn>
+                        </p:par>
+                      </p:childTnLst>
+                    </p:cTn>
+                  </p:par>
+                  <p:par>
+                    <p:cTn id="11" fill="hold">
+                      <p:stCondLst>
+                        <p:cond delay="indefinite"/>
+                      </p:stCondLst>
+                      <p:childTnLst>
+                        <p:par>
+                          <p:cTn id="12" fill="hold">
+                            <p:stCondLst>
+                              <p:cond delay="0"/>
+                            </p:stCondLst>
+                            <p:childTnLst>
+                              <p:par>
+                                <p:cTn id="13" presetID="1" presetClass="entr" presetSubtype="0" fill="hold" nodeType="clickEffect">
+                                  <p:stCondLst>
+                                    <p:cond delay="0"/>
+                                  </p:stCondLst>
+                                  <p:childTnLst>
+                                    <p:set>
+                                      <p:cBhvr>
+                                        <p:cTn id="14" dur="1" fill="hold">
+                                          <p:stCondLst>
+                                            <p:cond delay="0"/>
+                                          </p:stCondLst>
+                                        </p:cTn>
+                                        <p:tgtEl>
+                                          <p:spTgt spid="3">
+                                            <p:txEl>
+                                              <p:pRg st="4" end="4"/>
+                                            </p:txEl>
+                                          </p:spTgt>
+                                        </p:tgtEl>
+                                        <p:attrNameLst>
+                                          <p:attrName>style.visibility</p:attrName>
+                                        </p:attrNameLst>
+                                      </p:cBhvr>
+                                      <p:to>
+                                        <p:strVal val="visible"/>
+                                      </p:to>
+                                    </p:set>
+                                  </p:childTnLst>
+                                </p:cTn>
+                              </p:par>
+                            </p:childTnLst>
+                          </p:cTn>
+                        </p:par>
+                      </p:childTnLst>
+                    </p:cTn>
+                  </p:par>
+                  <p:par>
+                    <p:cTn id="15" fill="hold">
+                      <p:stCondLst>
+                        <p:cond delay="indefinite"/>
+                      </p:stCondLst>
+                      <p:childTnLst>
+                        <p:par>
+                          <p:cTn id="16" fill="hold">
+                            <p:stCondLst>
+                              <p:cond delay="0"/>
+                            </p:stCondLst>
+                            <p:childTnLst>
+                              <p:par>
+                                <p:cTn id="17" presetID="1" presetClass="entr" presetSubtype="0" fill="hold" nodeType="clickEffect">
+                                  <p:stCondLst>
+                                    <p:cond delay="0"/>
+                                  </p:stCondLst>
+                                  <p:childTnLst>
+                                    <p:set>
+                                      <p:cBhvr>
+                                        <p:cTn id="18" dur="1" fill="hold">
+                                          <p:stCondLst>
+                                            <p:cond delay="0"/>
+                                          </p:stCondLst>
+                                        </p:cTn>
+                                        <p:tgtEl>
+                                          <p:spTgt spid="3">
+                                            <p:txEl>
+                                              <p:pRg st="6" end="6"/>
+                                            </p:txEl>
+                                          </p:spTgt>
+                                        </p:tgtEl>
+                                        <p:attrNameLst>
+                                          <p:attrName>style.visibility</p:attrName>
+                                        </p:attrNameLst>
+                                      </p:cBhvr>
+                                      <p:to>
+                                        <p:strVal val="visible"/>
+                                      </p:to>
+                                    </p:set>
+                                  </p:childTnLst>
+                                </p:cTn>
+                              </p:par>
+                            </p:childTnLst>
+                          </p:cTn>
+                        </p:par>
+                      </p:childTnLst>
+                    </p:cTn>
+                  </p:par>
+                </p:childTnLst>
+              </p:cTn>
+              <p:prevCondLst>
+                <p:cond evt="onPrev" delay="0">
+                  <p:tgtEl>
+                    <p:sldTgt/>
+                  </p:tgtEl>
+                </p:cond>
+              </p:prevCondLst>
+              <p:nextCondLst>
+                <p:cond evt="onNext" delay="0">
+                  <p:tgtEl>
+                    <p:sldTgt/>
+                  </p:tgtEl>
+                </p:cond>
+              </p:nextCondLst>
+            </p:seq>
+          </p:childTnLst>
+        </p:cTn>
+      </p:par>
+    </p:tnLst>
+  </p:timing>
 </p:sld>
 </file>
 
@@ -4612,7 +6582,7 @@
           <p:cNvPr id="2" name="Titel 1">
             <a:extLst>
               <a:ext uri="{FF2B5EF4-FFF2-40B4-BE49-F238E27FC236}">
-                <a16:creationId xmlns:a16="http://schemas.microsoft.com/office/drawing/2014/main" id="{A6344944-9C58-48B1-86DB-DABE5BE9D378}"/>
+                <a16:creationId xmlns:a16="http://schemas.microsoft.com/office/drawing/2014/main" id="{53F3CB14-631E-4C5C-9540-2B486A0596D0}"/>
               </a:ext>
             </a:extLst>
           </p:cNvPr>
@@ -4623,7 +6593,45 @@
             <p:ph type="title"/>
           </p:nvPr>
         </p:nvSpPr>
-        <p:spPr/>
+        <p:spPr>
+          <a:xfrm>
+            <a:off x="676656" y="138026"/>
+            <a:ext cx="10772775" cy="1658198"/>
+          </a:xfrm>
+        </p:spPr>
+        <p:txBody>
+          <a:bodyPr/>
+          <a:lstStyle/>
+          <a:p>
+            <a:r>
+              <a:rPr lang="de-DE" dirty="0"/>
+              <a:t>Wie? Warum? Was?</a:t>
+            </a:r>
+          </a:p>
+        </p:txBody>
+      </p:sp>
+      <p:sp>
+        <p:nvSpPr>
+          <p:cNvPr id="3" name="Inhaltsplatzhalter 2">
+            <a:extLst>
+              <a:ext uri="{FF2B5EF4-FFF2-40B4-BE49-F238E27FC236}">
+                <a16:creationId xmlns:a16="http://schemas.microsoft.com/office/drawing/2014/main" id="{5F3C6564-70C3-4D65-94C3-483418EA0C1E}"/>
+              </a:ext>
+            </a:extLst>
+          </p:cNvPr>
+          <p:cNvSpPr>
+            <a:spLocks noGrp="1"/>
+          </p:cNvSpPr>
+          <p:nvPr>
+            <p:ph idx="1"/>
+          </p:nvPr>
+        </p:nvSpPr>
+        <p:spPr>
+          <a:xfrm>
+            <a:off x="676656" y="2011680"/>
+            <a:ext cx="10753725" cy="4054194"/>
+          </a:xfrm>
+        </p:spPr>
         <p:txBody>
           <a:bodyPr>
             <a:normAutofit/>
@@ -4631,62 +6639,363 @@
           <a:lstStyle/>
           <a:p>
             <a:r>
-              <a:rPr lang="de-DE" dirty="0"/>
-              <a:t>Überblick Variablen, Vektoren, Dataframes und Operatoren	</a:t>
-            </a:r>
-          </a:p>
-        </p:txBody>
-      </p:sp>
-      <p:sp>
-        <p:nvSpPr>
-          <p:cNvPr id="3" name="Inhaltsplatzhalter 2">
-            <a:extLst>
-              <a:ext uri="{FF2B5EF4-FFF2-40B4-BE49-F238E27FC236}">
-                <a16:creationId xmlns:a16="http://schemas.microsoft.com/office/drawing/2014/main" id="{6D3D05C8-D36B-4033-941D-E8AB01EC1083}"/>
-              </a:ext>
-            </a:extLst>
-          </p:cNvPr>
-          <p:cNvSpPr>
-            <a:spLocks noGrp="1"/>
-          </p:cNvSpPr>
-          <p:nvPr>
-            <p:ph idx="1"/>
-          </p:nvPr>
-        </p:nvSpPr>
-        <p:spPr/>
-        <p:txBody>
-          <a:bodyPr/>
-          <a:lstStyle/>
-          <a:p>
-            <a:r>
-              <a:rPr lang="de-DE" dirty="0"/>
-              <a:t>-- hier kommt dann eine Grafik hin die zeigt, dass Tabellen wie in Excel eigentlich Dataframes sind, die Spalten Vektoren und jede Zelle eine Variable---</a:t>
-            </a:r>
-          </a:p>
-          <a:p>
-            <a:r>
-              <a:rPr lang="de-DE" dirty="0"/>
-              <a:t>Mithilfe von Operatoren interagieren diese Variablen miteinander</a:t>
-            </a:r>
-          </a:p>
-          <a:p>
-            <a:pPr marL="0" indent="0">
-              <a:buNone/>
-            </a:pPr>
-            <a:endParaRPr lang="de-DE" dirty="0"/>
+              <a:rPr lang="de-DE" sz="3200" dirty="0"/>
+              <a:t>In Programmiervorlesungen meist Fokus auf das </a:t>
+            </a:r>
+            <a:r>
+              <a:rPr lang="de-DE" sz="3200" b="1" dirty="0"/>
+              <a:t>Wie</a:t>
+            </a:r>
+          </a:p>
+          <a:p>
+            <a:endParaRPr lang="de-DE" sz="3200" b="1" dirty="0"/>
+          </a:p>
+          <a:p>
+            <a:r>
+              <a:rPr lang="de-DE" sz="3200" b="1" dirty="0"/>
+              <a:t>Warum</a:t>
+            </a:r>
+            <a:r>
+              <a:rPr lang="de-DE" sz="3200" dirty="0"/>
+              <a:t> bleibt oft auf der Strecke</a:t>
+            </a:r>
+          </a:p>
+          <a:p>
+            <a:pPr lvl="1"/>
+            <a:r>
+              <a:rPr lang="de-DE" b="1" dirty="0">
+                <a:solidFill>
+                  <a:srgbClr val="FF0000"/>
+                </a:solidFill>
+              </a:rPr>
+              <a:t>-&gt; sobald die Warum Frage für Sie nicht geklärt ist, bitte sofort fragen</a:t>
+            </a:r>
+          </a:p>
+          <a:p>
+            <a:pPr lvl="1"/>
+            <a:endParaRPr lang="de-DE" b="1" dirty="0">
+              <a:solidFill>
+                <a:srgbClr val="FF0000"/>
+              </a:solidFill>
+              <a:sym typeface="Wingdings" panose="05000000000000000000" pitchFamily="2" charset="2"/>
+            </a:endParaRPr>
+          </a:p>
+          <a:p>
+            <a:r>
+              <a:rPr lang="de-DE" sz="2800" b="1" dirty="0">
+                <a:sym typeface="Wingdings" panose="05000000000000000000" pitchFamily="2" charset="2"/>
+              </a:rPr>
+              <a:t>Was</a:t>
+            </a:r>
+            <a:r>
+              <a:rPr lang="de-DE" sz="2800" dirty="0">
+                <a:sym typeface="Wingdings" panose="05000000000000000000" pitchFamily="2" charset="2"/>
+              </a:rPr>
+              <a:t> zur Hölle machen wir gerade?!</a:t>
+            </a:r>
+          </a:p>
+          <a:p>
+            <a:pPr lvl="1"/>
+            <a:r>
+              <a:rPr lang="de-DE" dirty="0">
+                <a:sym typeface="Wingdings" panose="05000000000000000000" pitchFamily="2" charset="2"/>
+              </a:rPr>
+              <a:t>Nicht abhängen lassen. Geben Sie mir die Chance Sie wieder abzuholen </a:t>
+            </a:r>
+          </a:p>
+          <a:p>
+            <a:pPr lvl="1"/>
+            <a:endParaRPr lang="de-DE" dirty="0">
+              <a:sym typeface="Wingdings" panose="05000000000000000000" pitchFamily="2" charset="2"/>
+            </a:endParaRPr>
           </a:p>
         </p:txBody>
       </p:sp>
     </p:spTree>
     <p:extLst>
       <p:ext uri="{BB962C8B-B14F-4D97-AF65-F5344CB8AC3E}">
-        <p14:creationId xmlns:p14="http://schemas.microsoft.com/office/powerpoint/2010/main" val="3843651669"/>
+        <p14:creationId xmlns:p14="http://schemas.microsoft.com/office/powerpoint/2010/main" val="3031557349"/>
       </p:ext>
     </p:extLst>
   </p:cSld>
   <p:clrMapOvr>
     <a:masterClrMapping/>
   </p:clrMapOvr>
+  <p:timing>
+    <p:tnLst>
+      <p:par>
+        <p:cTn id="1" dur="indefinite" restart="never" nodeType="tmRoot">
+          <p:childTnLst>
+            <p:seq concurrent="1" nextAc="seek">
+              <p:cTn id="2" dur="indefinite" nodeType="mainSeq">
+                <p:childTnLst>
+                  <p:par>
+                    <p:cTn id="3" fill="hold">
+                      <p:stCondLst>
+                        <p:cond delay="indefinite"/>
+                      </p:stCondLst>
+                      <p:childTnLst>
+                        <p:par>
+                          <p:cTn id="4" fill="hold">
+                            <p:stCondLst>
+                              <p:cond delay="0"/>
+                            </p:stCondLst>
+                            <p:childTnLst>
+                              <p:par>
+                                <p:cTn id="5" presetID="1" presetClass="entr" presetSubtype="0" fill="hold" nodeType="clickEffect">
+                                  <p:stCondLst>
+                                    <p:cond delay="0"/>
+                                  </p:stCondLst>
+                                  <p:childTnLst>
+                                    <p:set>
+                                      <p:cBhvr>
+                                        <p:cTn id="6" dur="1" fill="hold">
+                                          <p:stCondLst>
+                                            <p:cond delay="0"/>
+                                          </p:stCondLst>
+                                        </p:cTn>
+                                        <p:tgtEl>
+                                          <p:spTgt spid="3">
+                                            <p:txEl>
+                                              <p:pRg st="0" end="0"/>
+                                            </p:txEl>
+                                          </p:spTgt>
+                                        </p:tgtEl>
+                                        <p:attrNameLst>
+                                          <p:attrName>style.visibility</p:attrName>
+                                        </p:attrNameLst>
+                                      </p:cBhvr>
+                                      <p:to>
+                                        <p:strVal val="visible"/>
+                                      </p:to>
+                                    </p:set>
+                                  </p:childTnLst>
+                                </p:cTn>
+                              </p:par>
+                            </p:childTnLst>
+                          </p:cTn>
+                        </p:par>
+                      </p:childTnLst>
+                    </p:cTn>
+                  </p:par>
+                  <p:par>
+                    <p:cTn id="7" fill="hold">
+                      <p:stCondLst>
+                        <p:cond delay="indefinite"/>
+                      </p:stCondLst>
+                      <p:childTnLst>
+                        <p:par>
+                          <p:cTn id="8" fill="hold">
+                            <p:stCondLst>
+                              <p:cond delay="0"/>
+                            </p:stCondLst>
+                            <p:childTnLst>
+                              <p:par>
+                                <p:cTn id="9" presetID="1" presetClass="entr" presetSubtype="0" fill="hold" nodeType="clickEffect">
+                                  <p:stCondLst>
+                                    <p:cond delay="0"/>
+                                  </p:stCondLst>
+                                  <p:childTnLst>
+                                    <p:set>
+                                      <p:cBhvr>
+                                        <p:cTn id="10" dur="1" fill="hold">
+                                          <p:stCondLst>
+                                            <p:cond delay="0"/>
+                                          </p:stCondLst>
+                                        </p:cTn>
+                                        <p:tgtEl>
+                                          <p:spTgt spid="3">
+                                            <p:txEl>
+                                              <p:pRg st="2" end="2"/>
+                                            </p:txEl>
+                                          </p:spTgt>
+                                        </p:tgtEl>
+                                        <p:attrNameLst>
+                                          <p:attrName>style.visibility</p:attrName>
+                                        </p:attrNameLst>
+                                      </p:cBhvr>
+                                      <p:to>
+                                        <p:strVal val="visible"/>
+                                      </p:to>
+                                    </p:set>
+                                  </p:childTnLst>
+                                </p:cTn>
+                              </p:par>
+                            </p:childTnLst>
+                          </p:cTn>
+                        </p:par>
+                      </p:childTnLst>
+                    </p:cTn>
+                  </p:par>
+                  <p:par>
+                    <p:cTn id="11" fill="hold">
+                      <p:stCondLst>
+                        <p:cond delay="indefinite"/>
+                      </p:stCondLst>
+                      <p:childTnLst>
+                        <p:par>
+                          <p:cTn id="12" fill="hold">
+                            <p:stCondLst>
+                              <p:cond delay="0"/>
+                            </p:stCondLst>
+                            <p:childTnLst>
+                              <p:par>
+                                <p:cTn id="13" presetID="1" presetClass="entr" presetSubtype="0" fill="hold" nodeType="clickEffect">
+                                  <p:stCondLst>
+                                    <p:cond delay="0"/>
+                                  </p:stCondLst>
+                                  <p:childTnLst>
+                                    <p:set>
+                                      <p:cBhvr>
+                                        <p:cTn id="14" dur="1" fill="hold">
+                                          <p:stCondLst>
+                                            <p:cond delay="0"/>
+                                          </p:stCondLst>
+                                        </p:cTn>
+                                        <p:tgtEl>
+                                          <p:spTgt spid="3">
+                                            <p:txEl>
+                                              <p:pRg st="3" end="3"/>
+                                            </p:txEl>
+                                          </p:spTgt>
+                                        </p:tgtEl>
+                                        <p:attrNameLst>
+                                          <p:attrName>style.visibility</p:attrName>
+                                        </p:attrNameLst>
+                                      </p:cBhvr>
+                                      <p:to>
+                                        <p:strVal val="visible"/>
+                                      </p:to>
+                                    </p:set>
+                                  </p:childTnLst>
+                                </p:cTn>
+                              </p:par>
+                            </p:childTnLst>
+                          </p:cTn>
+                        </p:par>
+                      </p:childTnLst>
+                    </p:cTn>
+                  </p:par>
+                  <p:par>
+                    <p:cTn id="15" fill="hold">
+                      <p:stCondLst>
+                        <p:cond delay="indefinite"/>
+                      </p:stCondLst>
+                      <p:childTnLst>
+                        <p:par>
+                          <p:cTn id="16" fill="hold">
+                            <p:stCondLst>
+                              <p:cond delay="0"/>
+                            </p:stCondLst>
+                            <p:childTnLst>
+                              <p:par>
+                                <p:cTn id="17" presetID="1" presetClass="entr" presetSubtype="0" fill="hold" nodeType="clickEffect">
+                                  <p:stCondLst>
+                                    <p:cond delay="0"/>
+                                  </p:stCondLst>
+                                  <p:childTnLst>
+                                    <p:set>
+                                      <p:cBhvr>
+                                        <p:cTn id="18" dur="1" fill="hold">
+                                          <p:stCondLst>
+                                            <p:cond delay="0"/>
+                                          </p:stCondLst>
+                                        </p:cTn>
+                                        <p:tgtEl>
+                                          <p:spTgt spid="3">
+                                            <p:txEl>
+                                              <p:pRg st="5" end="5"/>
+                                            </p:txEl>
+                                          </p:spTgt>
+                                        </p:tgtEl>
+                                        <p:attrNameLst>
+                                          <p:attrName>style.visibility</p:attrName>
+                                        </p:attrNameLst>
+                                      </p:cBhvr>
+                                      <p:to>
+                                        <p:strVal val="visible"/>
+                                      </p:to>
+                                    </p:set>
+                                  </p:childTnLst>
+                                </p:cTn>
+                              </p:par>
+                            </p:childTnLst>
+                          </p:cTn>
+                        </p:par>
+                      </p:childTnLst>
+                    </p:cTn>
+                  </p:par>
+                  <p:par>
+                    <p:cTn id="19" fill="hold">
+                      <p:stCondLst>
+                        <p:cond delay="indefinite"/>
+                      </p:stCondLst>
+                      <p:childTnLst>
+                        <p:par>
+                          <p:cTn id="20" fill="hold">
+                            <p:stCondLst>
+                              <p:cond delay="0"/>
+                            </p:stCondLst>
+                            <p:childTnLst>
+                              <p:par>
+                                <p:cTn id="21" presetID="1" presetClass="entr" presetSubtype="0" fill="hold" nodeType="clickEffect">
+                                  <p:stCondLst>
+                                    <p:cond delay="0"/>
+                                  </p:stCondLst>
+                                  <p:childTnLst>
+                                    <p:set>
+                                      <p:cBhvr>
+                                        <p:cTn id="22" dur="1" fill="hold">
+                                          <p:stCondLst>
+                                            <p:cond delay="0"/>
+                                          </p:stCondLst>
+                                        </p:cTn>
+                                        <p:tgtEl>
+                                          <p:spTgt spid="3">
+                                            <p:txEl>
+                                              <p:pRg st="6" end="6"/>
+                                            </p:txEl>
+                                          </p:spTgt>
+                                        </p:tgtEl>
+                                        <p:attrNameLst>
+                                          <p:attrName>style.visibility</p:attrName>
+                                        </p:attrNameLst>
+                                      </p:cBhvr>
+                                      <p:to>
+                                        <p:strVal val="visible"/>
+                                      </p:to>
+                                    </p:set>
+                                  </p:childTnLst>
+                                </p:cTn>
+                              </p:par>
+                            </p:childTnLst>
+                          </p:cTn>
+                        </p:par>
+                      </p:childTnLst>
+                    </p:cTn>
+                  </p:par>
+                </p:childTnLst>
+              </p:cTn>
+              <p:prevCondLst>
+                <p:cond evt="onPrev" delay="0">
+                  <p:tgtEl>
+                    <p:sldTgt/>
+                  </p:tgtEl>
+                </p:cond>
+              </p:prevCondLst>
+              <p:nextCondLst>
+                <p:cond evt="onNext" delay="0">
+                  <p:tgtEl>
+                    <p:sldTgt/>
+                  </p:tgtEl>
+                </p:cond>
+              </p:nextCondLst>
+            </p:seq>
+          </p:childTnLst>
+        </p:cTn>
+      </p:par>
+    </p:tnLst>
+  </p:timing>
 </p:sld>
 </file>
 
@@ -4712,7 +7021,7 @@
           <p:cNvPr id="2" name="Titel 1">
             <a:extLst>
               <a:ext uri="{FF2B5EF4-FFF2-40B4-BE49-F238E27FC236}">
-                <a16:creationId xmlns:a16="http://schemas.microsoft.com/office/drawing/2014/main" id="{20407509-513C-47CC-8009-8AD3E405F82F}"/>
+                <a16:creationId xmlns:a16="http://schemas.microsoft.com/office/drawing/2014/main" id="{0ABFC3E5-C14C-45D2-BD61-4046892D6AA2}"/>
               </a:ext>
             </a:extLst>
           </p:cNvPr>
@@ -4730,7 +7039,7 @@
           <a:p>
             <a:r>
               <a:rPr lang="de-DE" dirty="0"/>
-              <a:t>Operatoren</a:t>
+              <a:t>Installation R und R Studio</a:t>
             </a:r>
           </a:p>
         </p:txBody>
@@ -4740,7 +7049,7 @@
           <p:cNvPr id="3" name="Inhaltsplatzhalter 2">
             <a:extLst>
               <a:ext uri="{FF2B5EF4-FFF2-40B4-BE49-F238E27FC236}">
-                <a16:creationId xmlns:a16="http://schemas.microsoft.com/office/drawing/2014/main" id="{6F6163AC-D70A-4FCA-9081-8094260F0750}"/>
+                <a16:creationId xmlns:a16="http://schemas.microsoft.com/office/drawing/2014/main" id="{4E2E7174-84C9-457F-84EE-9C94D38A3AAA}"/>
               </a:ext>
             </a:extLst>
           </p:cNvPr>
@@ -4757,49 +7066,22 @@
           <a:lstStyle/>
           <a:p>
             <a:r>
-              <a:rPr lang="de-DE" dirty="0"/>
-              <a:t>Mathematische Operatoren</a:t>
-            </a:r>
-          </a:p>
-          <a:p>
-            <a:pPr lvl="1"/>
-            <a:r>
-              <a:rPr lang="de-DE" dirty="0"/>
-              <a:t>+, -, *, /, ^, %%</a:t>
-            </a:r>
-          </a:p>
-          <a:p>
-            <a:r>
-              <a:rPr lang="de-DE" dirty="0"/>
-              <a:t>Logische Operatoren</a:t>
-            </a:r>
-          </a:p>
-          <a:p>
-            <a:pPr lvl="1"/>
-            <a:r>
-              <a:rPr lang="de-DE" dirty="0"/>
-              <a:t>&gt;, &lt;, &gt;=, &lt;=, ==, !=</a:t>
-            </a:r>
-          </a:p>
-          <a:p>
-            <a:r>
-              <a:rPr lang="de-DE" dirty="0"/>
-              <a:t>Zuweisungsoperator</a:t>
-            </a:r>
-          </a:p>
-          <a:p>
-            <a:pPr lvl="1"/>
-            <a:r>
-              <a:rPr lang="de-DE" dirty="0"/>
-              <a:t>&lt;-, =</a:t>
-            </a:r>
+              <a:rPr lang="de-DE" dirty="0">
+                <a:hlinkClick r:id="rId2"/>
+              </a:rPr>
+              <a:t>https://posit.co/download/rstudio-desktop/</a:t>
+            </a:r>
+            <a:endParaRPr lang="de-DE" dirty="0"/>
+          </a:p>
+          <a:p>
+            <a:endParaRPr lang="de-DE" dirty="0"/>
           </a:p>
         </p:txBody>
       </p:sp>
     </p:spTree>
     <p:extLst>
       <p:ext uri="{BB962C8B-B14F-4D97-AF65-F5344CB8AC3E}">
-        <p14:creationId xmlns:p14="http://schemas.microsoft.com/office/powerpoint/2010/main" val="4203500632"/>
+        <p14:creationId xmlns:p14="http://schemas.microsoft.com/office/powerpoint/2010/main" val="1162293732"/>
       </p:ext>
     </p:extLst>
   </p:cSld>
@@ -4831,7 +7113,7 @@
           <p:cNvPr id="2" name="Titel 1">
             <a:extLst>
               <a:ext uri="{FF2B5EF4-FFF2-40B4-BE49-F238E27FC236}">
-                <a16:creationId xmlns:a16="http://schemas.microsoft.com/office/drawing/2014/main" id="{1ED96637-3F36-4C1D-801B-B0EDFA6C4EBA}"/>
+                <a16:creationId xmlns:a16="http://schemas.microsoft.com/office/drawing/2014/main" id="{858BBC3F-B9C0-4F85-99F3-433B6393D071}"/>
               </a:ext>
             </a:extLst>
           </p:cNvPr>
@@ -4842,15 +7124,23 @@
             <p:ph type="title"/>
           </p:nvPr>
         </p:nvSpPr>
-        <p:spPr/>
-        <p:txBody>
-          <a:bodyPr/>
-          <a:lstStyle/>
-          <a:p>
-            <a:r>
-              <a:rPr lang="de-DE" dirty="0"/>
-              <a:t>Variablen</a:t>
-            </a:r>
+        <p:spPr>
+          <a:xfrm>
+            <a:off x="838200" y="301329"/>
+            <a:ext cx="10515600" cy="671549"/>
+          </a:xfrm>
+        </p:spPr>
+        <p:txBody>
+          <a:bodyPr>
+            <a:normAutofit fontScale="90000"/>
+          </a:bodyPr>
+          <a:lstStyle/>
+          <a:p>
+            <a:r>
+              <a:rPr lang="de-DE" dirty="0" err="1"/>
+              <a:t>übungsideen</a:t>
+            </a:r>
+            <a:endParaRPr lang="de-DE" dirty="0"/>
           </a:p>
         </p:txBody>
       </p:sp>
@@ -4859,7 +7149,7 @@
           <p:cNvPr id="3" name="Inhaltsplatzhalter 2">
             <a:extLst>
               <a:ext uri="{FF2B5EF4-FFF2-40B4-BE49-F238E27FC236}">
-                <a16:creationId xmlns:a16="http://schemas.microsoft.com/office/drawing/2014/main" id="{D2354EA2-205F-4306-ACBB-57BA81043F32}"/>
+                <a16:creationId xmlns:a16="http://schemas.microsoft.com/office/drawing/2014/main" id="{60044577-1E83-4644-854B-66D6DD2E498E}"/>
               </a:ext>
             </a:extLst>
           </p:cNvPr>
@@ -4870,31 +7160,49 @@
             <p:ph idx="1"/>
           </p:nvPr>
         </p:nvSpPr>
-        <p:spPr/>
+        <p:spPr>
+          <a:xfrm>
+            <a:off x="838200" y="1047307"/>
+            <a:ext cx="10515600" cy="5129656"/>
+          </a:xfrm>
+        </p:spPr>
         <p:txBody>
           <a:bodyPr/>
           <a:lstStyle/>
           <a:p>
             <a:r>
               <a:rPr lang="de-DE" dirty="0"/>
-              <a:t>Speichern Werte wie Zahlen oder Wörter</a:t>
+              <a:t>Bulls-</a:t>
+            </a:r>
+            <a:r>
+              <a:rPr lang="de-DE" dirty="0" err="1"/>
+              <a:t>eye</a:t>
+            </a:r>
+            <a:r>
+              <a:rPr lang="de-DE" dirty="0"/>
+              <a:t>: Matrix mit Werten wie bei einer Zielscheibe füllen -&gt; Mit Excel Matrix aufzeigen</a:t>
+            </a:r>
+          </a:p>
+          <a:p>
+            <a:pPr lvl="1"/>
+            <a:r>
+              <a:rPr lang="de-DE" dirty="0"/>
+              <a:t>Zweite Phase: die außenliegenden </a:t>
+            </a:r>
+            <a:r>
+              <a:rPr lang="de-DE"/>
+              <a:t>Zellen löschen</a:t>
             </a:r>
           </a:p>
           <a:p>
             <a:endParaRPr lang="de-DE" dirty="0"/>
-          </a:p>
-          <a:p>
-            <a:r>
-              <a:rPr lang="de-DE" dirty="0"/>
-              <a:t>Lassen sich wieder überschreiben</a:t>
-            </a:r>
           </a:p>
         </p:txBody>
       </p:sp>
     </p:spTree>
     <p:extLst>
       <p:ext uri="{BB962C8B-B14F-4D97-AF65-F5344CB8AC3E}">
-        <p14:creationId xmlns:p14="http://schemas.microsoft.com/office/powerpoint/2010/main" val="3971068175"/>
+        <p14:creationId xmlns:p14="http://schemas.microsoft.com/office/powerpoint/2010/main" val="3343503711"/>
       </p:ext>
     </p:extLst>
   </p:cSld>
@@ -4905,9 +7213,9 @@
 </file>
 
 <file path=ppt/theme/theme1.xml><?xml version="1.0" encoding="utf-8"?>
-<a:theme xmlns:a="http://schemas.openxmlformats.org/drawingml/2006/main" name="Office">
+<a:theme xmlns:a="http://schemas.openxmlformats.org/drawingml/2006/main" name="Metropolitan">
   <a:themeElements>
-    <a:clrScheme name="Office">
+    <a:clrScheme name="Office 2007-2010">
       <a:dk1>
         <a:sysClr val="windowText" lastClr="000000"/>
       </a:dk1>
@@ -4915,44 +7223,44 @@
         <a:sysClr val="window" lastClr="FFFFFF"/>
       </a:lt1>
       <a:dk2>
-        <a:srgbClr val="44546A"/>
+        <a:srgbClr val="1F497D"/>
       </a:dk2>
       <a:lt2>
-        <a:srgbClr val="E7E6E6"/>
+        <a:srgbClr val="EEECE1"/>
       </a:lt2>
       <a:accent1>
-        <a:srgbClr val="4472C4"/>
+        <a:srgbClr val="4F81BD"/>
       </a:accent1>
       <a:accent2>
-        <a:srgbClr val="ED7D31"/>
+        <a:srgbClr val="C0504D"/>
       </a:accent2>
       <a:accent3>
-        <a:srgbClr val="A5A5A5"/>
+        <a:srgbClr val="9BBB59"/>
       </a:accent3>
       <a:accent4>
-        <a:srgbClr val="FFC000"/>
+        <a:srgbClr val="8064A2"/>
       </a:accent4>
       <a:accent5>
-        <a:srgbClr val="5B9BD5"/>
+        <a:srgbClr val="4BACC6"/>
       </a:accent5>
       <a:accent6>
-        <a:srgbClr val="70AD47"/>
+        <a:srgbClr val="F79646"/>
       </a:accent6>
       <a:hlink>
-        <a:srgbClr val="0563C1"/>
+        <a:srgbClr val="0000FF"/>
       </a:hlink>
       <a:folHlink>
-        <a:srgbClr val="954F72"/>
+        <a:srgbClr val="800080"/>
       </a:folHlink>
     </a:clrScheme>
-    <a:fontScheme name="Office">
+    <a:fontScheme name="Metropolitan">
       <a:majorFont>
         <a:latin typeface="Calibri Light" panose="020F0302020204030204"/>
         <a:ea typeface=""/>
         <a:cs typeface=""/>
-        <a:font script="Jpan" typeface="游ゴシック Light"/>
+        <a:font script="Jpan" typeface="ＭＳ Ｐゴシック"/>
         <a:font script="Hang" typeface="맑은 고딕"/>
-        <a:font script="Hans" typeface="等线 Light"/>
+        <a:font script="Hans" typeface="宋体"/>
         <a:font script="Hant" typeface="新細明體"/>
         <a:font script="Arab" typeface="Times New Roman"/>
         <a:font script="Hebr" typeface="Times New Roman"/>
@@ -4980,39 +7288,22 @@
         <a:font script="Viet" typeface="Times New Roman"/>
         <a:font script="Uigh" typeface="Microsoft Uighur"/>
         <a:font script="Geor" typeface="Sylfaen"/>
-        <a:font script="Armn" typeface="Arial"/>
-        <a:font script="Bugi" typeface="Leelawadee UI"/>
-        <a:font script="Bopo" typeface="Microsoft JhengHei"/>
-        <a:font script="Java" typeface="Javanese Text"/>
-        <a:font script="Lisu" typeface="Segoe UI"/>
-        <a:font script="Mymr" typeface="Myanmar Text"/>
-        <a:font script="Nkoo" typeface="Ebrima"/>
-        <a:font script="Olck" typeface="Nirmala UI"/>
-        <a:font script="Osma" typeface="Ebrima"/>
-        <a:font script="Phag" typeface="Phagspa"/>
-        <a:font script="Syrn" typeface="Estrangelo Edessa"/>
-        <a:font script="Syrj" typeface="Estrangelo Edessa"/>
-        <a:font script="Syre" typeface="Estrangelo Edessa"/>
-        <a:font script="Sora" typeface="Nirmala UI"/>
-        <a:font script="Tale" typeface="Microsoft Tai Le"/>
-        <a:font script="Talu" typeface="Microsoft New Tai Lue"/>
-        <a:font script="Tfng" typeface="Ebrima"/>
       </a:majorFont>
       <a:minorFont>
-        <a:latin typeface="Calibri" panose="020F0502020204030204"/>
+        <a:latin typeface="Calibri Light" panose="020F0302020204030204"/>
         <a:ea typeface=""/>
         <a:cs typeface=""/>
-        <a:font script="Jpan" typeface="游ゴシック"/>
+        <a:font script="Jpan" typeface="ＭＳ Ｐゴシック"/>
         <a:font script="Hang" typeface="맑은 고딕"/>
-        <a:font script="Hans" typeface="等线"/>
+        <a:font script="Hans" typeface="宋体"/>
         <a:font script="Hant" typeface="新細明體"/>
-        <a:font script="Arab" typeface="Arial"/>
-        <a:font script="Hebr" typeface="Arial"/>
-        <a:font script="Thai" typeface="Cordia New"/>
+        <a:font script="Arab" typeface="Times New Roman"/>
+        <a:font script="Hebr" typeface="Times New Roman"/>
+        <a:font script="Thai" typeface="Angsana New"/>
         <a:font script="Ethi" typeface="Nyala"/>
         <a:font script="Beng" typeface="Vrinda"/>
         <a:font script="Gujr" typeface="Shruti"/>
-        <a:font script="Khmr" typeface="DaunPenh"/>
+        <a:font script="Khmr" typeface="MoolBoran"/>
         <a:font script="Knda" typeface="Tunga"/>
         <a:font script="Guru" typeface="Raavi"/>
         <a:font script="Cans" typeface="Euphemia"/>
@@ -5029,29 +7320,12 @@
         <a:font script="Laoo" typeface="DokChampa"/>
         <a:font script="Sinh" typeface="Iskoola Pota"/>
         <a:font script="Mong" typeface="Mongolian Baiti"/>
-        <a:font script="Viet" typeface="Arial"/>
+        <a:font script="Viet" typeface="Times New Roman"/>
         <a:font script="Uigh" typeface="Microsoft Uighur"/>
         <a:font script="Geor" typeface="Sylfaen"/>
-        <a:font script="Armn" typeface="Arial"/>
-        <a:font script="Bugi" typeface="Leelawadee UI"/>
-        <a:font script="Bopo" typeface="Microsoft JhengHei"/>
-        <a:font script="Java" typeface="Javanese Text"/>
-        <a:font script="Lisu" typeface="Segoe UI"/>
-        <a:font script="Mymr" typeface="Myanmar Text"/>
-        <a:font script="Nkoo" typeface="Ebrima"/>
-        <a:font script="Olck" typeface="Nirmala UI"/>
-        <a:font script="Osma" typeface="Ebrima"/>
-        <a:font script="Phag" typeface="Phagspa"/>
-        <a:font script="Syrn" typeface="Estrangelo Edessa"/>
-        <a:font script="Syrj" typeface="Estrangelo Edessa"/>
-        <a:font script="Syre" typeface="Estrangelo Edessa"/>
-        <a:font script="Sora" typeface="Nirmala UI"/>
-        <a:font script="Tale" typeface="Microsoft Tai Le"/>
-        <a:font script="Talu" typeface="Microsoft New Tai Lue"/>
-        <a:font script="Tfng" typeface="Ebrima"/>
       </a:minorFont>
     </a:fontScheme>
-    <a:fmtScheme name="Office">
+    <a:fmtScheme name="Metropolitan">
       <a:fillStyleLst>
         <a:solidFill>
           <a:schemeClr val="phClr"/>
@@ -5060,76 +7334,73 @@
           <a:gsLst>
             <a:gs pos="0">
               <a:schemeClr val="phClr">
+                <a:tint val="70000"/>
+                <a:satMod val="100000"/>
                 <a:lumMod val="110000"/>
-                <a:satMod val="105000"/>
-                <a:tint val="67000"/>
               </a:schemeClr>
             </a:gs>
             <a:gs pos="50000">
               <a:schemeClr val="phClr">
+                <a:tint val="75000"/>
+                <a:satMod val="101000"/>
                 <a:lumMod val="105000"/>
-                <a:satMod val="103000"/>
-                <a:tint val="73000"/>
               </a:schemeClr>
             </a:gs>
             <a:gs pos="100000">
               <a:schemeClr val="phClr">
+                <a:tint val="82000"/>
+                <a:satMod val="104000"/>
                 <a:lumMod val="105000"/>
-                <a:satMod val="109000"/>
-                <a:tint val="81000"/>
               </a:schemeClr>
             </a:gs>
           </a:gsLst>
-          <a:lin ang="5400000" scaled="0"/>
+          <a:lin ang="2700000" scaled="0"/>
         </a:gradFill>
         <a:gradFill rotWithShape="1">
           <a:gsLst>
             <a:gs pos="0">
               <a:schemeClr val="phClr">
-                <a:satMod val="103000"/>
+                <a:tint val="97000"/>
+                <a:satMod val="100000"/>
                 <a:lumMod val="102000"/>
-                <a:tint val="94000"/>
               </a:schemeClr>
             </a:gs>
             <a:gs pos="50000">
               <a:schemeClr val="phClr">
-                <a:satMod val="110000"/>
+                <a:shade val="100000"/>
+                <a:satMod val="100000"/>
                 <a:lumMod val="100000"/>
-                <a:shade val="100000"/>
               </a:schemeClr>
             </a:gs>
             <a:gs pos="100000">
               <a:schemeClr val="phClr">
+                <a:shade val="80000"/>
+                <a:satMod val="100000"/>
                 <a:lumMod val="99000"/>
-                <a:satMod val="120000"/>
-                <a:shade val="78000"/>
               </a:schemeClr>
             </a:gs>
           </a:gsLst>
-          <a:lin ang="5400000" scaled="0"/>
+          <a:lin ang="2700000" scaled="0"/>
         </a:gradFill>
       </a:fillStyleLst>
       <a:lnStyleLst>
-        <a:ln w="6350" cap="flat" cmpd="sng" algn="ctr">
+        <a:ln w="9525" cap="flat" cmpd="sng" algn="ctr">
           <a:solidFill>
             <a:schemeClr val="phClr"/>
           </a:solidFill>
           <a:prstDash val="solid"/>
-          <a:miter lim="800000"/>
         </a:ln>
         <a:ln w="12700" cap="flat" cmpd="sng" algn="ctr">
           <a:solidFill>
             <a:schemeClr val="phClr"/>
           </a:solidFill>
           <a:prstDash val="solid"/>
-          <a:miter lim="800000"/>
         </a:ln>
         <a:ln w="19050" cap="flat" cmpd="sng" algn="ctr">
           <a:solidFill>
             <a:schemeClr val="phClr"/>
           </a:solidFill>
           <a:prstDash val="solid"/>
-          <a:miter lim="800000"/>
         </a:ln>
       </a:lnStyleLst>
       <a:effectStyleLst>
@@ -5159,33 +7430,12 @@
             <a:satMod val="170000"/>
           </a:schemeClr>
         </a:solidFill>
-        <a:gradFill rotWithShape="1">
-          <a:gsLst>
-            <a:gs pos="0">
-              <a:schemeClr val="phClr">
-                <a:tint val="93000"/>
-                <a:satMod val="150000"/>
-                <a:shade val="98000"/>
-                <a:lumMod val="102000"/>
-              </a:schemeClr>
-            </a:gs>
-            <a:gs pos="50000">
-              <a:schemeClr val="phClr">
-                <a:tint val="98000"/>
-                <a:satMod val="130000"/>
-                <a:shade val="90000"/>
-                <a:lumMod val="103000"/>
-              </a:schemeClr>
-            </a:gs>
-            <a:gs pos="100000">
-              <a:schemeClr val="phClr">
-                <a:shade val="63000"/>
-                <a:satMod val="120000"/>
-              </a:schemeClr>
-            </a:gs>
-          </a:gsLst>
-          <a:lin ang="5400000" scaled="0"/>
-        </a:gradFill>
+        <a:solidFill>
+          <a:schemeClr val="phClr">
+            <a:shade val="95000"/>
+            <a:satMod val="170000"/>
+          </a:schemeClr>
+        </a:solidFill>
       </a:bgFillStyleLst>
     </a:fmtScheme>
   </a:themeElements>
@@ -5193,7 +7443,7 @@
   <a:extraClrSchemeLst/>
   <a:extLst>
     <a:ext uri="{05A4C25C-085E-4340-85A3-A5531E510DB2}">
-      <thm15:themeFamily xmlns:thm15="http://schemas.microsoft.com/office/thememl/2012/main" name="Office Theme" id="{62F939B6-93AF-4DB8-9C6B-D6C7DFDC589F}" vid="{4A3C46E8-61CC-4603-A589-7422A47A8E4A}"/>
+      <thm15:themeFamily xmlns:thm15="http://schemas.microsoft.com/office/thememl/2012/main" name="Metropolitan" id="{4C5440D6-04D2-4954-96CF-F251137069B2}" vid="{79CFCA13-9412-4290-BB4B-85112F88857B}"/>
     </a:ext>
   </a:extLst>
 </a:theme>

--- a/Einführung in R.pptx
+++ b/Einführung in R.pptx
@@ -13,15 +13,24 @@
     <p:sldId id="272" r:id="rId7"/>
     <p:sldId id="268" r:id="rId8"/>
     <p:sldId id="259" r:id="rId9"/>
-    <p:sldId id="266" r:id="rId10"/>
-    <p:sldId id="264" r:id="rId11"/>
-    <p:sldId id="258" r:id="rId12"/>
-    <p:sldId id="260" r:id="rId13"/>
-    <p:sldId id="261" r:id="rId14"/>
-    <p:sldId id="269" r:id="rId15"/>
-    <p:sldId id="262" r:id="rId16"/>
-    <p:sldId id="263" r:id="rId17"/>
-    <p:sldId id="265" r:id="rId18"/>
+    <p:sldId id="264" r:id="rId10"/>
+    <p:sldId id="273" r:id="rId11"/>
+    <p:sldId id="274" r:id="rId12"/>
+    <p:sldId id="258" r:id="rId13"/>
+    <p:sldId id="260" r:id="rId14"/>
+    <p:sldId id="276" r:id="rId15"/>
+    <p:sldId id="275" r:id="rId16"/>
+    <p:sldId id="277" r:id="rId17"/>
+    <p:sldId id="261" r:id="rId18"/>
+    <p:sldId id="278" r:id="rId19"/>
+    <p:sldId id="279" r:id="rId20"/>
+    <p:sldId id="269" r:id="rId21"/>
+    <p:sldId id="280" r:id="rId22"/>
+    <p:sldId id="282" r:id="rId23"/>
+    <p:sldId id="262" r:id="rId24"/>
+    <p:sldId id="281" r:id="rId25"/>
+    <p:sldId id="263" r:id="rId26"/>
+    <p:sldId id="265" r:id="rId27"/>
   </p:sldIdLst>
   <p:sldSz cx="12192000" cy="6858000"/>
   <p:notesSz cx="6858000" cy="9144000"/>
@@ -3508,7 +3517,7 @@
           <p:cNvPr id="2" name="Titel 1">
             <a:extLst>
               <a:ext uri="{FF2B5EF4-FFF2-40B4-BE49-F238E27FC236}">
-                <a16:creationId xmlns:a16="http://schemas.microsoft.com/office/drawing/2014/main" id="{A6344944-9C58-48B1-86DB-DABE5BE9D378}"/>
+                <a16:creationId xmlns:a16="http://schemas.microsoft.com/office/drawing/2014/main" id="{AE82C04D-C07E-4106-B772-CE20CFE0DA43}"/>
               </a:ext>
             </a:extLst>
           </p:cNvPr>
@@ -3519,64 +3528,27 @@
             <p:ph type="title"/>
           </p:nvPr>
         </p:nvSpPr>
-        <p:spPr/>
-        <p:txBody>
-          <a:bodyPr>
-            <a:normAutofit/>
-          </a:bodyPr>
-          <a:lstStyle/>
-          <a:p>
-            <a:r>
-              <a:rPr lang="de-DE" dirty="0"/>
-              <a:t>Überblick Variablen, Vektoren, Dataframes und Operatoren	</a:t>
-            </a:r>
-          </a:p>
-        </p:txBody>
-      </p:sp>
-      <p:sp>
-        <p:nvSpPr>
-          <p:cNvPr id="3" name="Inhaltsplatzhalter 2">
-            <a:extLst>
-              <a:ext uri="{FF2B5EF4-FFF2-40B4-BE49-F238E27FC236}">
-                <a16:creationId xmlns:a16="http://schemas.microsoft.com/office/drawing/2014/main" id="{6D3D05C8-D36B-4033-941D-E8AB01EC1083}"/>
-              </a:ext>
-            </a:extLst>
-          </p:cNvPr>
-          <p:cNvSpPr>
-            <a:spLocks noGrp="1"/>
-          </p:cNvSpPr>
-          <p:nvPr>
-            <p:ph idx="1"/>
-          </p:nvPr>
-        </p:nvSpPr>
-        <p:spPr/>
+        <p:spPr>
+          <a:xfrm>
+            <a:off x="653902" y="2328333"/>
+            <a:ext cx="11153553" cy="1658198"/>
+          </a:xfrm>
+        </p:spPr>
         <p:txBody>
           <a:bodyPr/>
           <a:lstStyle/>
           <a:p>
             <a:r>
               <a:rPr lang="de-DE" dirty="0"/>
-              <a:t>-- hier kommt dann eine Grafik hin die zeigt, dass Tabellen wie in Excel eigentlich Dataframes sind, die Spalten Vektoren und jede Zelle eine Variable---</a:t>
-            </a:r>
-          </a:p>
-          <a:p>
-            <a:r>
-              <a:rPr lang="de-DE" dirty="0"/>
-              <a:t>Mithilfe von Operatoren interagieren diese Variablen miteinander</a:t>
-            </a:r>
-          </a:p>
-          <a:p>
-            <a:pPr marL="0" indent="0">
-              <a:buNone/>
-            </a:pPr>
-            <a:endParaRPr lang="de-DE" dirty="0"/>
+              <a:t>Live Coding: Operatoren und Variablen</a:t>
+            </a:r>
           </a:p>
         </p:txBody>
       </p:sp>
     </p:spTree>
     <p:extLst>
       <p:ext uri="{BB962C8B-B14F-4D97-AF65-F5344CB8AC3E}">
-        <p14:creationId xmlns:p14="http://schemas.microsoft.com/office/powerpoint/2010/main" val="3843651669"/>
+        <p14:creationId xmlns:p14="http://schemas.microsoft.com/office/powerpoint/2010/main" val="2216421276"/>
       </p:ext>
     </p:extLst>
   </p:cSld>
@@ -3608,7 +3580,7 @@
           <p:cNvPr id="2" name="Titel 1">
             <a:extLst>
               <a:ext uri="{FF2B5EF4-FFF2-40B4-BE49-F238E27FC236}">
-                <a16:creationId xmlns:a16="http://schemas.microsoft.com/office/drawing/2014/main" id="{20407509-513C-47CC-8009-8AD3E405F82F}"/>
+                <a16:creationId xmlns:a16="http://schemas.microsoft.com/office/drawing/2014/main" id="{A6CE7550-881F-4977-9D92-B620BA6CAF5F}"/>
               </a:ext>
             </a:extLst>
           </p:cNvPr>
@@ -3619,14 +3591,19 @@
             <p:ph type="title"/>
           </p:nvPr>
         </p:nvSpPr>
-        <p:spPr/>
+        <p:spPr>
+          <a:xfrm>
+            <a:off x="619902" y="223934"/>
+            <a:ext cx="10772775" cy="1112702"/>
+          </a:xfrm>
+        </p:spPr>
         <p:txBody>
           <a:bodyPr/>
           <a:lstStyle/>
           <a:p>
             <a:r>
               <a:rPr lang="de-DE" dirty="0"/>
-              <a:t>Operatoren</a:t>
+              <a:t>Übung: Operatoren und Variablen</a:t>
             </a:r>
           </a:p>
         </p:txBody>
@@ -3636,7 +3613,7 @@
           <p:cNvPr id="3" name="Inhaltsplatzhalter 2">
             <a:extLst>
               <a:ext uri="{FF2B5EF4-FFF2-40B4-BE49-F238E27FC236}">
-                <a16:creationId xmlns:a16="http://schemas.microsoft.com/office/drawing/2014/main" id="{6F6163AC-D70A-4FCA-9081-8094260F0750}"/>
+                <a16:creationId xmlns:a16="http://schemas.microsoft.com/office/drawing/2014/main" id="{D0888A6A-7541-431D-8589-09F48760BEEA}"/>
               </a:ext>
             </a:extLst>
           </p:cNvPr>
@@ -3647,47 +3624,161 @@
             <p:ph idx="1"/>
           </p:nvPr>
         </p:nvSpPr>
-        <p:spPr/>
-        <p:txBody>
-          <a:bodyPr/>
+        <p:spPr>
+          <a:xfrm>
+            <a:off x="676656" y="1380931"/>
+            <a:ext cx="11142120" cy="4802155"/>
+          </a:xfrm>
+        </p:spPr>
+        <p:txBody>
+          <a:bodyPr>
+            <a:normAutofit lnSpcReduction="10000"/>
+          </a:bodyPr>
           <a:lstStyle/>
           <a:p>
-            <a:r>
-              <a:rPr lang="de-DE" dirty="0"/>
-              <a:t>Mathematische Operatoren</a:t>
-            </a:r>
-          </a:p>
-          <a:p>
-            <a:pPr lvl="1"/>
-            <a:r>
-              <a:rPr lang="de-DE" dirty="0"/>
-              <a:t>+, -, *, /, ^, %%</a:t>
-            </a:r>
-          </a:p>
-          <a:p>
-            <a:r>
-              <a:rPr lang="de-DE" dirty="0"/>
-              <a:t>Logische Operatoren</a:t>
-            </a:r>
-          </a:p>
-          <a:p>
-            <a:pPr lvl="1"/>
-            <a:r>
-              <a:rPr lang="de-DE" dirty="0"/>
-              <a:t>&gt;, &lt;, &gt;=, &lt;=, ==, !=</a:t>
-            </a:r>
-          </a:p>
-          <a:p>
-            <a:r>
-              <a:rPr lang="de-DE" dirty="0"/>
-              <a:t>Zuweisungsoperator</a:t>
-            </a:r>
-          </a:p>
-          <a:p>
-            <a:pPr lvl="1"/>
-            <a:r>
-              <a:rPr lang="de-DE" dirty="0"/>
-              <a:t>&lt;-, =</a:t>
+            <a:pPr marL="457200" indent="-457200">
+              <a:buFont typeface="+mj-lt"/>
+              <a:buAutoNum type="arabicPeriod"/>
+            </a:pPr>
+            <a:r>
+              <a:rPr lang="de-DE" sz="2800" dirty="0"/>
+              <a:t>Öffnen Sie </a:t>
+            </a:r>
+            <a:r>
+              <a:rPr lang="de-DE" sz="2800" dirty="0" err="1"/>
+              <a:t>RStudio</a:t>
+            </a:r>
+            <a:r>
+              <a:rPr lang="de-DE" sz="2800" dirty="0"/>
+              <a:t> und erstellen Sie ein neues R Skript</a:t>
+            </a:r>
+          </a:p>
+          <a:p>
+            <a:pPr marL="457200" indent="-457200">
+              <a:buFont typeface="+mj-lt"/>
+              <a:buAutoNum type="arabicPeriod"/>
+            </a:pPr>
+            <a:r>
+              <a:rPr lang="de-DE" sz="2800" dirty="0"/>
+              <a:t>Erzeugen Sie die Variablen </a:t>
+            </a:r>
+            <a:r>
+              <a:rPr lang="de-DE" sz="2800" b="1" dirty="0"/>
+              <a:t>X</a:t>
+            </a:r>
+            <a:r>
+              <a:rPr lang="de-DE" sz="2800" dirty="0"/>
+              <a:t> = 3 und </a:t>
+            </a:r>
+            <a:r>
+              <a:rPr lang="de-DE" sz="2800" b="1" dirty="0"/>
+              <a:t>Y</a:t>
+            </a:r>
+            <a:r>
+              <a:rPr lang="de-DE" sz="2800" dirty="0"/>
+              <a:t> = 19 und speichern sie die Potenz von </a:t>
+            </a:r>
+            <a:r>
+              <a:rPr lang="de-DE" sz="2800" b="1" dirty="0"/>
+              <a:t>X</a:t>
+            </a:r>
+            <a:r>
+              <a:rPr lang="de-DE" sz="2800" dirty="0"/>
+              <a:t> hoch </a:t>
+            </a:r>
+            <a:r>
+              <a:rPr lang="de-DE" sz="2800" b="1" dirty="0"/>
+              <a:t>Y</a:t>
+            </a:r>
+            <a:r>
+              <a:rPr lang="de-DE" sz="2800" dirty="0"/>
+              <a:t> in einer dritten Variablen </a:t>
+            </a:r>
+            <a:r>
+              <a:rPr lang="de-DE" sz="2800" b="1" dirty="0"/>
+              <a:t>Z</a:t>
+            </a:r>
+            <a:r>
+              <a:rPr lang="de-DE" sz="2800" dirty="0"/>
+              <a:t>. Denken Sie daran, die Zeilen mit STRG+ENTER auszuführen. </a:t>
+            </a:r>
+          </a:p>
+          <a:p>
+            <a:pPr marL="457200" indent="-457200">
+              <a:buFont typeface="+mj-lt"/>
+              <a:buAutoNum type="arabicPeriod"/>
+            </a:pPr>
+            <a:r>
+              <a:rPr lang="de-DE" sz="2800" dirty="0"/>
+              <a:t>Ziehen Sie jetzt von </a:t>
+            </a:r>
+            <a:r>
+              <a:rPr lang="de-DE" sz="2800" b="1" dirty="0"/>
+              <a:t>Z</a:t>
+            </a:r>
+            <a:r>
+              <a:rPr lang="de-DE" sz="2800" dirty="0"/>
+              <a:t> die Variable </a:t>
+            </a:r>
+            <a:r>
+              <a:rPr lang="de-DE" sz="2800" b="1" dirty="0"/>
+              <a:t>X</a:t>
+            </a:r>
+            <a:r>
+              <a:rPr lang="de-DE" sz="2800" dirty="0"/>
+              <a:t> ab und schreiben Sie das Ergebnis in Variable </a:t>
+            </a:r>
+            <a:r>
+              <a:rPr lang="de-DE" sz="2800" b="1" dirty="0"/>
+              <a:t>Z</a:t>
+            </a:r>
+            <a:r>
+              <a:rPr lang="de-DE" sz="2800" dirty="0"/>
+              <a:t>.</a:t>
+            </a:r>
+          </a:p>
+          <a:p>
+            <a:pPr marL="457200" indent="-457200">
+              <a:buFont typeface="+mj-lt"/>
+              <a:buAutoNum type="arabicPeriod"/>
+            </a:pPr>
+            <a:r>
+              <a:rPr lang="de-DE" sz="2800" dirty="0"/>
+              <a:t>Nutzen Sie einen logische Operator um herauszufinden ob Variable </a:t>
+            </a:r>
+            <a:r>
+              <a:rPr lang="de-DE" sz="2800" b="1" dirty="0"/>
+              <a:t>Z</a:t>
+            </a:r>
+            <a:r>
+              <a:rPr lang="de-DE" sz="2800" dirty="0"/>
+              <a:t> größer ist als 1000 </a:t>
+            </a:r>
+          </a:p>
+          <a:p>
+            <a:pPr marL="457200" indent="-457200">
+              <a:buFont typeface="+mj-lt"/>
+              <a:buAutoNum type="arabicPeriod"/>
+            </a:pPr>
+            <a:r>
+              <a:rPr lang="de-DE" sz="2800" dirty="0"/>
+              <a:t>Nutzen Sie den Modulo Operator und den Gleichheitsoperator um eine logische Abfrage zu erstellen die TRUE ausgibt wenn </a:t>
+            </a:r>
+            <a:r>
+              <a:rPr lang="de-DE" sz="2800" b="1" dirty="0"/>
+              <a:t>Z</a:t>
+            </a:r>
+            <a:r>
+              <a:rPr lang="de-DE" sz="2800" dirty="0"/>
+              <a:t> eine gerade Zahl ist, und FALSE wenn </a:t>
+            </a:r>
+            <a:r>
+              <a:rPr lang="de-DE" sz="2800" b="1" dirty="0"/>
+              <a:t>Z</a:t>
+            </a:r>
+            <a:r>
+              <a:rPr lang="de-DE" sz="2800" dirty="0"/>
+              <a:t> eine ungerade Zahl ist (Tipp: eine gerade Zahl hat keinen Rest wenn sie durch 2 geteilt wird)</a:t>
             </a:r>
           </a:p>
         </p:txBody>
@@ -3695,7 +3786,7 @@
     </p:spTree>
     <p:extLst>
       <p:ext uri="{BB962C8B-B14F-4D97-AF65-F5344CB8AC3E}">
-        <p14:creationId xmlns:p14="http://schemas.microsoft.com/office/powerpoint/2010/main" val="4203500632"/>
+        <p14:creationId xmlns:p14="http://schemas.microsoft.com/office/powerpoint/2010/main" val="1208113156"/>
       </p:ext>
     </p:extLst>
   </p:cSld>
@@ -3727,7 +3818,7 @@
           <p:cNvPr id="2" name="Titel 1">
             <a:extLst>
               <a:ext uri="{FF2B5EF4-FFF2-40B4-BE49-F238E27FC236}">
-                <a16:creationId xmlns:a16="http://schemas.microsoft.com/office/drawing/2014/main" id="{1ED96637-3F36-4C1D-801B-B0EDFA6C4EBA}"/>
+                <a16:creationId xmlns:a16="http://schemas.microsoft.com/office/drawing/2014/main" id="{20407509-513C-47CC-8009-8AD3E405F82F}"/>
               </a:ext>
             </a:extLst>
           </p:cNvPr>
@@ -3738,14 +3829,19 @@
             <p:ph type="title"/>
           </p:nvPr>
         </p:nvSpPr>
-        <p:spPr/>
+        <p:spPr>
+          <a:xfrm>
+            <a:off x="676274" y="334729"/>
+            <a:ext cx="10772775" cy="1042188"/>
+          </a:xfrm>
+        </p:spPr>
         <p:txBody>
           <a:bodyPr/>
           <a:lstStyle/>
           <a:p>
             <a:r>
               <a:rPr lang="de-DE" dirty="0"/>
-              <a:t>Variablen</a:t>
+              <a:t>Operatoren</a:t>
             </a:r>
           </a:p>
         </p:txBody>
@@ -3755,7 +3851,7 @@
           <p:cNvPr id="3" name="Inhaltsplatzhalter 2">
             <a:extLst>
               <a:ext uri="{FF2B5EF4-FFF2-40B4-BE49-F238E27FC236}">
-                <a16:creationId xmlns:a16="http://schemas.microsoft.com/office/drawing/2014/main" id="{D2354EA2-205F-4306-ACBB-57BA81043F32}"/>
+                <a16:creationId xmlns:a16="http://schemas.microsoft.com/office/drawing/2014/main" id="{6F6163AC-D70A-4FCA-9081-8094260F0750}"/>
               </a:ext>
             </a:extLst>
           </p:cNvPr>
@@ -3766,37 +3862,616 @@
             <p:ph idx="1"/>
           </p:nvPr>
         </p:nvSpPr>
-        <p:spPr/>
-        <p:txBody>
-          <a:bodyPr/>
+        <p:spPr>
+          <a:xfrm>
+            <a:off x="676274" y="1600200"/>
+            <a:ext cx="10753725" cy="4412511"/>
+          </a:xfrm>
+        </p:spPr>
+        <p:txBody>
+          <a:bodyPr>
+            <a:normAutofit fontScale="92500" lnSpcReduction="20000"/>
+          </a:bodyPr>
           <a:lstStyle/>
           <a:p>
-            <a:r>
-              <a:rPr lang="de-DE" dirty="0"/>
-              <a:t>Speichern Werte wie Zahlen oder Wörter</a:t>
-            </a:r>
-          </a:p>
-          <a:p>
+            <a:pPr lvl="1">
+              <a:buFont typeface="Arial" panose="020B0604020202020204" pitchFamily="34" charset="0"/>
+              <a:buChar char="•"/>
+            </a:pPr>
+            <a:r>
+              <a:rPr lang="de-DE" sz="2600" b="1" dirty="0"/>
+              <a:t>Mathematische Operatoren</a:t>
+            </a:r>
+          </a:p>
+          <a:p>
+            <a:pPr marL="4572" lvl="1" indent="0">
+              <a:buNone/>
+            </a:pPr>
+            <a:r>
+              <a:rPr lang="de-DE" sz="2600" dirty="0"/>
+              <a:t>	+     -     *     /     ^     %%</a:t>
+            </a:r>
+          </a:p>
+          <a:p>
+            <a:pPr marL="4572" lvl="1" indent="0">
+              <a:buNone/>
+            </a:pPr>
+            <a:r>
+              <a:rPr lang="de-DE" sz="2600" dirty="0"/>
+              <a:t>	führen mathematische Operationen aus</a:t>
+            </a:r>
+          </a:p>
+          <a:p>
+            <a:pPr marL="4572" lvl="1" indent="0">
+              <a:buNone/>
+            </a:pPr>
             <a:endParaRPr lang="de-DE" dirty="0"/>
           </a:p>
           <a:p>
-            <a:r>
-              <a:rPr lang="de-DE" dirty="0"/>
-              <a:t>Lassen sich wieder überschreiben</a:t>
-            </a:r>
+            <a:pPr lvl="1">
+              <a:buFont typeface="Arial" panose="020B0604020202020204" pitchFamily="34" charset="0"/>
+              <a:buChar char="•"/>
+            </a:pPr>
+            <a:endParaRPr lang="de-DE" dirty="0"/>
+          </a:p>
+          <a:p>
+            <a:pPr lvl="1">
+              <a:buFont typeface="Arial" panose="020B0604020202020204" pitchFamily="34" charset="0"/>
+              <a:buChar char="•"/>
+            </a:pPr>
+            <a:r>
+              <a:rPr lang="de-DE" sz="2600" b="1" dirty="0"/>
+              <a:t>Logische Operatoren</a:t>
+            </a:r>
+          </a:p>
+          <a:p>
+            <a:pPr marL="4572" lvl="1" indent="0">
+              <a:buNone/>
+            </a:pPr>
+            <a:r>
+              <a:rPr lang="de-DE" sz="2600" dirty="0"/>
+              <a:t>	&gt;     &lt;     &gt;=     &lt;=     ==    !=</a:t>
+            </a:r>
+          </a:p>
+          <a:p>
+            <a:pPr marL="4572" lvl="1" indent="0">
+              <a:buNone/>
+            </a:pPr>
+            <a:r>
+              <a:rPr lang="de-DE" sz="2600" dirty="0"/>
+              <a:t>	geben TRUE oder FALSE zurück</a:t>
+            </a:r>
+          </a:p>
+          <a:p>
+            <a:pPr marL="4572" lvl="1" indent="0">
+              <a:buNone/>
+            </a:pPr>
+            <a:endParaRPr lang="de-DE" dirty="0"/>
+          </a:p>
+          <a:p>
+            <a:pPr lvl="1">
+              <a:buFont typeface="Arial" panose="020B0604020202020204" pitchFamily="34" charset="0"/>
+              <a:buChar char="•"/>
+            </a:pPr>
+            <a:endParaRPr lang="de-DE" dirty="0"/>
+          </a:p>
+          <a:p>
+            <a:pPr lvl="1">
+              <a:buFont typeface="Arial" panose="020B0604020202020204" pitchFamily="34" charset="0"/>
+              <a:buChar char="•"/>
+            </a:pPr>
+            <a:r>
+              <a:rPr lang="de-DE" sz="2800" b="1" dirty="0"/>
+              <a:t>Zuweisungsoperatoren</a:t>
+            </a:r>
+          </a:p>
+          <a:p>
+            <a:pPr marL="4572" lvl="1" indent="0">
+              <a:buNone/>
+            </a:pPr>
+            <a:r>
+              <a:rPr lang="de-DE" sz="2800" dirty="0"/>
+              <a:t>	&lt;-     =</a:t>
+            </a:r>
+          </a:p>
+          <a:p>
+            <a:pPr marL="4572" lvl="1" indent="0">
+              <a:buNone/>
+            </a:pPr>
+            <a:r>
+              <a:rPr lang="de-DE" sz="2800" dirty="0"/>
+              <a:t>	Speichern Werte oder Wörter in einer Variablen</a:t>
+            </a:r>
+          </a:p>
+          <a:p>
+            <a:pPr marL="4572" lvl="1" indent="0">
+              <a:buNone/>
+            </a:pPr>
+            <a:endParaRPr lang="de-DE" dirty="0"/>
           </a:p>
         </p:txBody>
       </p:sp>
     </p:spTree>
     <p:extLst>
       <p:ext uri="{BB962C8B-B14F-4D97-AF65-F5344CB8AC3E}">
-        <p14:creationId xmlns:p14="http://schemas.microsoft.com/office/powerpoint/2010/main" val="3971068175"/>
+        <p14:creationId xmlns:p14="http://schemas.microsoft.com/office/powerpoint/2010/main" val="4203500632"/>
       </p:ext>
     </p:extLst>
   </p:cSld>
   <p:clrMapOvr>
     <a:masterClrMapping/>
   </p:clrMapOvr>
+  <p:timing>
+    <p:tnLst>
+      <p:par>
+        <p:cTn id="1" dur="indefinite" restart="never" nodeType="tmRoot">
+          <p:childTnLst>
+            <p:seq concurrent="1" nextAc="seek">
+              <p:cTn id="2" dur="indefinite" nodeType="mainSeq">
+                <p:childTnLst>
+                  <p:par>
+                    <p:cTn id="3" fill="hold">
+                      <p:stCondLst>
+                        <p:cond delay="indefinite"/>
+                      </p:stCondLst>
+                      <p:childTnLst>
+                        <p:par>
+                          <p:cTn id="4" fill="hold">
+                            <p:stCondLst>
+                              <p:cond delay="0"/>
+                            </p:stCondLst>
+                            <p:childTnLst>
+                              <p:par>
+                                <p:cTn id="5" presetID="1" presetClass="entr" presetSubtype="0" fill="hold" nodeType="clickEffect">
+                                  <p:stCondLst>
+                                    <p:cond delay="0"/>
+                                  </p:stCondLst>
+                                  <p:childTnLst>
+                                    <p:set>
+                                      <p:cBhvr>
+                                        <p:cTn id="6" dur="1" fill="hold">
+                                          <p:stCondLst>
+                                            <p:cond delay="0"/>
+                                          </p:stCondLst>
+                                        </p:cTn>
+                                        <p:tgtEl>
+                                          <p:spTgt spid="3">
+                                            <p:txEl>
+                                              <p:pRg st="0" end="0"/>
+                                            </p:txEl>
+                                          </p:spTgt>
+                                        </p:tgtEl>
+                                        <p:attrNameLst>
+                                          <p:attrName>style.visibility</p:attrName>
+                                        </p:attrNameLst>
+                                      </p:cBhvr>
+                                      <p:to>
+                                        <p:strVal val="visible"/>
+                                      </p:to>
+                                    </p:set>
+                                  </p:childTnLst>
+                                </p:cTn>
+                              </p:par>
+                            </p:childTnLst>
+                          </p:cTn>
+                        </p:par>
+                      </p:childTnLst>
+                    </p:cTn>
+                  </p:par>
+                  <p:par>
+                    <p:cTn id="7" fill="hold">
+                      <p:stCondLst>
+                        <p:cond delay="indefinite"/>
+                      </p:stCondLst>
+                      <p:childTnLst>
+                        <p:par>
+                          <p:cTn id="8" fill="hold">
+                            <p:stCondLst>
+                              <p:cond delay="0"/>
+                            </p:stCondLst>
+                            <p:childTnLst>
+                              <p:par>
+                                <p:cTn id="9" presetID="1" presetClass="entr" presetSubtype="0" fill="hold" nodeType="clickEffect">
+                                  <p:stCondLst>
+                                    <p:cond delay="0"/>
+                                  </p:stCondLst>
+                                  <p:childTnLst>
+                                    <p:set>
+                                      <p:cBhvr>
+                                        <p:cTn id="10" dur="1" fill="hold">
+                                          <p:stCondLst>
+                                            <p:cond delay="0"/>
+                                          </p:stCondLst>
+                                        </p:cTn>
+                                        <p:tgtEl>
+                                          <p:spTgt spid="3">
+                                            <p:txEl>
+                                              <p:pRg st="1" end="1"/>
+                                            </p:txEl>
+                                          </p:spTgt>
+                                        </p:tgtEl>
+                                        <p:attrNameLst>
+                                          <p:attrName>style.visibility</p:attrName>
+                                        </p:attrNameLst>
+                                      </p:cBhvr>
+                                      <p:to>
+                                        <p:strVal val="visible"/>
+                                      </p:to>
+                                    </p:set>
+                                  </p:childTnLst>
+                                </p:cTn>
+                              </p:par>
+                            </p:childTnLst>
+                          </p:cTn>
+                        </p:par>
+                      </p:childTnLst>
+                    </p:cTn>
+                  </p:par>
+                  <p:par>
+                    <p:cTn id="11" fill="hold">
+                      <p:stCondLst>
+                        <p:cond delay="indefinite"/>
+                      </p:stCondLst>
+                      <p:childTnLst>
+                        <p:par>
+                          <p:cTn id="12" fill="hold">
+                            <p:stCondLst>
+                              <p:cond delay="0"/>
+                            </p:stCondLst>
+                            <p:childTnLst>
+                              <p:par>
+                                <p:cTn id="13" presetID="1" presetClass="entr" presetSubtype="0" fill="hold" nodeType="clickEffect">
+                                  <p:stCondLst>
+                                    <p:cond delay="0"/>
+                                  </p:stCondLst>
+                                  <p:childTnLst>
+                                    <p:set>
+                                      <p:cBhvr>
+                                        <p:cTn id="14" dur="1" fill="hold">
+                                          <p:stCondLst>
+                                            <p:cond delay="0"/>
+                                          </p:stCondLst>
+                                        </p:cTn>
+                                        <p:tgtEl>
+                                          <p:spTgt spid="3">
+                                            <p:txEl>
+                                              <p:pRg st="2" end="2"/>
+                                            </p:txEl>
+                                          </p:spTgt>
+                                        </p:tgtEl>
+                                        <p:attrNameLst>
+                                          <p:attrName>style.visibility</p:attrName>
+                                        </p:attrNameLst>
+                                      </p:cBhvr>
+                                      <p:to>
+                                        <p:strVal val="visible"/>
+                                      </p:to>
+                                    </p:set>
+                                  </p:childTnLst>
+                                </p:cTn>
+                              </p:par>
+                            </p:childTnLst>
+                          </p:cTn>
+                        </p:par>
+                      </p:childTnLst>
+                    </p:cTn>
+                  </p:par>
+                  <p:par>
+                    <p:cTn id="15" fill="hold">
+                      <p:stCondLst>
+                        <p:cond delay="indefinite"/>
+                      </p:stCondLst>
+                      <p:childTnLst>
+                        <p:par>
+                          <p:cTn id="16" fill="hold">
+                            <p:stCondLst>
+                              <p:cond delay="0"/>
+                            </p:stCondLst>
+                            <p:childTnLst>
+                              <p:par>
+                                <p:cTn id="17" presetID="1" presetClass="entr" presetSubtype="0" fill="hold" nodeType="clickEffect">
+                                  <p:stCondLst>
+                                    <p:cond delay="0"/>
+                                  </p:stCondLst>
+                                  <p:childTnLst>
+                                    <p:set>
+                                      <p:cBhvr>
+                                        <p:cTn id="18" dur="1" fill="hold">
+                                          <p:stCondLst>
+                                            <p:cond delay="0"/>
+                                          </p:stCondLst>
+                                        </p:cTn>
+                                        <p:tgtEl>
+                                          <p:spTgt spid="3">
+                                            <p:txEl>
+                                              <p:pRg st="5" end="5"/>
+                                            </p:txEl>
+                                          </p:spTgt>
+                                        </p:tgtEl>
+                                        <p:attrNameLst>
+                                          <p:attrName>style.visibility</p:attrName>
+                                        </p:attrNameLst>
+                                      </p:cBhvr>
+                                      <p:to>
+                                        <p:strVal val="visible"/>
+                                      </p:to>
+                                    </p:set>
+                                  </p:childTnLst>
+                                </p:cTn>
+                              </p:par>
+                            </p:childTnLst>
+                          </p:cTn>
+                        </p:par>
+                      </p:childTnLst>
+                    </p:cTn>
+                  </p:par>
+                  <p:par>
+                    <p:cTn id="19" fill="hold">
+                      <p:stCondLst>
+                        <p:cond delay="indefinite"/>
+                      </p:stCondLst>
+                      <p:childTnLst>
+                        <p:par>
+                          <p:cTn id="20" fill="hold">
+                            <p:stCondLst>
+                              <p:cond delay="0"/>
+                            </p:stCondLst>
+                            <p:childTnLst>
+                              <p:par>
+                                <p:cTn id="21" presetID="1" presetClass="entr" presetSubtype="0" fill="hold" nodeType="clickEffect">
+                                  <p:stCondLst>
+                                    <p:cond delay="0"/>
+                                  </p:stCondLst>
+                                  <p:childTnLst>
+                                    <p:set>
+                                      <p:cBhvr>
+                                        <p:cTn id="22" dur="1" fill="hold">
+                                          <p:stCondLst>
+                                            <p:cond delay="0"/>
+                                          </p:stCondLst>
+                                        </p:cTn>
+                                        <p:tgtEl>
+                                          <p:spTgt spid="3">
+                                            <p:txEl>
+                                              <p:pRg st="6" end="6"/>
+                                            </p:txEl>
+                                          </p:spTgt>
+                                        </p:tgtEl>
+                                        <p:attrNameLst>
+                                          <p:attrName>style.visibility</p:attrName>
+                                        </p:attrNameLst>
+                                      </p:cBhvr>
+                                      <p:to>
+                                        <p:strVal val="visible"/>
+                                      </p:to>
+                                    </p:set>
+                                  </p:childTnLst>
+                                </p:cTn>
+                              </p:par>
+                            </p:childTnLst>
+                          </p:cTn>
+                        </p:par>
+                      </p:childTnLst>
+                    </p:cTn>
+                  </p:par>
+                  <p:par>
+                    <p:cTn id="23" fill="hold">
+                      <p:stCondLst>
+                        <p:cond delay="indefinite"/>
+                      </p:stCondLst>
+                      <p:childTnLst>
+                        <p:par>
+                          <p:cTn id="24" fill="hold">
+                            <p:stCondLst>
+                              <p:cond delay="0"/>
+                            </p:stCondLst>
+                            <p:childTnLst>
+                              <p:par>
+                                <p:cTn id="25" presetID="1" presetClass="entr" presetSubtype="0" fill="hold" nodeType="clickEffect">
+                                  <p:stCondLst>
+                                    <p:cond delay="0"/>
+                                  </p:stCondLst>
+                                  <p:childTnLst>
+                                    <p:set>
+                                      <p:cBhvr>
+                                        <p:cTn id="26" dur="1" fill="hold">
+                                          <p:stCondLst>
+                                            <p:cond delay="0"/>
+                                          </p:stCondLst>
+                                        </p:cTn>
+                                        <p:tgtEl>
+                                          <p:spTgt spid="3">
+                                            <p:txEl>
+                                              <p:pRg st="7" end="7"/>
+                                            </p:txEl>
+                                          </p:spTgt>
+                                        </p:tgtEl>
+                                        <p:attrNameLst>
+                                          <p:attrName>style.visibility</p:attrName>
+                                        </p:attrNameLst>
+                                      </p:cBhvr>
+                                      <p:to>
+                                        <p:strVal val="visible"/>
+                                      </p:to>
+                                    </p:set>
+                                  </p:childTnLst>
+                                </p:cTn>
+                              </p:par>
+                            </p:childTnLst>
+                          </p:cTn>
+                        </p:par>
+                      </p:childTnLst>
+                    </p:cTn>
+                  </p:par>
+                  <p:par>
+                    <p:cTn id="27" fill="hold">
+                      <p:stCondLst>
+                        <p:cond delay="indefinite"/>
+                      </p:stCondLst>
+                      <p:childTnLst>
+                        <p:par>
+                          <p:cTn id="28" fill="hold">
+                            <p:stCondLst>
+                              <p:cond delay="0"/>
+                            </p:stCondLst>
+                            <p:childTnLst>
+                              <p:par>
+                                <p:cTn id="29" presetID="1" presetClass="entr" presetSubtype="0" fill="hold" nodeType="clickEffect">
+                                  <p:stCondLst>
+                                    <p:cond delay="0"/>
+                                  </p:stCondLst>
+                                  <p:childTnLst>
+                                    <p:set>
+                                      <p:cBhvr>
+                                        <p:cTn id="30" dur="1" fill="hold">
+                                          <p:stCondLst>
+                                            <p:cond delay="0"/>
+                                          </p:stCondLst>
+                                        </p:cTn>
+                                        <p:tgtEl>
+                                          <p:spTgt spid="3">
+                                            <p:txEl>
+                                              <p:pRg st="10" end="10"/>
+                                            </p:txEl>
+                                          </p:spTgt>
+                                        </p:tgtEl>
+                                        <p:attrNameLst>
+                                          <p:attrName>style.visibility</p:attrName>
+                                        </p:attrNameLst>
+                                      </p:cBhvr>
+                                      <p:to>
+                                        <p:strVal val="visible"/>
+                                      </p:to>
+                                    </p:set>
+                                  </p:childTnLst>
+                                </p:cTn>
+                              </p:par>
+                            </p:childTnLst>
+                          </p:cTn>
+                        </p:par>
+                      </p:childTnLst>
+                    </p:cTn>
+                  </p:par>
+                  <p:par>
+                    <p:cTn id="31" fill="hold">
+                      <p:stCondLst>
+                        <p:cond delay="indefinite"/>
+                      </p:stCondLst>
+                      <p:childTnLst>
+                        <p:par>
+                          <p:cTn id="32" fill="hold">
+                            <p:stCondLst>
+                              <p:cond delay="0"/>
+                            </p:stCondLst>
+                            <p:childTnLst>
+                              <p:par>
+                                <p:cTn id="33" presetID="1" presetClass="entr" presetSubtype="0" fill="hold" nodeType="clickEffect">
+                                  <p:stCondLst>
+                                    <p:cond delay="0"/>
+                                  </p:stCondLst>
+                                  <p:childTnLst>
+                                    <p:set>
+                                      <p:cBhvr>
+                                        <p:cTn id="34" dur="1" fill="hold">
+                                          <p:stCondLst>
+                                            <p:cond delay="0"/>
+                                          </p:stCondLst>
+                                        </p:cTn>
+                                        <p:tgtEl>
+                                          <p:spTgt spid="3">
+                                            <p:txEl>
+                                              <p:pRg st="11" end="11"/>
+                                            </p:txEl>
+                                          </p:spTgt>
+                                        </p:tgtEl>
+                                        <p:attrNameLst>
+                                          <p:attrName>style.visibility</p:attrName>
+                                        </p:attrNameLst>
+                                      </p:cBhvr>
+                                      <p:to>
+                                        <p:strVal val="visible"/>
+                                      </p:to>
+                                    </p:set>
+                                  </p:childTnLst>
+                                </p:cTn>
+                              </p:par>
+                            </p:childTnLst>
+                          </p:cTn>
+                        </p:par>
+                      </p:childTnLst>
+                    </p:cTn>
+                  </p:par>
+                  <p:par>
+                    <p:cTn id="35" fill="hold">
+                      <p:stCondLst>
+                        <p:cond delay="indefinite"/>
+                      </p:stCondLst>
+                      <p:childTnLst>
+                        <p:par>
+                          <p:cTn id="36" fill="hold">
+                            <p:stCondLst>
+                              <p:cond delay="0"/>
+                            </p:stCondLst>
+                            <p:childTnLst>
+                              <p:par>
+                                <p:cTn id="37" presetID="1" presetClass="entr" presetSubtype="0" fill="hold" nodeType="clickEffect">
+                                  <p:stCondLst>
+                                    <p:cond delay="0"/>
+                                  </p:stCondLst>
+                                  <p:childTnLst>
+                                    <p:set>
+                                      <p:cBhvr>
+                                        <p:cTn id="38" dur="1" fill="hold">
+                                          <p:stCondLst>
+                                            <p:cond delay="0"/>
+                                          </p:stCondLst>
+                                        </p:cTn>
+                                        <p:tgtEl>
+                                          <p:spTgt spid="3">
+                                            <p:txEl>
+                                              <p:pRg st="12" end="12"/>
+                                            </p:txEl>
+                                          </p:spTgt>
+                                        </p:tgtEl>
+                                        <p:attrNameLst>
+                                          <p:attrName>style.visibility</p:attrName>
+                                        </p:attrNameLst>
+                                      </p:cBhvr>
+                                      <p:to>
+                                        <p:strVal val="visible"/>
+                                      </p:to>
+                                    </p:set>
+                                  </p:childTnLst>
+                                </p:cTn>
+                              </p:par>
+                            </p:childTnLst>
+                          </p:cTn>
+                        </p:par>
+                      </p:childTnLst>
+                    </p:cTn>
+                  </p:par>
+                </p:childTnLst>
+              </p:cTn>
+              <p:prevCondLst>
+                <p:cond evt="onPrev" delay="0">
+                  <p:tgtEl>
+                    <p:sldTgt/>
+                  </p:tgtEl>
+                </p:cond>
+              </p:prevCondLst>
+              <p:nextCondLst>
+                <p:cond evt="onNext" delay="0">
+                  <p:tgtEl>
+                    <p:sldTgt/>
+                  </p:tgtEl>
+                </p:cond>
+              </p:nextCondLst>
+            </p:seq>
+          </p:childTnLst>
+        </p:cTn>
+      </p:par>
+    </p:tnLst>
+  </p:timing>
 </p:sld>
 </file>
 
@@ -3822,7 +4497,7 @@
           <p:cNvPr id="2" name="Titel 1">
             <a:extLst>
               <a:ext uri="{FF2B5EF4-FFF2-40B4-BE49-F238E27FC236}">
-                <a16:creationId xmlns:a16="http://schemas.microsoft.com/office/drawing/2014/main" id="{3C1D52D2-BC55-4FD1-AC05-C91977EDF9C4}"/>
+                <a16:creationId xmlns:a16="http://schemas.microsoft.com/office/drawing/2014/main" id="{1ED96637-3F36-4C1D-801B-B0EDFA6C4EBA}"/>
               </a:ext>
             </a:extLst>
           </p:cNvPr>
@@ -3840,7 +4515,7 @@
           <a:p>
             <a:r>
               <a:rPr lang="de-DE" dirty="0"/>
-              <a:t>Vektoren</a:t>
+              <a:t>Variablen</a:t>
             </a:r>
           </a:p>
         </p:txBody>
@@ -3850,7 +4525,7 @@
           <p:cNvPr id="3" name="Inhaltsplatzhalter 2">
             <a:extLst>
               <a:ext uri="{FF2B5EF4-FFF2-40B4-BE49-F238E27FC236}">
-                <a16:creationId xmlns:a16="http://schemas.microsoft.com/office/drawing/2014/main" id="{006FC6F6-D4B2-44EA-8BD7-20724DCA6B3C}"/>
+                <a16:creationId xmlns:a16="http://schemas.microsoft.com/office/drawing/2014/main" id="{D2354EA2-205F-4306-ACBB-57BA81043F32}"/>
               </a:ext>
             </a:extLst>
           </p:cNvPr>
@@ -3861,94 +4536,238 @@
             <p:ph idx="1"/>
           </p:nvPr>
         </p:nvSpPr>
-        <p:spPr>
-          <a:xfrm>
-            <a:off x="838200" y="1493874"/>
-            <a:ext cx="10515600" cy="4683089"/>
-          </a:xfrm>
-        </p:spPr>
+        <p:spPr/>
         <p:txBody>
           <a:bodyPr/>
           <a:lstStyle/>
           <a:p>
+            <a:pPr lvl="1">
+              <a:lnSpc>
+                <a:spcPct val="200000"/>
+              </a:lnSpc>
+              <a:buFont typeface="Arial" panose="020B0604020202020204" pitchFamily="34" charset="0"/>
+              <a:buChar char="•"/>
+            </a:pPr>
             <a:r>
               <a:rPr lang="de-DE" dirty="0"/>
-              <a:t>Verbinden von mehreren Werten mit c( ) (</a:t>
-            </a:r>
-            <a:r>
-              <a:rPr lang="de-DE" dirty="0" err="1"/>
-              <a:t>combine</a:t>
-            </a:r>
+              <a:t>Speichern Werte wie Zahlen oder Wörter</a:t>
+            </a:r>
+          </a:p>
+          <a:p>
+            <a:pPr lvl="1">
+              <a:lnSpc>
+                <a:spcPct val="200000"/>
+              </a:lnSpc>
+              <a:buFont typeface="Arial" panose="020B0604020202020204" pitchFamily="34" charset="0"/>
+              <a:buChar char="•"/>
+            </a:pPr>
             <a:r>
               <a:rPr lang="de-DE" dirty="0"/>
-              <a:t>, </a:t>
-            </a:r>
-            <a:r>
-              <a:rPr lang="de-DE" dirty="0" err="1"/>
-              <a:t>concetinate</a:t>
-            </a:r>
+              <a:t>Erst als Variable ist ein Wert vom Rechner auffindbar</a:t>
+            </a:r>
+          </a:p>
+          <a:p>
+            <a:pPr lvl="1">
+              <a:lnSpc>
+                <a:spcPct val="200000"/>
+              </a:lnSpc>
+              <a:buFont typeface="Arial" panose="020B0604020202020204" pitchFamily="34" charset="0"/>
+              <a:buChar char="•"/>
+            </a:pPr>
             <a:r>
               <a:rPr lang="de-DE" dirty="0"/>
-              <a:t>)</a:t>
-            </a:r>
-          </a:p>
-          <a:p>
-            <a:r>
-              <a:rPr lang="de-DE" dirty="0"/>
-              <a:t>Operatoren werden auf alle Elemente eines Vektors ausgeführt</a:t>
-            </a:r>
-          </a:p>
-          <a:p>
-            <a:pPr marL="457200" lvl="1" indent="0">
-              <a:buNone/>
-            </a:pPr>
-            <a:r>
-              <a:rPr lang="de-DE" dirty="0"/>
-              <a:t>-&gt; ermöglicht effizientes Editieren und durchführen von Abfragen</a:t>
-            </a:r>
-          </a:p>
-          <a:p>
-            <a:r>
-              <a:rPr lang="de-DE" dirty="0"/>
-              <a:t>An bestehende Vektoren lassen sich weitere Elemente anhängen</a:t>
-            </a:r>
-          </a:p>
-          <a:p>
-            <a:r>
-              <a:rPr lang="de-DE" dirty="0"/>
-              <a:t>Indizierung mit [ ] ermöglicht Elemente aus Vektor abzufragen</a:t>
-            </a:r>
-          </a:p>
-          <a:p>
-            <a:r>
-              <a:rPr lang="de-DE" dirty="0"/>
-              <a:t>Indizierung mit negativem Index wählt alle Elemente außer dem Index aus</a:t>
-            </a:r>
-          </a:p>
-          <a:p>
-            <a:pPr marL="457200" lvl="1" indent="0">
-              <a:buNone/>
-            </a:pPr>
-            <a:r>
-              <a:rPr lang="de-DE" dirty="0"/>
-              <a:t>-&gt; ermöglicht das löschen von Elementen</a:t>
-            </a:r>
-          </a:p>
-          <a:p>
-            <a:endParaRPr lang="de-DE" dirty="0"/>
+              <a:t>Lassen sich wieder überschreiben</a:t>
+            </a:r>
           </a:p>
         </p:txBody>
       </p:sp>
     </p:spTree>
     <p:extLst>
       <p:ext uri="{BB962C8B-B14F-4D97-AF65-F5344CB8AC3E}">
-        <p14:creationId xmlns:p14="http://schemas.microsoft.com/office/powerpoint/2010/main" val="3361973577"/>
+        <p14:creationId xmlns:p14="http://schemas.microsoft.com/office/powerpoint/2010/main" val="3971068175"/>
       </p:ext>
     </p:extLst>
   </p:cSld>
   <p:clrMapOvr>
     <a:masterClrMapping/>
   </p:clrMapOvr>
+  <p:timing>
+    <p:tnLst>
+      <p:par>
+        <p:cTn id="1" dur="indefinite" restart="never" nodeType="tmRoot">
+          <p:childTnLst>
+            <p:seq concurrent="1" nextAc="seek">
+              <p:cTn id="2" dur="indefinite" nodeType="mainSeq">
+                <p:childTnLst>
+                  <p:par>
+                    <p:cTn id="3" fill="hold">
+                      <p:stCondLst>
+                        <p:cond delay="indefinite"/>
+                      </p:stCondLst>
+                      <p:childTnLst>
+                        <p:par>
+                          <p:cTn id="4" fill="hold">
+                            <p:stCondLst>
+                              <p:cond delay="0"/>
+                            </p:stCondLst>
+                            <p:childTnLst>
+                              <p:par>
+                                <p:cTn id="5" presetID="1" presetClass="entr" presetSubtype="0" fill="hold" nodeType="clickEffect">
+                                  <p:stCondLst>
+                                    <p:cond delay="0"/>
+                                  </p:stCondLst>
+                                  <p:childTnLst>
+                                    <p:set>
+                                      <p:cBhvr>
+                                        <p:cTn id="6" dur="1" fill="hold">
+                                          <p:stCondLst>
+                                            <p:cond delay="0"/>
+                                          </p:stCondLst>
+                                        </p:cTn>
+                                        <p:tgtEl>
+                                          <p:spTgt spid="3">
+                                            <p:txEl>
+                                              <p:pRg st="0" end="0"/>
+                                            </p:txEl>
+                                          </p:spTgt>
+                                        </p:tgtEl>
+                                        <p:attrNameLst>
+                                          <p:attrName>style.visibility</p:attrName>
+                                        </p:attrNameLst>
+                                      </p:cBhvr>
+                                      <p:to>
+                                        <p:strVal val="visible"/>
+                                      </p:to>
+                                    </p:set>
+                                  </p:childTnLst>
+                                </p:cTn>
+                              </p:par>
+                            </p:childTnLst>
+                          </p:cTn>
+                        </p:par>
+                      </p:childTnLst>
+                    </p:cTn>
+                  </p:par>
+                  <p:par>
+                    <p:cTn id="7" fill="hold">
+                      <p:stCondLst>
+                        <p:cond delay="indefinite"/>
+                      </p:stCondLst>
+                      <p:childTnLst>
+                        <p:par>
+                          <p:cTn id="8" fill="hold">
+                            <p:stCondLst>
+                              <p:cond delay="0"/>
+                            </p:stCondLst>
+                            <p:childTnLst>
+                              <p:par>
+                                <p:cTn id="9" presetID="1" presetClass="entr" presetSubtype="0" fill="hold" nodeType="clickEffect">
+                                  <p:stCondLst>
+                                    <p:cond delay="0"/>
+                                  </p:stCondLst>
+                                  <p:childTnLst>
+                                    <p:set>
+                                      <p:cBhvr>
+                                        <p:cTn id="10" dur="1" fill="hold">
+                                          <p:stCondLst>
+                                            <p:cond delay="0"/>
+                                          </p:stCondLst>
+                                        </p:cTn>
+                                        <p:tgtEl>
+                                          <p:spTgt spid="3">
+                                            <p:txEl>
+                                              <p:pRg st="1" end="1"/>
+                                            </p:txEl>
+                                          </p:spTgt>
+                                        </p:tgtEl>
+                                        <p:attrNameLst>
+                                          <p:attrName>style.visibility</p:attrName>
+                                        </p:attrNameLst>
+                                      </p:cBhvr>
+                                      <p:to>
+                                        <p:strVal val="visible"/>
+                                      </p:to>
+                                    </p:set>
+                                  </p:childTnLst>
+                                </p:cTn>
+                              </p:par>
+                            </p:childTnLst>
+                          </p:cTn>
+                        </p:par>
+                      </p:childTnLst>
+                    </p:cTn>
+                  </p:par>
+                  <p:par>
+                    <p:cTn id="11" fill="hold">
+                      <p:stCondLst>
+                        <p:cond delay="indefinite"/>
+                      </p:stCondLst>
+                      <p:childTnLst>
+                        <p:par>
+                          <p:cTn id="12" fill="hold">
+                            <p:stCondLst>
+                              <p:cond delay="0"/>
+                            </p:stCondLst>
+                            <p:childTnLst>
+                              <p:par>
+                                <p:cTn id="13" presetID="1" presetClass="entr" presetSubtype="0" fill="hold" nodeType="clickEffect">
+                                  <p:stCondLst>
+                                    <p:cond delay="0"/>
+                                  </p:stCondLst>
+                                  <p:childTnLst>
+                                    <p:set>
+                                      <p:cBhvr>
+                                        <p:cTn id="14" dur="1" fill="hold">
+                                          <p:stCondLst>
+                                            <p:cond delay="0"/>
+                                          </p:stCondLst>
+                                        </p:cTn>
+                                        <p:tgtEl>
+                                          <p:spTgt spid="3">
+                                            <p:txEl>
+                                              <p:pRg st="2" end="2"/>
+                                            </p:txEl>
+                                          </p:spTgt>
+                                        </p:tgtEl>
+                                        <p:attrNameLst>
+                                          <p:attrName>style.visibility</p:attrName>
+                                        </p:attrNameLst>
+                                      </p:cBhvr>
+                                      <p:to>
+                                        <p:strVal val="visible"/>
+                                      </p:to>
+                                    </p:set>
+                                  </p:childTnLst>
+                                </p:cTn>
+                              </p:par>
+                            </p:childTnLst>
+                          </p:cTn>
+                        </p:par>
+                      </p:childTnLst>
+                    </p:cTn>
+                  </p:par>
+                </p:childTnLst>
+              </p:cTn>
+              <p:prevCondLst>
+                <p:cond evt="onPrev" delay="0">
+                  <p:tgtEl>
+                    <p:sldTgt/>
+                  </p:tgtEl>
+                </p:cond>
+              </p:prevCondLst>
+              <p:nextCondLst>
+                <p:cond evt="onNext" delay="0">
+                  <p:tgtEl>
+                    <p:sldTgt/>
+                  </p:tgtEl>
+                </p:cond>
+              </p:nextCondLst>
+            </p:seq>
+          </p:childTnLst>
+        </p:cTn>
+      </p:par>
+    </p:tnLst>
+  </p:timing>
 </p:sld>
 </file>
 
@@ -3974,7 +4793,7 @@
           <p:cNvPr id="2" name="Titel 1">
             <a:extLst>
               <a:ext uri="{FF2B5EF4-FFF2-40B4-BE49-F238E27FC236}">
-                <a16:creationId xmlns:a16="http://schemas.microsoft.com/office/drawing/2014/main" id="{0E150637-28B9-41D3-8696-7FEB4DFA0671}"/>
+                <a16:creationId xmlns:a16="http://schemas.microsoft.com/office/drawing/2014/main" id="{A6344944-9C58-48B1-86DB-DABE5BE9D378}"/>
               </a:ext>
             </a:extLst>
           </p:cNvPr>
@@ -3985,98 +4804,813 @@
             <p:ph type="title"/>
           </p:nvPr>
         </p:nvSpPr>
-        <p:spPr/>
-        <p:txBody>
-          <a:bodyPr/>
+        <p:spPr>
+          <a:xfrm>
+            <a:off x="200025" y="361310"/>
+            <a:ext cx="10772775" cy="909281"/>
+          </a:xfrm>
+        </p:spPr>
+        <p:txBody>
+          <a:bodyPr>
+            <a:normAutofit/>
+          </a:bodyPr>
           <a:lstStyle/>
           <a:p>
             <a:r>
               <a:rPr lang="de-DE" dirty="0"/>
-              <a:t>Funktionen</a:t>
-            </a:r>
-          </a:p>
-        </p:txBody>
-      </p:sp>
-      <p:sp>
-        <p:nvSpPr>
-          <p:cNvPr id="3" name="Inhaltsplatzhalter 2">
+              <a:t>Datenstrukturen in R</a:t>
+            </a:r>
+          </a:p>
+        </p:txBody>
+      </p:sp>
+      <p:pic>
+        <p:nvPicPr>
+          <p:cNvPr id="7" name="Grafik 6">
             <a:extLst>
               <a:ext uri="{FF2B5EF4-FFF2-40B4-BE49-F238E27FC236}">
-                <a16:creationId xmlns:a16="http://schemas.microsoft.com/office/drawing/2014/main" id="{438E3F8C-ED94-4360-876E-DB66036C02A9}"/>
+                <a16:creationId xmlns:a16="http://schemas.microsoft.com/office/drawing/2014/main" id="{966C09AA-82E2-4552-A370-6942889DF6F7}"/>
               </a:ext>
             </a:extLst>
           </p:cNvPr>
-          <p:cNvSpPr>
-            <a:spLocks noGrp="1"/>
-          </p:cNvSpPr>
-          <p:nvPr>
-            <p:ph idx="1"/>
-          </p:nvPr>
-        </p:nvSpPr>
-        <p:spPr/>
-        <p:txBody>
-          <a:bodyPr/>
+          <p:cNvPicPr>
+            <a:picLocks noChangeAspect="1"/>
+          </p:cNvPicPr>
+          <p:nvPr/>
+        </p:nvPicPr>
+        <p:blipFill>
+          <a:blip r:embed="rId2">
+            <a:extLst>
+              <a:ext uri="{28A0092B-C50C-407E-A947-70E740481C1C}">
+                <a14:useLocalDpi xmlns:a14="http://schemas.microsoft.com/office/drawing/2010/main" val="0"/>
+              </a:ext>
+            </a:extLst>
+          </a:blip>
+          <a:stretch>
+            <a:fillRect/>
+          </a:stretch>
+        </p:blipFill>
+        <p:spPr>
+          <a:xfrm>
+            <a:off x="200025" y="1540559"/>
+            <a:ext cx="9145143" cy="4066756"/>
+          </a:xfrm>
+          <a:prstGeom prst="rect">
+            <a:avLst/>
+          </a:prstGeom>
+        </p:spPr>
+      </p:pic>
+      <p:sp>
+        <p:nvSpPr>
+          <p:cNvPr id="8" name="Rechteck 7">
+            <a:extLst>
+              <a:ext uri="{FF2B5EF4-FFF2-40B4-BE49-F238E27FC236}">
+                <a16:creationId xmlns:a16="http://schemas.microsoft.com/office/drawing/2014/main" id="{1D2BD8B2-9E2D-4488-A8A5-B9BFAC0A7F8D}"/>
+              </a:ext>
+            </a:extLst>
+          </p:cNvPr>
+          <p:cNvSpPr/>
+          <p:nvPr/>
+        </p:nvSpPr>
+        <p:spPr>
+          <a:xfrm>
+            <a:off x="696432" y="2488019"/>
+            <a:ext cx="595423" cy="212651"/>
+          </a:xfrm>
+          <a:prstGeom prst="rect">
+            <a:avLst/>
+          </a:prstGeom>
+          <a:noFill/>
+          <a:ln w="19050">
+            <a:solidFill>
+              <a:srgbClr val="FF0000"/>
+            </a:solidFill>
+          </a:ln>
+        </p:spPr>
+        <p:style>
+          <a:lnRef idx="2">
+            <a:schemeClr val="accent1">
+              <a:shade val="50000"/>
+            </a:schemeClr>
+          </a:lnRef>
+          <a:fillRef idx="1">
+            <a:schemeClr val="accent1"/>
+          </a:fillRef>
+          <a:effectRef idx="0">
+            <a:schemeClr val="accent1"/>
+          </a:effectRef>
+          <a:fontRef idx="minor">
+            <a:schemeClr val="lt1"/>
+          </a:fontRef>
+        </p:style>
+        <p:txBody>
+          <a:bodyPr rtlCol="0" anchor="ctr"/>
           <a:lstStyle/>
           <a:p>
-            <a:r>
-              <a:rPr lang="de-DE" dirty="0"/>
-              <a:t>Gekennzeichnet durch ( )</a:t>
-            </a:r>
-          </a:p>
-          <a:p>
-            <a:r>
-              <a:rPr lang="de-DE" dirty="0"/>
-              <a:t>Mit F1 Taste lässt sich die Hilfe Seite der Funktion öffnen</a:t>
-            </a:r>
-          </a:p>
-          <a:p>
-            <a:r>
-              <a:rPr lang="de-DE" dirty="0"/>
-              <a:t>Unbekannte Funktionen lassen sich per Hilfe-&gt;Suche finden</a:t>
-            </a:r>
-          </a:p>
-          <a:p>
-            <a:r>
-              <a:rPr lang="de-DE" dirty="0"/>
-              <a:t>Viele Funktionen sind nur in zusätzlichen Paketen enthalten</a:t>
-            </a:r>
-          </a:p>
-          <a:p>
-            <a:pPr lvl="1"/>
-            <a:r>
-              <a:rPr lang="de-DE" dirty="0"/>
-              <a:t>-&gt; Google </a:t>
-            </a:r>
-          </a:p>
-          <a:p>
-            <a:r>
-              <a:rPr lang="de-DE" dirty="0" err="1"/>
-              <a:t>install.packages</a:t>
-            </a:r>
-            <a:r>
-              <a:rPr lang="de-DE" dirty="0"/>
-              <a:t>(„Paketname“) installiert das Paket</a:t>
-            </a:r>
-          </a:p>
-          <a:p>
-            <a:r>
-              <a:rPr lang="de-DE" dirty="0" err="1"/>
-              <a:t>library</a:t>
-            </a:r>
-            <a:r>
-              <a:rPr lang="de-DE" dirty="0"/>
-              <a:t>(Paketname) oder Paketname:: machen Funktionen zugreifbar</a:t>
-            </a:r>
-          </a:p>
-          <a:p>
-            <a:endParaRPr lang="de-DE" dirty="0"/>
+            <a:pPr algn="ctr"/>
+            <a:endParaRPr lang="de-DE"/>
+          </a:p>
+        </p:txBody>
+      </p:sp>
+      <p:sp>
+        <p:nvSpPr>
+          <p:cNvPr id="9" name="Rechteck 8">
+            <a:extLst>
+              <a:ext uri="{FF2B5EF4-FFF2-40B4-BE49-F238E27FC236}">
+                <a16:creationId xmlns:a16="http://schemas.microsoft.com/office/drawing/2014/main" id="{ABF6FC60-1F8A-4E76-9AD3-07BFBF2FB43A}"/>
+              </a:ext>
+            </a:extLst>
+          </p:cNvPr>
+          <p:cNvSpPr/>
+          <p:nvPr/>
+        </p:nvSpPr>
+        <p:spPr>
+          <a:xfrm>
+            <a:off x="2310809" y="3273056"/>
+            <a:ext cx="595423" cy="212651"/>
+          </a:xfrm>
+          <a:prstGeom prst="rect">
+            <a:avLst/>
+          </a:prstGeom>
+          <a:noFill/>
+          <a:ln w="19050">
+            <a:solidFill>
+              <a:srgbClr val="FF0000"/>
+            </a:solidFill>
+          </a:ln>
+        </p:spPr>
+        <p:style>
+          <a:lnRef idx="2">
+            <a:schemeClr val="accent1">
+              <a:shade val="50000"/>
+            </a:schemeClr>
+          </a:lnRef>
+          <a:fillRef idx="1">
+            <a:schemeClr val="accent1"/>
+          </a:fillRef>
+          <a:effectRef idx="0">
+            <a:schemeClr val="accent1"/>
+          </a:effectRef>
+          <a:fontRef idx="minor">
+            <a:schemeClr val="lt1"/>
+          </a:fontRef>
+        </p:style>
+        <p:txBody>
+          <a:bodyPr rtlCol="0" anchor="ctr"/>
+          <a:lstStyle/>
+          <a:p>
+            <a:pPr algn="ctr"/>
+            <a:endParaRPr lang="de-DE"/>
+          </a:p>
+        </p:txBody>
+      </p:sp>
+      <p:sp>
+        <p:nvSpPr>
+          <p:cNvPr id="10" name="Rechteck 9">
+            <a:extLst>
+              <a:ext uri="{FF2B5EF4-FFF2-40B4-BE49-F238E27FC236}">
+                <a16:creationId xmlns:a16="http://schemas.microsoft.com/office/drawing/2014/main" id="{DD71A2B7-08AE-4301-8860-BF9F5BC61FD3}"/>
+              </a:ext>
+            </a:extLst>
+          </p:cNvPr>
+          <p:cNvSpPr/>
+          <p:nvPr/>
+        </p:nvSpPr>
+        <p:spPr>
+          <a:xfrm>
+            <a:off x="9790814" y="1880191"/>
+            <a:ext cx="595423" cy="212651"/>
+          </a:xfrm>
+          <a:prstGeom prst="rect">
+            <a:avLst/>
+          </a:prstGeom>
+          <a:noFill/>
+          <a:ln w="19050">
+            <a:solidFill>
+              <a:srgbClr val="FF0000"/>
+            </a:solidFill>
+          </a:ln>
+        </p:spPr>
+        <p:style>
+          <a:lnRef idx="2">
+            <a:schemeClr val="accent1">
+              <a:shade val="50000"/>
+            </a:schemeClr>
+          </a:lnRef>
+          <a:fillRef idx="1">
+            <a:schemeClr val="accent1"/>
+          </a:fillRef>
+          <a:effectRef idx="0">
+            <a:schemeClr val="accent1"/>
+          </a:effectRef>
+          <a:fontRef idx="minor">
+            <a:schemeClr val="lt1"/>
+          </a:fontRef>
+        </p:style>
+        <p:txBody>
+          <a:bodyPr rtlCol="0" anchor="ctr"/>
+          <a:lstStyle/>
+          <a:p>
+            <a:pPr algn="ctr"/>
+            <a:endParaRPr lang="de-DE"/>
+          </a:p>
+        </p:txBody>
+      </p:sp>
+      <p:sp>
+        <p:nvSpPr>
+          <p:cNvPr id="11" name="Textfeld 10">
+            <a:extLst>
+              <a:ext uri="{FF2B5EF4-FFF2-40B4-BE49-F238E27FC236}">
+                <a16:creationId xmlns:a16="http://schemas.microsoft.com/office/drawing/2014/main" id="{8D2088F5-E923-4623-9ECE-9992D3C610B0}"/>
+              </a:ext>
+            </a:extLst>
+          </p:cNvPr>
+          <p:cNvSpPr txBox="1"/>
+          <p:nvPr/>
+        </p:nvSpPr>
+        <p:spPr>
+          <a:xfrm>
+            <a:off x="10579396" y="1801850"/>
+            <a:ext cx="1164421" cy="461665"/>
+          </a:xfrm>
+          <a:prstGeom prst="rect">
+            <a:avLst/>
+          </a:prstGeom>
+          <a:noFill/>
+        </p:spPr>
+        <p:txBody>
+          <a:bodyPr wrap="none" rtlCol="0">
+            <a:spAutoFit/>
+          </a:bodyPr>
+          <a:lstStyle/>
+          <a:p>
+            <a:r>
+              <a:rPr lang="de-DE" sz="2400" b="1" dirty="0">
+                <a:solidFill>
+                  <a:srgbClr val="FF0000"/>
+                </a:solidFill>
+              </a:rPr>
+              <a:t>Variable</a:t>
+            </a:r>
+            <a:endParaRPr lang="de-DE" b="1" dirty="0">
+              <a:solidFill>
+                <a:srgbClr val="FF0000"/>
+              </a:solidFill>
+            </a:endParaRPr>
+          </a:p>
+        </p:txBody>
+      </p:sp>
+      <p:sp>
+        <p:nvSpPr>
+          <p:cNvPr id="12" name="Rechteck 11">
+            <a:extLst>
+              <a:ext uri="{FF2B5EF4-FFF2-40B4-BE49-F238E27FC236}">
+                <a16:creationId xmlns:a16="http://schemas.microsoft.com/office/drawing/2014/main" id="{0348797C-BC9C-4427-92F0-E1AF33E0F2B6}"/>
+              </a:ext>
+            </a:extLst>
+          </p:cNvPr>
+          <p:cNvSpPr/>
+          <p:nvPr/>
+        </p:nvSpPr>
+        <p:spPr>
+          <a:xfrm>
+            <a:off x="6360042" y="1895579"/>
+            <a:ext cx="595423" cy="3691830"/>
+          </a:xfrm>
+          <a:prstGeom prst="rect">
+            <a:avLst/>
+          </a:prstGeom>
+          <a:noFill/>
+          <a:ln w="19050">
+            <a:solidFill>
+              <a:srgbClr val="0070C0"/>
+            </a:solidFill>
+          </a:ln>
+        </p:spPr>
+        <p:style>
+          <a:lnRef idx="2">
+            <a:schemeClr val="accent1">
+              <a:shade val="50000"/>
+            </a:schemeClr>
+          </a:lnRef>
+          <a:fillRef idx="1">
+            <a:schemeClr val="accent1"/>
+          </a:fillRef>
+          <a:effectRef idx="0">
+            <a:schemeClr val="accent1"/>
+          </a:effectRef>
+          <a:fontRef idx="minor">
+            <a:schemeClr val="lt1"/>
+          </a:fontRef>
+        </p:style>
+        <p:txBody>
+          <a:bodyPr rtlCol="0" anchor="ctr"/>
+          <a:lstStyle/>
+          <a:p>
+            <a:pPr algn="ctr"/>
+            <a:endParaRPr lang="de-DE"/>
+          </a:p>
+        </p:txBody>
+      </p:sp>
+      <p:sp>
+        <p:nvSpPr>
+          <p:cNvPr id="13" name="Rechteck 12">
+            <a:extLst>
+              <a:ext uri="{FF2B5EF4-FFF2-40B4-BE49-F238E27FC236}">
+                <a16:creationId xmlns:a16="http://schemas.microsoft.com/office/drawing/2014/main" id="{FF04BDEA-CA82-415A-B42D-A3BF482014A8}"/>
+              </a:ext>
+            </a:extLst>
+          </p:cNvPr>
+          <p:cNvSpPr/>
+          <p:nvPr/>
+        </p:nvSpPr>
+        <p:spPr>
+          <a:xfrm>
+            <a:off x="668078" y="3842784"/>
+            <a:ext cx="8677090" cy="212651"/>
+          </a:xfrm>
+          <a:prstGeom prst="rect">
+            <a:avLst/>
+          </a:prstGeom>
+          <a:noFill/>
+          <a:ln w="19050">
+            <a:solidFill>
+              <a:srgbClr val="0070C0"/>
+            </a:solidFill>
+          </a:ln>
+        </p:spPr>
+        <p:style>
+          <a:lnRef idx="2">
+            <a:schemeClr val="accent1">
+              <a:shade val="50000"/>
+            </a:schemeClr>
+          </a:lnRef>
+          <a:fillRef idx="1">
+            <a:schemeClr val="accent1"/>
+          </a:fillRef>
+          <a:effectRef idx="0">
+            <a:schemeClr val="accent1"/>
+          </a:effectRef>
+          <a:fontRef idx="minor">
+            <a:schemeClr val="lt1"/>
+          </a:fontRef>
+        </p:style>
+        <p:txBody>
+          <a:bodyPr rtlCol="0" anchor="ctr"/>
+          <a:lstStyle/>
+          <a:p>
+            <a:pPr algn="ctr"/>
+            <a:endParaRPr lang="de-DE"/>
+          </a:p>
+        </p:txBody>
+      </p:sp>
+      <p:sp>
+        <p:nvSpPr>
+          <p:cNvPr id="14" name="Rechteck 13">
+            <a:extLst>
+              <a:ext uri="{FF2B5EF4-FFF2-40B4-BE49-F238E27FC236}">
+                <a16:creationId xmlns:a16="http://schemas.microsoft.com/office/drawing/2014/main" id="{A4E7BFDF-F12D-4DE3-A1C2-A0127032DD8C}"/>
+              </a:ext>
+            </a:extLst>
+          </p:cNvPr>
+          <p:cNvSpPr/>
+          <p:nvPr/>
+        </p:nvSpPr>
+        <p:spPr>
+          <a:xfrm>
+            <a:off x="9815623" y="2489791"/>
+            <a:ext cx="595423" cy="212651"/>
+          </a:xfrm>
+          <a:prstGeom prst="rect">
+            <a:avLst/>
+          </a:prstGeom>
+          <a:noFill/>
+          <a:ln w="19050">
+            <a:solidFill>
+              <a:srgbClr val="0070C0"/>
+            </a:solidFill>
+          </a:ln>
+        </p:spPr>
+        <p:style>
+          <a:lnRef idx="2">
+            <a:schemeClr val="accent1">
+              <a:shade val="50000"/>
+            </a:schemeClr>
+          </a:lnRef>
+          <a:fillRef idx="1">
+            <a:schemeClr val="accent1"/>
+          </a:fillRef>
+          <a:effectRef idx="0">
+            <a:schemeClr val="accent1"/>
+          </a:effectRef>
+          <a:fontRef idx="minor">
+            <a:schemeClr val="lt1"/>
+          </a:fontRef>
+        </p:style>
+        <p:txBody>
+          <a:bodyPr rtlCol="0" anchor="ctr"/>
+          <a:lstStyle/>
+          <a:p>
+            <a:pPr algn="ctr"/>
+            <a:endParaRPr lang="de-DE"/>
+          </a:p>
+        </p:txBody>
+      </p:sp>
+      <p:sp>
+        <p:nvSpPr>
+          <p:cNvPr id="15" name="Textfeld 14">
+            <a:extLst>
+              <a:ext uri="{FF2B5EF4-FFF2-40B4-BE49-F238E27FC236}">
+                <a16:creationId xmlns:a16="http://schemas.microsoft.com/office/drawing/2014/main" id="{3E8A1429-B198-40FF-B3CD-9517C32D21AE}"/>
+              </a:ext>
+            </a:extLst>
+          </p:cNvPr>
+          <p:cNvSpPr txBox="1"/>
+          <p:nvPr/>
+        </p:nvSpPr>
+        <p:spPr>
+          <a:xfrm>
+            <a:off x="10637897" y="2394289"/>
+            <a:ext cx="974690" cy="461665"/>
+          </a:xfrm>
+          <a:prstGeom prst="rect">
+            <a:avLst/>
+          </a:prstGeom>
+          <a:noFill/>
+        </p:spPr>
+        <p:txBody>
+          <a:bodyPr wrap="none" rtlCol="0">
+            <a:spAutoFit/>
+          </a:bodyPr>
+          <a:lstStyle/>
+          <a:p>
+            <a:r>
+              <a:rPr lang="de-DE" sz="2400" b="1" dirty="0">
+                <a:solidFill>
+                  <a:srgbClr val="0070C0"/>
+                </a:solidFill>
+              </a:rPr>
+              <a:t>Vektor</a:t>
+            </a:r>
+            <a:endParaRPr lang="de-DE" b="1" dirty="0">
+              <a:solidFill>
+                <a:srgbClr val="0070C0"/>
+              </a:solidFill>
+            </a:endParaRPr>
+          </a:p>
+        </p:txBody>
+      </p:sp>
+      <p:sp>
+        <p:nvSpPr>
+          <p:cNvPr id="16" name="Rechteck 15">
+            <a:extLst>
+              <a:ext uri="{FF2B5EF4-FFF2-40B4-BE49-F238E27FC236}">
+                <a16:creationId xmlns:a16="http://schemas.microsoft.com/office/drawing/2014/main" id="{723C9472-24E9-44F4-BB57-A512D68AC2B6}"/>
+              </a:ext>
+            </a:extLst>
+          </p:cNvPr>
+          <p:cNvSpPr/>
+          <p:nvPr/>
+        </p:nvSpPr>
+        <p:spPr>
+          <a:xfrm>
+            <a:off x="3101163" y="1919127"/>
+            <a:ext cx="2247014" cy="3691830"/>
+          </a:xfrm>
+          <a:prstGeom prst="rect">
+            <a:avLst/>
+          </a:prstGeom>
+          <a:noFill/>
+          <a:ln w="19050">
+            <a:solidFill>
+              <a:srgbClr val="FFC000"/>
+            </a:solidFill>
+          </a:ln>
+        </p:spPr>
+        <p:style>
+          <a:lnRef idx="2">
+            <a:schemeClr val="accent1">
+              <a:shade val="50000"/>
+            </a:schemeClr>
+          </a:lnRef>
+          <a:fillRef idx="1">
+            <a:schemeClr val="accent1"/>
+          </a:fillRef>
+          <a:effectRef idx="0">
+            <a:schemeClr val="accent1"/>
+          </a:effectRef>
+          <a:fontRef idx="minor">
+            <a:schemeClr val="lt1"/>
+          </a:fontRef>
+        </p:style>
+        <p:txBody>
+          <a:bodyPr rtlCol="0" anchor="ctr"/>
+          <a:lstStyle/>
+          <a:p>
+            <a:pPr algn="ctr"/>
+            <a:endParaRPr lang="de-DE"/>
+          </a:p>
+        </p:txBody>
+      </p:sp>
+      <p:sp>
+        <p:nvSpPr>
+          <p:cNvPr id="17" name="Rechteck 16">
+            <a:extLst>
+              <a:ext uri="{FF2B5EF4-FFF2-40B4-BE49-F238E27FC236}">
+                <a16:creationId xmlns:a16="http://schemas.microsoft.com/office/drawing/2014/main" id="{292D6678-9790-40B8-8D69-A6C10AD37FBE}"/>
+              </a:ext>
+            </a:extLst>
+          </p:cNvPr>
+          <p:cNvSpPr/>
+          <p:nvPr/>
+        </p:nvSpPr>
+        <p:spPr>
+          <a:xfrm>
+            <a:off x="531155" y="4412512"/>
+            <a:ext cx="2422923" cy="1023008"/>
+          </a:xfrm>
+          <a:prstGeom prst="rect">
+            <a:avLst/>
+          </a:prstGeom>
+          <a:noFill/>
+          <a:ln w="19050">
+            <a:solidFill>
+              <a:srgbClr val="FFC000"/>
+            </a:solidFill>
+          </a:ln>
+        </p:spPr>
+        <p:style>
+          <a:lnRef idx="2">
+            <a:schemeClr val="accent1">
+              <a:shade val="50000"/>
+            </a:schemeClr>
+          </a:lnRef>
+          <a:fillRef idx="1">
+            <a:schemeClr val="accent1"/>
+          </a:fillRef>
+          <a:effectRef idx="0">
+            <a:schemeClr val="accent1"/>
+          </a:effectRef>
+          <a:fontRef idx="minor">
+            <a:schemeClr val="lt1"/>
+          </a:fontRef>
+        </p:style>
+        <p:txBody>
+          <a:bodyPr rtlCol="0" anchor="ctr"/>
+          <a:lstStyle/>
+          <a:p>
+            <a:pPr algn="ctr"/>
+            <a:endParaRPr lang="de-DE"/>
+          </a:p>
+        </p:txBody>
+      </p:sp>
+      <p:sp>
+        <p:nvSpPr>
+          <p:cNvPr id="18" name="Rechteck 17">
+            <a:extLst>
+              <a:ext uri="{FF2B5EF4-FFF2-40B4-BE49-F238E27FC236}">
+                <a16:creationId xmlns:a16="http://schemas.microsoft.com/office/drawing/2014/main" id="{E616735A-2B34-483B-9C46-3E95A0DE9088}"/>
+              </a:ext>
+            </a:extLst>
+          </p:cNvPr>
+          <p:cNvSpPr/>
+          <p:nvPr/>
+        </p:nvSpPr>
+        <p:spPr>
+          <a:xfrm>
+            <a:off x="9815623" y="3060405"/>
+            <a:ext cx="595423" cy="212651"/>
+          </a:xfrm>
+          <a:prstGeom prst="rect">
+            <a:avLst/>
+          </a:prstGeom>
+          <a:noFill/>
+          <a:ln w="19050">
+            <a:solidFill>
+              <a:srgbClr val="FFC000"/>
+            </a:solidFill>
+          </a:ln>
+        </p:spPr>
+        <p:style>
+          <a:lnRef idx="2">
+            <a:schemeClr val="accent1">
+              <a:shade val="50000"/>
+            </a:schemeClr>
+          </a:lnRef>
+          <a:fillRef idx="1">
+            <a:schemeClr val="accent1"/>
+          </a:fillRef>
+          <a:effectRef idx="0">
+            <a:schemeClr val="accent1"/>
+          </a:effectRef>
+          <a:fontRef idx="minor">
+            <a:schemeClr val="lt1"/>
+          </a:fontRef>
+        </p:style>
+        <p:txBody>
+          <a:bodyPr rtlCol="0" anchor="ctr"/>
+          <a:lstStyle/>
+          <a:p>
+            <a:pPr algn="ctr"/>
+            <a:endParaRPr lang="de-DE"/>
+          </a:p>
+        </p:txBody>
+      </p:sp>
+      <p:sp>
+        <p:nvSpPr>
+          <p:cNvPr id="19" name="Textfeld 18">
+            <a:extLst>
+              <a:ext uri="{FF2B5EF4-FFF2-40B4-BE49-F238E27FC236}">
+                <a16:creationId xmlns:a16="http://schemas.microsoft.com/office/drawing/2014/main" id="{9A4AEC68-F108-4C0B-8864-DC2CB484E02A}"/>
+              </a:ext>
+            </a:extLst>
+          </p:cNvPr>
+          <p:cNvSpPr txBox="1"/>
+          <p:nvPr/>
+        </p:nvSpPr>
+        <p:spPr>
+          <a:xfrm>
+            <a:off x="10579396" y="2935897"/>
+            <a:ext cx="976742" cy="461665"/>
+          </a:xfrm>
+          <a:prstGeom prst="rect">
+            <a:avLst/>
+          </a:prstGeom>
+          <a:noFill/>
+        </p:spPr>
+        <p:txBody>
+          <a:bodyPr wrap="none" rtlCol="0">
+            <a:spAutoFit/>
+          </a:bodyPr>
+          <a:lstStyle/>
+          <a:p>
+            <a:r>
+              <a:rPr lang="de-DE" sz="2400" b="1" dirty="0">
+                <a:solidFill>
+                  <a:srgbClr val="FFC000"/>
+                </a:solidFill>
+              </a:rPr>
+              <a:t>Matrix</a:t>
+            </a:r>
+            <a:endParaRPr lang="de-DE" b="1" dirty="0">
+              <a:solidFill>
+                <a:srgbClr val="FFC000"/>
+              </a:solidFill>
+            </a:endParaRPr>
+          </a:p>
+        </p:txBody>
+      </p:sp>
+      <p:sp>
+        <p:nvSpPr>
+          <p:cNvPr id="20" name="Rechteck 19">
+            <a:extLst>
+              <a:ext uri="{FF2B5EF4-FFF2-40B4-BE49-F238E27FC236}">
+                <a16:creationId xmlns:a16="http://schemas.microsoft.com/office/drawing/2014/main" id="{2B32807F-1AC5-439E-9458-4AB983E5DBA2}"/>
+              </a:ext>
+            </a:extLst>
+          </p:cNvPr>
+          <p:cNvSpPr/>
+          <p:nvPr/>
+        </p:nvSpPr>
+        <p:spPr>
+          <a:xfrm>
+            <a:off x="159488" y="1540559"/>
+            <a:ext cx="9223745" cy="4110646"/>
+          </a:xfrm>
+          <a:prstGeom prst="rect">
+            <a:avLst/>
+          </a:prstGeom>
+          <a:noFill/>
+          <a:ln w="28575">
+            <a:solidFill>
+              <a:srgbClr val="7030A0"/>
+            </a:solidFill>
+          </a:ln>
+        </p:spPr>
+        <p:style>
+          <a:lnRef idx="2">
+            <a:schemeClr val="accent1">
+              <a:shade val="50000"/>
+            </a:schemeClr>
+          </a:lnRef>
+          <a:fillRef idx="1">
+            <a:schemeClr val="accent1"/>
+          </a:fillRef>
+          <a:effectRef idx="0">
+            <a:schemeClr val="accent1"/>
+          </a:effectRef>
+          <a:fontRef idx="minor">
+            <a:schemeClr val="lt1"/>
+          </a:fontRef>
+        </p:style>
+        <p:txBody>
+          <a:bodyPr rtlCol="0" anchor="ctr"/>
+          <a:lstStyle/>
+          <a:p>
+            <a:pPr algn="ctr"/>
+            <a:endParaRPr lang="de-DE"/>
+          </a:p>
+        </p:txBody>
+      </p:sp>
+      <p:sp>
+        <p:nvSpPr>
+          <p:cNvPr id="21" name="Rechteck 20">
+            <a:extLst>
+              <a:ext uri="{FF2B5EF4-FFF2-40B4-BE49-F238E27FC236}">
+                <a16:creationId xmlns:a16="http://schemas.microsoft.com/office/drawing/2014/main" id="{932DBDE9-61C3-4EF2-BCE2-5BF33C8E27A7}"/>
+              </a:ext>
+            </a:extLst>
+          </p:cNvPr>
+          <p:cNvSpPr/>
+          <p:nvPr/>
+        </p:nvSpPr>
+        <p:spPr>
+          <a:xfrm>
+            <a:off x="9851286" y="3658716"/>
+            <a:ext cx="595423" cy="212651"/>
+          </a:xfrm>
+          <a:prstGeom prst="rect">
+            <a:avLst/>
+          </a:prstGeom>
+          <a:noFill/>
+          <a:ln w="19050">
+            <a:solidFill>
+              <a:srgbClr val="7030A0"/>
+            </a:solidFill>
+          </a:ln>
+        </p:spPr>
+        <p:style>
+          <a:lnRef idx="2">
+            <a:schemeClr val="accent1">
+              <a:shade val="50000"/>
+            </a:schemeClr>
+          </a:lnRef>
+          <a:fillRef idx="1">
+            <a:schemeClr val="accent1"/>
+          </a:fillRef>
+          <a:effectRef idx="0">
+            <a:schemeClr val="accent1"/>
+          </a:effectRef>
+          <a:fontRef idx="minor">
+            <a:schemeClr val="lt1"/>
+          </a:fontRef>
+        </p:style>
+        <p:txBody>
+          <a:bodyPr rtlCol="0" anchor="ctr"/>
+          <a:lstStyle/>
+          <a:p>
+            <a:pPr algn="ctr"/>
+            <a:endParaRPr lang="de-DE"/>
+          </a:p>
+        </p:txBody>
+      </p:sp>
+      <p:sp>
+        <p:nvSpPr>
+          <p:cNvPr id="22" name="Textfeld 21">
+            <a:extLst>
+              <a:ext uri="{FF2B5EF4-FFF2-40B4-BE49-F238E27FC236}">
+                <a16:creationId xmlns:a16="http://schemas.microsoft.com/office/drawing/2014/main" id="{04F4B21E-7278-44B6-8CA5-BB87D3EC5653}"/>
+              </a:ext>
+            </a:extLst>
+          </p:cNvPr>
+          <p:cNvSpPr txBox="1"/>
+          <p:nvPr/>
+        </p:nvSpPr>
+        <p:spPr>
+          <a:xfrm>
+            <a:off x="10517854" y="3516718"/>
+            <a:ext cx="1484124" cy="461665"/>
+          </a:xfrm>
+          <a:prstGeom prst="rect">
+            <a:avLst/>
+          </a:prstGeom>
+          <a:noFill/>
+        </p:spPr>
+        <p:txBody>
+          <a:bodyPr wrap="none" rtlCol="0">
+            <a:spAutoFit/>
+          </a:bodyPr>
+          <a:lstStyle/>
+          <a:p>
+            <a:r>
+              <a:rPr lang="de-DE" sz="2400" b="1" dirty="0">
+                <a:solidFill>
+                  <a:srgbClr val="7030A0"/>
+                </a:solidFill>
+              </a:rPr>
+              <a:t>Dataframe</a:t>
+            </a:r>
+            <a:endParaRPr lang="de-DE" b="1" dirty="0">
+              <a:solidFill>
+                <a:srgbClr val="7030A0"/>
+              </a:solidFill>
+            </a:endParaRPr>
           </a:p>
         </p:txBody>
       </p:sp>
     </p:spTree>
     <p:extLst>
       <p:ext uri="{BB962C8B-B14F-4D97-AF65-F5344CB8AC3E}">
-        <p14:creationId xmlns:p14="http://schemas.microsoft.com/office/powerpoint/2010/main" val="3779274688"/>
+        <p14:creationId xmlns:p14="http://schemas.microsoft.com/office/powerpoint/2010/main" val="2130136411"/>
       </p:ext>
     </p:extLst>
   </p:cSld>
@@ -4108,7 +5642,7 @@
           <p:cNvPr id="2" name="Titel 1">
             <a:extLst>
               <a:ext uri="{FF2B5EF4-FFF2-40B4-BE49-F238E27FC236}">
-                <a16:creationId xmlns:a16="http://schemas.microsoft.com/office/drawing/2014/main" id="{AC027F97-6EC1-4A37-B082-BDDE5E5BAF69}"/>
+                <a16:creationId xmlns:a16="http://schemas.microsoft.com/office/drawing/2014/main" id="{AE82C04D-C07E-4106-B772-CE20CFE0DA43}"/>
               </a:ext>
             </a:extLst>
           </p:cNvPr>
@@ -4119,60 +5653,19 @@
             <p:ph type="title"/>
           </p:nvPr>
         </p:nvSpPr>
-        <p:spPr/>
+        <p:spPr>
+          <a:xfrm>
+            <a:off x="653902" y="2328333"/>
+            <a:ext cx="11153553" cy="1658198"/>
+          </a:xfrm>
+        </p:spPr>
         <p:txBody>
           <a:bodyPr/>
           <a:lstStyle/>
           <a:p>
             <a:r>
               <a:rPr lang="de-DE" dirty="0"/>
-              <a:t>Matrizen</a:t>
-            </a:r>
-          </a:p>
-        </p:txBody>
-      </p:sp>
-      <p:sp>
-        <p:nvSpPr>
-          <p:cNvPr id="3" name="Inhaltsplatzhalter 2">
-            <a:extLst>
-              <a:ext uri="{FF2B5EF4-FFF2-40B4-BE49-F238E27FC236}">
-                <a16:creationId xmlns:a16="http://schemas.microsoft.com/office/drawing/2014/main" id="{7150AA3E-74DA-400E-A9AE-32DE27C78691}"/>
-              </a:ext>
-            </a:extLst>
-          </p:cNvPr>
-          <p:cNvSpPr>
-            <a:spLocks noGrp="1"/>
-          </p:cNvSpPr>
-          <p:nvPr>
-            <p:ph idx="1"/>
-          </p:nvPr>
-        </p:nvSpPr>
-        <p:spPr/>
-        <p:txBody>
-          <a:bodyPr/>
-          <a:lstStyle/>
-          <a:p>
-            <a:r>
-              <a:rPr lang="de-DE" dirty="0"/>
-              <a:t>2 dimensionaler Vektor</a:t>
-            </a:r>
-          </a:p>
-          <a:p>
-            <a:r>
-              <a:rPr lang="de-DE" dirty="0"/>
-              <a:t>Bei Indizierung mit [] muss jetzt Zeile und Spalte angegeben werden</a:t>
-            </a:r>
-          </a:p>
-          <a:p>
-            <a:r>
-              <a:rPr lang="de-DE" dirty="0"/>
-              <a:t>Erste Zahl: Zeile</a:t>
-            </a:r>
-          </a:p>
-          <a:p>
-            <a:r>
-              <a:rPr lang="de-DE" dirty="0"/>
-              <a:t>Zweite Zahl: Spalte</a:t>
+              <a:t>Live Coding: Vektoren</a:t>
             </a:r>
           </a:p>
         </p:txBody>
@@ -4180,7 +5673,7 @@
     </p:spTree>
     <p:extLst>
       <p:ext uri="{BB962C8B-B14F-4D97-AF65-F5344CB8AC3E}">
-        <p14:creationId xmlns:p14="http://schemas.microsoft.com/office/powerpoint/2010/main" val="2897851853"/>
+        <p14:creationId xmlns:p14="http://schemas.microsoft.com/office/powerpoint/2010/main" val="3386907715"/>
       </p:ext>
     </p:extLst>
   </p:cSld>
@@ -4212,7 +5705,7 @@
           <p:cNvPr id="2" name="Titel 1">
             <a:extLst>
               <a:ext uri="{FF2B5EF4-FFF2-40B4-BE49-F238E27FC236}">
-                <a16:creationId xmlns:a16="http://schemas.microsoft.com/office/drawing/2014/main" id="{9F03FD5D-0C57-4C4A-9C16-0AFCA3AC19A3}"/>
+                <a16:creationId xmlns:a16="http://schemas.microsoft.com/office/drawing/2014/main" id="{C98CD711-149C-4D10-B9CF-E4A5E9695EEC}"/>
               </a:ext>
             </a:extLst>
           </p:cNvPr>
@@ -4223,14 +5716,19 @@
             <p:ph type="title"/>
           </p:nvPr>
         </p:nvSpPr>
-        <p:spPr/>
+        <p:spPr>
+          <a:xfrm>
+            <a:off x="638174" y="259041"/>
+            <a:ext cx="10772775" cy="1077596"/>
+          </a:xfrm>
+        </p:spPr>
         <p:txBody>
           <a:bodyPr/>
           <a:lstStyle/>
           <a:p>
             <a:r>
               <a:rPr lang="de-DE" dirty="0"/>
-              <a:t>Dataframe</a:t>
+              <a:t>Übung: Vektoren</a:t>
             </a:r>
           </a:p>
         </p:txBody>
@@ -4240,7 +5738,7 @@
           <p:cNvPr id="3" name="Inhaltsplatzhalter 2">
             <a:extLst>
               <a:ext uri="{FF2B5EF4-FFF2-40B4-BE49-F238E27FC236}">
-                <a16:creationId xmlns:a16="http://schemas.microsoft.com/office/drawing/2014/main" id="{04ACF738-AB74-4918-8C3B-C479D336D5DA}"/>
+                <a16:creationId xmlns:a16="http://schemas.microsoft.com/office/drawing/2014/main" id="{4CF981BD-E5E2-4F40-B1EA-B35213368847}"/>
               </a:ext>
             </a:extLst>
           </p:cNvPr>
@@ -4251,44 +5749,103 @@
             <p:ph idx="1"/>
           </p:nvPr>
         </p:nvSpPr>
-        <p:spPr/>
-        <p:txBody>
-          <a:bodyPr/>
+        <p:spPr>
+          <a:xfrm>
+            <a:off x="657224" y="1212980"/>
+            <a:ext cx="10753725" cy="5262465"/>
+          </a:xfrm>
+        </p:spPr>
+        <p:txBody>
+          <a:bodyPr>
+            <a:normAutofit/>
+          </a:bodyPr>
           <a:lstStyle/>
           <a:p>
-            <a:r>
-              <a:rPr lang="de-DE" dirty="0"/>
-              <a:t>Das Kernstück von R</a:t>
-            </a:r>
-          </a:p>
-          <a:p>
-            <a:r>
-              <a:rPr lang="de-DE" dirty="0"/>
-              <a:t>Analog der Excel Tabelle</a:t>
-            </a:r>
-          </a:p>
-          <a:p>
-            <a:r>
-              <a:rPr lang="de-DE" dirty="0"/>
-              <a:t>Erweiterung der Matrix</a:t>
-            </a:r>
-          </a:p>
-          <a:p>
-            <a:r>
-              <a:rPr lang="de-DE" dirty="0"/>
-              <a:t>Spalten können aus unterschiedlichen Datentypen bestehen</a:t>
-            </a:r>
-          </a:p>
-          <a:p>
-            <a:r>
-              <a:rPr lang="de-DE" dirty="0"/>
-              <a:t>Spalten haben Namen!</a:t>
-            </a:r>
-          </a:p>
-          <a:p>
-            <a:r>
-              <a:rPr lang="de-DE" dirty="0"/>
-              <a:t>Auswahl einzelner Spalten durch $ und Spaltennamen</a:t>
+            <a:pPr marL="457200" indent="-457200">
+              <a:buFont typeface="+mj-lt"/>
+              <a:buAutoNum type="arabicPeriod"/>
+            </a:pPr>
+            <a:r>
+              <a:rPr lang="de-DE" sz="2800" dirty="0"/>
+              <a:t>Erzeugen Sie einen Vektor </a:t>
+            </a:r>
+            <a:r>
+              <a:rPr lang="de-DE" sz="2800" b="1" dirty="0" err="1"/>
+              <a:t>vec</a:t>
+            </a:r>
+            <a:r>
+              <a:rPr lang="de-DE" sz="2800" dirty="0"/>
+              <a:t> mit den Zahlen 2, 23, 42, 256, 13</a:t>
+            </a:r>
+          </a:p>
+          <a:p>
+            <a:pPr marL="457200" indent="-457200">
+              <a:buFont typeface="+mj-lt"/>
+              <a:buAutoNum type="arabicPeriod"/>
+            </a:pPr>
+            <a:r>
+              <a:rPr lang="de-DE" sz="2800" dirty="0"/>
+              <a:t>Hängen Sie an den Vektor die Zahl 800 an</a:t>
+            </a:r>
+          </a:p>
+          <a:p>
+            <a:pPr marL="457200" indent="-457200">
+              <a:buFont typeface="+mj-lt"/>
+              <a:buAutoNum type="arabicPeriod"/>
+            </a:pPr>
+            <a:r>
+              <a:rPr lang="de-DE" sz="2800" dirty="0"/>
+              <a:t>Fügen Sie vor der ersten Zahl eine 0 dem Vektor hinzu</a:t>
+            </a:r>
+          </a:p>
+          <a:p>
+            <a:pPr marL="457200" indent="-457200">
+              <a:buFont typeface="+mj-lt"/>
+              <a:buAutoNum type="arabicPeriod"/>
+            </a:pPr>
+            <a:r>
+              <a:rPr lang="de-DE" sz="2800" dirty="0"/>
+              <a:t>Löschen Sie die Stelle mit Zahl 256 aus dem Vektor </a:t>
+            </a:r>
+          </a:p>
+          <a:p>
+            <a:pPr marL="457200" indent="-457200">
+              <a:buFont typeface="+mj-lt"/>
+              <a:buAutoNum type="arabicPeriod"/>
+            </a:pPr>
+            <a:r>
+              <a:rPr lang="de-DE" sz="2800" dirty="0"/>
+              <a:t>Überschreiben Sie die Zahl 800 mit der Zahl 799 </a:t>
+            </a:r>
+          </a:p>
+          <a:p>
+            <a:pPr marL="457200" indent="-457200">
+              <a:buFont typeface="+mj-lt"/>
+              <a:buAutoNum type="arabicPeriod"/>
+            </a:pPr>
+            <a:r>
+              <a:rPr lang="de-DE" sz="2800" dirty="0"/>
+              <a:t>Wählen sie die ersten 3 Stellen des Vektors aus und speichern diese in einen neuen Vektor </a:t>
+            </a:r>
+          </a:p>
+          <a:p>
+            <a:pPr marL="457200" indent="-457200">
+              <a:buFont typeface="+mj-lt"/>
+              <a:buAutoNum type="arabicPeriod"/>
+            </a:pPr>
+            <a:r>
+              <a:rPr lang="de-DE" sz="2800" dirty="0"/>
+              <a:t>Wählen sie alle Stellen aus dem Vektor aus die größer sind als 20 und speichern Sie diese ebenfalls in einem neuen Vektor </a:t>
+            </a:r>
+          </a:p>
+          <a:p>
+            <a:pPr marL="457200" indent="-457200">
+              <a:buFont typeface="+mj-lt"/>
+              <a:buAutoNum type="arabicPeriod"/>
+            </a:pPr>
+            <a:r>
+              <a:rPr lang="de-DE" sz="2800" dirty="0"/>
+              <a:t>Bonus: Wählen Sie die Zahlen des Vektors so aus, dass die gewählten Zahlen den Vektor in sortierter Reihenfolge darstellen</a:t>
             </a:r>
           </a:p>
         </p:txBody>
@@ -4296,7 +5853,7 @@
     </p:spTree>
     <p:extLst>
       <p:ext uri="{BB962C8B-B14F-4D97-AF65-F5344CB8AC3E}">
-        <p14:creationId xmlns:p14="http://schemas.microsoft.com/office/powerpoint/2010/main" val="3420363640"/>
+        <p14:creationId xmlns:p14="http://schemas.microsoft.com/office/powerpoint/2010/main" val="354115994"/>
       </p:ext>
     </p:extLst>
   </p:cSld>
@@ -4328,7 +5885,7 @@
           <p:cNvPr id="2" name="Titel 1">
             <a:extLst>
               <a:ext uri="{FF2B5EF4-FFF2-40B4-BE49-F238E27FC236}">
-                <a16:creationId xmlns:a16="http://schemas.microsoft.com/office/drawing/2014/main" id="{6E8A2DE6-FB1F-4FFB-A511-02C68EDE7CB9}"/>
+                <a16:creationId xmlns:a16="http://schemas.microsoft.com/office/drawing/2014/main" id="{3C1D52D2-BC55-4FD1-AC05-C91977EDF9C4}"/>
               </a:ext>
             </a:extLst>
           </p:cNvPr>
@@ -4339,14 +5896,19 @@
             <p:ph type="title"/>
           </p:nvPr>
         </p:nvSpPr>
-        <p:spPr/>
+        <p:spPr>
+          <a:xfrm>
+            <a:off x="625326" y="398720"/>
+            <a:ext cx="10772775" cy="1179536"/>
+          </a:xfrm>
+        </p:spPr>
         <p:txBody>
           <a:bodyPr/>
           <a:lstStyle/>
           <a:p>
             <a:r>
               <a:rPr lang="de-DE" dirty="0"/>
-              <a:t>Funktionen und Packages</a:t>
+              <a:t>Vektoren</a:t>
             </a:r>
           </a:p>
         </p:txBody>
@@ -4356,7 +5918,7 @@
           <p:cNvPr id="3" name="Inhaltsplatzhalter 2">
             <a:extLst>
               <a:ext uri="{FF2B5EF4-FFF2-40B4-BE49-F238E27FC236}">
-                <a16:creationId xmlns:a16="http://schemas.microsoft.com/office/drawing/2014/main" id="{28DC6524-4F25-4949-BD80-6E6852C55482}"/>
+                <a16:creationId xmlns:a16="http://schemas.microsoft.com/office/drawing/2014/main" id="{006FC6F6-D4B2-44EA-8BD7-20724DCA6B3C}"/>
               </a:ext>
             </a:extLst>
           </p:cNvPr>
@@ -4367,19 +5929,113 @@
             <p:ph idx="1"/>
           </p:nvPr>
         </p:nvSpPr>
-        <p:spPr/>
+        <p:spPr>
+          <a:xfrm>
+            <a:off x="838200" y="1338364"/>
+            <a:ext cx="10515600" cy="4683089"/>
+          </a:xfrm>
+        </p:spPr>
         <p:txBody>
           <a:bodyPr/>
           <a:lstStyle/>
           <a:p>
-            <a:r>
-              <a:rPr lang="de-DE" dirty="0"/>
-              <a:t>Was genau eine Funktion macht, oder welche Argumente die Funktion besitzt lässt sich über die Dokumentation in der internen  </a:t>
-            </a:r>
-            <a:r>
-              <a:rPr lang="de-DE"/>
-              <a:t>Hilfe nachlesen</a:t>
-            </a:r>
+            <a:pPr lvl="1">
+              <a:lnSpc>
+                <a:spcPct val="150000"/>
+              </a:lnSpc>
+              <a:buFont typeface="Arial" panose="020B0604020202020204" pitchFamily="34" charset="0"/>
+              <a:buChar char="•"/>
+            </a:pPr>
+            <a:r>
+              <a:rPr lang="de-DE" sz="2800" dirty="0"/>
+              <a:t>Verbinden mehrere Werte mit c( ) (</a:t>
+            </a:r>
+            <a:r>
+              <a:rPr lang="de-DE" sz="2800" dirty="0" err="1"/>
+              <a:t>combine</a:t>
+            </a:r>
+            <a:r>
+              <a:rPr lang="de-DE" sz="2800" dirty="0"/>
+              <a:t>)</a:t>
+            </a:r>
+          </a:p>
+          <a:p>
+            <a:pPr lvl="1">
+              <a:lnSpc>
+                <a:spcPct val="100000"/>
+              </a:lnSpc>
+              <a:buFont typeface="Arial" panose="020B0604020202020204" pitchFamily="34" charset="0"/>
+              <a:buChar char="•"/>
+            </a:pPr>
+            <a:r>
+              <a:rPr lang="de-DE" sz="2800" dirty="0"/>
+              <a:t>Operatoren werden auf alle Elemente eines Vektors ausgeführt</a:t>
+            </a:r>
+          </a:p>
+          <a:p>
+            <a:pPr marL="457200" lvl="1" indent="0">
+              <a:lnSpc>
+                <a:spcPct val="100000"/>
+              </a:lnSpc>
+              <a:buNone/>
+            </a:pPr>
+            <a:r>
+              <a:rPr lang="de-DE" sz="2800" dirty="0"/>
+              <a:t>-&gt; ermöglicht effizientes Editieren und durchführen von Abfragen</a:t>
+            </a:r>
+          </a:p>
+          <a:p>
+            <a:pPr lvl="1">
+              <a:lnSpc>
+                <a:spcPct val="150000"/>
+              </a:lnSpc>
+              <a:buFont typeface="Arial" panose="020B0604020202020204" pitchFamily="34" charset="0"/>
+              <a:buChar char="•"/>
+            </a:pPr>
+            <a:r>
+              <a:rPr lang="de-DE" sz="2800" dirty="0"/>
+              <a:t>An bestehende Vektoren lassen sich weitere Elemente anhängen</a:t>
+            </a:r>
+          </a:p>
+          <a:p>
+            <a:pPr lvl="1">
+              <a:lnSpc>
+                <a:spcPct val="150000"/>
+              </a:lnSpc>
+              <a:buFont typeface="Arial" panose="020B0604020202020204" pitchFamily="34" charset="0"/>
+              <a:buChar char="•"/>
+            </a:pPr>
+            <a:r>
+              <a:rPr lang="de-DE" sz="2800" dirty="0"/>
+              <a:t>Indizierung mit [ ] ermöglicht Elemente aus Vektor abzufragen</a:t>
+            </a:r>
+          </a:p>
+          <a:p>
+            <a:pPr lvl="1">
+              <a:lnSpc>
+                <a:spcPct val="100000"/>
+              </a:lnSpc>
+              <a:buFont typeface="Arial" panose="020B0604020202020204" pitchFamily="34" charset="0"/>
+              <a:buChar char="•"/>
+            </a:pPr>
+            <a:r>
+              <a:rPr lang="de-DE" sz="2800" dirty="0"/>
+              <a:t>Indizierung mit negativem Index wählt alle Elemente außer dem Index aus</a:t>
+            </a:r>
+          </a:p>
+          <a:p>
+            <a:pPr marL="457200" lvl="1" indent="0">
+              <a:lnSpc>
+                <a:spcPct val="100000"/>
+              </a:lnSpc>
+              <a:buNone/>
+            </a:pPr>
+            <a:r>
+              <a:rPr lang="de-DE" sz="2800" dirty="0"/>
+              <a:t>-&gt; ermöglicht das löschen von Elementen</a:t>
+            </a:r>
+          </a:p>
+          <a:p>
             <a:endParaRPr lang="de-DE" dirty="0"/>
           </a:p>
         </p:txBody>
@@ -4387,7 +6043,542 @@
     </p:spTree>
     <p:extLst>
       <p:ext uri="{BB962C8B-B14F-4D97-AF65-F5344CB8AC3E}">
-        <p14:creationId xmlns:p14="http://schemas.microsoft.com/office/powerpoint/2010/main" val="1982837557"/>
+        <p14:creationId xmlns:p14="http://schemas.microsoft.com/office/powerpoint/2010/main" val="3361973577"/>
+      </p:ext>
+    </p:extLst>
+  </p:cSld>
+  <p:clrMapOvr>
+    <a:masterClrMapping/>
+  </p:clrMapOvr>
+  <p:timing>
+    <p:tnLst>
+      <p:par>
+        <p:cTn id="1" dur="indefinite" restart="never" nodeType="tmRoot">
+          <p:childTnLst>
+            <p:seq concurrent="1" nextAc="seek">
+              <p:cTn id="2" dur="indefinite" nodeType="mainSeq">
+                <p:childTnLst>
+                  <p:par>
+                    <p:cTn id="3" fill="hold">
+                      <p:stCondLst>
+                        <p:cond delay="indefinite"/>
+                      </p:stCondLst>
+                      <p:childTnLst>
+                        <p:par>
+                          <p:cTn id="4" fill="hold">
+                            <p:stCondLst>
+                              <p:cond delay="0"/>
+                            </p:stCondLst>
+                            <p:childTnLst>
+                              <p:par>
+                                <p:cTn id="5" presetID="1" presetClass="entr" presetSubtype="0" fill="hold" nodeType="clickEffect">
+                                  <p:stCondLst>
+                                    <p:cond delay="0"/>
+                                  </p:stCondLst>
+                                  <p:childTnLst>
+                                    <p:set>
+                                      <p:cBhvr>
+                                        <p:cTn id="6" dur="1" fill="hold">
+                                          <p:stCondLst>
+                                            <p:cond delay="0"/>
+                                          </p:stCondLst>
+                                        </p:cTn>
+                                        <p:tgtEl>
+                                          <p:spTgt spid="3">
+                                            <p:txEl>
+                                              <p:pRg st="0" end="0"/>
+                                            </p:txEl>
+                                          </p:spTgt>
+                                        </p:tgtEl>
+                                        <p:attrNameLst>
+                                          <p:attrName>style.visibility</p:attrName>
+                                        </p:attrNameLst>
+                                      </p:cBhvr>
+                                      <p:to>
+                                        <p:strVal val="visible"/>
+                                      </p:to>
+                                    </p:set>
+                                  </p:childTnLst>
+                                </p:cTn>
+                              </p:par>
+                            </p:childTnLst>
+                          </p:cTn>
+                        </p:par>
+                      </p:childTnLst>
+                    </p:cTn>
+                  </p:par>
+                  <p:par>
+                    <p:cTn id="7" fill="hold">
+                      <p:stCondLst>
+                        <p:cond delay="indefinite"/>
+                      </p:stCondLst>
+                      <p:childTnLst>
+                        <p:par>
+                          <p:cTn id="8" fill="hold">
+                            <p:stCondLst>
+                              <p:cond delay="0"/>
+                            </p:stCondLst>
+                            <p:childTnLst>
+                              <p:par>
+                                <p:cTn id="9" presetID="1" presetClass="entr" presetSubtype="0" fill="hold" nodeType="clickEffect">
+                                  <p:stCondLst>
+                                    <p:cond delay="0"/>
+                                  </p:stCondLst>
+                                  <p:childTnLst>
+                                    <p:set>
+                                      <p:cBhvr>
+                                        <p:cTn id="10" dur="1" fill="hold">
+                                          <p:stCondLst>
+                                            <p:cond delay="0"/>
+                                          </p:stCondLst>
+                                        </p:cTn>
+                                        <p:tgtEl>
+                                          <p:spTgt spid="3">
+                                            <p:txEl>
+                                              <p:pRg st="1" end="1"/>
+                                            </p:txEl>
+                                          </p:spTgt>
+                                        </p:tgtEl>
+                                        <p:attrNameLst>
+                                          <p:attrName>style.visibility</p:attrName>
+                                        </p:attrNameLst>
+                                      </p:cBhvr>
+                                      <p:to>
+                                        <p:strVal val="visible"/>
+                                      </p:to>
+                                    </p:set>
+                                  </p:childTnLst>
+                                </p:cTn>
+                              </p:par>
+                              <p:par>
+                                <p:cTn id="11" presetID="1" presetClass="entr" presetSubtype="0" fill="hold" nodeType="withEffect">
+                                  <p:stCondLst>
+                                    <p:cond delay="0"/>
+                                  </p:stCondLst>
+                                  <p:childTnLst>
+                                    <p:set>
+                                      <p:cBhvr>
+                                        <p:cTn id="12" dur="1" fill="hold">
+                                          <p:stCondLst>
+                                            <p:cond delay="0"/>
+                                          </p:stCondLst>
+                                        </p:cTn>
+                                        <p:tgtEl>
+                                          <p:spTgt spid="3">
+                                            <p:txEl>
+                                              <p:pRg st="2" end="2"/>
+                                            </p:txEl>
+                                          </p:spTgt>
+                                        </p:tgtEl>
+                                        <p:attrNameLst>
+                                          <p:attrName>style.visibility</p:attrName>
+                                        </p:attrNameLst>
+                                      </p:cBhvr>
+                                      <p:to>
+                                        <p:strVal val="visible"/>
+                                      </p:to>
+                                    </p:set>
+                                  </p:childTnLst>
+                                </p:cTn>
+                              </p:par>
+                            </p:childTnLst>
+                          </p:cTn>
+                        </p:par>
+                      </p:childTnLst>
+                    </p:cTn>
+                  </p:par>
+                  <p:par>
+                    <p:cTn id="13" fill="hold">
+                      <p:stCondLst>
+                        <p:cond delay="indefinite"/>
+                      </p:stCondLst>
+                      <p:childTnLst>
+                        <p:par>
+                          <p:cTn id="14" fill="hold">
+                            <p:stCondLst>
+                              <p:cond delay="0"/>
+                            </p:stCondLst>
+                            <p:childTnLst>
+                              <p:par>
+                                <p:cTn id="15" presetID="1" presetClass="entr" presetSubtype="0" fill="hold" nodeType="clickEffect">
+                                  <p:stCondLst>
+                                    <p:cond delay="0"/>
+                                  </p:stCondLst>
+                                  <p:childTnLst>
+                                    <p:set>
+                                      <p:cBhvr>
+                                        <p:cTn id="16" dur="1" fill="hold">
+                                          <p:stCondLst>
+                                            <p:cond delay="0"/>
+                                          </p:stCondLst>
+                                        </p:cTn>
+                                        <p:tgtEl>
+                                          <p:spTgt spid="3">
+                                            <p:txEl>
+                                              <p:pRg st="3" end="3"/>
+                                            </p:txEl>
+                                          </p:spTgt>
+                                        </p:tgtEl>
+                                        <p:attrNameLst>
+                                          <p:attrName>style.visibility</p:attrName>
+                                        </p:attrNameLst>
+                                      </p:cBhvr>
+                                      <p:to>
+                                        <p:strVal val="visible"/>
+                                      </p:to>
+                                    </p:set>
+                                  </p:childTnLst>
+                                </p:cTn>
+                              </p:par>
+                            </p:childTnLst>
+                          </p:cTn>
+                        </p:par>
+                      </p:childTnLst>
+                    </p:cTn>
+                  </p:par>
+                  <p:par>
+                    <p:cTn id="17" fill="hold">
+                      <p:stCondLst>
+                        <p:cond delay="indefinite"/>
+                      </p:stCondLst>
+                      <p:childTnLst>
+                        <p:par>
+                          <p:cTn id="18" fill="hold">
+                            <p:stCondLst>
+                              <p:cond delay="0"/>
+                            </p:stCondLst>
+                            <p:childTnLst>
+                              <p:par>
+                                <p:cTn id="19" presetID="1" presetClass="entr" presetSubtype="0" fill="hold" nodeType="clickEffect">
+                                  <p:stCondLst>
+                                    <p:cond delay="0"/>
+                                  </p:stCondLst>
+                                  <p:childTnLst>
+                                    <p:set>
+                                      <p:cBhvr>
+                                        <p:cTn id="20" dur="1" fill="hold">
+                                          <p:stCondLst>
+                                            <p:cond delay="0"/>
+                                          </p:stCondLst>
+                                        </p:cTn>
+                                        <p:tgtEl>
+                                          <p:spTgt spid="3">
+                                            <p:txEl>
+                                              <p:pRg st="4" end="4"/>
+                                            </p:txEl>
+                                          </p:spTgt>
+                                        </p:tgtEl>
+                                        <p:attrNameLst>
+                                          <p:attrName>style.visibility</p:attrName>
+                                        </p:attrNameLst>
+                                      </p:cBhvr>
+                                      <p:to>
+                                        <p:strVal val="visible"/>
+                                      </p:to>
+                                    </p:set>
+                                  </p:childTnLst>
+                                </p:cTn>
+                              </p:par>
+                            </p:childTnLst>
+                          </p:cTn>
+                        </p:par>
+                      </p:childTnLst>
+                    </p:cTn>
+                  </p:par>
+                  <p:par>
+                    <p:cTn id="21" fill="hold">
+                      <p:stCondLst>
+                        <p:cond delay="indefinite"/>
+                      </p:stCondLst>
+                      <p:childTnLst>
+                        <p:par>
+                          <p:cTn id="22" fill="hold">
+                            <p:stCondLst>
+                              <p:cond delay="0"/>
+                            </p:stCondLst>
+                            <p:childTnLst>
+                              <p:par>
+                                <p:cTn id="23" presetID="1" presetClass="entr" presetSubtype="0" fill="hold" nodeType="clickEffect">
+                                  <p:stCondLst>
+                                    <p:cond delay="0"/>
+                                  </p:stCondLst>
+                                  <p:childTnLst>
+                                    <p:set>
+                                      <p:cBhvr>
+                                        <p:cTn id="24" dur="1" fill="hold">
+                                          <p:stCondLst>
+                                            <p:cond delay="0"/>
+                                          </p:stCondLst>
+                                        </p:cTn>
+                                        <p:tgtEl>
+                                          <p:spTgt spid="3">
+                                            <p:txEl>
+                                              <p:pRg st="5" end="5"/>
+                                            </p:txEl>
+                                          </p:spTgt>
+                                        </p:tgtEl>
+                                        <p:attrNameLst>
+                                          <p:attrName>style.visibility</p:attrName>
+                                        </p:attrNameLst>
+                                      </p:cBhvr>
+                                      <p:to>
+                                        <p:strVal val="visible"/>
+                                      </p:to>
+                                    </p:set>
+                                  </p:childTnLst>
+                                </p:cTn>
+                              </p:par>
+                              <p:par>
+                                <p:cTn id="25" presetID="1" presetClass="entr" presetSubtype="0" fill="hold" nodeType="withEffect">
+                                  <p:stCondLst>
+                                    <p:cond delay="0"/>
+                                  </p:stCondLst>
+                                  <p:childTnLst>
+                                    <p:set>
+                                      <p:cBhvr>
+                                        <p:cTn id="26" dur="1" fill="hold">
+                                          <p:stCondLst>
+                                            <p:cond delay="0"/>
+                                          </p:stCondLst>
+                                        </p:cTn>
+                                        <p:tgtEl>
+                                          <p:spTgt spid="3">
+                                            <p:txEl>
+                                              <p:pRg st="6" end="6"/>
+                                            </p:txEl>
+                                          </p:spTgt>
+                                        </p:tgtEl>
+                                        <p:attrNameLst>
+                                          <p:attrName>style.visibility</p:attrName>
+                                        </p:attrNameLst>
+                                      </p:cBhvr>
+                                      <p:to>
+                                        <p:strVal val="visible"/>
+                                      </p:to>
+                                    </p:set>
+                                  </p:childTnLst>
+                                </p:cTn>
+                              </p:par>
+                            </p:childTnLst>
+                          </p:cTn>
+                        </p:par>
+                      </p:childTnLst>
+                    </p:cTn>
+                  </p:par>
+                </p:childTnLst>
+              </p:cTn>
+              <p:prevCondLst>
+                <p:cond evt="onPrev" delay="0">
+                  <p:tgtEl>
+                    <p:sldTgt/>
+                  </p:tgtEl>
+                </p:cond>
+              </p:prevCondLst>
+              <p:nextCondLst>
+                <p:cond evt="onNext" delay="0">
+                  <p:tgtEl>
+                    <p:sldTgt/>
+                  </p:tgtEl>
+                </p:cond>
+              </p:nextCondLst>
+            </p:seq>
+          </p:childTnLst>
+        </p:cTn>
+      </p:par>
+    </p:tnLst>
+  </p:timing>
+</p:sld>
+</file>
+
+<file path=ppt/slides/slide18.xml><?xml version="1.0" encoding="utf-8"?>
+<p:sld xmlns:a="http://schemas.openxmlformats.org/drawingml/2006/main" xmlns:r="http://schemas.openxmlformats.org/officeDocument/2006/relationships" xmlns:p="http://schemas.openxmlformats.org/presentationml/2006/main">
+  <p:cSld>
+    <p:spTree>
+      <p:nvGrpSpPr>
+        <p:cNvPr id="1" name=""/>
+        <p:cNvGrpSpPr/>
+        <p:nvPr/>
+      </p:nvGrpSpPr>
+      <p:grpSpPr>
+        <a:xfrm>
+          <a:off x="0" y="0"/>
+          <a:ext cx="0" cy="0"/>
+          <a:chOff x="0" y="0"/>
+          <a:chExt cx="0" cy="0"/>
+        </a:xfrm>
+      </p:grpSpPr>
+      <p:sp>
+        <p:nvSpPr>
+          <p:cNvPr id="2" name="Titel 1">
+            <a:extLst>
+              <a:ext uri="{FF2B5EF4-FFF2-40B4-BE49-F238E27FC236}">
+                <a16:creationId xmlns:a16="http://schemas.microsoft.com/office/drawing/2014/main" id="{AE82C04D-C07E-4106-B772-CE20CFE0DA43}"/>
+              </a:ext>
+            </a:extLst>
+          </p:cNvPr>
+          <p:cNvSpPr>
+            <a:spLocks noGrp="1"/>
+          </p:cNvSpPr>
+          <p:nvPr>
+            <p:ph type="title"/>
+          </p:nvPr>
+        </p:nvSpPr>
+        <p:spPr>
+          <a:xfrm>
+            <a:off x="653902" y="2328333"/>
+            <a:ext cx="11153553" cy="1658198"/>
+          </a:xfrm>
+        </p:spPr>
+        <p:txBody>
+          <a:bodyPr/>
+          <a:lstStyle/>
+          <a:p>
+            <a:r>
+              <a:rPr lang="de-DE" dirty="0"/>
+              <a:t>Live Coding: Funktionen</a:t>
+            </a:r>
+          </a:p>
+        </p:txBody>
+      </p:sp>
+    </p:spTree>
+    <p:extLst>
+      <p:ext uri="{BB962C8B-B14F-4D97-AF65-F5344CB8AC3E}">
+        <p14:creationId xmlns:p14="http://schemas.microsoft.com/office/powerpoint/2010/main" val="1447280535"/>
+      </p:ext>
+    </p:extLst>
+  </p:cSld>
+  <p:clrMapOvr>
+    <a:masterClrMapping/>
+  </p:clrMapOvr>
+</p:sld>
+</file>
+
+<file path=ppt/slides/slide19.xml><?xml version="1.0" encoding="utf-8"?>
+<p:sld xmlns:a="http://schemas.openxmlformats.org/drawingml/2006/main" xmlns:r="http://schemas.openxmlformats.org/officeDocument/2006/relationships" xmlns:p="http://schemas.openxmlformats.org/presentationml/2006/main">
+  <p:cSld>
+    <p:spTree>
+      <p:nvGrpSpPr>
+        <p:cNvPr id="1" name=""/>
+        <p:cNvGrpSpPr/>
+        <p:nvPr/>
+      </p:nvGrpSpPr>
+      <p:grpSpPr>
+        <a:xfrm>
+          <a:off x="0" y="0"/>
+          <a:ext cx="0" cy="0"/>
+          <a:chOff x="0" y="0"/>
+          <a:chExt cx="0" cy="0"/>
+        </a:xfrm>
+      </p:grpSpPr>
+      <p:sp>
+        <p:nvSpPr>
+          <p:cNvPr id="2" name="Titel 1">
+            <a:extLst>
+              <a:ext uri="{FF2B5EF4-FFF2-40B4-BE49-F238E27FC236}">
+                <a16:creationId xmlns:a16="http://schemas.microsoft.com/office/drawing/2014/main" id="{DA31E842-E32F-4EDF-A139-97BB755396BB}"/>
+              </a:ext>
+            </a:extLst>
+          </p:cNvPr>
+          <p:cNvSpPr>
+            <a:spLocks noGrp="1"/>
+          </p:cNvSpPr>
+          <p:nvPr>
+            <p:ph type="title"/>
+          </p:nvPr>
+        </p:nvSpPr>
+        <p:spPr>
+          <a:xfrm>
+            <a:off x="657224" y="499533"/>
+            <a:ext cx="10772775" cy="1316826"/>
+          </a:xfrm>
+        </p:spPr>
+        <p:txBody>
+          <a:bodyPr/>
+          <a:lstStyle/>
+          <a:p>
+            <a:r>
+              <a:rPr lang="de-DE" dirty="0"/>
+              <a:t>Übung: Funktionen</a:t>
+            </a:r>
+          </a:p>
+        </p:txBody>
+      </p:sp>
+      <p:sp>
+        <p:nvSpPr>
+          <p:cNvPr id="3" name="Inhaltsplatzhalter 2">
+            <a:extLst>
+              <a:ext uri="{FF2B5EF4-FFF2-40B4-BE49-F238E27FC236}">
+                <a16:creationId xmlns:a16="http://schemas.microsoft.com/office/drawing/2014/main" id="{EE0BEB4D-8E11-490E-A671-CBE1AE527032}"/>
+              </a:ext>
+            </a:extLst>
+          </p:cNvPr>
+          <p:cNvSpPr>
+            <a:spLocks noGrp="1"/>
+          </p:cNvSpPr>
+          <p:nvPr>
+            <p:ph idx="1"/>
+          </p:nvPr>
+        </p:nvSpPr>
+        <p:spPr/>
+        <p:txBody>
+          <a:bodyPr>
+            <a:normAutofit/>
+          </a:bodyPr>
+          <a:lstStyle/>
+          <a:p>
+            <a:pPr marL="457200" indent="-457200">
+              <a:buFont typeface="+mj-lt"/>
+              <a:buAutoNum type="arabicPeriod"/>
+            </a:pPr>
+            <a:r>
+              <a:rPr lang="de-DE" sz="2800" dirty="0"/>
+              <a:t>Erzeugen Sie mit der Funktion sample() einen Vektor bestehend aus 100 zufälligen Zahlen zwischen 1 und 5</a:t>
+            </a:r>
+          </a:p>
+          <a:p>
+            <a:pPr marL="457200" indent="-457200">
+              <a:buFont typeface="+mj-lt"/>
+              <a:buAutoNum type="arabicPeriod"/>
+            </a:pPr>
+            <a:r>
+              <a:rPr lang="de-DE" sz="2800" dirty="0"/>
+              <a:t> Berechnen Sie die Summe, den Mittelwert und Median des Vektors</a:t>
+            </a:r>
+          </a:p>
+          <a:p>
+            <a:pPr marL="457200" indent="-457200">
+              <a:buFont typeface="+mj-lt"/>
+              <a:buAutoNum type="arabicPeriod"/>
+            </a:pPr>
+            <a:r>
+              <a:rPr lang="de-DE" sz="2800" dirty="0"/>
+              <a:t> Sortieren Sie den Vektor von großen nach kleinen Zahlen (Schauen sie sich dafür die Argumente der </a:t>
+            </a:r>
+            <a:r>
+              <a:rPr lang="de-DE" sz="2800" dirty="0" err="1"/>
+              <a:t>sort</a:t>
+            </a:r>
+            <a:r>
+              <a:rPr lang="de-DE" sz="2800" dirty="0"/>
+              <a:t>() Funktion an)</a:t>
+            </a:r>
+          </a:p>
+          <a:p>
+            <a:pPr marL="457200" indent="-457200">
+              <a:buFont typeface="+mj-lt"/>
+              <a:buAutoNum type="arabicPeriod"/>
+            </a:pPr>
+            <a:r>
+              <a:rPr lang="de-DE" sz="2800" dirty="0"/>
+              <a:t>Finden Sie mittels R Hilfe und Google eine Funktion die ausgibt, wie oft eine Zahl im Vektor vorkommt</a:t>
+            </a:r>
+          </a:p>
+        </p:txBody>
+      </p:sp>
+    </p:spTree>
+    <p:extLst>
+      <p:ext uri="{BB962C8B-B14F-4D97-AF65-F5344CB8AC3E}">
+        <p14:creationId xmlns:p14="http://schemas.microsoft.com/office/powerpoint/2010/main" val="4017221017"/>
       </p:ext>
     </p:extLst>
   </p:cSld>
@@ -4972,6 +7163,1379 @@
       <p:bldP spid="9" grpId="0"/>
     </p:bldLst>
   </p:timing>
+</p:sld>
+</file>
+
+<file path=ppt/slides/slide20.xml><?xml version="1.0" encoding="utf-8"?>
+<p:sld xmlns:a="http://schemas.openxmlformats.org/drawingml/2006/main" xmlns:r="http://schemas.openxmlformats.org/officeDocument/2006/relationships" xmlns:p="http://schemas.openxmlformats.org/presentationml/2006/main">
+  <p:cSld>
+    <p:spTree>
+      <p:nvGrpSpPr>
+        <p:cNvPr id="1" name=""/>
+        <p:cNvGrpSpPr/>
+        <p:nvPr/>
+      </p:nvGrpSpPr>
+      <p:grpSpPr>
+        <a:xfrm>
+          <a:off x="0" y="0"/>
+          <a:ext cx="0" cy="0"/>
+          <a:chOff x="0" y="0"/>
+          <a:chExt cx="0" cy="0"/>
+        </a:xfrm>
+      </p:grpSpPr>
+      <p:sp>
+        <p:nvSpPr>
+          <p:cNvPr id="2" name="Titel 1">
+            <a:extLst>
+              <a:ext uri="{FF2B5EF4-FFF2-40B4-BE49-F238E27FC236}">
+                <a16:creationId xmlns:a16="http://schemas.microsoft.com/office/drawing/2014/main" id="{0E150637-28B9-41D3-8696-7FEB4DFA0671}"/>
+              </a:ext>
+            </a:extLst>
+          </p:cNvPr>
+          <p:cNvSpPr>
+            <a:spLocks noGrp="1"/>
+          </p:cNvSpPr>
+          <p:nvPr>
+            <p:ph type="title"/>
+          </p:nvPr>
+        </p:nvSpPr>
+        <p:spPr/>
+        <p:txBody>
+          <a:bodyPr/>
+          <a:lstStyle/>
+          <a:p>
+            <a:r>
+              <a:rPr lang="de-DE" dirty="0"/>
+              <a:t>Funktionen</a:t>
+            </a:r>
+          </a:p>
+        </p:txBody>
+      </p:sp>
+      <p:sp>
+        <p:nvSpPr>
+          <p:cNvPr id="3" name="Inhaltsplatzhalter 2">
+            <a:extLst>
+              <a:ext uri="{FF2B5EF4-FFF2-40B4-BE49-F238E27FC236}">
+                <a16:creationId xmlns:a16="http://schemas.microsoft.com/office/drawing/2014/main" id="{438E3F8C-ED94-4360-876E-DB66036C02A9}"/>
+              </a:ext>
+            </a:extLst>
+          </p:cNvPr>
+          <p:cNvSpPr>
+            <a:spLocks noGrp="1"/>
+          </p:cNvSpPr>
+          <p:nvPr>
+            <p:ph idx="1"/>
+          </p:nvPr>
+        </p:nvSpPr>
+        <p:spPr>
+          <a:xfrm>
+            <a:off x="676656" y="2011680"/>
+            <a:ext cx="10918185" cy="4109202"/>
+          </a:xfrm>
+        </p:spPr>
+        <p:txBody>
+          <a:bodyPr/>
+          <a:lstStyle/>
+          <a:p>
+            <a:pPr lvl="1">
+              <a:lnSpc>
+                <a:spcPct val="100000"/>
+              </a:lnSpc>
+              <a:buFont typeface="Arial" panose="020B0604020202020204" pitchFamily="34" charset="0"/>
+              <a:buChar char="•"/>
+            </a:pPr>
+            <a:r>
+              <a:rPr lang="de-DE" sz="2800" dirty="0"/>
+              <a:t>Gekennzeichnet durch ( )</a:t>
+            </a:r>
+          </a:p>
+          <a:p>
+            <a:pPr lvl="1">
+              <a:lnSpc>
+                <a:spcPct val="100000"/>
+              </a:lnSpc>
+              <a:buFont typeface="Arial" panose="020B0604020202020204" pitchFamily="34" charset="0"/>
+              <a:buChar char="•"/>
+            </a:pPr>
+            <a:r>
+              <a:rPr lang="de-DE" sz="2800" dirty="0"/>
+              <a:t>Mit F1 Taste lässt sich die Hilfe Seite der Funktion öffnen</a:t>
+            </a:r>
+          </a:p>
+          <a:p>
+            <a:pPr lvl="1">
+              <a:lnSpc>
+                <a:spcPct val="100000"/>
+              </a:lnSpc>
+              <a:buFont typeface="Arial" panose="020B0604020202020204" pitchFamily="34" charset="0"/>
+              <a:buChar char="•"/>
+            </a:pPr>
+            <a:r>
+              <a:rPr lang="de-DE" sz="2800" dirty="0"/>
+              <a:t>Unbekannte Funktionen lassen sich per Hilfe-&gt;Suche finden</a:t>
+            </a:r>
+          </a:p>
+          <a:p>
+            <a:pPr lvl="1">
+              <a:lnSpc>
+                <a:spcPct val="100000"/>
+              </a:lnSpc>
+              <a:buFont typeface="Arial" panose="020B0604020202020204" pitchFamily="34" charset="0"/>
+              <a:buChar char="•"/>
+            </a:pPr>
+            <a:r>
+              <a:rPr lang="de-DE" sz="2800" dirty="0"/>
+              <a:t>Viele Funktionen sind nur in zusätzlichen Paketen enthalten</a:t>
+            </a:r>
+          </a:p>
+          <a:p>
+            <a:pPr marL="4572" lvl="1" indent="0">
+              <a:lnSpc>
+                <a:spcPct val="100000"/>
+              </a:lnSpc>
+              <a:buNone/>
+            </a:pPr>
+            <a:r>
+              <a:rPr lang="de-DE" sz="2800" dirty="0"/>
+              <a:t>	-&gt; Google!</a:t>
+            </a:r>
+          </a:p>
+          <a:p>
+            <a:pPr lvl="1">
+              <a:lnSpc>
+                <a:spcPct val="100000"/>
+              </a:lnSpc>
+              <a:buFont typeface="Arial" panose="020B0604020202020204" pitchFamily="34" charset="0"/>
+              <a:buChar char="•"/>
+            </a:pPr>
+            <a:r>
+              <a:rPr lang="de-DE" sz="2800" dirty="0" err="1"/>
+              <a:t>install.packages</a:t>
+            </a:r>
+            <a:r>
+              <a:rPr lang="de-DE" sz="2800" dirty="0"/>
+              <a:t>(„Paketname“) installiert das Paket</a:t>
+            </a:r>
+          </a:p>
+          <a:p>
+            <a:pPr lvl="1">
+              <a:lnSpc>
+                <a:spcPct val="100000"/>
+              </a:lnSpc>
+              <a:buFont typeface="Arial" panose="020B0604020202020204" pitchFamily="34" charset="0"/>
+              <a:buChar char="•"/>
+            </a:pPr>
+            <a:r>
+              <a:rPr lang="de-DE" sz="2800" dirty="0" err="1"/>
+              <a:t>library</a:t>
+            </a:r>
+            <a:r>
+              <a:rPr lang="de-DE" sz="2800" dirty="0"/>
+              <a:t>(Paketname) oder Paketname:: machen Funktionen zugreifbar</a:t>
+            </a:r>
+          </a:p>
+          <a:p>
+            <a:endParaRPr lang="de-DE" dirty="0"/>
+          </a:p>
+        </p:txBody>
+      </p:sp>
+    </p:spTree>
+    <p:extLst>
+      <p:ext uri="{BB962C8B-B14F-4D97-AF65-F5344CB8AC3E}">
+        <p14:creationId xmlns:p14="http://schemas.microsoft.com/office/powerpoint/2010/main" val="3779274688"/>
+      </p:ext>
+    </p:extLst>
+  </p:cSld>
+  <p:clrMapOvr>
+    <a:masterClrMapping/>
+  </p:clrMapOvr>
+  <p:timing>
+    <p:tnLst>
+      <p:par>
+        <p:cTn id="1" dur="indefinite" restart="never" nodeType="tmRoot">
+          <p:childTnLst>
+            <p:seq concurrent="1" nextAc="seek">
+              <p:cTn id="2" dur="indefinite" nodeType="mainSeq">
+                <p:childTnLst>
+                  <p:par>
+                    <p:cTn id="3" fill="hold">
+                      <p:stCondLst>
+                        <p:cond delay="indefinite"/>
+                      </p:stCondLst>
+                      <p:childTnLst>
+                        <p:par>
+                          <p:cTn id="4" fill="hold">
+                            <p:stCondLst>
+                              <p:cond delay="0"/>
+                            </p:stCondLst>
+                            <p:childTnLst>
+                              <p:par>
+                                <p:cTn id="5" presetID="1" presetClass="entr" presetSubtype="0" fill="hold" nodeType="clickEffect">
+                                  <p:stCondLst>
+                                    <p:cond delay="0"/>
+                                  </p:stCondLst>
+                                  <p:childTnLst>
+                                    <p:set>
+                                      <p:cBhvr>
+                                        <p:cTn id="6" dur="1" fill="hold">
+                                          <p:stCondLst>
+                                            <p:cond delay="0"/>
+                                          </p:stCondLst>
+                                        </p:cTn>
+                                        <p:tgtEl>
+                                          <p:spTgt spid="3">
+                                            <p:txEl>
+                                              <p:pRg st="0" end="0"/>
+                                            </p:txEl>
+                                          </p:spTgt>
+                                        </p:tgtEl>
+                                        <p:attrNameLst>
+                                          <p:attrName>style.visibility</p:attrName>
+                                        </p:attrNameLst>
+                                      </p:cBhvr>
+                                      <p:to>
+                                        <p:strVal val="visible"/>
+                                      </p:to>
+                                    </p:set>
+                                  </p:childTnLst>
+                                </p:cTn>
+                              </p:par>
+                            </p:childTnLst>
+                          </p:cTn>
+                        </p:par>
+                      </p:childTnLst>
+                    </p:cTn>
+                  </p:par>
+                  <p:par>
+                    <p:cTn id="7" fill="hold">
+                      <p:stCondLst>
+                        <p:cond delay="indefinite"/>
+                      </p:stCondLst>
+                      <p:childTnLst>
+                        <p:par>
+                          <p:cTn id="8" fill="hold">
+                            <p:stCondLst>
+                              <p:cond delay="0"/>
+                            </p:stCondLst>
+                            <p:childTnLst>
+                              <p:par>
+                                <p:cTn id="9" presetID="1" presetClass="entr" presetSubtype="0" fill="hold" nodeType="clickEffect">
+                                  <p:stCondLst>
+                                    <p:cond delay="0"/>
+                                  </p:stCondLst>
+                                  <p:childTnLst>
+                                    <p:set>
+                                      <p:cBhvr>
+                                        <p:cTn id="10" dur="1" fill="hold">
+                                          <p:stCondLst>
+                                            <p:cond delay="0"/>
+                                          </p:stCondLst>
+                                        </p:cTn>
+                                        <p:tgtEl>
+                                          <p:spTgt spid="3">
+                                            <p:txEl>
+                                              <p:pRg st="1" end="1"/>
+                                            </p:txEl>
+                                          </p:spTgt>
+                                        </p:tgtEl>
+                                        <p:attrNameLst>
+                                          <p:attrName>style.visibility</p:attrName>
+                                        </p:attrNameLst>
+                                      </p:cBhvr>
+                                      <p:to>
+                                        <p:strVal val="visible"/>
+                                      </p:to>
+                                    </p:set>
+                                  </p:childTnLst>
+                                </p:cTn>
+                              </p:par>
+                            </p:childTnLst>
+                          </p:cTn>
+                        </p:par>
+                      </p:childTnLst>
+                    </p:cTn>
+                  </p:par>
+                  <p:par>
+                    <p:cTn id="11" fill="hold">
+                      <p:stCondLst>
+                        <p:cond delay="indefinite"/>
+                      </p:stCondLst>
+                      <p:childTnLst>
+                        <p:par>
+                          <p:cTn id="12" fill="hold">
+                            <p:stCondLst>
+                              <p:cond delay="0"/>
+                            </p:stCondLst>
+                            <p:childTnLst>
+                              <p:par>
+                                <p:cTn id="13" presetID="1" presetClass="entr" presetSubtype="0" fill="hold" nodeType="clickEffect">
+                                  <p:stCondLst>
+                                    <p:cond delay="0"/>
+                                  </p:stCondLst>
+                                  <p:childTnLst>
+                                    <p:set>
+                                      <p:cBhvr>
+                                        <p:cTn id="14" dur="1" fill="hold">
+                                          <p:stCondLst>
+                                            <p:cond delay="0"/>
+                                          </p:stCondLst>
+                                        </p:cTn>
+                                        <p:tgtEl>
+                                          <p:spTgt spid="3">
+                                            <p:txEl>
+                                              <p:pRg st="2" end="2"/>
+                                            </p:txEl>
+                                          </p:spTgt>
+                                        </p:tgtEl>
+                                        <p:attrNameLst>
+                                          <p:attrName>style.visibility</p:attrName>
+                                        </p:attrNameLst>
+                                      </p:cBhvr>
+                                      <p:to>
+                                        <p:strVal val="visible"/>
+                                      </p:to>
+                                    </p:set>
+                                  </p:childTnLst>
+                                </p:cTn>
+                              </p:par>
+                            </p:childTnLst>
+                          </p:cTn>
+                        </p:par>
+                      </p:childTnLst>
+                    </p:cTn>
+                  </p:par>
+                  <p:par>
+                    <p:cTn id="15" fill="hold">
+                      <p:stCondLst>
+                        <p:cond delay="indefinite"/>
+                      </p:stCondLst>
+                      <p:childTnLst>
+                        <p:par>
+                          <p:cTn id="16" fill="hold">
+                            <p:stCondLst>
+                              <p:cond delay="0"/>
+                            </p:stCondLst>
+                            <p:childTnLst>
+                              <p:par>
+                                <p:cTn id="17" presetID="1" presetClass="entr" presetSubtype="0" fill="hold" nodeType="clickEffect">
+                                  <p:stCondLst>
+                                    <p:cond delay="0"/>
+                                  </p:stCondLst>
+                                  <p:childTnLst>
+                                    <p:set>
+                                      <p:cBhvr>
+                                        <p:cTn id="18" dur="1" fill="hold">
+                                          <p:stCondLst>
+                                            <p:cond delay="0"/>
+                                          </p:stCondLst>
+                                        </p:cTn>
+                                        <p:tgtEl>
+                                          <p:spTgt spid="3">
+                                            <p:txEl>
+                                              <p:pRg st="3" end="3"/>
+                                            </p:txEl>
+                                          </p:spTgt>
+                                        </p:tgtEl>
+                                        <p:attrNameLst>
+                                          <p:attrName>style.visibility</p:attrName>
+                                        </p:attrNameLst>
+                                      </p:cBhvr>
+                                      <p:to>
+                                        <p:strVal val="visible"/>
+                                      </p:to>
+                                    </p:set>
+                                  </p:childTnLst>
+                                </p:cTn>
+                              </p:par>
+                              <p:par>
+                                <p:cTn id="19" presetID="1" presetClass="entr" presetSubtype="0" fill="hold" nodeType="withEffect">
+                                  <p:stCondLst>
+                                    <p:cond delay="0"/>
+                                  </p:stCondLst>
+                                  <p:childTnLst>
+                                    <p:set>
+                                      <p:cBhvr>
+                                        <p:cTn id="20" dur="1" fill="hold">
+                                          <p:stCondLst>
+                                            <p:cond delay="0"/>
+                                          </p:stCondLst>
+                                        </p:cTn>
+                                        <p:tgtEl>
+                                          <p:spTgt spid="3">
+                                            <p:txEl>
+                                              <p:pRg st="4" end="4"/>
+                                            </p:txEl>
+                                          </p:spTgt>
+                                        </p:tgtEl>
+                                        <p:attrNameLst>
+                                          <p:attrName>style.visibility</p:attrName>
+                                        </p:attrNameLst>
+                                      </p:cBhvr>
+                                      <p:to>
+                                        <p:strVal val="visible"/>
+                                      </p:to>
+                                    </p:set>
+                                  </p:childTnLst>
+                                </p:cTn>
+                              </p:par>
+                            </p:childTnLst>
+                          </p:cTn>
+                        </p:par>
+                      </p:childTnLst>
+                    </p:cTn>
+                  </p:par>
+                  <p:par>
+                    <p:cTn id="21" fill="hold">
+                      <p:stCondLst>
+                        <p:cond delay="indefinite"/>
+                      </p:stCondLst>
+                      <p:childTnLst>
+                        <p:par>
+                          <p:cTn id="22" fill="hold">
+                            <p:stCondLst>
+                              <p:cond delay="0"/>
+                            </p:stCondLst>
+                            <p:childTnLst>
+                              <p:par>
+                                <p:cTn id="23" presetID="1" presetClass="entr" presetSubtype="0" fill="hold" nodeType="clickEffect">
+                                  <p:stCondLst>
+                                    <p:cond delay="0"/>
+                                  </p:stCondLst>
+                                  <p:childTnLst>
+                                    <p:set>
+                                      <p:cBhvr>
+                                        <p:cTn id="24" dur="1" fill="hold">
+                                          <p:stCondLst>
+                                            <p:cond delay="0"/>
+                                          </p:stCondLst>
+                                        </p:cTn>
+                                        <p:tgtEl>
+                                          <p:spTgt spid="3">
+                                            <p:txEl>
+                                              <p:pRg st="5" end="5"/>
+                                            </p:txEl>
+                                          </p:spTgt>
+                                        </p:tgtEl>
+                                        <p:attrNameLst>
+                                          <p:attrName>style.visibility</p:attrName>
+                                        </p:attrNameLst>
+                                      </p:cBhvr>
+                                      <p:to>
+                                        <p:strVal val="visible"/>
+                                      </p:to>
+                                    </p:set>
+                                  </p:childTnLst>
+                                </p:cTn>
+                              </p:par>
+                            </p:childTnLst>
+                          </p:cTn>
+                        </p:par>
+                      </p:childTnLst>
+                    </p:cTn>
+                  </p:par>
+                  <p:par>
+                    <p:cTn id="25" fill="hold">
+                      <p:stCondLst>
+                        <p:cond delay="indefinite"/>
+                      </p:stCondLst>
+                      <p:childTnLst>
+                        <p:par>
+                          <p:cTn id="26" fill="hold">
+                            <p:stCondLst>
+                              <p:cond delay="0"/>
+                            </p:stCondLst>
+                            <p:childTnLst>
+                              <p:par>
+                                <p:cTn id="27" presetID="1" presetClass="entr" presetSubtype="0" fill="hold" nodeType="clickEffect">
+                                  <p:stCondLst>
+                                    <p:cond delay="0"/>
+                                  </p:stCondLst>
+                                  <p:childTnLst>
+                                    <p:set>
+                                      <p:cBhvr>
+                                        <p:cTn id="28" dur="1" fill="hold">
+                                          <p:stCondLst>
+                                            <p:cond delay="0"/>
+                                          </p:stCondLst>
+                                        </p:cTn>
+                                        <p:tgtEl>
+                                          <p:spTgt spid="3">
+                                            <p:txEl>
+                                              <p:pRg st="6" end="6"/>
+                                            </p:txEl>
+                                          </p:spTgt>
+                                        </p:tgtEl>
+                                        <p:attrNameLst>
+                                          <p:attrName>style.visibility</p:attrName>
+                                        </p:attrNameLst>
+                                      </p:cBhvr>
+                                      <p:to>
+                                        <p:strVal val="visible"/>
+                                      </p:to>
+                                    </p:set>
+                                  </p:childTnLst>
+                                </p:cTn>
+                              </p:par>
+                            </p:childTnLst>
+                          </p:cTn>
+                        </p:par>
+                      </p:childTnLst>
+                    </p:cTn>
+                  </p:par>
+                </p:childTnLst>
+              </p:cTn>
+              <p:prevCondLst>
+                <p:cond evt="onPrev" delay="0">
+                  <p:tgtEl>
+                    <p:sldTgt/>
+                  </p:tgtEl>
+                </p:cond>
+              </p:prevCondLst>
+              <p:nextCondLst>
+                <p:cond evt="onNext" delay="0">
+                  <p:tgtEl>
+                    <p:sldTgt/>
+                  </p:tgtEl>
+                </p:cond>
+              </p:nextCondLst>
+            </p:seq>
+          </p:childTnLst>
+        </p:cTn>
+      </p:par>
+    </p:tnLst>
+  </p:timing>
+</p:sld>
+</file>
+
+<file path=ppt/slides/slide21.xml><?xml version="1.0" encoding="utf-8"?>
+<p:sld xmlns:a="http://schemas.openxmlformats.org/drawingml/2006/main" xmlns:r="http://schemas.openxmlformats.org/officeDocument/2006/relationships" xmlns:p="http://schemas.openxmlformats.org/presentationml/2006/main">
+  <p:cSld>
+    <p:spTree>
+      <p:nvGrpSpPr>
+        <p:cNvPr id="1" name=""/>
+        <p:cNvGrpSpPr/>
+        <p:nvPr/>
+      </p:nvGrpSpPr>
+      <p:grpSpPr>
+        <a:xfrm>
+          <a:off x="0" y="0"/>
+          <a:ext cx="0" cy="0"/>
+          <a:chOff x="0" y="0"/>
+          <a:chExt cx="0" cy="0"/>
+        </a:xfrm>
+      </p:grpSpPr>
+      <p:sp>
+        <p:nvSpPr>
+          <p:cNvPr id="2" name="Titel 1">
+            <a:extLst>
+              <a:ext uri="{FF2B5EF4-FFF2-40B4-BE49-F238E27FC236}">
+                <a16:creationId xmlns:a16="http://schemas.microsoft.com/office/drawing/2014/main" id="{AE82C04D-C07E-4106-B772-CE20CFE0DA43}"/>
+              </a:ext>
+            </a:extLst>
+          </p:cNvPr>
+          <p:cNvSpPr>
+            <a:spLocks noGrp="1"/>
+          </p:cNvSpPr>
+          <p:nvPr>
+            <p:ph type="title"/>
+          </p:nvPr>
+        </p:nvSpPr>
+        <p:spPr>
+          <a:xfrm>
+            <a:off x="653902" y="2328333"/>
+            <a:ext cx="11153553" cy="1658198"/>
+          </a:xfrm>
+        </p:spPr>
+        <p:txBody>
+          <a:bodyPr/>
+          <a:lstStyle/>
+          <a:p>
+            <a:r>
+              <a:rPr lang="de-DE" dirty="0"/>
+              <a:t>Live Coding: Matrizen</a:t>
+            </a:r>
+          </a:p>
+        </p:txBody>
+      </p:sp>
+    </p:spTree>
+    <p:extLst>
+      <p:ext uri="{BB962C8B-B14F-4D97-AF65-F5344CB8AC3E}">
+        <p14:creationId xmlns:p14="http://schemas.microsoft.com/office/powerpoint/2010/main" val="4015005184"/>
+      </p:ext>
+    </p:extLst>
+  </p:cSld>
+  <p:clrMapOvr>
+    <a:masterClrMapping/>
+  </p:clrMapOvr>
+</p:sld>
+</file>
+
+<file path=ppt/slides/slide22.xml><?xml version="1.0" encoding="utf-8"?>
+<p:sld xmlns:a="http://schemas.openxmlformats.org/drawingml/2006/main" xmlns:r="http://schemas.openxmlformats.org/officeDocument/2006/relationships" xmlns:p="http://schemas.openxmlformats.org/presentationml/2006/main">
+  <p:cSld>
+    <p:spTree>
+      <p:nvGrpSpPr>
+        <p:cNvPr id="1" name=""/>
+        <p:cNvGrpSpPr/>
+        <p:nvPr/>
+      </p:nvGrpSpPr>
+      <p:grpSpPr>
+        <a:xfrm>
+          <a:off x="0" y="0"/>
+          <a:ext cx="0" cy="0"/>
+          <a:chOff x="0" y="0"/>
+          <a:chExt cx="0" cy="0"/>
+        </a:xfrm>
+      </p:grpSpPr>
+      <p:sp>
+        <p:nvSpPr>
+          <p:cNvPr id="2" name="Titel 1">
+            <a:extLst>
+              <a:ext uri="{FF2B5EF4-FFF2-40B4-BE49-F238E27FC236}">
+                <a16:creationId xmlns:a16="http://schemas.microsoft.com/office/drawing/2014/main" id="{5A835445-EAC6-4597-B652-BE08B7478B0E}"/>
+              </a:ext>
+            </a:extLst>
+          </p:cNvPr>
+          <p:cNvSpPr>
+            <a:spLocks noGrp="1"/>
+          </p:cNvSpPr>
+          <p:nvPr>
+            <p:ph type="title"/>
+          </p:nvPr>
+        </p:nvSpPr>
+        <p:spPr/>
+        <p:txBody>
+          <a:bodyPr/>
+          <a:lstStyle/>
+          <a:p>
+            <a:r>
+              <a:rPr lang="de-DE" dirty="0"/>
+              <a:t>Übung: Matrizen</a:t>
+            </a:r>
+          </a:p>
+        </p:txBody>
+      </p:sp>
+      <p:sp>
+        <p:nvSpPr>
+          <p:cNvPr id="3" name="Inhaltsplatzhalter 2">
+            <a:extLst>
+              <a:ext uri="{FF2B5EF4-FFF2-40B4-BE49-F238E27FC236}">
+                <a16:creationId xmlns:a16="http://schemas.microsoft.com/office/drawing/2014/main" id="{C377893B-9CA7-49BE-AD7E-22008EBF7734}"/>
+              </a:ext>
+            </a:extLst>
+          </p:cNvPr>
+          <p:cNvSpPr>
+            <a:spLocks noGrp="1"/>
+          </p:cNvSpPr>
+          <p:nvPr>
+            <p:ph idx="1"/>
+          </p:nvPr>
+        </p:nvSpPr>
+        <p:spPr/>
+        <p:txBody>
+          <a:bodyPr/>
+          <a:lstStyle/>
+          <a:p>
+            <a:pPr marL="457200" indent="-457200">
+              <a:buFont typeface="+mj-lt"/>
+              <a:buAutoNum type="arabicPeriod"/>
+            </a:pPr>
+            <a:r>
+              <a:rPr lang="de-DE" dirty="0"/>
+              <a:t>Erzeugen Sie eine Matrix mit 0 mit den Dimensionen 5 Zeilen und 5 Spalten</a:t>
+            </a:r>
+          </a:p>
+          <a:p>
+            <a:pPr marL="457200" indent="-457200">
+              <a:buFont typeface="+mj-lt"/>
+              <a:buAutoNum type="arabicPeriod"/>
+            </a:pPr>
+            <a:r>
+              <a:rPr lang="de-DE" dirty="0"/>
+              <a:t>Füllen Sie Zellen der Matrix </a:t>
+            </a:r>
+            <a:r>
+              <a:rPr lang="de-DE"/>
+              <a:t>wie dargestellt</a:t>
+            </a:r>
+            <a:endParaRPr lang="de-DE" dirty="0"/>
+          </a:p>
+          <a:p>
+            <a:pPr marL="457200" indent="-457200">
+              <a:buFont typeface="+mj-lt"/>
+              <a:buAutoNum type="arabicPeriod"/>
+            </a:pPr>
+            <a:r>
+              <a:rPr lang="de-DE" dirty="0"/>
+              <a:t>Löschen Sie alle Zellen mit den Werten 5 aus der</a:t>
+            </a:r>
+          </a:p>
+          <a:p>
+            <a:pPr marL="0" indent="0">
+              <a:buNone/>
+            </a:pPr>
+            <a:r>
+              <a:rPr lang="de-DE" dirty="0"/>
+              <a:t>	Matrix. Die Matrix soll danach nur noch</a:t>
+            </a:r>
+          </a:p>
+          <a:p>
+            <a:pPr marL="0" indent="0">
+              <a:buNone/>
+            </a:pPr>
+            <a:r>
+              <a:rPr lang="de-DE" dirty="0"/>
+              <a:t>	3 Zeilen und 3 Spalten besitzen</a:t>
+            </a:r>
+          </a:p>
+          <a:p>
+            <a:pPr marL="457200" indent="-457200">
+              <a:buFont typeface="+mj-lt"/>
+              <a:buAutoNum type="arabicPeriod"/>
+            </a:pPr>
+            <a:endParaRPr lang="de-DE" dirty="0"/>
+          </a:p>
+          <a:p>
+            <a:pPr marL="457200" indent="-457200">
+              <a:buFont typeface="+mj-lt"/>
+              <a:buAutoNum type="arabicPeriod"/>
+            </a:pPr>
+            <a:endParaRPr lang="de-DE" dirty="0"/>
+          </a:p>
+        </p:txBody>
+      </p:sp>
+      <p:pic>
+        <p:nvPicPr>
+          <p:cNvPr id="5" name="Grafik 4">
+            <a:extLst>
+              <a:ext uri="{FF2B5EF4-FFF2-40B4-BE49-F238E27FC236}">
+                <a16:creationId xmlns:a16="http://schemas.microsoft.com/office/drawing/2014/main" id="{CC057750-FEE5-407E-9EEA-71F34CEE4D9A}"/>
+              </a:ext>
+            </a:extLst>
+          </p:cNvPr>
+          <p:cNvPicPr>
+            <a:picLocks noChangeAspect="1"/>
+          </p:cNvPicPr>
+          <p:nvPr/>
+        </p:nvPicPr>
+        <p:blipFill>
+          <a:blip r:embed="rId2">
+            <a:extLst>
+              <a:ext uri="{28A0092B-C50C-407E-A947-70E740481C1C}">
+                <a14:useLocalDpi xmlns:a14="http://schemas.microsoft.com/office/drawing/2010/main" val="0"/>
+              </a:ext>
+            </a:extLst>
+          </a:blip>
+          <a:stretch>
+            <a:fillRect/>
+          </a:stretch>
+        </p:blipFill>
+        <p:spPr>
+          <a:xfrm>
+            <a:off x="7366311" y="2484006"/>
+            <a:ext cx="3289247" cy="2423143"/>
+          </a:xfrm>
+          <a:prstGeom prst="rect">
+            <a:avLst/>
+          </a:prstGeom>
+        </p:spPr>
+      </p:pic>
+    </p:spTree>
+    <p:extLst>
+      <p:ext uri="{BB962C8B-B14F-4D97-AF65-F5344CB8AC3E}">
+        <p14:creationId xmlns:p14="http://schemas.microsoft.com/office/powerpoint/2010/main" val="3480588357"/>
+      </p:ext>
+    </p:extLst>
+  </p:cSld>
+  <p:clrMapOvr>
+    <a:masterClrMapping/>
+  </p:clrMapOvr>
+</p:sld>
+</file>
+
+<file path=ppt/slides/slide23.xml><?xml version="1.0" encoding="utf-8"?>
+<p:sld xmlns:a="http://schemas.openxmlformats.org/drawingml/2006/main" xmlns:r="http://schemas.openxmlformats.org/officeDocument/2006/relationships" xmlns:p="http://schemas.openxmlformats.org/presentationml/2006/main">
+  <p:cSld>
+    <p:spTree>
+      <p:nvGrpSpPr>
+        <p:cNvPr id="1" name=""/>
+        <p:cNvGrpSpPr/>
+        <p:nvPr/>
+      </p:nvGrpSpPr>
+      <p:grpSpPr>
+        <a:xfrm>
+          <a:off x="0" y="0"/>
+          <a:ext cx="0" cy="0"/>
+          <a:chOff x="0" y="0"/>
+          <a:chExt cx="0" cy="0"/>
+        </a:xfrm>
+      </p:grpSpPr>
+      <p:sp>
+        <p:nvSpPr>
+          <p:cNvPr id="2" name="Titel 1">
+            <a:extLst>
+              <a:ext uri="{FF2B5EF4-FFF2-40B4-BE49-F238E27FC236}">
+                <a16:creationId xmlns:a16="http://schemas.microsoft.com/office/drawing/2014/main" id="{AC027F97-6EC1-4A37-B082-BDDE5E5BAF69}"/>
+              </a:ext>
+            </a:extLst>
+          </p:cNvPr>
+          <p:cNvSpPr>
+            <a:spLocks noGrp="1"/>
+          </p:cNvSpPr>
+          <p:nvPr>
+            <p:ph type="title"/>
+          </p:nvPr>
+        </p:nvSpPr>
+        <p:spPr/>
+        <p:txBody>
+          <a:bodyPr/>
+          <a:lstStyle/>
+          <a:p>
+            <a:r>
+              <a:rPr lang="de-DE" dirty="0"/>
+              <a:t>Matrizen</a:t>
+            </a:r>
+          </a:p>
+        </p:txBody>
+      </p:sp>
+      <p:sp>
+        <p:nvSpPr>
+          <p:cNvPr id="3" name="Inhaltsplatzhalter 2">
+            <a:extLst>
+              <a:ext uri="{FF2B5EF4-FFF2-40B4-BE49-F238E27FC236}">
+                <a16:creationId xmlns:a16="http://schemas.microsoft.com/office/drawing/2014/main" id="{7150AA3E-74DA-400E-A9AE-32DE27C78691}"/>
+              </a:ext>
+            </a:extLst>
+          </p:cNvPr>
+          <p:cNvSpPr>
+            <a:spLocks noGrp="1"/>
+          </p:cNvSpPr>
+          <p:nvPr>
+            <p:ph idx="1"/>
+          </p:nvPr>
+        </p:nvSpPr>
+        <p:spPr/>
+        <p:txBody>
+          <a:bodyPr>
+            <a:normAutofit/>
+          </a:bodyPr>
+          <a:lstStyle/>
+          <a:p>
+            <a:pPr lvl="1">
+              <a:buFont typeface="Arial" panose="020B0604020202020204" pitchFamily="34" charset="0"/>
+              <a:buChar char="•"/>
+            </a:pPr>
+            <a:r>
+              <a:rPr lang="de-DE" sz="2800" dirty="0"/>
+              <a:t>Matrizen sind 2 dimensionale Vektoren</a:t>
+            </a:r>
+          </a:p>
+          <a:p>
+            <a:pPr marL="4572" lvl="1" indent="0">
+              <a:buNone/>
+            </a:pPr>
+            <a:endParaRPr lang="de-DE" sz="2800" dirty="0"/>
+          </a:p>
+          <a:p>
+            <a:pPr lvl="1">
+              <a:buFont typeface="Arial" panose="020B0604020202020204" pitchFamily="34" charset="0"/>
+              <a:buChar char="•"/>
+            </a:pPr>
+            <a:r>
+              <a:rPr lang="de-DE" sz="2800" dirty="0"/>
+              <a:t>Bei Indizierung mit [] muss jetzt Zeile und Spalte angegeben werden</a:t>
+            </a:r>
+          </a:p>
+          <a:p>
+            <a:pPr marL="4572" lvl="1" indent="0">
+              <a:buNone/>
+            </a:pPr>
+            <a:r>
+              <a:rPr lang="de-DE" sz="2800" dirty="0"/>
+              <a:t>	Erste Zahl: Zeile</a:t>
+            </a:r>
+          </a:p>
+          <a:p>
+            <a:pPr marL="0" indent="0">
+              <a:buNone/>
+            </a:pPr>
+            <a:r>
+              <a:rPr lang="de-DE" sz="2800" dirty="0"/>
+              <a:t>	Zweite Zahl: Spalte</a:t>
+            </a:r>
+          </a:p>
+        </p:txBody>
+      </p:sp>
+    </p:spTree>
+    <p:extLst>
+      <p:ext uri="{BB962C8B-B14F-4D97-AF65-F5344CB8AC3E}">
+        <p14:creationId xmlns:p14="http://schemas.microsoft.com/office/powerpoint/2010/main" val="2897851853"/>
+      </p:ext>
+    </p:extLst>
+  </p:cSld>
+  <p:clrMapOvr>
+    <a:masterClrMapping/>
+  </p:clrMapOvr>
+  <p:timing>
+    <p:tnLst>
+      <p:par>
+        <p:cTn id="1" dur="indefinite" restart="never" nodeType="tmRoot">
+          <p:childTnLst>
+            <p:seq concurrent="1" nextAc="seek">
+              <p:cTn id="2" dur="indefinite" nodeType="mainSeq">
+                <p:childTnLst>
+                  <p:par>
+                    <p:cTn id="3" fill="hold">
+                      <p:stCondLst>
+                        <p:cond delay="indefinite"/>
+                      </p:stCondLst>
+                      <p:childTnLst>
+                        <p:par>
+                          <p:cTn id="4" fill="hold">
+                            <p:stCondLst>
+                              <p:cond delay="0"/>
+                            </p:stCondLst>
+                            <p:childTnLst>
+                              <p:par>
+                                <p:cTn id="5" presetID="1" presetClass="entr" presetSubtype="0" fill="hold" nodeType="clickEffect">
+                                  <p:stCondLst>
+                                    <p:cond delay="0"/>
+                                  </p:stCondLst>
+                                  <p:childTnLst>
+                                    <p:set>
+                                      <p:cBhvr>
+                                        <p:cTn id="6" dur="1" fill="hold">
+                                          <p:stCondLst>
+                                            <p:cond delay="0"/>
+                                          </p:stCondLst>
+                                        </p:cTn>
+                                        <p:tgtEl>
+                                          <p:spTgt spid="3">
+                                            <p:txEl>
+                                              <p:pRg st="0" end="0"/>
+                                            </p:txEl>
+                                          </p:spTgt>
+                                        </p:tgtEl>
+                                        <p:attrNameLst>
+                                          <p:attrName>style.visibility</p:attrName>
+                                        </p:attrNameLst>
+                                      </p:cBhvr>
+                                      <p:to>
+                                        <p:strVal val="visible"/>
+                                      </p:to>
+                                    </p:set>
+                                  </p:childTnLst>
+                                </p:cTn>
+                              </p:par>
+                            </p:childTnLst>
+                          </p:cTn>
+                        </p:par>
+                      </p:childTnLst>
+                    </p:cTn>
+                  </p:par>
+                  <p:par>
+                    <p:cTn id="7" fill="hold">
+                      <p:stCondLst>
+                        <p:cond delay="indefinite"/>
+                      </p:stCondLst>
+                      <p:childTnLst>
+                        <p:par>
+                          <p:cTn id="8" fill="hold">
+                            <p:stCondLst>
+                              <p:cond delay="0"/>
+                            </p:stCondLst>
+                            <p:childTnLst>
+                              <p:par>
+                                <p:cTn id="9" presetID="1" presetClass="entr" presetSubtype="0" fill="hold" nodeType="clickEffect">
+                                  <p:stCondLst>
+                                    <p:cond delay="0"/>
+                                  </p:stCondLst>
+                                  <p:childTnLst>
+                                    <p:set>
+                                      <p:cBhvr>
+                                        <p:cTn id="10" dur="1" fill="hold">
+                                          <p:stCondLst>
+                                            <p:cond delay="0"/>
+                                          </p:stCondLst>
+                                        </p:cTn>
+                                        <p:tgtEl>
+                                          <p:spTgt spid="3">
+                                            <p:txEl>
+                                              <p:pRg st="2" end="2"/>
+                                            </p:txEl>
+                                          </p:spTgt>
+                                        </p:tgtEl>
+                                        <p:attrNameLst>
+                                          <p:attrName>style.visibility</p:attrName>
+                                        </p:attrNameLst>
+                                      </p:cBhvr>
+                                      <p:to>
+                                        <p:strVal val="visible"/>
+                                      </p:to>
+                                    </p:set>
+                                  </p:childTnLst>
+                                </p:cTn>
+                              </p:par>
+                              <p:par>
+                                <p:cTn id="11" presetID="1" presetClass="entr" presetSubtype="0" fill="hold" nodeType="withEffect">
+                                  <p:stCondLst>
+                                    <p:cond delay="0"/>
+                                  </p:stCondLst>
+                                  <p:childTnLst>
+                                    <p:set>
+                                      <p:cBhvr>
+                                        <p:cTn id="12" dur="1" fill="hold">
+                                          <p:stCondLst>
+                                            <p:cond delay="0"/>
+                                          </p:stCondLst>
+                                        </p:cTn>
+                                        <p:tgtEl>
+                                          <p:spTgt spid="3">
+                                            <p:txEl>
+                                              <p:pRg st="3" end="3"/>
+                                            </p:txEl>
+                                          </p:spTgt>
+                                        </p:tgtEl>
+                                        <p:attrNameLst>
+                                          <p:attrName>style.visibility</p:attrName>
+                                        </p:attrNameLst>
+                                      </p:cBhvr>
+                                      <p:to>
+                                        <p:strVal val="visible"/>
+                                      </p:to>
+                                    </p:set>
+                                  </p:childTnLst>
+                                </p:cTn>
+                              </p:par>
+                              <p:par>
+                                <p:cTn id="13" presetID="1" presetClass="entr" presetSubtype="0" fill="hold" nodeType="withEffect">
+                                  <p:stCondLst>
+                                    <p:cond delay="0"/>
+                                  </p:stCondLst>
+                                  <p:childTnLst>
+                                    <p:set>
+                                      <p:cBhvr>
+                                        <p:cTn id="14" dur="1" fill="hold">
+                                          <p:stCondLst>
+                                            <p:cond delay="0"/>
+                                          </p:stCondLst>
+                                        </p:cTn>
+                                        <p:tgtEl>
+                                          <p:spTgt spid="3">
+                                            <p:txEl>
+                                              <p:pRg st="4" end="4"/>
+                                            </p:txEl>
+                                          </p:spTgt>
+                                        </p:tgtEl>
+                                        <p:attrNameLst>
+                                          <p:attrName>style.visibility</p:attrName>
+                                        </p:attrNameLst>
+                                      </p:cBhvr>
+                                      <p:to>
+                                        <p:strVal val="visible"/>
+                                      </p:to>
+                                    </p:set>
+                                  </p:childTnLst>
+                                </p:cTn>
+                              </p:par>
+                            </p:childTnLst>
+                          </p:cTn>
+                        </p:par>
+                      </p:childTnLst>
+                    </p:cTn>
+                  </p:par>
+                </p:childTnLst>
+              </p:cTn>
+              <p:prevCondLst>
+                <p:cond evt="onPrev" delay="0">
+                  <p:tgtEl>
+                    <p:sldTgt/>
+                  </p:tgtEl>
+                </p:cond>
+              </p:prevCondLst>
+              <p:nextCondLst>
+                <p:cond evt="onNext" delay="0">
+                  <p:tgtEl>
+                    <p:sldTgt/>
+                  </p:tgtEl>
+                </p:cond>
+              </p:nextCondLst>
+            </p:seq>
+          </p:childTnLst>
+        </p:cTn>
+      </p:par>
+    </p:tnLst>
+  </p:timing>
+</p:sld>
+</file>
+
+<file path=ppt/slides/slide24.xml><?xml version="1.0" encoding="utf-8"?>
+<p:sld xmlns:a="http://schemas.openxmlformats.org/drawingml/2006/main" xmlns:r="http://schemas.openxmlformats.org/officeDocument/2006/relationships" xmlns:p="http://schemas.openxmlformats.org/presentationml/2006/main">
+  <p:cSld>
+    <p:spTree>
+      <p:nvGrpSpPr>
+        <p:cNvPr id="1" name=""/>
+        <p:cNvGrpSpPr/>
+        <p:nvPr/>
+      </p:nvGrpSpPr>
+      <p:grpSpPr>
+        <a:xfrm>
+          <a:off x="0" y="0"/>
+          <a:ext cx="0" cy="0"/>
+          <a:chOff x="0" y="0"/>
+          <a:chExt cx="0" cy="0"/>
+        </a:xfrm>
+      </p:grpSpPr>
+      <p:sp>
+        <p:nvSpPr>
+          <p:cNvPr id="2" name="Titel 1">
+            <a:extLst>
+              <a:ext uri="{FF2B5EF4-FFF2-40B4-BE49-F238E27FC236}">
+                <a16:creationId xmlns:a16="http://schemas.microsoft.com/office/drawing/2014/main" id="{AE82C04D-C07E-4106-B772-CE20CFE0DA43}"/>
+              </a:ext>
+            </a:extLst>
+          </p:cNvPr>
+          <p:cNvSpPr>
+            <a:spLocks noGrp="1"/>
+          </p:cNvSpPr>
+          <p:nvPr>
+            <p:ph type="title"/>
+          </p:nvPr>
+        </p:nvSpPr>
+        <p:spPr>
+          <a:xfrm>
+            <a:off x="653902" y="2328333"/>
+            <a:ext cx="11153553" cy="1658198"/>
+          </a:xfrm>
+        </p:spPr>
+        <p:txBody>
+          <a:bodyPr/>
+          <a:lstStyle/>
+          <a:p>
+            <a:r>
+              <a:rPr lang="de-DE" dirty="0"/>
+              <a:t>Live Coding: Dataframes</a:t>
+            </a:r>
+          </a:p>
+        </p:txBody>
+      </p:sp>
+    </p:spTree>
+    <p:extLst>
+      <p:ext uri="{BB962C8B-B14F-4D97-AF65-F5344CB8AC3E}">
+        <p14:creationId xmlns:p14="http://schemas.microsoft.com/office/powerpoint/2010/main" val="2427056913"/>
+      </p:ext>
+    </p:extLst>
+  </p:cSld>
+  <p:clrMapOvr>
+    <a:masterClrMapping/>
+  </p:clrMapOvr>
+</p:sld>
+</file>
+
+<file path=ppt/slides/slide25.xml><?xml version="1.0" encoding="utf-8"?>
+<p:sld xmlns:a="http://schemas.openxmlformats.org/drawingml/2006/main" xmlns:r="http://schemas.openxmlformats.org/officeDocument/2006/relationships" xmlns:p="http://schemas.openxmlformats.org/presentationml/2006/main">
+  <p:cSld>
+    <p:spTree>
+      <p:nvGrpSpPr>
+        <p:cNvPr id="1" name=""/>
+        <p:cNvGrpSpPr/>
+        <p:nvPr/>
+      </p:nvGrpSpPr>
+      <p:grpSpPr>
+        <a:xfrm>
+          <a:off x="0" y="0"/>
+          <a:ext cx="0" cy="0"/>
+          <a:chOff x="0" y="0"/>
+          <a:chExt cx="0" cy="0"/>
+        </a:xfrm>
+      </p:grpSpPr>
+      <p:sp>
+        <p:nvSpPr>
+          <p:cNvPr id="2" name="Titel 1">
+            <a:extLst>
+              <a:ext uri="{FF2B5EF4-FFF2-40B4-BE49-F238E27FC236}">
+                <a16:creationId xmlns:a16="http://schemas.microsoft.com/office/drawing/2014/main" id="{9F03FD5D-0C57-4C4A-9C16-0AFCA3AC19A3}"/>
+              </a:ext>
+            </a:extLst>
+          </p:cNvPr>
+          <p:cNvSpPr>
+            <a:spLocks noGrp="1"/>
+          </p:cNvSpPr>
+          <p:nvPr>
+            <p:ph type="title"/>
+          </p:nvPr>
+        </p:nvSpPr>
+        <p:spPr/>
+        <p:txBody>
+          <a:bodyPr/>
+          <a:lstStyle/>
+          <a:p>
+            <a:r>
+              <a:rPr lang="de-DE" dirty="0"/>
+              <a:t>Dataframes</a:t>
+            </a:r>
+          </a:p>
+        </p:txBody>
+      </p:sp>
+      <p:sp>
+        <p:nvSpPr>
+          <p:cNvPr id="3" name="Inhaltsplatzhalter 2">
+            <a:extLst>
+              <a:ext uri="{FF2B5EF4-FFF2-40B4-BE49-F238E27FC236}">
+                <a16:creationId xmlns:a16="http://schemas.microsoft.com/office/drawing/2014/main" id="{04ACF738-AB74-4918-8C3B-C479D336D5DA}"/>
+              </a:ext>
+            </a:extLst>
+          </p:cNvPr>
+          <p:cNvSpPr>
+            <a:spLocks noGrp="1"/>
+          </p:cNvSpPr>
+          <p:nvPr>
+            <p:ph idx="1"/>
+          </p:nvPr>
+        </p:nvSpPr>
+        <p:spPr/>
+        <p:txBody>
+          <a:bodyPr/>
+          <a:lstStyle/>
+          <a:p>
+            <a:r>
+              <a:rPr lang="de-DE" dirty="0"/>
+              <a:t>Das Kernstück von R</a:t>
+            </a:r>
+          </a:p>
+          <a:p>
+            <a:r>
+              <a:rPr lang="de-DE" dirty="0"/>
+              <a:t>Analog der Excel Tabelle</a:t>
+            </a:r>
+          </a:p>
+          <a:p>
+            <a:r>
+              <a:rPr lang="de-DE" dirty="0"/>
+              <a:t>Erweiterung der Matrix</a:t>
+            </a:r>
+          </a:p>
+          <a:p>
+            <a:r>
+              <a:rPr lang="de-DE" dirty="0"/>
+              <a:t>Spalten können aus unterschiedlichen Datentypen bestehen</a:t>
+            </a:r>
+          </a:p>
+          <a:p>
+            <a:r>
+              <a:rPr lang="de-DE" dirty="0"/>
+              <a:t>Spalten haben Namen!</a:t>
+            </a:r>
+          </a:p>
+          <a:p>
+            <a:r>
+              <a:rPr lang="de-DE" dirty="0"/>
+              <a:t>Auswahl einzelner Spalten durch $ und Spaltennamen</a:t>
+            </a:r>
+          </a:p>
+        </p:txBody>
+      </p:sp>
+    </p:spTree>
+    <p:extLst>
+      <p:ext uri="{BB962C8B-B14F-4D97-AF65-F5344CB8AC3E}">
+        <p14:creationId xmlns:p14="http://schemas.microsoft.com/office/powerpoint/2010/main" val="3420363640"/>
+      </p:ext>
+    </p:extLst>
+  </p:cSld>
+  <p:clrMapOvr>
+    <a:masterClrMapping/>
+  </p:clrMapOvr>
+</p:sld>
+</file>
+
+<file path=ppt/slides/slide26.xml><?xml version="1.0" encoding="utf-8"?>
+<p:sld xmlns:a="http://schemas.openxmlformats.org/drawingml/2006/main" xmlns:r="http://schemas.openxmlformats.org/officeDocument/2006/relationships" xmlns:p="http://schemas.openxmlformats.org/presentationml/2006/main">
+  <p:cSld>
+    <p:spTree>
+      <p:nvGrpSpPr>
+        <p:cNvPr id="1" name=""/>
+        <p:cNvGrpSpPr/>
+        <p:nvPr/>
+      </p:nvGrpSpPr>
+      <p:grpSpPr>
+        <a:xfrm>
+          <a:off x="0" y="0"/>
+          <a:ext cx="0" cy="0"/>
+          <a:chOff x="0" y="0"/>
+          <a:chExt cx="0" cy="0"/>
+        </a:xfrm>
+      </p:grpSpPr>
+      <p:sp>
+        <p:nvSpPr>
+          <p:cNvPr id="2" name="Titel 1">
+            <a:extLst>
+              <a:ext uri="{FF2B5EF4-FFF2-40B4-BE49-F238E27FC236}">
+                <a16:creationId xmlns:a16="http://schemas.microsoft.com/office/drawing/2014/main" id="{6E8A2DE6-FB1F-4FFB-A511-02C68EDE7CB9}"/>
+              </a:ext>
+            </a:extLst>
+          </p:cNvPr>
+          <p:cNvSpPr>
+            <a:spLocks noGrp="1"/>
+          </p:cNvSpPr>
+          <p:nvPr>
+            <p:ph type="title"/>
+          </p:nvPr>
+        </p:nvSpPr>
+        <p:spPr/>
+        <p:txBody>
+          <a:bodyPr/>
+          <a:lstStyle/>
+          <a:p>
+            <a:r>
+              <a:rPr lang="de-DE" dirty="0"/>
+              <a:t>Funktionen und Packages</a:t>
+            </a:r>
+          </a:p>
+        </p:txBody>
+      </p:sp>
+      <p:sp>
+        <p:nvSpPr>
+          <p:cNvPr id="3" name="Inhaltsplatzhalter 2">
+            <a:extLst>
+              <a:ext uri="{FF2B5EF4-FFF2-40B4-BE49-F238E27FC236}">
+                <a16:creationId xmlns:a16="http://schemas.microsoft.com/office/drawing/2014/main" id="{28DC6524-4F25-4949-BD80-6E6852C55482}"/>
+              </a:ext>
+            </a:extLst>
+          </p:cNvPr>
+          <p:cNvSpPr>
+            <a:spLocks noGrp="1"/>
+          </p:cNvSpPr>
+          <p:nvPr>
+            <p:ph idx="1"/>
+          </p:nvPr>
+        </p:nvSpPr>
+        <p:spPr/>
+        <p:txBody>
+          <a:bodyPr/>
+          <a:lstStyle/>
+          <a:p>
+            <a:r>
+              <a:rPr lang="de-DE" dirty="0"/>
+              <a:t>Was genau eine Funktion macht, oder welche Argumente die Funktion besitzt lässt sich über die Dokumentation in der internen  </a:t>
+            </a:r>
+            <a:r>
+              <a:rPr lang="de-DE"/>
+              <a:t>Hilfe nachlesen</a:t>
+            </a:r>
+            <a:endParaRPr lang="de-DE" dirty="0"/>
+          </a:p>
+        </p:txBody>
+      </p:sp>
+    </p:spTree>
+    <p:extLst>
+      <p:ext uri="{BB962C8B-B14F-4D97-AF65-F5344CB8AC3E}">
+        <p14:creationId xmlns:p14="http://schemas.microsoft.com/office/powerpoint/2010/main" val="1982837557"/>
+      </p:ext>
+    </p:extLst>
+  </p:cSld>
+  <p:clrMapOvr>
+    <a:masterClrMapping/>
+  </p:clrMapOvr>
 </p:sld>
 </file>
 
@@ -5826,6 +9390,15 @@
               <a:rPr lang="de-DE" dirty="0">
                 <a:hlinkClick r:id="rId3"/>
               </a:rPr>
+              <a:t>https://shiny.posit.co/r/gallery/start-simple/word-cloud/</a:t>
+            </a:r>
+            <a:endParaRPr lang="de-DE" dirty="0"/>
+          </a:p>
+          <a:p>
+            <a:r>
+              <a:rPr lang="de-DE" dirty="0">
+                <a:hlinkClick r:id="rId4"/>
+              </a:rPr>
               <a:t>https://shiny.posit.co/r/gallery/life-sciences/biodiversity-national-parks/</a:t>
             </a:r>
             <a:endParaRPr lang="de-DE" dirty="0"/>
@@ -7113,7 +10686,7 @@
           <p:cNvPr id="2" name="Titel 1">
             <a:extLst>
               <a:ext uri="{FF2B5EF4-FFF2-40B4-BE49-F238E27FC236}">
-                <a16:creationId xmlns:a16="http://schemas.microsoft.com/office/drawing/2014/main" id="{858BBC3F-B9C0-4F85-99F3-433B6393D071}"/>
+                <a16:creationId xmlns:a16="http://schemas.microsoft.com/office/drawing/2014/main" id="{A6344944-9C58-48B1-86DB-DABE5BE9D378}"/>
               </a:ext>
             </a:extLst>
           </p:cNvPr>
@@ -7126,89 +10699,1467 @@
         </p:nvSpPr>
         <p:spPr>
           <a:xfrm>
-            <a:off x="838200" y="301329"/>
-            <a:ext cx="10515600" cy="671549"/>
+            <a:off x="200025" y="361310"/>
+            <a:ext cx="10772775" cy="909281"/>
           </a:xfrm>
         </p:spPr>
         <p:txBody>
           <a:bodyPr>
-            <a:normAutofit fontScale="90000"/>
+            <a:normAutofit/>
           </a:bodyPr>
           <a:lstStyle/>
           <a:p>
             <a:r>
-              <a:rPr lang="de-DE" dirty="0" err="1"/>
-              <a:t>übungsideen</a:t>
-            </a:r>
-            <a:endParaRPr lang="de-DE" dirty="0"/>
-          </a:p>
-        </p:txBody>
-      </p:sp>
-      <p:sp>
-        <p:nvSpPr>
-          <p:cNvPr id="3" name="Inhaltsplatzhalter 2">
+              <a:rPr lang="de-DE" dirty="0"/>
+              <a:t>Datenstrukturen in R</a:t>
+            </a:r>
+          </a:p>
+        </p:txBody>
+      </p:sp>
+      <p:pic>
+        <p:nvPicPr>
+          <p:cNvPr id="7" name="Grafik 6">
             <a:extLst>
               <a:ext uri="{FF2B5EF4-FFF2-40B4-BE49-F238E27FC236}">
-                <a16:creationId xmlns:a16="http://schemas.microsoft.com/office/drawing/2014/main" id="{60044577-1E83-4644-854B-66D6DD2E498E}"/>
+                <a16:creationId xmlns:a16="http://schemas.microsoft.com/office/drawing/2014/main" id="{966C09AA-82E2-4552-A370-6942889DF6F7}"/>
               </a:ext>
             </a:extLst>
           </p:cNvPr>
-          <p:cNvSpPr>
-            <a:spLocks noGrp="1"/>
-          </p:cNvSpPr>
-          <p:nvPr>
-            <p:ph idx="1"/>
-          </p:nvPr>
-        </p:nvSpPr>
+          <p:cNvPicPr>
+            <a:picLocks noChangeAspect="1"/>
+          </p:cNvPicPr>
+          <p:nvPr/>
+        </p:nvPicPr>
+        <p:blipFill>
+          <a:blip r:embed="rId2">
+            <a:extLst>
+              <a:ext uri="{28A0092B-C50C-407E-A947-70E740481C1C}">
+                <a14:useLocalDpi xmlns:a14="http://schemas.microsoft.com/office/drawing/2010/main" val="0"/>
+              </a:ext>
+            </a:extLst>
+          </a:blip>
+          <a:stretch>
+            <a:fillRect/>
+          </a:stretch>
+        </p:blipFill>
         <p:spPr>
           <a:xfrm>
-            <a:off x="838200" y="1047307"/>
-            <a:ext cx="10515600" cy="5129656"/>
+            <a:off x="200025" y="1540559"/>
+            <a:ext cx="9145143" cy="4066756"/>
           </a:xfrm>
+          <a:prstGeom prst="rect">
+            <a:avLst/>
+          </a:prstGeom>
         </p:spPr>
-        <p:txBody>
-          <a:bodyPr/>
+      </p:pic>
+      <p:sp>
+        <p:nvSpPr>
+          <p:cNvPr id="8" name="Rechteck 7">
+            <a:extLst>
+              <a:ext uri="{FF2B5EF4-FFF2-40B4-BE49-F238E27FC236}">
+                <a16:creationId xmlns:a16="http://schemas.microsoft.com/office/drawing/2014/main" id="{1D2BD8B2-9E2D-4488-A8A5-B9BFAC0A7F8D}"/>
+              </a:ext>
+            </a:extLst>
+          </p:cNvPr>
+          <p:cNvSpPr/>
+          <p:nvPr/>
+        </p:nvSpPr>
+        <p:spPr>
+          <a:xfrm>
+            <a:off x="696432" y="2488019"/>
+            <a:ext cx="595423" cy="212651"/>
+          </a:xfrm>
+          <a:prstGeom prst="rect">
+            <a:avLst/>
+          </a:prstGeom>
+          <a:noFill/>
+          <a:ln w="19050">
+            <a:solidFill>
+              <a:srgbClr val="FF0000"/>
+            </a:solidFill>
+          </a:ln>
+        </p:spPr>
+        <p:style>
+          <a:lnRef idx="2">
+            <a:schemeClr val="accent1">
+              <a:shade val="50000"/>
+            </a:schemeClr>
+          </a:lnRef>
+          <a:fillRef idx="1">
+            <a:schemeClr val="accent1"/>
+          </a:fillRef>
+          <a:effectRef idx="0">
+            <a:schemeClr val="accent1"/>
+          </a:effectRef>
+          <a:fontRef idx="minor">
+            <a:schemeClr val="lt1"/>
+          </a:fontRef>
+        </p:style>
+        <p:txBody>
+          <a:bodyPr rtlCol="0" anchor="ctr"/>
           <a:lstStyle/>
           <a:p>
-            <a:r>
-              <a:rPr lang="de-DE" dirty="0"/>
-              <a:t>Bulls-</a:t>
-            </a:r>
-            <a:r>
-              <a:rPr lang="de-DE" dirty="0" err="1"/>
-              <a:t>eye</a:t>
-            </a:r>
-            <a:r>
-              <a:rPr lang="de-DE" dirty="0"/>
-              <a:t>: Matrix mit Werten wie bei einer Zielscheibe füllen -&gt; Mit Excel Matrix aufzeigen</a:t>
-            </a:r>
-          </a:p>
-          <a:p>
-            <a:pPr lvl="1"/>
-            <a:r>
-              <a:rPr lang="de-DE" dirty="0"/>
-              <a:t>Zweite Phase: die außenliegenden </a:t>
-            </a:r>
-            <a:r>
-              <a:rPr lang="de-DE"/>
-              <a:t>Zellen löschen</a:t>
-            </a:r>
-          </a:p>
-          <a:p>
-            <a:endParaRPr lang="de-DE" dirty="0"/>
+            <a:pPr algn="ctr"/>
+            <a:endParaRPr lang="de-DE"/>
+          </a:p>
+        </p:txBody>
+      </p:sp>
+      <p:sp>
+        <p:nvSpPr>
+          <p:cNvPr id="9" name="Rechteck 8">
+            <a:extLst>
+              <a:ext uri="{FF2B5EF4-FFF2-40B4-BE49-F238E27FC236}">
+                <a16:creationId xmlns:a16="http://schemas.microsoft.com/office/drawing/2014/main" id="{ABF6FC60-1F8A-4E76-9AD3-07BFBF2FB43A}"/>
+              </a:ext>
+            </a:extLst>
+          </p:cNvPr>
+          <p:cNvSpPr/>
+          <p:nvPr/>
+        </p:nvSpPr>
+        <p:spPr>
+          <a:xfrm>
+            <a:off x="2310809" y="3273056"/>
+            <a:ext cx="595423" cy="212651"/>
+          </a:xfrm>
+          <a:prstGeom prst="rect">
+            <a:avLst/>
+          </a:prstGeom>
+          <a:noFill/>
+          <a:ln w="19050">
+            <a:solidFill>
+              <a:srgbClr val="FF0000"/>
+            </a:solidFill>
+          </a:ln>
+        </p:spPr>
+        <p:style>
+          <a:lnRef idx="2">
+            <a:schemeClr val="accent1">
+              <a:shade val="50000"/>
+            </a:schemeClr>
+          </a:lnRef>
+          <a:fillRef idx="1">
+            <a:schemeClr val="accent1"/>
+          </a:fillRef>
+          <a:effectRef idx="0">
+            <a:schemeClr val="accent1"/>
+          </a:effectRef>
+          <a:fontRef idx="minor">
+            <a:schemeClr val="lt1"/>
+          </a:fontRef>
+        </p:style>
+        <p:txBody>
+          <a:bodyPr rtlCol="0" anchor="ctr"/>
+          <a:lstStyle/>
+          <a:p>
+            <a:pPr algn="ctr"/>
+            <a:endParaRPr lang="de-DE"/>
+          </a:p>
+        </p:txBody>
+      </p:sp>
+      <p:sp>
+        <p:nvSpPr>
+          <p:cNvPr id="10" name="Rechteck 9">
+            <a:extLst>
+              <a:ext uri="{FF2B5EF4-FFF2-40B4-BE49-F238E27FC236}">
+                <a16:creationId xmlns:a16="http://schemas.microsoft.com/office/drawing/2014/main" id="{DD71A2B7-08AE-4301-8860-BF9F5BC61FD3}"/>
+              </a:ext>
+            </a:extLst>
+          </p:cNvPr>
+          <p:cNvSpPr/>
+          <p:nvPr/>
+        </p:nvSpPr>
+        <p:spPr>
+          <a:xfrm>
+            <a:off x="9790814" y="1880191"/>
+            <a:ext cx="595423" cy="212651"/>
+          </a:xfrm>
+          <a:prstGeom prst="rect">
+            <a:avLst/>
+          </a:prstGeom>
+          <a:noFill/>
+          <a:ln w="19050">
+            <a:solidFill>
+              <a:srgbClr val="FF0000"/>
+            </a:solidFill>
+          </a:ln>
+        </p:spPr>
+        <p:style>
+          <a:lnRef idx="2">
+            <a:schemeClr val="accent1">
+              <a:shade val="50000"/>
+            </a:schemeClr>
+          </a:lnRef>
+          <a:fillRef idx="1">
+            <a:schemeClr val="accent1"/>
+          </a:fillRef>
+          <a:effectRef idx="0">
+            <a:schemeClr val="accent1"/>
+          </a:effectRef>
+          <a:fontRef idx="minor">
+            <a:schemeClr val="lt1"/>
+          </a:fontRef>
+        </p:style>
+        <p:txBody>
+          <a:bodyPr rtlCol="0" anchor="ctr"/>
+          <a:lstStyle/>
+          <a:p>
+            <a:pPr algn="ctr"/>
+            <a:endParaRPr lang="de-DE"/>
+          </a:p>
+        </p:txBody>
+      </p:sp>
+      <p:sp>
+        <p:nvSpPr>
+          <p:cNvPr id="11" name="Textfeld 10">
+            <a:extLst>
+              <a:ext uri="{FF2B5EF4-FFF2-40B4-BE49-F238E27FC236}">
+                <a16:creationId xmlns:a16="http://schemas.microsoft.com/office/drawing/2014/main" id="{8D2088F5-E923-4623-9ECE-9992D3C610B0}"/>
+              </a:ext>
+            </a:extLst>
+          </p:cNvPr>
+          <p:cNvSpPr txBox="1"/>
+          <p:nvPr/>
+        </p:nvSpPr>
+        <p:spPr>
+          <a:xfrm>
+            <a:off x="10579396" y="1801850"/>
+            <a:ext cx="1164421" cy="461665"/>
+          </a:xfrm>
+          <a:prstGeom prst="rect">
+            <a:avLst/>
+          </a:prstGeom>
+          <a:noFill/>
+        </p:spPr>
+        <p:txBody>
+          <a:bodyPr wrap="none" rtlCol="0">
+            <a:spAutoFit/>
+          </a:bodyPr>
+          <a:lstStyle/>
+          <a:p>
+            <a:r>
+              <a:rPr lang="de-DE" sz="2400" b="1" dirty="0">
+                <a:solidFill>
+                  <a:srgbClr val="FF0000"/>
+                </a:solidFill>
+              </a:rPr>
+              <a:t>Variable</a:t>
+            </a:r>
+            <a:endParaRPr lang="de-DE" b="1" dirty="0">
+              <a:solidFill>
+                <a:srgbClr val="FF0000"/>
+              </a:solidFill>
+            </a:endParaRPr>
+          </a:p>
+        </p:txBody>
+      </p:sp>
+      <p:sp>
+        <p:nvSpPr>
+          <p:cNvPr id="12" name="Rechteck 11">
+            <a:extLst>
+              <a:ext uri="{FF2B5EF4-FFF2-40B4-BE49-F238E27FC236}">
+                <a16:creationId xmlns:a16="http://schemas.microsoft.com/office/drawing/2014/main" id="{0348797C-BC9C-4427-92F0-E1AF33E0F2B6}"/>
+              </a:ext>
+            </a:extLst>
+          </p:cNvPr>
+          <p:cNvSpPr/>
+          <p:nvPr/>
+        </p:nvSpPr>
+        <p:spPr>
+          <a:xfrm>
+            <a:off x="6360042" y="1895579"/>
+            <a:ext cx="595423" cy="3691830"/>
+          </a:xfrm>
+          <a:prstGeom prst="rect">
+            <a:avLst/>
+          </a:prstGeom>
+          <a:noFill/>
+          <a:ln w="19050">
+            <a:solidFill>
+              <a:srgbClr val="0070C0"/>
+            </a:solidFill>
+          </a:ln>
+        </p:spPr>
+        <p:style>
+          <a:lnRef idx="2">
+            <a:schemeClr val="accent1">
+              <a:shade val="50000"/>
+            </a:schemeClr>
+          </a:lnRef>
+          <a:fillRef idx="1">
+            <a:schemeClr val="accent1"/>
+          </a:fillRef>
+          <a:effectRef idx="0">
+            <a:schemeClr val="accent1"/>
+          </a:effectRef>
+          <a:fontRef idx="minor">
+            <a:schemeClr val="lt1"/>
+          </a:fontRef>
+        </p:style>
+        <p:txBody>
+          <a:bodyPr rtlCol="0" anchor="ctr"/>
+          <a:lstStyle/>
+          <a:p>
+            <a:pPr algn="ctr"/>
+            <a:endParaRPr lang="de-DE"/>
+          </a:p>
+        </p:txBody>
+      </p:sp>
+      <p:sp>
+        <p:nvSpPr>
+          <p:cNvPr id="13" name="Rechteck 12">
+            <a:extLst>
+              <a:ext uri="{FF2B5EF4-FFF2-40B4-BE49-F238E27FC236}">
+                <a16:creationId xmlns:a16="http://schemas.microsoft.com/office/drawing/2014/main" id="{FF04BDEA-CA82-415A-B42D-A3BF482014A8}"/>
+              </a:ext>
+            </a:extLst>
+          </p:cNvPr>
+          <p:cNvSpPr/>
+          <p:nvPr/>
+        </p:nvSpPr>
+        <p:spPr>
+          <a:xfrm>
+            <a:off x="668078" y="3842784"/>
+            <a:ext cx="8677090" cy="212651"/>
+          </a:xfrm>
+          <a:prstGeom prst="rect">
+            <a:avLst/>
+          </a:prstGeom>
+          <a:noFill/>
+          <a:ln w="19050">
+            <a:solidFill>
+              <a:srgbClr val="0070C0"/>
+            </a:solidFill>
+          </a:ln>
+        </p:spPr>
+        <p:style>
+          <a:lnRef idx="2">
+            <a:schemeClr val="accent1">
+              <a:shade val="50000"/>
+            </a:schemeClr>
+          </a:lnRef>
+          <a:fillRef idx="1">
+            <a:schemeClr val="accent1"/>
+          </a:fillRef>
+          <a:effectRef idx="0">
+            <a:schemeClr val="accent1"/>
+          </a:effectRef>
+          <a:fontRef idx="minor">
+            <a:schemeClr val="lt1"/>
+          </a:fontRef>
+        </p:style>
+        <p:txBody>
+          <a:bodyPr rtlCol="0" anchor="ctr"/>
+          <a:lstStyle/>
+          <a:p>
+            <a:pPr algn="ctr"/>
+            <a:endParaRPr lang="de-DE"/>
+          </a:p>
+        </p:txBody>
+      </p:sp>
+      <p:sp>
+        <p:nvSpPr>
+          <p:cNvPr id="14" name="Rechteck 13">
+            <a:extLst>
+              <a:ext uri="{FF2B5EF4-FFF2-40B4-BE49-F238E27FC236}">
+                <a16:creationId xmlns:a16="http://schemas.microsoft.com/office/drawing/2014/main" id="{A4E7BFDF-F12D-4DE3-A1C2-A0127032DD8C}"/>
+              </a:ext>
+            </a:extLst>
+          </p:cNvPr>
+          <p:cNvSpPr/>
+          <p:nvPr/>
+        </p:nvSpPr>
+        <p:spPr>
+          <a:xfrm>
+            <a:off x="9815623" y="2489791"/>
+            <a:ext cx="595423" cy="212651"/>
+          </a:xfrm>
+          <a:prstGeom prst="rect">
+            <a:avLst/>
+          </a:prstGeom>
+          <a:noFill/>
+          <a:ln w="19050">
+            <a:solidFill>
+              <a:srgbClr val="0070C0"/>
+            </a:solidFill>
+          </a:ln>
+        </p:spPr>
+        <p:style>
+          <a:lnRef idx="2">
+            <a:schemeClr val="accent1">
+              <a:shade val="50000"/>
+            </a:schemeClr>
+          </a:lnRef>
+          <a:fillRef idx="1">
+            <a:schemeClr val="accent1"/>
+          </a:fillRef>
+          <a:effectRef idx="0">
+            <a:schemeClr val="accent1"/>
+          </a:effectRef>
+          <a:fontRef idx="minor">
+            <a:schemeClr val="lt1"/>
+          </a:fontRef>
+        </p:style>
+        <p:txBody>
+          <a:bodyPr rtlCol="0" anchor="ctr"/>
+          <a:lstStyle/>
+          <a:p>
+            <a:pPr algn="ctr"/>
+            <a:endParaRPr lang="de-DE"/>
+          </a:p>
+        </p:txBody>
+      </p:sp>
+      <p:sp>
+        <p:nvSpPr>
+          <p:cNvPr id="15" name="Textfeld 14">
+            <a:extLst>
+              <a:ext uri="{FF2B5EF4-FFF2-40B4-BE49-F238E27FC236}">
+                <a16:creationId xmlns:a16="http://schemas.microsoft.com/office/drawing/2014/main" id="{3E8A1429-B198-40FF-B3CD-9517C32D21AE}"/>
+              </a:ext>
+            </a:extLst>
+          </p:cNvPr>
+          <p:cNvSpPr txBox="1"/>
+          <p:nvPr/>
+        </p:nvSpPr>
+        <p:spPr>
+          <a:xfrm>
+            <a:off x="10637897" y="2394289"/>
+            <a:ext cx="974690" cy="461665"/>
+          </a:xfrm>
+          <a:prstGeom prst="rect">
+            <a:avLst/>
+          </a:prstGeom>
+          <a:noFill/>
+        </p:spPr>
+        <p:txBody>
+          <a:bodyPr wrap="none" rtlCol="0">
+            <a:spAutoFit/>
+          </a:bodyPr>
+          <a:lstStyle/>
+          <a:p>
+            <a:r>
+              <a:rPr lang="de-DE" sz="2400" b="1" dirty="0">
+                <a:solidFill>
+                  <a:srgbClr val="0070C0"/>
+                </a:solidFill>
+              </a:rPr>
+              <a:t>Vektor</a:t>
+            </a:r>
+            <a:endParaRPr lang="de-DE" b="1" dirty="0">
+              <a:solidFill>
+                <a:srgbClr val="0070C0"/>
+              </a:solidFill>
+            </a:endParaRPr>
+          </a:p>
+        </p:txBody>
+      </p:sp>
+      <p:sp>
+        <p:nvSpPr>
+          <p:cNvPr id="16" name="Rechteck 15">
+            <a:extLst>
+              <a:ext uri="{FF2B5EF4-FFF2-40B4-BE49-F238E27FC236}">
+                <a16:creationId xmlns:a16="http://schemas.microsoft.com/office/drawing/2014/main" id="{723C9472-24E9-44F4-BB57-A512D68AC2B6}"/>
+              </a:ext>
+            </a:extLst>
+          </p:cNvPr>
+          <p:cNvSpPr/>
+          <p:nvPr/>
+        </p:nvSpPr>
+        <p:spPr>
+          <a:xfrm>
+            <a:off x="3101163" y="1919127"/>
+            <a:ext cx="2247014" cy="3691830"/>
+          </a:xfrm>
+          <a:prstGeom prst="rect">
+            <a:avLst/>
+          </a:prstGeom>
+          <a:noFill/>
+          <a:ln w="19050">
+            <a:solidFill>
+              <a:srgbClr val="FFC000"/>
+            </a:solidFill>
+          </a:ln>
+        </p:spPr>
+        <p:style>
+          <a:lnRef idx="2">
+            <a:schemeClr val="accent1">
+              <a:shade val="50000"/>
+            </a:schemeClr>
+          </a:lnRef>
+          <a:fillRef idx="1">
+            <a:schemeClr val="accent1"/>
+          </a:fillRef>
+          <a:effectRef idx="0">
+            <a:schemeClr val="accent1"/>
+          </a:effectRef>
+          <a:fontRef idx="minor">
+            <a:schemeClr val="lt1"/>
+          </a:fontRef>
+        </p:style>
+        <p:txBody>
+          <a:bodyPr rtlCol="0" anchor="ctr"/>
+          <a:lstStyle/>
+          <a:p>
+            <a:pPr algn="ctr"/>
+            <a:endParaRPr lang="de-DE"/>
+          </a:p>
+        </p:txBody>
+      </p:sp>
+      <p:sp>
+        <p:nvSpPr>
+          <p:cNvPr id="17" name="Rechteck 16">
+            <a:extLst>
+              <a:ext uri="{FF2B5EF4-FFF2-40B4-BE49-F238E27FC236}">
+                <a16:creationId xmlns:a16="http://schemas.microsoft.com/office/drawing/2014/main" id="{292D6678-9790-40B8-8D69-A6C10AD37FBE}"/>
+              </a:ext>
+            </a:extLst>
+          </p:cNvPr>
+          <p:cNvSpPr/>
+          <p:nvPr/>
+        </p:nvSpPr>
+        <p:spPr>
+          <a:xfrm>
+            <a:off x="531155" y="4412512"/>
+            <a:ext cx="2422923" cy="1023008"/>
+          </a:xfrm>
+          <a:prstGeom prst="rect">
+            <a:avLst/>
+          </a:prstGeom>
+          <a:noFill/>
+          <a:ln w="19050">
+            <a:solidFill>
+              <a:srgbClr val="FFC000"/>
+            </a:solidFill>
+          </a:ln>
+        </p:spPr>
+        <p:style>
+          <a:lnRef idx="2">
+            <a:schemeClr val="accent1">
+              <a:shade val="50000"/>
+            </a:schemeClr>
+          </a:lnRef>
+          <a:fillRef idx="1">
+            <a:schemeClr val="accent1"/>
+          </a:fillRef>
+          <a:effectRef idx="0">
+            <a:schemeClr val="accent1"/>
+          </a:effectRef>
+          <a:fontRef idx="minor">
+            <a:schemeClr val="lt1"/>
+          </a:fontRef>
+        </p:style>
+        <p:txBody>
+          <a:bodyPr rtlCol="0" anchor="ctr"/>
+          <a:lstStyle/>
+          <a:p>
+            <a:pPr algn="ctr"/>
+            <a:endParaRPr lang="de-DE"/>
+          </a:p>
+        </p:txBody>
+      </p:sp>
+      <p:sp>
+        <p:nvSpPr>
+          <p:cNvPr id="18" name="Rechteck 17">
+            <a:extLst>
+              <a:ext uri="{FF2B5EF4-FFF2-40B4-BE49-F238E27FC236}">
+                <a16:creationId xmlns:a16="http://schemas.microsoft.com/office/drawing/2014/main" id="{E616735A-2B34-483B-9C46-3E95A0DE9088}"/>
+              </a:ext>
+            </a:extLst>
+          </p:cNvPr>
+          <p:cNvSpPr/>
+          <p:nvPr/>
+        </p:nvSpPr>
+        <p:spPr>
+          <a:xfrm>
+            <a:off x="9815623" y="3060405"/>
+            <a:ext cx="595423" cy="212651"/>
+          </a:xfrm>
+          <a:prstGeom prst="rect">
+            <a:avLst/>
+          </a:prstGeom>
+          <a:noFill/>
+          <a:ln w="19050">
+            <a:solidFill>
+              <a:srgbClr val="FFC000"/>
+            </a:solidFill>
+          </a:ln>
+        </p:spPr>
+        <p:style>
+          <a:lnRef idx="2">
+            <a:schemeClr val="accent1">
+              <a:shade val="50000"/>
+            </a:schemeClr>
+          </a:lnRef>
+          <a:fillRef idx="1">
+            <a:schemeClr val="accent1"/>
+          </a:fillRef>
+          <a:effectRef idx="0">
+            <a:schemeClr val="accent1"/>
+          </a:effectRef>
+          <a:fontRef idx="minor">
+            <a:schemeClr val="lt1"/>
+          </a:fontRef>
+        </p:style>
+        <p:txBody>
+          <a:bodyPr rtlCol="0" anchor="ctr"/>
+          <a:lstStyle/>
+          <a:p>
+            <a:pPr algn="ctr"/>
+            <a:endParaRPr lang="de-DE"/>
+          </a:p>
+        </p:txBody>
+      </p:sp>
+      <p:sp>
+        <p:nvSpPr>
+          <p:cNvPr id="19" name="Textfeld 18">
+            <a:extLst>
+              <a:ext uri="{FF2B5EF4-FFF2-40B4-BE49-F238E27FC236}">
+                <a16:creationId xmlns:a16="http://schemas.microsoft.com/office/drawing/2014/main" id="{9A4AEC68-F108-4C0B-8864-DC2CB484E02A}"/>
+              </a:ext>
+            </a:extLst>
+          </p:cNvPr>
+          <p:cNvSpPr txBox="1"/>
+          <p:nvPr/>
+        </p:nvSpPr>
+        <p:spPr>
+          <a:xfrm>
+            <a:off x="10579396" y="2935897"/>
+            <a:ext cx="976742" cy="461665"/>
+          </a:xfrm>
+          <a:prstGeom prst="rect">
+            <a:avLst/>
+          </a:prstGeom>
+          <a:noFill/>
+        </p:spPr>
+        <p:txBody>
+          <a:bodyPr wrap="none" rtlCol="0">
+            <a:spAutoFit/>
+          </a:bodyPr>
+          <a:lstStyle/>
+          <a:p>
+            <a:r>
+              <a:rPr lang="de-DE" sz="2400" b="1" dirty="0">
+                <a:solidFill>
+                  <a:srgbClr val="FFC000"/>
+                </a:solidFill>
+              </a:rPr>
+              <a:t>Matrix</a:t>
+            </a:r>
+            <a:endParaRPr lang="de-DE" b="1" dirty="0">
+              <a:solidFill>
+                <a:srgbClr val="FFC000"/>
+              </a:solidFill>
+            </a:endParaRPr>
+          </a:p>
+        </p:txBody>
+      </p:sp>
+      <p:sp>
+        <p:nvSpPr>
+          <p:cNvPr id="20" name="Rechteck 19">
+            <a:extLst>
+              <a:ext uri="{FF2B5EF4-FFF2-40B4-BE49-F238E27FC236}">
+                <a16:creationId xmlns:a16="http://schemas.microsoft.com/office/drawing/2014/main" id="{2B32807F-1AC5-439E-9458-4AB983E5DBA2}"/>
+              </a:ext>
+            </a:extLst>
+          </p:cNvPr>
+          <p:cNvSpPr/>
+          <p:nvPr/>
+        </p:nvSpPr>
+        <p:spPr>
+          <a:xfrm>
+            <a:off x="159488" y="1540559"/>
+            <a:ext cx="9223745" cy="4110646"/>
+          </a:xfrm>
+          <a:prstGeom prst="rect">
+            <a:avLst/>
+          </a:prstGeom>
+          <a:noFill/>
+          <a:ln w="28575">
+            <a:solidFill>
+              <a:srgbClr val="7030A0"/>
+            </a:solidFill>
+          </a:ln>
+        </p:spPr>
+        <p:style>
+          <a:lnRef idx="2">
+            <a:schemeClr val="accent1">
+              <a:shade val="50000"/>
+            </a:schemeClr>
+          </a:lnRef>
+          <a:fillRef idx="1">
+            <a:schemeClr val="accent1"/>
+          </a:fillRef>
+          <a:effectRef idx="0">
+            <a:schemeClr val="accent1"/>
+          </a:effectRef>
+          <a:fontRef idx="minor">
+            <a:schemeClr val="lt1"/>
+          </a:fontRef>
+        </p:style>
+        <p:txBody>
+          <a:bodyPr rtlCol="0" anchor="ctr"/>
+          <a:lstStyle/>
+          <a:p>
+            <a:pPr algn="ctr"/>
+            <a:endParaRPr lang="de-DE"/>
+          </a:p>
+        </p:txBody>
+      </p:sp>
+      <p:sp>
+        <p:nvSpPr>
+          <p:cNvPr id="21" name="Rechteck 20">
+            <a:extLst>
+              <a:ext uri="{FF2B5EF4-FFF2-40B4-BE49-F238E27FC236}">
+                <a16:creationId xmlns:a16="http://schemas.microsoft.com/office/drawing/2014/main" id="{932DBDE9-61C3-4EF2-BCE2-5BF33C8E27A7}"/>
+              </a:ext>
+            </a:extLst>
+          </p:cNvPr>
+          <p:cNvSpPr/>
+          <p:nvPr/>
+        </p:nvSpPr>
+        <p:spPr>
+          <a:xfrm>
+            <a:off x="9851286" y="3658716"/>
+            <a:ext cx="595423" cy="212651"/>
+          </a:xfrm>
+          <a:prstGeom prst="rect">
+            <a:avLst/>
+          </a:prstGeom>
+          <a:noFill/>
+          <a:ln w="19050">
+            <a:solidFill>
+              <a:srgbClr val="7030A0"/>
+            </a:solidFill>
+          </a:ln>
+        </p:spPr>
+        <p:style>
+          <a:lnRef idx="2">
+            <a:schemeClr val="accent1">
+              <a:shade val="50000"/>
+            </a:schemeClr>
+          </a:lnRef>
+          <a:fillRef idx="1">
+            <a:schemeClr val="accent1"/>
+          </a:fillRef>
+          <a:effectRef idx="0">
+            <a:schemeClr val="accent1"/>
+          </a:effectRef>
+          <a:fontRef idx="minor">
+            <a:schemeClr val="lt1"/>
+          </a:fontRef>
+        </p:style>
+        <p:txBody>
+          <a:bodyPr rtlCol="0" anchor="ctr"/>
+          <a:lstStyle/>
+          <a:p>
+            <a:pPr algn="ctr"/>
+            <a:endParaRPr lang="de-DE"/>
+          </a:p>
+        </p:txBody>
+      </p:sp>
+      <p:sp>
+        <p:nvSpPr>
+          <p:cNvPr id="22" name="Textfeld 21">
+            <a:extLst>
+              <a:ext uri="{FF2B5EF4-FFF2-40B4-BE49-F238E27FC236}">
+                <a16:creationId xmlns:a16="http://schemas.microsoft.com/office/drawing/2014/main" id="{04F4B21E-7278-44B6-8CA5-BB87D3EC5653}"/>
+              </a:ext>
+            </a:extLst>
+          </p:cNvPr>
+          <p:cNvSpPr txBox="1"/>
+          <p:nvPr/>
+        </p:nvSpPr>
+        <p:spPr>
+          <a:xfrm>
+            <a:off x="10517854" y="3516718"/>
+            <a:ext cx="1484124" cy="461665"/>
+          </a:xfrm>
+          <a:prstGeom prst="rect">
+            <a:avLst/>
+          </a:prstGeom>
+          <a:noFill/>
+        </p:spPr>
+        <p:txBody>
+          <a:bodyPr wrap="none" rtlCol="0">
+            <a:spAutoFit/>
+          </a:bodyPr>
+          <a:lstStyle/>
+          <a:p>
+            <a:r>
+              <a:rPr lang="de-DE" sz="2400" b="1" dirty="0">
+                <a:solidFill>
+                  <a:srgbClr val="7030A0"/>
+                </a:solidFill>
+              </a:rPr>
+              <a:t>Dataframe</a:t>
+            </a:r>
+            <a:endParaRPr lang="de-DE" b="1" dirty="0">
+              <a:solidFill>
+                <a:srgbClr val="7030A0"/>
+              </a:solidFill>
+            </a:endParaRPr>
           </a:p>
         </p:txBody>
       </p:sp>
     </p:spTree>
     <p:extLst>
       <p:ext uri="{BB962C8B-B14F-4D97-AF65-F5344CB8AC3E}">
-        <p14:creationId xmlns:p14="http://schemas.microsoft.com/office/powerpoint/2010/main" val="3343503711"/>
+        <p14:creationId xmlns:p14="http://schemas.microsoft.com/office/powerpoint/2010/main" val="3843651669"/>
       </p:ext>
     </p:extLst>
   </p:cSld>
   <p:clrMapOvr>
     <a:masterClrMapping/>
   </p:clrMapOvr>
+  <p:timing>
+    <p:tnLst>
+      <p:par>
+        <p:cTn id="1" dur="indefinite" restart="never" nodeType="tmRoot">
+          <p:childTnLst>
+            <p:seq concurrent="1" nextAc="seek">
+              <p:cTn id="2" dur="indefinite" nodeType="mainSeq">
+                <p:childTnLst>
+                  <p:par>
+                    <p:cTn id="3" fill="hold">
+                      <p:stCondLst>
+                        <p:cond delay="indefinite"/>
+                      </p:stCondLst>
+                      <p:childTnLst>
+                        <p:par>
+                          <p:cTn id="4" fill="hold">
+                            <p:stCondLst>
+                              <p:cond delay="0"/>
+                            </p:stCondLst>
+                            <p:childTnLst>
+                              <p:par>
+                                <p:cTn id="5" presetID="1" presetClass="entr" presetSubtype="0" fill="hold" grpId="0" nodeType="clickEffect">
+                                  <p:stCondLst>
+                                    <p:cond delay="0"/>
+                                  </p:stCondLst>
+                                  <p:childTnLst>
+                                    <p:set>
+                                      <p:cBhvr>
+                                        <p:cTn id="6" dur="1" fill="hold">
+                                          <p:stCondLst>
+                                            <p:cond delay="0"/>
+                                          </p:stCondLst>
+                                        </p:cTn>
+                                        <p:tgtEl>
+                                          <p:spTgt spid="8"/>
+                                        </p:tgtEl>
+                                        <p:attrNameLst>
+                                          <p:attrName>style.visibility</p:attrName>
+                                        </p:attrNameLst>
+                                      </p:cBhvr>
+                                      <p:to>
+                                        <p:strVal val="visible"/>
+                                      </p:to>
+                                    </p:set>
+                                  </p:childTnLst>
+                                </p:cTn>
+                              </p:par>
+                            </p:childTnLst>
+                          </p:cTn>
+                        </p:par>
+                      </p:childTnLst>
+                    </p:cTn>
+                  </p:par>
+                  <p:par>
+                    <p:cTn id="7" fill="hold">
+                      <p:stCondLst>
+                        <p:cond delay="indefinite"/>
+                      </p:stCondLst>
+                      <p:childTnLst>
+                        <p:par>
+                          <p:cTn id="8" fill="hold">
+                            <p:stCondLst>
+                              <p:cond delay="0"/>
+                            </p:stCondLst>
+                            <p:childTnLst>
+                              <p:par>
+                                <p:cTn id="9" presetID="1" presetClass="entr" presetSubtype="0" fill="hold" grpId="0" nodeType="clickEffect">
+                                  <p:stCondLst>
+                                    <p:cond delay="0"/>
+                                  </p:stCondLst>
+                                  <p:childTnLst>
+                                    <p:set>
+                                      <p:cBhvr>
+                                        <p:cTn id="10" dur="1" fill="hold">
+                                          <p:stCondLst>
+                                            <p:cond delay="0"/>
+                                          </p:stCondLst>
+                                        </p:cTn>
+                                        <p:tgtEl>
+                                          <p:spTgt spid="9"/>
+                                        </p:tgtEl>
+                                        <p:attrNameLst>
+                                          <p:attrName>style.visibility</p:attrName>
+                                        </p:attrNameLst>
+                                      </p:cBhvr>
+                                      <p:to>
+                                        <p:strVal val="visible"/>
+                                      </p:to>
+                                    </p:set>
+                                  </p:childTnLst>
+                                </p:cTn>
+                              </p:par>
+                            </p:childTnLst>
+                          </p:cTn>
+                        </p:par>
+                      </p:childTnLst>
+                    </p:cTn>
+                  </p:par>
+                  <p:par>
+                    <p:cTn id="11" fill="hold">
+                      <p:stCondLst>
+                        <p:cond delay="indefinite"/>
+                      </p:stCondLst>
+                      <p:childTnLst>
+                        <p:par>
+                          <p:cTn id="12" fill="hold">
+                            <p:stCondLst>
+                              <p:cond delay="0"/>
+                            </p:stCondLst>
+                            <p:childTnLst>
+                              <p:par>
+                                <p:cTn id="13" presetID="1" presetClass="entr" presetSubtype="0" fill="hold" grpId="0" nodeType="clickEffect">
+                                  <p:stCondLst>
+                                    <p:cond delay="0"/>
+                                  </p:stCondLst>
+                                  <p:childTnLst>
+                                    <p:set>
+                                      <p:cBhvr>
+                                        <p:cTn id="14" dur="1" fill="hold">
+                                          <p:stCondLst>
+                                            <p:cond delay="0"/>
+                                          </p:stCondLst>
+                                        </p:cTn>
+                                        <p:tgtEl>
+                                          <p:spTgt spid="10"/>
+                                        </p:tgtEl>
+                                        <p:attrNameLst>
+                                          <p:attrName>style.visibility</p:attrName>
+                                        </p:attrNameLst>
+                                      </p:cBhvr>
+                                      <p:to>
+                                        <p:strVal val="visible"/>
+                                      </p:to>
+                                    </p:set>
+                                  </p:childTnLst>
+                                </p:cTn>
+                              </p:par>
+                              <p:par>
+                                <p:cTn id="15" presetID="1" presetClass="entr" presetSubtype="0" fill="hold" grpId="0" nodeType="withEffect">
+                                  <p:stCondLst>
+                                    <p:cond delay="0"/>
+                                  </p:stCondLst>
+                                  <p:childTnLst>
+                                    <p:set>
+                                      <p:cBhvr>
+                                        <p:cTn id="16" dur="1" fill="hold">
+                                          <p:stCondLst>
+                                            <p:cond delay="0"/>
+                                          </p:stCondLst>
+                                        </p:cTn>
+                                        <p:tgtEl>
+                                          <p:spTgt spid="11"/>
+                                        </p:tgtEl>
+                                        <p:attrNameLst>
+                                          <p:attrName>style.visibility</p:attrName>
+                                        </p:attrNameLst>
+                                      </p:cBhvr>
+                                      <p:to>
+                                        <p:strVal val="visible"/>
+                                      </p:to>
+                                    </p:set>
+                                  </p:childTnLst>
+                                </p:cTn>
+                              </p:par>
+                            </p:childTnLst>
+                          </p:cTn>
+                        </p:par>
+                      </p:childTnLst>
+                    </p:cTn>
+                  </p:par>
+                  <p:par>
+                    <p:cTn id="17" fill="hold">
+                      <p:stCondLst>
+                        <p:cond delay="indefinite"/>
+                      </p:stCondLst>
+                      <p:childTnLst>
+                        <p:par>
+                          <p:cTn id="18" fill="hold">
+                            <p:stCondLst>
+                              <p:cond delay="0"/>
+                            </p:stCondLst>
+                            <p:childTnLst>
+                              <p:par>
+                                <p:cTn id="19" presetID="1" presetClass="entr" presetSubtype="0" fill="hold" grpId="0" nodeType="clickEffect">
+                                  <p:stCondLst>
+                                    <p:cond delay="0"/>
+                                  </p:stCondLst>
+                                  <p:childTnLst>
+                                    <p:set>
+                                      <p:cBhvr>
+                                        <p:cTn id="20" dur="1" fill="hold">
+                                          <p:stCondLst>
+                                            <p:cond delay="0"/>
+                                          </p:stCondLst>
+                                        </p:cTn>
+                                        <p:tgtEl>
+                                          <p:spTgt spid="12"/>
+                                        </p:tgtEl>
+                                        <p:attrNameLst>
+                                          <p:attrName>style.visibility</p:attrName>
+                                        </p:attrNameLst>
+                                      </p:cBhvr>
+                                      <p:to>
+                                        <p:strVal val="visible"/>
+                                      </p:to>
+                                    </p:set>
+                                  </p:childTnLst>
+                                </p:cTn>
+                              </p:par>
+                            </p:childTnLst>
+                          </p:cTn>
+                        </p:par>
+                      </p:childTnLst>
+                    </p:cTn>
+                  </p:par>
+                  <p:par>
+                    <p:cTn id="21" fill="hold">
+                      <p:stCondLst>
+                        <p:cond delay="indefinite"/>
+                      </p:stCondLst>
+                      <p:childTnLst>
+                        <p:par>
+                          <p:cTn id="22" fill="hold">
+                            <p:stCondLst>
+                              <p:cond delay="0"/>
+                            </p:stCondLst>
+                            <p:childTnLst>
+                              <p:par>
+                                <p:cTn id="23" presetID="1" presetClass="entr" presetSubtype="0" fill="hold" grpId="0" nodeType="clickEffect">
+                                  <p:stCondLst>
+                                    <p:cond delay="0"/>
+                                  </p:stCondLst>
+                                  <p:childTnLst>
+                                    <p:set>
+                                      <p:cBhvr>
+                                        <p:cTn id="24" dur="1" fill="hold">
+                                          <p:stCondLst>
+                                            <p:cond delay="0"/>
+                                          </p:stCondLst>
+                                        </p:cTn>
+                                        <p:tgtEl>
+                                          <p:spTgt spid="13"/>
+                                        </p:tgtEl>
+                                        <p:attrNameLst>
+                                          <p:attrName>style.visibility</p:attrName>
+                                        </p:attrNameLst>
+                                      </p:cBhvr>
+                                      <p:to>
+                                        <p:strVal val="visible"/>
+                                      </p:to>
+                                    </p:set>
+                                  </p:childTnLst>
+                                </p:cTn>
+                              </p:par>
+                            </p:childTnLst>
+                          </p:cTn>
+                        </p:par>
+                      </p:childTnLst>
+                    </p:cTn>
+                  </p:par>
+                  <p:par>
+                    <p:cTn id="25" fill="hold">
+                      <p:stCondLst>
+                        <p:cond delay="indefinite"/>
+                      </p:stCondLst>
+                      <p:childTnLst>
+                        <p:par>
+                          <p:cTn id="26" fill="hold">
+                            <p:stCondLst>
+                              <p:cond delay="0"/>
+                            </p:stCondLst>
+                            <p:childTnLst>
+                              <p:par>
+                                <p:cTn id="27" presetID="1" presetClass="entr" presetSubtype="0" fill="hold" grpId="0" nodeType="clickEffect">
+                                  <p:stCondLst>
+                                    <p:cond delay="0"/>
+                                  </p:stCondLst>
+                                  <p:childTnLst>
+                                    <p:set>
+                                      <p:cBhvr>
+                                        <p:cTn id="28" dur="1" fill="hold">
+                                          <p:stCondLst>
+                                            <p:cond delay="0"/>
+                                          </p:stCondLst>
+                                        </p:cTn>
+                                        <p:tgtEl>
+                                          <p:spTgt spid="15"/>
+                                        </p:tgtEl>
+                                        <p:attrNameLst>
+                                          <p:attrName>style.visibility</p:attrName>
+                                        </p:attrNameLst>
+                                      </p:cBhvr>
+                                      <p:to>
+                                        <p:strVal val="visible"/>
+                                      </p:to>
+                                    </p:set>
+                                  </p:childTnLst>
+                                </p:cTn>
+                              </p:par>
+                              <p:par>
+                                <p:cTn id="29" presetID="1" presetClass="entr" presetSubtype="0" fill="hold" grpId="0" nodeType="withEffect">
+                                  <p:stCondLst>
+                                    <p:cond delay="0"/>
+                                  </p:stCondLst>
+                                  <p:childTnLst>
+                                    <p:set>
+                                      <p:cBhvr>
+                                        <p:cTn id="30" dur="1" fill="hold">
+                                          <p:stCondLst>
+                                            <p:cond delay="0"/>
+                                          </p:stCondLst>
+                                        </p:cTn>
+                                        <p:tgtEl>
+                                          <p:spTgt spid="14"/>
+                                        </p:tgtEl>
+                                        <p:attrNameLst>
+                                          <p:attrName>style.visibility</p:attrName>
+                                        </p:attrNameLst>
+                                      </p:cBhvr>
+                                      <p:to>
+                                        <p:strVal val="visible"/>
+                                      </p:to>
+                                    </p:set>
+                                  </p:childTnLst>
+                                </p:cTn>
+                              </p:par>
+                            </p:childTnLst>
+                          </p:cTn>
+                        </p:par>
+                      </p:childTnLst>
+                    </p:cTn>
+                  </p:par>
+                  <p:par>
+                    <p:cTn id="31" fill="hold">
+                      <p:stCondLst>
+                        <p:cond delay="indefinite"/>
+                      </p:stCondLst>
+                      <p:childTnLst>
+                        <p:par>
+                          <p:cTn id="32" fill="hold">
+                            <p:stCondLst>
+                              <p:cond delay="0"/>
+                            </p:stCondLst>
+                            <p:childTnLst>
+                              <p:par>
+                                <p:cTn id="33" presetID="1" presetClass="entr" presetSubtype="0" fill="hold" grpId="0" nodeType="clickEffect">
+                                  <p:stCondLst>
+                                    <p:cond delay="0"/>
+                                  </p:stCondLst>
+                                  <p:childTnLst>
+                                    <p:set>
+                                      <p:cBhvr>
+                                        <p:cTn id="34" dur="1" fill="hold">
+                                          <p:stCondLst>
+                                            <p:cond delay="0"/>
+                                          </p:stCondLst>
+                                        </p:cTn>
+                                        <p:tgtEl>
+                                          <p:spTgt spid="17"/>
+                                        </p:tgtEl>
+                                        <p:attrNameLst>
+                                          <p:attrName>style.visibility</p:attrName>
+                                        </p:attrNameLst>
+                                      </p:cBhvr>
+                                      <p:to>
+                                        <p:strVal val="visible"/>
+                                      </p:to>
+                                    </p:set>
+                                  </p:childTnLst>
+                                </p:cTn>
+                              </p:par>
+                            </p:childTnLst>
+                          </p:cTn>
+                        </p:par>
+                      </p:childTnLst>
+                    </p:cTn>
+                  </p:par>
+                  <p:par>
+                    <p:cTn id="35" fill="hold">
+                      <p:stCondLst>
+                        <p:cond delay="indefinite"/>
+                      </p:stCondLst>
+                      <p:childTnLst>
+                        <p:par>
+                          <p:cTn id="36" fill="hold">
+                            <p:stCondLst>
+                              <p:cond delay="0"/>
+                            </p:stCondLst>
+                            <p:childTnLst>
+                              <p:par>
+                                <p:cTn id="37" presetID="1" presetClass="entr" presetSubtype="0" fill="hold" grpId="0" nodeType="clickEffect">
+                                  <p:stCondLst>
+                                    <p:cond delay="0"/>
+                                  </p:stCondLst>
+                                  <p:childTnLst>
+                                    <p:set>
+                                      <p:cBhvr>
+                                        <p:cTn id="38" dur="1" fill="hold">
+                                          <p:stCondLst>
+                                            <p:cond delay="0"/>
+                                          </p:stCondLst>
+                                        </p:cTn>
+                                        <p:tgtEl>
+                                          <p:spTgt spid="16"/>
+                                        </p:tgtEl>
+                                        <p:attrNameLst>
+                                          <p:attrName>style.visibility</p:attrName>
+                                        </p:attrNameLst>
+                                      </p:cBhvr>
+                                      <p:to>
+                                        <p:strVal val="visible"/>
+                                      </p:to>
+                                    </p:set>
+                                  </p:childTnLst>
+                                </p:cTn>
+                              </p:par>
+                            </p:childTnLst>
+                          </p:cTn>
+                        </p:par>
+                      </p:childTnLst>
+                    </p:cTn>
+                  </p:par>
+                  <p:par>
+                    <p:cTn id="39" fill="hold">
+                      <p:stCondLst>
+                        <p:cond delay="indefinite"/>
+                      </p:stCondLst>
+                      <p:childTnLst>
+                        <p:par>
+                          <p:cTn id="40" fill="hold">
+                            <p:stCondLst>
+                              <p:cond delay="0"/>
+                            </p:stCondLst>
+                            <p:childTnLst>
+                              <p:par>
+                                <p:cTn id="41" presetID="1" presetClass="entr" presetSubtype="0" fill="hold" grpId="0" nodeType="clickEffect">
+                                  <p:stCondLst>
+                                    <p:cond delay="0"/>
+                                  </p:stCondLst>
+                                  <p:childTnLst>
+                                    <p:set>
+                                      <p:cBhvr>
+                                        <p:cTn id="42" dur="1" fill="hold">
+                                          <p:stCondLst>
+                                            <p:cond delay="0"/>
+                                          </p:stCondLst>
+                                        </p:cTn>
+                                        <p:tgtEl>
+                                          <p:spTgt spid="19"/>
+                                        </p:tgtEl>
+                                        <p:attrNameLst>
+                                          <p:attrName>style.visibility</p:attrName>
+                                        </p:attrNameLst>
+                                      </p:cBhvr>
+                                      <p:to>
+                                        <p:strVal val="visible"/>
+                                      </p:to>
+                                    </p:set>
+                                  </p:childTnLst>
+                                </p:cTn>
+                              </p:par>
+                              <p:par>
+                                <p:cTn id="43" presetID="1" presetClass="entr" presetSubtype="0" fill="hold" grpId="0" nodeType="withEffect">
+                                  <p:stCondLst>
+                                    <p:cond delay="0"/>
+                                  </p:stCondLst>
+                                  <p:childTnLst>
+                                    <p:set>
+                                      <p:cBhvr>
+                                        <p:cTn id="44" dur="1" fill="hold">
+                                          <p:stCondLst>
+                                            <p:cond delay="0"/>
+                                          </p:stCondLst>
+                                        </p:cTn>
+                                        <p:tgtEl>
+                                          <p:spTgt spid="18"/>
+                                        </p:tgtEl>
+                                        <p:attrNameLst>
+                                          <p:attrName>style.visibility</p:attrName>
+                                        </p:attrNameLst>
+                                      </p:cBhvr>
+                                      <p:to>
+                                        <p:strVal val="visible"/>
+                                      </p:to>
+                                    </p:set>
+                                  </p:childTnLst>
+                                </p:cTn>
+                              </p:par>
+                            </p:childTnLst>
+                          </p:cTn>
+                        </p:par>
+                      </p:childTnLst>
+                    </p:cTn>
+                  </p:par>
+                  <p:par>
+                    <p:cTn id="45" fill="hold">
+                      <p:stCondLst>
+                        <p:cond delay="indefinite"/>
+                      </p:stCondLst>
+                      <p:childTnLst>
+                        <p:par>
+                          <p:cTn id="46" fill="hold">
+                            <p:stCondLst>
+                              <p:cond delay="0"/>
+                            </p:stCondLst>
+                            <p:childTnLst>
+                              <p:par>
+                                <p:cTn id="47" presetID="1" presetClass="entr" presetSubtype="0" fill="hold" grpId="0" nodeType="clickEffect">
+                                  <p:stCondLst>
+                                    <p:cond delay="0"/>
+                                  </p:stCondLst>
+                                  <p:childTnLst>
+                                    <p:set>
+                                      <p:cBhvr>
+                                        <p:cTn id="48" dur="1" fill="hold">
+                                          <p:stCondLst>
+                                            <p:cond delay="0"/>
+                                          </p:stCondLst>
+                                        </p:cTn>
+                                        <p:tgtEl>
+                                          <p:spTgt spid="20"/>
+                                        </p:tgtEl>
+                                        <p:attrNameLst>
+                                          <p:attrName>style.visibility</p:attrName>
+                                        </p:attrNameLst>
+                                      </p:cBhvr>
+                                      <p:to>
+                                        <p:strVal val="visible"/>
+                                      </p:to>
+                                    </p:set>
+                                  </p:childTnLst>
+                                </p:cTn>
+                              </p:par>
+                            </p:childTnLst>
+                          </p:cTn>
+                        </p:par>
+                      </p:childTnLst>
+                    </p:cTn>
+                  </p:par>
+                  <p:par>
+                    <p:cTn id="49" fill="hold">
+                      <p:stCondLst>
+                        <p:cond delay="indefinite"/>
+                      </p:stCondLst>
+                      <p:childTnLst>
+                        <p:par>
+                          <p:cTn id="50" fill="hold">
+                            <p:stCondLst>
+                              <p:cond delay="0"/>
+                            </p:stCondLst>
+                            <p:childTnLst>
+                              <p:par>
+                                <p:cTn id="51" presetID="1" presetClass="entr" presetSubtype="0" fill="hold" grpId="0" nodeType="clickEffect">
+                                  <p:stCondLst>
+                                    <p:cond delay="0"/>
+                                  </p:stCondLst>
+                                  <p:childTnLst>
+                                    <p:set>
+                                      <p:cBhvr>
+                                        <p:cTn id="52" dur="1" fill="hold">
+                                          <p:stCondLst>
+                                            <p:cond delay="0"/>
+                                          </p:stCondLst>
+                                        </p:cTn>
+                                        <p:tgtEl>
+                                          <p:spTgt spid="21"/>
+                                        </p:tgtEl>
+                                        <p:attrNameLst>
+                                          <p:attrName>style.visibility</p:attrName>
+                                        </p:attrNameLst>
+                                      </p:cBhvr>
+                                      <p:to>
+                                        <p:strVal val="visible"/>
+                                      </p:to>
+                                    </p:set>
+                                  </p:childTnLst>
+                                </p:cTn>
+                              </p:par>
+                              <p:par>
+                                <p:cTn id="53" presetID="1" presetClass="entr" presetSubtype="0" fill="hold" grpId="0" nodeType="withEffect">
+                                  <p:stCondLst>
+                                    <p:cond delay="0"/>
+                                  </p:stCondLst>
+                                  <p:childTnLst>
+                                    <p:set>
+                                      <p:cBhvr>
+                                        <p:cTn id="54" dur="1" fill="hold">
+                                          <p:stCondLst>
+                                            <p:cond delay="0"/>
+                                          </p:stCondLst>
+                                        </p:cTn>
+                                        <p:tgtEl>
+                                          <p:spTgt spid="22"/>
+                                        </p:tgtEl>
+                                        <p:attrNameLst>
+                                          <p:attrName>style.visibility</p:attrName>
+                                        </p:attrNameLst>
+                                      </p:cBhvr>
+                                      <p:to>
+                                        <p:strVal val="visible"/>
+                                      </p:to>
+                                    </p:set>
+                                  </p:childTnLst>
+                                </p:cTn>
+                              </p:par>
+                            </p:childTnLst>
+                          </p:cTn>
+                        </p:par>
+                      </p:childTnLst>
+                    </p:cTn>
+                  </p:par>
+                </p:childTnLst>
+              </p:cTn>
+              <p:prevCondLst>
+                <p:cond evt="onPrev" delay="0">
+                  <p:tgtEl>
+                    <p:sldTgt/>
+                  </p:tgtEl>
+                </p:cond>
+              </p:prevCondLst>
+              <p:nextCondLst>
+                <p:cond evt="onNext" delay="0">
+                  <p:tgtEl>
+                    <p:sldTgt/>
+                  </p:tgtEl>
+                </p:cond>
+              </p:nextCondLst>
+            </p:seq>
+          </p:childTnLst>
+        </p:cTn>
+      </p:par>
+    </p:tnLst>
+    <p:bldLst>
+      <p:bldP spid="8" grpId="0" animBg="1"/>
+      <p:bldP spid="9" grpId="0" animBg="1"/>
+      <p:bldP spid="10" grpId="0" animBg="1"/>
+      <p:bldP spid="11" grpId="0"/>
+      <p:bldP spid="12" grpId="0" animBg="1"/>
+      <p:bldP spid="13" grpId="0" animBg="1"/>
+      <p:bldP spid="14" grpId="0" animBg="1"/>
+      <p:bldP spid="15" grpId="0"/>
+      <p:bldP spid="16" grpId="0" animBg="1"/>
+      <p:bldP spid="17" grpId="0" animBg="1"/>
+      <p:bldP spid="18" grpId="0" animBg="1"/>
+      <p:bldP spid="19" grpId="0"/>
+      <p:bldP spid="20" grpId="0" animBg="1"/>
+      <p:bldP spid="21" grpId="0" animBg="1"/>
+      <p:bldP spid="22" grpId="0"/>
+    </p:bldLst>
+  </p:timing>
 </p:sld>
 </file>
 

--- a/Einführung in R.pptx
+++ b/Einführung in R.pptx
@@ -25,12 +25,14 @@
     <p:sldId id="278" r:id="rId19"/>
     <p:sldId id="279" r:id="rId20"/>
     <p:sldId id="269" r:id="rId21"/>
-    <p:sldId id="280" r:id="rId22"/>
-    <p:sldId id="282" r:id="rId23"/>
-    <p:sldId id="262" r:id="rId24"/>
-    <p:sldId id="281" r:id="rId25"/>
-    <p:sldId id="263" r:id="rId26"/>
-    <p:sldId id="265" r:id="rId27"/>
+    <p:sldId id="283" r:id="rId22"/>
+    <p:sldId id="280" r:id="rId23"/>
+    <p:sldId id="282" r:id="rId24"/>
+    <p:sldId id="262" r:id="rId25"/>
+    <p:sldId id="284" r:id="rId26"/>
+    <p:sldId id="281" r:id="rId27"/>
+    <p:sldId id="285" r:id="rId28"/>
+    <p:sldId id="263" r:id="rId29"/>
   </p:sldIdLst>
   <p:sldSz cx="12192000" cy="6858000"/>
   <p:notesSz cx="6858000" cy="9144000"/>
@@ -7729,6 +7731,855 @@
           <p:cNvPr id="2" name="Titel 1">
             <a:extLst>
               <a:ext uri="{FF2B5EF4-FFF2-40B4-BE49-F238E27FC236}">
+                <a16:creationId xmlns:a16="http://schemas.microsoft.com/office/drawing/2014/main" id="{A6344944-9C58-48B1-86DB-DABE5BE9D378}"/>
+              </a:ext>
+            </a:extLst>
+          </p:cNvPr>
+          <p:cNvSpPr>
+            <a:spLocks noGrp="1"/>
+          </p:cNvSpPr>
+          <p:nvPr>
+            <p:ph type="title"/>
+          </p:nvPr>
+        </p:nvSpPr>
+        <p:spPr>
+          <a:xfrm>
+            <a:off x="200025" y="361310"/>
+            <a:ext cx="10772775" cy="909281"/>
+          </a:xfrm>
+        </p:spPr>
+        <p:txBody>
+          <a:bodyPr>
+            <a:normAutofit/>
+          </a:bodyPr>
+          <a:lstStyle/>
+          <a:p>
+            <a:r>
+              <a:rPr lang="de-DE" dirty="0"/>
+              <a:t>Datenstrukturen in R</a:t>
+            </a:r>
+          </a:p>
+        </p:txBody>
+      </p:sp>
+      <p:pic>
+        <p:nvPicPr>
+          <p:cNvPr id="7" name="Grafik 6">
+            <a:extLst>
+              <a:ext uri="{FF2B5EF4-FFF2-40B4-BE49-F238E27FC236}">
+                <a16:creationId xmlns:a16="http://schemas.microsoft.com/office/drawing/2014/main" id="{966C09AA-82E2-4552-A370-6942889DF6F7}"/>
+              </a:ext>
+            </a:extLst>
+          </p:cNvPr>
+          <p:cNvPicPr>
+            <a:picLocks noChangeAspect="1"/>
+          </p:cNvPicPr>
+          <p:nvPr/>
+        </p:nvPicPr>
+        <p:blipFill>
+          <a:blip r:embed="rId2">
+            <a:extLst>
+              <a:ext uri="{28A0092B-C50C-407E-A947-70E740481C1C}">
+                <a14:useLocalDpi xmlns:a14="http://schemas.microsoft.com/office/drawing/2010/main" val="0"/>
+              </a:ext>
+            </a:extLst>
+          </a:blip>
+          <a:stretch>
+            <a:fillRect/>
+          </a:stretch>
+        </p:blipFill>
+        <p:spPr>
+          <a:xfrm>
+            <a:off x="200025" y="1540559"/>
+            <a:ext cx="9145143" cy="4066756"/>
+          </a:xfrm>
+          <a:prstGeom prst="rect">
+            <a:avLst/>
+          </a:prstGeom>
+        </p:spPr>
+      </p:pic>
+      <p:sp>
+        <p:nvSpPr>
+          <p:cNvPr id="8" name="Rechteck 7">
+            <a:extLst>
+              <a:ext uri="{FF2B5EF4-FFF2-40B4-BE49-F238E27FC236}">
+                <a16:creationId xmlns:a16="http://schemas.microsoft.com/office/drawing/2014/main" id="{1D2BD8B2-9E2D-4488-A8A5-B9BFAC0A7F8D}"/>
+              </a:ext>
+            </a:extLst>
+          </p:cNvPr>
+          <p:cNvSpPr/>
+          <p:nvPr/>
+        </p:nvSpPr>
+        <p:spPr>
+          <a:xfrm>
+            <a:off x="696432" y="2488019"/>
+            <a:ext cx="595423" cy="212651"/>
+          </a:xfrm>
+          <a:prstGeom prst="rect">
+            <a:avLst/>
+          </a:prstGeom>
+          <a:noFill/>
+          <a:ln w="19050">
+            <a:solidFill>
+              <a:srgbClr val="FF0000"/>
+            </a:solidFill>
+          </a:ln>
+        </p:spPr>
+        <p:style>
+          <a:lnRef idx="2">
+            <a:schemeClr val="accent1">
+              <a:shade val="50000"/>
+            </a:schemeClr>
+          </a:lnRef>
+          <a:fillRef idx="1">
+            <a:schemeClr val="accent1"/>
+          </a:fillRef>
+          <a:effectRef idx="0">
+            <a:schemeClr val="accent1"/>
+          </a:effectRef>
+          <a:fontRef idx="minor">
+            <a:schemeClr val="lt1"/>
+          </a:fontRef>
+        </p:style>
+        <p:txBody>
+          <a:bodyPr rtlCol="0" anchor="ctr"/>
+          <a:lstStyle/>
+          <a:p>
+            <a:pPr algn="ctr"/>
+            <a:endParaRPr lang="de-DE"/>
+          </a:p>
+        </p:txBody>
+      </p:sp>
+      <p:sp>
+        <p:nvSpPr>
+          <p:cNvPr id="9" name="Rechteck 8">
+            <a:extLst>
+              <a:ext uri="{FF2B5EF4-FFF2-40B4-BE49-F238E27FC236}">
+                <a16:creationId xmlns:a16="http://schemas.microsoft.com/office/drawing/2014/main" id="{ABF6FC60-1F8A-4E76-9AD3-07BFBF2FB43A}"/>
+              </a:ext>
+            </a:extLst>
+          </p:cNvPr>
+          <p:cNvSpPr/>
+          <p:nvPr/>
+        </p:nvSpPr>
+        <p:spPr>
+          <a:xfrm>
+            <a:off x="2310809" y="3273056"/>
+            <a:ext cx="595423" cy="212651"/>
+          </a:xfrm>
+          <a:prstGeom prst="rect">
+            <a:avLst/>
+          </a:prstGeom>
+          <a:noFill/>
+          <a:ln w="19050">
+            <a:solidFill>
+              <a:srgbClr val="FF0000"/>
+            </a:solidFill>
+          </a:ln>
+        </p:spPr>
+        <p:style>
+          <a:lnRef idx="2">
+            <a:schemeClr val="accent1">
+              <a:shade val="50000"/>
+            </a:schemeClr>
+          </a:lnRef>
+          <a:fillRef idx="1">
+            <a:schemeClr val="accent1"/>
+          </a:fillRef>
+          <a:effectRef idx="0">
+            <a:schemeClr val="accent1"/>
+          </a:effectRef>
+          <a:fontRef idx="minor">
+            <a:schemeClr val="lt1"/>
+          </a:fontRef>
+        </p:style>
+        <p:txBody>
+          <a:bodyPr rtlCol="0" anchor="ctr"/>
+          <a:lstStyle/>
+          <a:p>
+            <a:pPr algn="ctr"/>
+            <a:endParaRPr lang="de-DE"/>
+          </a:p>
+        </p:txBody>
+      </p:sp>
+      <p:sp>
+        <p:nvSpPr>
+          <p:cNvPr id="10" name="Rechteck 9">
+            <a:extLst>
+              <a:ext uri="{FF2B5EF4-FFF2-40B4-BE49-F238E27FC236}">
+                <a16:creationId xmlns:a16="http://schemas.microsoft.com/office/drawing/2014/main" id="{DD71A2B7-08AE-4301-8860-BF9F5BC61FD3}"/>
+              </a:ext>
+            </a:extLst>
+          </p:cNvPr>
+          <p:cNvSpPr/>
+          <p:nvPr/>
+        </p:nvSpPr>
+        <p:spPr>
+          <a:xfrm>
+            <a:off x="9790814" y="1880191"/>
+            <a:ext cx="595423" cy="212651"/>
+          </a:xfrm>
+          <a:prstGeom prst="rect">
+            <a:avLst/>
+          </a:prstGeom>
+          <a:noFill/>
+          <a:ln w="19050">
+            <a:solidFill>
+              <a:srgbClr val="FF0000"/>
+            </a:solidFill>
+          </a:ln>
+        </p:spPr>
+        <p:style>
+          <a:lnRef idx="2">
+            <a:schemeClr val="accent1">
+              <a:shade val="50000"/>
+            </a:schemeClr>
+          </a:lnRef>
+          <a:fillRef idx="1">
+            <a:schemeClr val="accent1"/>
+          </a:fillRef>
+          <a:effectRef idx="0">
+            <a:schemeClr val="accent1"/>
+          </a:effectRef>
+          <a:fontRef idx="minor">
+            <a:schemeClr val="lt1"/>
+          </a:fontRef>
+        </p:style>
+        <p:txBody>
+          <a:bodyPr rtlCol="0" anchor="ctr"/>
+          <a:lstStyle/>
+          <a:p>
+            <a:pPr algn="ctr"/>
+            <a:endParaRPr lang="de-DE"/>
+          </a:p>
+        </p:txBody>
+      </p:sp>
+      <p:sp>
+        <p:nvSpPr>
+          <p:cNvPr id="11" name="Textfeld 10">
+            <a:extLst>
+              <a:ext uri="{FF2B5EF4-FFF2-40B4-BE49-F238E27FC236}">
+                <a16:creationId xmlns:a16="http://schemas.microsoft.com/office/drawing/2014/main" id="{8D2088F5-E923-4623-9ECE-9992D3C610B0}"/>
+              </a:ext>
+            </a:extLst>
+          </p:cNvPr>
+          <p:cNvSpPr txBox="1"/>
+          <p:nvPr/>
+        </p:nvSpPr>
+        <p:spPr>
+          <a:xfrm>
+            <a:off x="10579396" y="1801850"/>
+            <a:ext cx="1164421" cy="461665"/>
+          </a:xfrm>
+          <a:prstGeom prst="rect">
+            <a:avLst/>
+          </a:prstGeom>
+          <a:noFill/>
+        </p:spPr>
+        <p:txBody>
+          <a:bodyPr wrap="none" rtlCol="0">
+            <a:spAutoFit/>
+          </a:bodyPr>
+          <a:lstStyle/>
+          <a:p>
+            <a:r>
+              <a:rPr lang="de-DE" sz="2400" b="1" dirty="0">
+                <a:solidFill>
+                  <a:srgbClr val="FF0000"/>
+                </a:solidFill>
+              </a:rPr>
+              <a:t>Variable</a:t>
+            </a:r>
+            <a:endParaRPr lang="de-DE" b="1" dirty="0">
+              <a:solidFill>
+                <a:srgbClr val="FF0000"/>
+              </a:solidFill>
+            </a:endParaRPr>
+          </a:p>
+        </p:txBody>
+      </p:sp>
+      <p:sp>
+        <p:nvSpPr>
+          <p:cNvPr id="12" name="Rechteck 11">
+            <a:extLst>
+              <a:ext uri="{FF2B5EF4-FFF2-40B4-BE49-F238E27FC236}">
+                <a16:creationId xmlns:a16="http://schemas.microsoft.com/office/drawing/2014/main" id="{0348797C-BC9C-4427-92F0-E1AF33E0F2B6}"/>
+              </a:ext>
+            </a:extLst>
+          </p:cNvPr>
+          <p:cNvSpPr/>
+          <p:nvPr/>
+        </p:nvSpPr>
+        <p:spPr>
+          <a:xfrm>
+            <a:off x="6360042" y="1895579"/>
+            <a:ext cx="595423" cy="3691830"/>
+          </a:xfrm>
+          <a:prstGeom prst="rect">
+            <a:avLst/>
+          </a:prstGeom>
+          <a:noFill/>
+          <a:ln w="19050">
+            <a:solidFill>
+              <a:srgbClr val="0070C0"/>
+            </a:solidFill>
+          </a:ln>
+        </p:spPr>
+        <p:style>
+          <a:lnRef idx="2">
+            <a:schemeClr val="accent1">
+              <a:shade val="50000"/>
+            </a:schemeClr>
+          </a:lnRef>
+          <a:fillRef idx="1">
+            <a:schemeClr val="accent1"/>
+          </a:fillRef>
+          <a:effectRef idx="0">
+            <a:schemeClr val="accent1"/>
+          </a:effectRef>
+          <a:fontRef idx="minor">
+            <a:schemeClr val="lt1"/>
+          </a:fontRef>
+        </p:style>
+        <p:txBody>
+          <a:bodyPr rtlCol="0" anchor="ctr"/>
+          <a:lstStyle/>
+          <a:p>
+            <a:pPr algn="ctr"/>
+            <a:endParaRPr lang="de-DE"/>
+          </a:p>
+        </p:txBody>
+      </p:sp>
+      <p:sp>
+        <p:nvSpPr>
+          <p:cNvPr id="13" name="Rechteck 12">
+            <a:extLst>
+              <a:ext uri="{FF2B5EF4-FFF2-40B4-BE49-F238E27FC236}">
+                <a16:creationId xmlns:a16="http://schemas.microsoft.com/office/drawing/2014/main" id="{FF04BDEA-CA82-415A-B42D-A3BF482014A8}"/>
+              </a:ext>
+            </a:extLst>
+          </p:cNvPr>
+          <p:cNvSpPr/>
+          <p:nvPr/>
+        </p:nvSpPr>
+        <p:spPr>
+          <a:xfrm>
+            <a:off x="668078" y="3842784"/>
+            <a:ext cx="8677090" cy="212651"/>
+          </a:xfrm>
+          <a:prstGeom prst="rect">
+            <a:avLst/>
+          </a:prstGeom>
+          <a:noFill/>
+          <a:ln w="19050">
+            <a:solidFill>
+              <a:srgbClr val="0070C0"/>
+            </a:solidFill>
+          </a:ln>
+        </p:spPr>
+        <p:style>
+          <a:lnRef idx="2">
+            <a:schemeClr val="accent1">
+              <a:shade val="50000"/>
+            </a:schemeClr>
+          </a:lnRef>
+          <a:fillRef idx="1">
+            <a:schemeClr val="accent1"/>
+          </a:fillRef>
+          <a:effectRef idx="0">
+            <a:schemeClr val="accent1"/>
+          </a:effectRef>
+          <a:fontRef idx="minor">
+            <a:schemeClr val="lt1"/>
+          </a:fontRef>
+        </p:style>
+        <p:txBody>
+          <a:bodyPr rtlCol="0" anchor="ctr"/>
+          <a:lstStyle/>
+          <a:p>
+            <a:pPr algn="ctr"/>
+            <a:endParaRPr lang="de-DE"/>
+          </a:p>
+        </p:txBody>
+      </p:sp>
+      <p:sp>
+        <p:nvSpPr>
+          <p:cNvPr id="14" name="Rechteck 13">
+            <a:extLst>
+              <a:ext uri="{FF2B5EF4-FFF2-40B4-BE49-F238E27FC236}">
+                <a16:creationId xmlns:a16="http://schemas.microsoft.com/office/drawing/2014/main" id="{A4E7BFDF-F12D-4DE3-A1C2-A0127032DD8C}"/>
+              </a:ext>
+            </a:extLst>
+          </p:cNvPr>
+          <p:cNvSpPr/>
+          <p:nvPr/>
+        </p:nvSpPr>
+        <p:spPr>
+          <a:xfrm>
+            <a:off x="9815623" y="2489791"/>
+            <a:ext cx="595423" cy="212651"/>
+          </a:xfrm>
+          <a:prstGeom prst="rect">
+            <a:avLst/>
+          </a:prstGeom>
+          <a:noFill/>
+          <a:ln w="19050">
+            <a:solidFill>
+              <a:srgbClr val="0070C0"/>
+            </a:solidFill>
+          </a:ln>
+        </p:spPr>
+        <p:style>
+          <a:lnRef idx="2">
+            <a:schemeClr val="accent1">
+              <a:shade val="50000"/>
+            </a:schemeClr>
+          </a:lnRef>
+          <a:fillRef idx="1">
+            <a:schemeClr val="accent1"/>
+          </a:fillRef>
+          <a:effectRef idx="0">
+            <a:schemeClr val="accent1"/>
+          </a:effectRef>
+          <a:fontRef idx="minor">
+            <a:schemeClr val="lt1"/>
+          </a:fontRef>
+        </p:style>
+        <p:txBody>
+          <a:bodyPr rtlCol="0" anchor="ctr"/>
+          <a:lstStyle/>
+          <a:p>
+            <a:pPr algn="ctr"/>
+            <a:endParaRPr lang="de-DE"/>
+          </a:p>
+        </p:txBody>
+      </p:sp>
+      <p:sp>
+        <p:nvSpPr>
+          <p:cNvPr id="15" name="Textfeld 14">
+            <a:extLst>
+              <a:ext uri="{FF2B5EF4-FFF2-40B4-BE49-F238E27FC236}">
+                <a16:creationId xmlns:a16="http://schemas.microsoft.com/office/drawing/2014/main" id="{3E8A1429-B198-40FF-B3CD-9517C32D21AE}"/>
+              </a:ext>
+            </a:extLst>
+          </p:cNvPr>
+          <p:cNvSpPr txBox="1"/>
+          <p:nvPr/>
+        </p:nvSpPr>
+        <p:spPr>
+          <a:xfrm>
+            <a:off x="10637897" y="2394289"/>
+            <a:ext cx="974690" cy="461665"/>
+          </a:xfrm>
+          <a:prstGeom prst="rect">
+            <a:avLst/>
+          </a:prstGeom>
+          <a:noFill/>
+        </p:spPr>
+        <p:txBody>
+          <a:bodyPr wrap="none" rtlCol="0">
+            <a:spAutoFit/>
+          </a:bodyPr>
+          <a:lstStyle/>
+          <a:p>
+            <a:r>
+              <a:rPr lang="de-DE" sz="2400" b="1" dirty="0">
+                <a:solidFill>
+                  <a:srgbClr val="0070C0"/>
+                </a:solidFill>
+              </a:rPr>
+              <a:t>Vektor</a:t>
+            </a:r>
+            <a:endParaRPr lang="de-DE" b="1" dirty="0">
+              <a:solidFill>
+                <a:srgbClr val="0070C0"/>
+              </a:solidFill>
+            </a:endParaRPr>
+          </a:p>
+        </p:txBody>
+      </p:sp>
+      <p:sp>
+        <p:nvSpPr>
+          <p:cNvPr id="16" name="Rechteck 15">
+            <a:extLst>
+              <a:ext uri="{FF2B5EF4-FFF2-40B4-BE49-F238E27FC236}">
+                <a16:creationId xmlns:a16="http://schemas.microsoft.com/office/drawing/2014/main" id="{723C9472-24E9-44F4-BB57-A512D68AC2B6}"/>
+              </a:ext>
+            </a:extLst>
+          </p:cNvPr>
+          <p:cNvSpPr/>
+          <p:nvPr/>
+        </p:nvSpPr>
+        <p:spPr>
+          <a:xfrm>
+            <a:off x="3101163" y="1919127"/>
+            <a:ext cx="2247014" cy="3691830"/>
+          </a:xfrm>
+          <a:prstGeom prst="rect">
+            <a:avLst/>
+          </a:prstGeom>
+          <a:noFill/>
+          <a:ln w="19050">
+            <a:solidFill>
+              <a:srgbClr val="FFC000"/>
+            </a:solidFill>
+          </a:ln>
+        </p:spPr>
+        <p:style>
+          <a:lnRef idx="2">
+            <a:schemeClr val="accent1">
+              <a:shade val="50000"/>
+            </a:schemeClr>
+          </a:lnRef>
+          <a:fillRef idx="1">
+            <a:schemeClr val="accent1"/>
+          </a:fillRef>
+          <a:effectRef idx="0">
+            <a:schemeClr val="accent1"/>
+          </a:effectRef>
+          <a:fontRef idx="minor">
+            <a:schemeClr val="lt1"/>
+          </a:fontRef>
+        </p:style>
+        <p:txBody>
+          <a:bodyPr rtlCol="0" anchor="ctr"/>
+          <a:lstStyle/>
+          <a:p>
+            <a:pPr algn="ctr"/>
+            <a:endParaRPr lang="de-DE"/>
+          </a:p>
+        </p:txBody>
+      </p:sp>
+      <p:sp>
+        <p:nvSpPr>
+          <p:cNvPr id="17" name="Rechteck 16">
+            <a:extLst>
+              <a:ext uri="{FF2B5EF4-FFF2-40B4-BE49-F238E27FC236}">
+                <a16:creationId xmlns:a16="http://schemas.microsoft.com/office/drawing/2014/main" id="{292D6678-9790-40B8-8D69-A6C10AD37FBE}"/>
+              </a:ext>
+            </a:extLst>
+          </p:cNvPr>
+          <p:cNvSpPr/>
+          <p:nvPr/>
+        </p:nvSpPr>
+        <p:spPr>
+          <a:xfrm>
+            <a:off x="531155" y="4412512"/>
+            <a:ext cx="2422923" cy="1023008"/>
+          </a:xfrm>
+          <a:prstGeom prst="rect">
+            <a:avLst/>
+          </a:prstGeom>
+          <a:noFill/>
+          <a:ln w="19050">
+            <a:solidFill>
+              <a:srgbClr val="FFC000"/>
+            </a:solidFill>
+          </a:ln>
+        </p:spPr>
+        <p:style>
+          <a:lnRef idx="2">
+            <a:schemeClr val="accent1">
+              <a:shade val="50000"/>
+            </a:schemeClr>
+          </a:lnRef>
+          <a:fillRef idx="1">
+            <a:schemeClr val="accent1"/>
+          </a:fillRef>
+          <a:effectRef idx="0">
+            <a:schemeClr val="accent1"/>
+          </a:effectRef>
+          <a:fontRef idx="minor">
+            <a:schemeClr val="lt1"/>
+          </a:fontRef>
+        </p:style>
+        <p:txBody>
+          <a:bodyPr rtlCol="0" anchor="ctr"/>
+          <a:lstStyle/>
+          <a:p>
+            <a:pPr algn="ctr"/>
+            <a:endParaRPr lang="de-DE"/>
+          </a:p>
+        </p:txBody>
+      </p:sp>
+      <p:sp>
+        <p:nvSpPr>
+          <p:cNvPr id="18" name="Rechteck 17">
+            <a:extLst>
+              <a:ext uri="{FF2B5EF4-FFF2-40B4-BE49-F238E27FC236}">
+                <a16:creationId xmlns:a16="http://schemas.microsoft.com/office/drawing/2014/main" id="{E616735A-2B34-483B-9C46-3E95A0DE9088}"/>
+              </a:ext>
+            </a:extLst>
+          </p:cNvPr>
+          <p:cNvSpPr/>
+          <p:nvPr/>
+        </p:nvSpPr>
+        <p:spPr>
+          <a:xfrm>
+            <a:off x="9815623" y="3060405"/>
+            <a:ext cx="595423" cy="212651"/>
+          </a:xfrm>
+          <a:prstGeom prst="rect">
+            <a:avLst/>
+          </a:prstGeom>
+          <a:noFill/>
+          <a:ln w="19050">
+            <a:solidFill>
+              <a:srgbClr val="FFC000"/>
+            </a:solidFill>
+          </a:ln>
+        </p:spPr>
+        <p:style>
+          <a:lnRef idx="2">
+            <a:schemeClr val="accent1">
+              <a:shade val="50000"/>
+            </a:schemeClr>
+          </a:lnRef>
+          <a:fillRef idx="1">
+            <a:schemeClr val="accent1"/>
+          </a:fillRef>
+          <a:effectRef idx="0">
+            <a:schemeClr val="accent1"/>
+          </a:effectRef>
+          <a:fontRef idx="minor">
+            <a:schemeClr val="lt1"/>
+          </a:fontRef>
+        </p:style>
+        <p:txBody>
+          <a:bodyPr rtlCol="0" anchor="ctr"/>
+          <a:lstStyle/>
+          <a:p>
+            <a:pPr algn="ctr"/>
+            <a:endParaRPr lang="de-DE"/>
+          </a:p>
+        </p:txBody>
+      </p:sp>
+      <p:sp>
+        <p:nvSpPr>
+          <p:cNvPr id="19" name="Textfeld 18">
+            <a:extLst>
+              <a:ext uri="{FF2B5EF4-FFF2-40B4-BE49-F238E27FC236}">
+                <a16:creationId xmlns:a16="http://schemas.microsoft.com/office/drawing/2014/main" id="{9A4AEC68-F108-4C0B-8864-DC2CB484E02A}"/>
+              </a:ext>
+            </a:extLst>
+          </p:cNvPr>
+          <p:cNvSpPr txBox="1"/>
+          <p:nvPr/>
+        </p:nvSpPr>
+        <p:spPr>
+          <a:xfrm>
+            <a:off x="10579396" y="2935897"/>
+            <a:ext cx="976742" cy="461665"/>
+          </a:xfrm>
+          <a:prstGeom prst="rect">
+            <a:avLst/>
+          </a:prstGeom>
+          <a:noFill/>
+        </p:spPr>
+        <p:txBody>
+          <a:bodyPr wrap="none" rtlCol="0">
+            <a:spAutoFit/>
+          </a:bodyPr>
+          <a:lstStyle/>
+          <a:p>
+            <a:r>
+              <a:rPr lang="de-DE" sz="2400" b="1" dirty="0">
+                <a:solidFill>
+                  <a:srgbClr val="FFC000"/>
+                </a:solidFill>
+              </a:rPr>
+              <a:t>Matrix</a:t>
+            </a:r>
+            <a:endParaRPr lang="de-DE" b="1" dirty="0">
+              <a:solidFill>
+                <a:srgbClr val="FFC000"/>
+              </a:solidFill>
+            </a:endParaRPr>
+          </a:p>
+        </p:txBody>
+      </p:sp>
+      <p:sp>
+        <p:nvSpPr>
+          <p:cNvPr id="20" name="Rechteck 19">
+            <a:extLst>
+              <a:ext uri="{FF2B5EF4-FFF2-40B4-BE49-F238E27FC236}">
+                <a16:creationId xmlns:a16="http://schemas.microsoft.com/office/drawing/2014/main" id="{2B32807F-1AC5-439E-9458-4AB983E5DBA2}"/>
+              </a:ext>
+            </a:extLst>
+          </p:cNvPr>
+          <p:cNvSpPr/>
+          <p:nvPr/>
+        </p:nvSpPr>
+        <p:spPr>
+          <a:xfrm>
+            <a:off x="159488" y="1540559"/>
+            <a:ext cx="9223745" cy="4110646"/>
+          </a:xfrm>
+          <a:prstGeom prst="rect">
+            <a:avLst/>
+          </a:prstGeom>
+          <a:noFill/>
+          <a:ln w="28575">
+            <a:solidFill>
+              <a:srgbClr val="7030A0"/>
+            </a:solidFill>
+          </a:ln>
+        </p:spPr>
+        <p:style>
+          <a:lnRef idx="2">
+            <a:schemeClr val="accent1">
+              <a:shade val="50000"/>
+            </a:schemeClr>
+          </a:lnRef>
+          <a:fillRef idx="1">
+            <a:schemeClr val="accent1"/>
+          </a:fillRef>
+          <a:effectRef idx="0">
+            <a:schemeClr val="accent1"/>
+          </a:effectRef>
+          <a:fontRef idx="minor">
+            <a:schemeClr val="lt1"/>
+          </a:fontRef>
+        </p:style>
+        <p:txBody>
+          <a:bodyPr rtlCol="0" anchor="ctr"/>
+          <a:lstStyle/>
+          <a:p>
+            <a:pPr algn="ctr"/>
+            <a:endParaRPr lang="de-DE"/>
+          </a:p>
+        </p:txBody>
+      </p:sp>
+      <p:sp>
+        <p:nvSpPr>
+          <p:cNvPr id="21" name="Rechteck 20">
+            <a:extLst>
+              <a:ext uri="{FF2B5EF4-FFF2-40B4-BE49-F238E27FC236}">
+                <a16:creationId xmlns:a16="http://schemas.microsoft.com/office/drawing/2014/main" id="{932DBDE9-61C3-4EF2-BCE2-5BF33C8E27A7}"/>
+              </a:ext>
+            </a:extLst>
+          </p:cNvPr>
+          <p:cNvSpPr/>
+          <p:nvPr/>
+        </p:nvSpPr>
+        <p:spPr>
+          <a:xfrm>
+            <a:off x="9851286" y="3658716"/>
+            <a:ext cx="595423" cy="212651"/>
+          </a:xfrm>
+          <a:prstGeom prst="rect">
+            <a:avLst/>
+          </a:prstGeom>
+          <a:noFill/>
+          <a:ln w="19050">
+            <a:solidFill>
+              <a:srgbClr val="7030A0"/>
+            </a:solidFill>
+          </a:ln>
+        </p:spPr>
+        <p:style>
+          <a:lnRef idx="2">
+            <a:schemeClr val="accent1">
+              <a:shade val="50000"/>
+            </a:schemeClr>
+          </a:lnRef>
+          <a:fillRef idx="1">
+            <a:schemeClr val="accent1"/>
+          </a:fillRef>
+          <a:effectRef idx="0">
+            <a:schemeClr val="accent1"/>
+          </a:effectRef>
+          <a:fontRef idx="minor">
+            <a:schemeClr val="lt1"/>
+          </a:fontRef>
+        </p:style>
+        <p:txBody>
+          <a:bodyPr rtlCol="0" anchor="ctr"/>
+          <a:lstStyle/>
+          <a:p>
+            <a:pPr algn="ctr"/>
+            <a:endParaRPr lang="de-DE"/>
+          </a:p>
+        </p:txBody>
+      </p:sp>
+      <p:sp>
+        <p:nvSpPr>
+          <p:cNvPr id="22" name="Textfeld 21">
+            <a:extLst>
+              <a:ext uri="{FF2B5EF4-FFF2-40B4-BE49-F238E27FC236}">
+                <a16:creationId xmlns:a16="http://schemas.microsoft.com/office/drawing/2014/main" id="{04F4B21E-7278-44B6-8CA5-BB87D3EC5653}"/>
+              </a:ext>
+            </a:extLst>
+          </p:cNvPr>
+          <p:cNvSpPr txBox="1"/>
+          <p:nvPr/>
+        </p:nvSpPr>
+        <p:spPr>
+          <a:xfrm>
+            <a:off x="10517854" y="3516718"/>
+            <a:ext cx="1484124" cy="461665"/>
+          </a:xfrm>
+          <a:prstGeom prst="rect">
+            <a:avLst/>
+          </a:prstGeom>
+          <a:noFill/>
+        </p:spPr>
+        <p:txBody>
+          <a:bodyPr wrap="none" rtlCol="0">
+            <a:spAutoFit/>
+          </a:bodyPr>
+          <a:lstStyle/>
+          <a:p>
+            <a:r>
+              <a:rPr lang="de-DE" sz="2400" b="1" dirty="0">
+                <a:solidFill>
+                  <a:srgbClr val="7030A0"/>
+                </a:solidFill>
+              </a:rPr>
+              <a:t>Dataframe</a:t>
+            </a:r>
+            <a:endParaRPr lang="de-DE" b="1" dirty="0">
+              <a:solidFill>
+                <a:srgbClr val="7030A0"/>
+              </a:solidFill>
+            </a:endParaRPr>
+          </a:p>
+        </p:txBody>
+      </p:sp>
+    </p:spTree>
+    <p:extLst>
+      <p:ext uri="{BB962C8B-B14F-4D97-AF65-F5344CB8AC3E}">
+        <p14:creationId xmlns:p14="http://schemas.microsoft.com/office/powerpoint/2010/main" val="3963382018"/>
+      </p:ext>
+    </p:extLst>
+  </p:cSld>
+  <p:clrMapOvr>
+    <a:masterClrMapping/>
+  </p:clrMapOvr>
+</p:sld>
+</file>
+
+<file path=ppt/slides/slide22.xml><?xml version="1.0" encoding="utf-8"?>
+<p:sld xmlns:a="http://schemas.openxmlformats.org/drawingml/2006/main" xmlns:r="http://schemas.openxmlformats.org/officeDocument/2006/relationships" xmlns:p="http://schemas.openxmlformats.org/presentationml/2006/main">
+  <p:cSld>
+    <p:spTree>
+      <p:nvGrpSpPr>
+        <p:cNvPr id="1" name=""/>
+        <p:cNvGrpSpPr/>
+        <p:nvPr/>
+      </p:nvGrpSpPr>
+      <p:grpSpPr>
+        <a:xfrm>
+          <a:off x="0" y="0"/>
+          <a:ext cx="0" cy="0"/>
+          <a:chOff x="0" y="0"/>
+          <a:chExt cx="0" cy="0"/>
+        </a:xfrm>
+      </p:grpSpPr>
+      <p:sp>
+        <p:nvSpPr>
+          <p:cNvPr id="2" name="Titel 1">
+            <a:extLst>
+              <a:ext uri="{FF2B5EF4-FFF2-40B4-BE49-F238E27FC236}">
                 <a16:creationId xmlns:a16="http://schemas.microsoft.com/office/drawing/2014/main" id="{AE82C04D-C07E-4106-B772-CE20CFE0DA43}"/>
               </a:ext>
             </a:extLst>
@@ -7770,7 +8621,7 @@
 </p:sld>
 </file>
 
-<file path=ppt/slides/slide22.xml><?xml version="1.0" encoding="utf-8"?>
+<file path=ppt/slides/slide23.xml><?xml version="1.0" encoding="utf-8"?>
 <p:sld xmlns:a="http://schemas.openxmlformats.org/drawingml/2006/main" xmlns:r="http://schemas.openxmlformats.org/officeDocument/2006/relationships" xmlns:p="http://schemas.openxmlformats.org/presentationml/2006/main">
   <p:cSld>
     <p:spTree>
@@ -7953,7 +8804,7 @@
 </p:sld>
 </file>
 
-<file path=ppt/slides/slide23.xml><?xml version="1.0" encoding="utf-8"?>
+<file path=ppt/slides/slide24.xml><?xml version="1.0" encoding="utf-8"?>
 <p:sld xmlns:a="http://schemas.openxmlformats.org/drawingml/2006/main" xmlns:r="http://schemas.openxmlformats.org/officeDocument/2006/relationships" xmlns:p="http://schemas.openxmlformats.org/presentationml/2006/main">
   <p:cSld>
     <p:spTree>
@@ -8269,69 +9120,6 @@
 </p:sld>
 </file>
 
-<file path=ppt/slides/slide24.xml><?xml version="1.0" encoding="utf-8"?>
-<p:sld xmlns:a="http://schemas.openxmlformats.org/drawingml/2006/main" xmlns:r="http://schemas.openxmlformats.org/officeDocument/2006/relationships" xmlns:p="http://schemas.openxmlformats.org/presentationml/2006/main">
-  <p:cSld>
-    <p:spTree>
-      <p:nvGrpSpPr>
-        <p:cNvPr id="1" name=""/>
-        <p:cNvGrpSpPr/>
-        <p:nvPr/>
-      </p:nvGrpSpPr>
-      <p:grpSpPr>
-        <a:xfrm>
-          <a:off x="0" y="0"/>
-          <a:ext cx="0" cy="0"/>
-          <a:chOff x="0" y="0"/>
-          <a:chExt cx="0" cy="0"/>
-        </a:xfrm>
-      </p:grpSpPr>
-      <p:sp>
-        <p:nvSpPr>
-          <p:cNvPr id="2" name="Titel 1">
-            <a:extLst>
-              <a:ext uri="{FF2B5EF4-FFF2-40B4-BE49-F238E27FC236}">
-                <a16:creationId xmlns:a16="http://schemas.microsoft.com/office/drawing/2014/main" id="{AE82C04D-C07E-4106-B772-CE20CFE0DA43}"/>
-              </a:ext>
-            </a:extLst>
-          </p:cNvPr>
-          <p:cNvSpPr>
-            <a:spLocks noGrp="1"/>
-          </p:cNvSpPr>
-          <p:nvPr>
-            <p:ph type="title"/>
-          </p:nvPr>
-        </p:nvSpPr>
-        <p:spPr>
-          <a:xfrm>
-            <a:off x="653902" y="2328333"/>
-            <a:ext cx="11153553" cy="1658198"/>
-          </a:xfrm>
-        </p:spPr>
-        <p:txBody>
-          <a:bodyPr/>
-          <a:lstStyle/>
-          <a:p>
-            <a:r>
-              <a:rPr lang="de-DE" dirty="0"/>
-              <a:t>Live Coding: Dataframes</a:t>
-            </a:r>
-          </a:p>
-        </p:txBody>
-      </p:sp>
-    </p:spTree>
-    <p:extLst>
-      <p:ext uri="{BB962C8B-B14F-4D97-AF65-F5344CB8AC3E}">
-        <p14:creationId xmlns:p14="http://schemas.microsoft.com/office/powerpoint/2010/main" val="2427056913"/>
-      </p:ext>
-    </p:extLst>
-  </p:cSld>
-  <p:clrMapOvr>
-    <a:masterClrMapping/>
-  </p:clrMapOvr>
-</p:sld>
-</file>
-
 <file path=ppt/slides/slide25.xml><?xml version="1.0" encoding="utf-8"?>
 <p:sld xmlns:a="http://schemas.openxmlformats.org/drawingml/2006/main" xmlns:r="http://schemas.openxmlformats.org/officeDocument/2006/relationships" xmlns:p="http://schemas.openxmlformats.org/presentationml/2006/main">
   <p:cSld>
@@ -8354,7 +9142,7 @@
           <p:cNvPr id="2" name="Titel 1">
             <a:extLst>
               <a:ext uri="{FF2B5EF4-FFF2-40B4-BE49-F238E27FC236}">
-                <a16:creationId xmlns:a16="http://schemas.microsoft.com/office/drawing/2014/main" id="{9F03FD5D-0C57-4C4A-9C16-0AFCA3AC19A3}"/>
+                <a16:creationId xmlns:a16="http://schemas.microsoft.com/office/drawing/2014/main" id="{A6344944-9C58-48B1-86DB-DABE5BE9D378}"/>
               </a:ext>
             </a:extLst>
           </p:cNvPr>
@@ -8365,80 +9153,813 @@
             <p:ph type="title"/>
           </p:nvPr>
         </p:nvSpPr>
-        <p:spPr/>
-        <p:txBody>
-          <a:bodyPr/>
+        <p:spPr>
+          <a:xfrm>
+            <a:off x="200025" y="361310"/>
+            <a:ext cx="10772775" cy="909281"/>
+          </a:xfrm>
+        </p:spPr>
+        <p:txBody>
+          <a:bodyPr>
+            <a:normAutofit/>
+          </a:bodyPr>
           <a:lstStyle/>
           <a:p>
             <a:r>
               <a:rPr lang="de-DE" dirty="0"/>
-              <a:t>Dataframes</a:t>
-            </a:r>
-          </a:p>
-        </p:txBody>
-      </p:sp>
-      <p:sp>
-        <p:nvSpPr>
-          <p:cNvPr id="3" name="Inhaltsplatzhalter 2">
+              <a:t>Datenstrukturen in R</a:t>
+            </a:r>
+          </a:p>
+        </p:txBody>
+      </p:sp>
+      <p:pic>
+        <p:nvPicPr>
+          <p:cNvPr id="7" name="Grafik 6">
             <a:extLst>
               <a:ext uri="{FF2B5EF4-FFF2-40B4-BE49-F238E27FC236}">
-                <a16:creationId xmlns:a16="http://schemas.microsoft.com/office/drawing/2014/main" id="{04ACF738-AB74-4918-8C3B-C479D336D5DA}"/>
+                <a16:creationId xmlns:a16="http://schemas.microsoft.com/office/drawing/2014/main" id="{966C09AA-82E2-4552-A370-6942889DF6F7}"/>
               </a:ext>
             </a:extLst>
           </p:cNvPr>
-          <p:cNvSpPr>
-            <a:spLocks noGrp="1"/>
-          </p:cNvSpPr>
-          <p:nvPr>
-            <p:ph idx="1"/>
-          </p:nvPr>
-        </p:nvSpPr>
-        <p:spPr/>
-        <p:txBody>
-          <a:bodyPr/>
-          <a:lstStyle/>
-          <a:p>
-            <a:r>
-              <a:rPr lang="de-DE" dirty="0"/>
-              <a:t>Das Kernstück von R</a:t>
-            </a:r>
-          </a:p>
-          <a:p>
-            <a:r>
-              <a:rPr lang="de-DE" dirty="0"/>
-              <a:t>Analog der Excel Tabelle</a:t>
-            </a:r>
-          </a:p>
-          <a:p>
-            <a:r>
-              <a:rPr lang="de-DE" dirty="0"/>
-              <a:t>Erweiterung der Matrix</a:t>
-            </a:r>
-          </a:p>
-          <a:p>
-            <a:r>
-              <a:rPr lang="de-DE" dirty="0"/>
-              <a:t>Spalten können aus unterschiedlichen Datentypen bestehen</a:t>
-            </a:r>
-          </a:p>
-          <a:p>
-            <a:r>
-              <a:rPr lang="de-DE" dirty="0"/>
-              <a:t>Spalten haben Namen!</a:t>
-            </a:r>
-          </a:p>
-          <a:p>
-            <a:r>
-              <a:rPr lang="de-DE" dirty="0"/>
-              <a:t>Auswahl einzelner Spalten durch $ und Spaltennamen</a:t>
-            </a:r>
+          <p:cNvPicPr>
+            <a:picLocks noChangeAspect="1"/>
+          </p:cNvPicPr>
+          <p:nvPr/>
+        </p:nvPicPr>
+        <p:blipFill>
+          <a:blip r:embed="rId2">
+            <a:extLst>
+              <a:ext uri="{28A0092B-C50C-407E-A947-70E740481C1C}">
+                <a14:useLocalDpi xmlns:a14="http://schemas.microsoft.com/office/drawing/2010/main" val="0"/>
+              </a:ext>
+            </a:extLst>
+          </a:blip>
+          <a:stretch>
+            <a:fillRect/>
+          </a:stretch>
+        </p:blipFill>
+        <p:spPr>
+          <a:xfrm>
+            <a:off x="200025" y="1540559"/>
+            <a:ext cx="9145143" cy="4066756"/>
+          </a:xfrm>
+          <a:prstGeom prst="rect">
+            <a:avLst/>
+          </a:prstGeom>
+        </p:spPr>
+      </p:pic>
+      <p:sp>
+        <p:nvSpPr>
+          <p:cNvPr id="8" name="Rechteck 7">
+            <a:extLst>
+              <a:ext uri="{FF2B5EF4-FFF2-40B4-BE49-F238E27FC236}">
+                <a16:creationId xmlns:a16="http://schemas.microsoft.com/office/drawing/2014/main" id="{1D2BD8B2-9E2D-4488-A8A5-B9BFAC0A7F8D}"/>
+              </a:ext>
+            </a:extLst>
+          </p:cNvPr>
+          <p:cNvSpPr/>
+          <p:nvPr/>
+        </p:nvSpPr>
+        <p:spPr>
+          <a:xfrm>
+            <a:off x="696432" y="2488019"/>
+            <a:ext cx="595423" cy="212651"/>
+          </a:xfrm>
+          <a:prstGeom prst="rect">
+            <a:avLst/>
+          </a:prstGeom>
+          <a:noFill/>
+          <a:ln w="19050">
+            <a:solidFill>
+              <a:srgbClr val="FF0000"/>
+            </a:solidFill>
+          </a:ln>
+        </p:spPr>
+        <p:style>
+          <a:lnRef idx="2">
+            <a:schemeClr val="accent1">
+              <a:shade val="50000"/>
+            </a:schemeClr>
+          </a:lnRef>
+          <a:fillRef idx="1">
+            <a:schemeClr val="accent1"/>
+          </a:fillRef>
+          <a:effectRef idx="0">
+            <a:schemeClr val="accent1"/>
+          </a:effectRef>
+          <a:fontRef idx="minor">
+            <a:schemeClr val="lt1"/>
+          </a:fontRef>
+        </p:style>
+        <p:txBody>
+          <a:bodyPr rtlCol="0" anchor="ctr"/>
+          <a:lstStyle/>
+          <a:p>
+            <a:pPr algn="ctr"/>
+            <a:endParaRPr lang="de-DE"/>
+          </a:p>
+        </p:txBody>
+      </p:sp>
+      <p:sp>
+        <p:nvSpPr>
+          <p:cNvPr id="9" name="Rechteck 8">
+            <a:extLst>
+              <a:ext uri="{FF2B5EF4-FFF2-40B4-BE49-F238E27FC236}">
+                <a16:creationId xmlns:a16="http://schemas.microsoft.com/office/drawing/2014/main" id="{ABF6FC60-1F8A-4E76-9AD3-07BFBF2FB43A}"/>
+              </a:ext>
+            </a:extLst>
+          </p:cNvPr>
+          <p:cNvSpPr/>
+          <p:nvPr/>
+        </p:nvSpPr>
+        <p:spPr>
+          <a:xfrm>
+            <a:off x="2310809" y="3273056"/>
+            <a:ext cx="595423" cy="212651"/>
+          </a:xfrm>
+          <a:prstGeom prst="rect">
+            <a:avLst/>
+          </a:prstGeom>
+          <a:noFill/>
+          <a:ln w="19050">
+            <a:solidFill>
+              <a:srgbClr val="FF0000"/>
+            </a:solidFill>
+          </a:ln>
+        </p:spPr>
+        <p:style>
+          <a:lnRef idx="2">
+            <a:schemeClr val="accent1">
+              <a:shade val="50000"/>
+            </a:schemeClr>
+          </a:lnRef>
+          <a:fillRef idx="1">
+            <a:schemeClr val="accent1"/>
+          </a:fillRef>
+          <a:effectRef idx="0">
+            <a:schemeClr val="accent1"/>
+          </a:effectRef>
+          <a:fontRef idx="minor">
+            <a:schemeClr val="lt1"/>
+          </a:fontRef>
+        </p:style>
+        <p:txBody>
+          <a:bodyPr rtlCol="0" anchor="ctr"/>
+          <a:lstStyle/>
+          <a:p>
+            <a:pPr algn="ctr"/>
+            <a:endParaRPr lang="de-DE"/>
+          </a:p>
+        </p:txBody>
+      </p:sp>
+      <p:sp>
+        <p:nvSpPr>
+          <p:cNvPr id="10" name="Rechteck 9">
+            <a:extLst>
+              <a:ext uri="{FF2B5EF4-FFF2-40B4-BE49-F238E27FC236}">
+                <a16:creationId xmlns:a16="http://schemas.microsoft.com/office/drawing/2014/main" id="{DD71A2B7-08AE-4301-8860-BF9F5BC61FD3}"/>
+              </a:ext>
+            </a:extLst>
+          </p:cNvPr>
+          <p:cNvSpPr/>
+          <p:nvPr/>
+        </p:nvSpPr>
+        <p:spPr>
+          <a:xfrm>
+            <a:off x="9790814" y="1880191"/>
+            <a:ext cx="595423" cy="212651"/>
+          </a:xfrm>
+          <a:prstGeom prst="rect">
+            <a:avLst/>
+          </a:prstGeom>
+          <a:noFill/>
+          <a:ln w="19050">
+            <a:solidFill>
+              <a:srgbClr val="FF0000"/>
+            </a:solidFill>
+          </a:ln>
+        </p:spPr>
+        <p:style>
+          <a:lnRef idx="2">
+            <a:schemeClr val="accent1">
+              <a:shade val="50000"/>
+            </a:schemeClr>
+          </a:lnRef>
+          <a:fillRef idx="1">
+            <a:schemeClr val="accent1"/>
+          </a:fillRef>
+          <a:effectRef idx="0">
+            <a:schemeClr val="accent1"/>
+          </a:effectRef>
+          <a:fontRef idx="minor">
+            <a:schemeClr val="lt1"/>
+          </a:fontRef>
+        </p:style>
+        <p:txBody>
+          <a:bodyPr rtlCol="0" anchor="ctr"/>
+          <a:lstStyle/>
+          <a:p>
+            <a:pPr algn="ctr"/>
+            <a:endParaRPr lang="de-DE"/>
+          </a:p>
+        </p:txBody>
+      </p:sp>
+      <p:sp>
+        <p:nvSpPr>
+          <p:cNvPr id="11" name="Textfeld 10">
+            <a:extLst>
+              <a:ext uri="{FF2B5EF4-FFF2-40B4-BE49-F238E27FC236}">
+                <a16:creationId xmlns:a16="http://schemas.microsoft.com/office/drawing/2014/main" id="{8D2088F5-E923-4623-9ECE-9992D3C610B0}"/>
+              </a:ext>
+            </a:extLst>
+          </p:cNvPr>
+          <p:cNvSpPr txBox="1"/>
+          <p:nvPr/>
+        </p:nvSpPr>
+        <p:spPr>
+          <a:xfrm>
+            <a:off x="10579396" y="1801850"/>
+            <a:ext cx="1164421" cy="461665"/>
+          </a:xfrm>
+          <a:prstGeom prst="rect">
+            <a:avLst/>
+          </a:prstGeom>
+          <a:noFill/>
+        </p:spPr>
+        <p:txBody>
+          <a:bodyPr wrap="none" rtlCol="0">
+            <a:spAutoFit/>
+          </a:bodyPr>
+          <a:lstStyle/>
+          <a:p>
+            <a:r>
+              <a:rPr lang="de-DE" sz="2400" b="1" dirty="0">
+                <a:solidFill>
+                  <a:srgbClr val="FF0000"/>
+                </a:solidFill>
+              </a:rPr>
+              <a:t>Variable</a:t>
+            </a:r>
+            <a:endParaRPr lang="de-DE" b="1" dirty="0">
+              <a:solidFill>
+                <a:srgbClr val="FF0000"/>
+              </a:solidFill>
+            </a:endParaRPr>
+          </a:p>
+        </p:txBody>
+      </p:sp>
+      <p:sp>
+        <p:nvSpPr>
+          <p:cNvPr id="12" name="Rechteck 11">
+            <a:extLst>
+              <a:ext uri="{FF2B5EF4-FFF2-40B4-BE49-F238E27FC236}">
+                <a16:creationId xmlns:a16="http://schemas.microsoft.com/office/drawing/2014/main" id="{0348797C-BC9C-4427-92F0-E1AF33E0F2B6}"/>
+              </a:ext>
+            </a:extLst>
+          </p:cNvPr>
+          <p:cNvSpPr/>
+          <p:nvPr/>
+        </p:nvSpPr>
+        <p:spPr>
+          <a:xfrm>
+            <a:off x="6360042" y="1895579"/>
+            <a:ext cx="595423" cy="3691830"/>
+          </a:xfrm>
+          <a:prstGeom prst="rect">
+            <a:avLst/>
+          </a:prstGeom>
+          <a:noFill/>
+          <a:ln w="19050">
+            <a:solidFill>
+              <a:srgbClr val="0070C0"/>
+            </a:solidFill>
+          </a:ln>
+        </p:spPr>
+        <p:style>
+          <a:lnRef idx="2">
+            <a:schemeClr val="accent1">
+              <a:shade val="50000"/>
+            </a:schemeClr>
+          </a:lnRef>
+          <a:fillRef idx="1">
+            <a:schemeClr val="accent1"/>
+          </a:fillRef>
+          <a:effectRef idx="0">
+            <a:schemeClr val="accent1"/>
+          </a:effectRef>
+          <a:fontRef idx="minor">
+            <a:schemeClr val="lt1"/>
+          </a:fontRef>
+        </p:style>
+        <p:txBody>
+          <a:bodyPr rtlCol="0" anchor="ctr"/>
+          <a:lstStyle/>
+          <a:p>
+            <a:pPr algn="ctr"/>
+            <a:endParaRPr lang="de-DE"/>
+          </a:p>
+        </p:txBody>
+      </p:sp>
+      <p:sp>
+        <p:nvSpPr>
+          <p:cNvPr id="13" name="Rechteck 12">
+            <a:extLst>
+              <a:ext uri="{FF2B5EF4-FFF2-40B4-BE49-F238E27FC236}">
+                <a16:creationId xmlns:a16="http://schemas.microsoft.com/office/drawing/2014/main" id="{FF04BDEA-CA82-415A-B42D-A3BF482014A8}"/>
+              </a:ext>
+            </a:extLst>
+          </p:cNvPr>
+          <p:cNvSpPr/>
+          <p:nvPr/>
+        </p:nvSpPr>
+        <p:spPr>
+          <a:xfrm>
+            <a:off x="668078" y="3842784"/>
+            <a:ext cx="8677090" cy="212651"/>
+          </a:xfrm>
+          <a:prstGeom prst="rect">
+            <a:avLst/>
+          </a:prstGeom>
+          <a:noFill/>
+          <a:ln w="19050">
+            <a:solidFill>
+              <a:srgbClr val="0070C0"/>
+            </a:solidFill>
+          </a:ln>
+        </p:spPr>
+        <p:style>
+          <a:lnRef idx="2">
+            <a:schemeClr val="accent1">
+              <a:shade val="50000"/>
+            </a:schemeClr>
+          </a:lnRef>
+          <a:fillRef idx="1">
+            <a:schemeClr val="accent1"/>
+          </a:fillRef>
+          <a:effectRef idx="0">
+            <a:schemeClr val="accent1"/>
+          </a:effectRef>
+          <a:fontRef idx="minor">
+            <a:schemeClr val="lt1"/>
+          </a:fontRef>
+        </p:style>
+        <p:txBody>
+          <a:bodyPr rtlCol="0" anchor="ctr"/>
+          <a:lstStyle/>
+          <a:p>
+            <a:pPr algn="ctr"/>
+            <a:endParaRPr lang="de-DE"/>
+          </a:p>
+        </p:txBody>
+      </p:sp>
+      <p:sp>
+        <p:nvSpPr>
+          <p:cNvPr id="14" name="Rechteck 13">
+            <a:extLst>
+              <a:ext uri="{FF2B5EF4-FFF2-40B4-BE49-F238E27FC236}">
+                <a16:creationId xmlns:a16="http://schemas.microsoft.com/office/drawing/2014/main" id="{A4E7BFDF-F12D-4DE3-A1C2-A0127032DD8C}"/>
+              </a:ext>
+            </a:extLst>
+          </p:cNvPr>
+          <p:cNvSpPr/>
+          <p:nvPr/>
+        </p:nvSpPr>
+        <p:spPr>
+          <a:xfrm>
+            <a:off x="9815623" y="2489791"/>
+            <a:ext cx="595423" cy="212651"/>
+          </a:xfrm>
+          <a:prstGeom prst="rect">
+            <a:avLst/>
+          </a:prstGeom>
+          <a:noFill/>
+          <a:ln w="19050">
+            <a:solidFill>
+              <a:srgbClr val="0070C0"/>
+            </a:solidFill>
+          </a:ln>
+        </p:spPr>
+        <p:style>
+          <a:lnRef idx="2">
+            <a:schemeClr val="accent1">
+              <a:shade val="50000"/>
+            </a:schemeClr>
+          </a:lnRef>
+          <a:fillRef idx="1">
+            <a:schemeClr val="accent1"/>
+          </a:fillRef>
+          <a:effectRef idx="0">
+            <a:schemeClr val="accent1"/>
+          </a:effectRef>
+          <a:fontRef idx="minor">
+            <a:schemeClr val="lt1"/>
+          </a:fontRef>
+        </p:style>
+        <p:txBody>
+          <a:bodyPr rtlCol="0" anchor="ctr"/>
+          <a:lstStyle/>
+          <a:p>
+            <a:pPr algn="ctr"/>
+            <a:endParaRPr lang="de-DE"/>
+          </a:p>
+        </p:txBody>
+      </p:sp>
+      <p:sp>
+        <p:nvSpPr>
+          <p:cNvPr id="15" name="Textfeld 14">
+            <a:extLst>
+              <a:ext uri="{FF2B5EF4-FFF2-40B4-BE49-F238E27FC236}">
+                <a16:creationId xmlns:a16="http://schemas.microsoft.com/office/drawing/2014/main" id="{3E8A1429-B198-40FF-B3CD-9517C32D21AE}"/>
+              </a:ext>
+            </a:extLst>
+          </p:cNvPr>
+          <p:cNvSpPr txBox="1"/>
+          <p:nvPr/>
+        </p:nvSpPr>
+        <p:spPr>
+          <a:xfrm>
+            <a:off x="10637897" y="2394289"/>
+            <a:ext cx="974690" cy="461665"/>
+          </a:xfrm>
+          <a:prstGeom prst="rect">
+            <a:avLst/>
+          </a:prstGeom>
+          <a:noFill/>
+        </p:spPr>
+        <p:txBody>
+          <a:bodyPr wrap="none" rtlCol="0">
+            <a:spAutoFit/>
+          </a:bodyPr>
+          <a:lstStyle/>
+          <a:p>
+            <a:r>
+              <a:rPr lang="de-DE" sz="2400" b="1" dirty="0">
+                <a:solidFill>
+                  <a:srgbClr val="0070C0"/>
+                </a:solidFill>
+              </a:rPr>
+              <a:t>Vektor</a:t>
+            </a:r>
+            <a:endParaRPr lang="de-DE" b="1" dirty="0">
+              <a:solidFill>
+                <a:srgbClr val="0070C0"/>
+              </a:solidFill>
+            </a:endParaRPr>
+          </a:p>
+        </p:txBody>
+      </p:sp>
+      <p:sp>
+        <p:nvSpPr>
+          <p:cNvPr id="16" name="Rechteck 15">
+            <a:extLst>
+              <a:ext uri="{FF2B5EF4-FFF2-40B4-BE49-F238E27FC236}">
+                <a16:creationId xmlns:a16="http://schemas.microsoft.com/office/drawing/2014/main" id="{723C9472-24E9-44F4-BB57-A512D68AC2B6}"/>
+              </a:ext>
+            </a:extLst>
+          </p:cNvPr>
+          <p:cNvSpPr/>
+          <p:nvPr/>
+        </p:nvSpPr>
+        <p:spPr>
+          <a:xfrm>
+            <a:off x="3101163" y="1919127"/>
+            <a:ext cx="2247014" cy="3691830"/>
+          </a:xfrm>
+          <a:prstGeom prst="rect">
+            <a:avLst/>
+          </a:prstGeom>
+          <a:noFill/>
+          <a:ln w="19050">
+            <a:solidFill>
+              <a:srgbClr val="FFC000"/>
+            </a:solidFill>
+          </a:ln>
+        </p:spPr>
+        <p:style>
+          <a:lnRef idx="2">
+            <a:schemeClr val="accent1">
+              <a:shade val="50000"/>
+            </a:schemeClr>
+          </a:lnRef>
+          <a:fillRef idx="1">
+            <a:schemeClr val="accent1"/>
+          </a:fillRef>
+          <a:effectRef idx="0">
+            <a:schemeClr val="accent1"/>
+          </a:effectRef>
+          <a:fontRef idx="minor">
+            <a:schemeClr val="lt1"/>
+          </a:fontRef>
+        </p:style>
+        <p:txBody>
+          <a:bodyPr rtlCol="0" anchor="ctr"/>
+          <a:lstStyle/>
+          <a:p>
+            <a:pPr algn="ctr"/>
+            <a:endParaRPr lang="de-DE"/>
+          </a:p>
+        </p:txBody>
+      </p:sp>
+      <p:sp>
+        <p:nvSpPr>
+          <p:cNvPr id="17" name="Rechteck 16">
+            <a:extLst>
+              <a:ext uri="{FF2B5EF4-FFF2-40B4-BE49-F238E27FC236}">
+                <a16:creationId xmlns:a16="http://schemas.microsoft.com/office/drawing/2014/main" id="{292D6678-9790-40B8-8D69-A6C10AD37FBE}"/>
+              </a:ext>
+            </a:extLst>
+          </p:cNvPr>
+          <p:cNvSpPr/>
+          <p:nvPr/>
+        </p:nvSpPr>
+        <p:spPr>
+          <a:xfrm>
+            <a:off x="531155" y="4412512"/>
+            <a:ext cx="2422923" cy="1023008"/>
+          </a:xfrm>
+          <a:prstGeom prst="rect">
+            <a:avLst/>
+          </a:prstGeom>
+          <a:noFill/>
+          <a:ln w="19050">
+            <a:solidFill>
+              <a:srgbClr val="FFC000"/>
+            </a:solidFill>
+          </a:ln>
+        </p:spPr>
+        <p:style>
+          <a:lnRef idx="2">
+            <a:schemeClr val="accent1">
+              <a:shade val="50000"/>
+            </a:schemeClr>
+          </a:lnRef>
+          <a:fillRef idx="1">
+            <a:schemeClr val="accent1"/>
+          </a:fillRef>
+          <a:effectRef idx="0">
+            <a:schemeClr val="accent1"/>
+          </a:effectRef>
+          <a:fontRef idx="minor">
+            <a:schemeClr val="lt1"/>
+          </a:fontRef>
+        </p:style>
+        <p:txBody>
+          <a:bodyPr rtlCol="0" anchor="ctr"/>
+          <a:lstStyle/>
+          <a:p>
+            <a:pPr algn="ctr"/>
+            <a:endParaRPr lang="de-DE"/>
+          </a:p>
+        </p:txBody>
+      </p:sp>
+      <p:sp>
+        <p:nvSpPr>
+          <p:cNvPr id="18" name="Rechteck 17">
+            <a:extLst>
+              <a:ext uri="{FF2B5EF4-FFF2-40B4-BE49-F238E27FC236}">
+                <a16:creationId xmlns:a16="http://schemas.microsoft.com/office/drawing/2014/main" id="{E616735A-2B34-483B-9C46-3E95A0DE9088}"/>
+              </a:ext>
+            </a:extLst>
+          </p:cNvPr>
+          <p:cNvSpPr/>
+          <p:nvPr/>
+        </p:nvSpPr>
+        <p:spPr>
+          <a:xfrm>
+            <a:off x="9815623" y="3060405"/>
+            <a:ext cx="595423" cy="212651"/>
+          </a:xfrm>
+          <a:prstGeom prst="rect">
+            <a:avLst/>
+          </a:prstGeom>
+          <a:noFill/>
+          <a:ln w="19050">
+            <a:solidFill>
+              <a:srgbClr val="FFC000"/>
+            </a:solidFill>
+          </a:ln>
+        </p:spPr>
+        <p:style>
+          <a:lnRef idx="2">
+            <a:schemeClr val="accent1">
+              <a:shade val="50000"/>
+            </a:schemeClr>
+          </a:lnRef>
+          <a:fillRef idx="1">
+            <a:schemeClr val="accent1"/>
+          </a:fillRef>
+          <a:effectRef idx="0">
+            <a:schemeClr val="accent1"/>
+          </a:effectRef>
+          <a:fontRef idx="minor">
+            <a:schemeClr val="lt1"/>
+          </a:fontRef>
+        </p:style>
+        <p:txBody>
+          <a:bodyPr rtlCol="0" anchor="ctr"/>
+          <a:lstStyle/>
+          <a:p>
+            <a:pPr algn="ctr"/>
+            <a:endParaRPr lang="de-DE"/>
+          </a:p>
+        </p:txBody>
+      </p:sp>
+      <p:sp>
+        <p:nvSpPr>
+          <p:cNvPr id="19" name="Textfeld 18">
+            <a:extLst>
+              <a:ext uri="{FF2B5EF4-FFF2-40B4-BE49-F238E27FC236}">
+                <a16:creationId xmlns:a16="http://schemas.microsoft.com/office/drawing/2014/main" id="{9A4AEC68-F108-4C0B-8864-DC2CB484E02A}"/>
+              </a:ext>
+            </a:extLst>
+          </p:cNvPr>
+          <p:cNvSpPr txBox="1"/>
+          <p:nvPr/>
+        </p:nvSpPr>
+        <p:spPr>
+          <a:xfrm>
+            <a:off x="10579396" y="2935897"/>
+            <a:ext cx="976742" cy="461665"/>
+          </a:xfrm>
+          <a:prstGeom prst="rect">
+            <a:avLst/>
+          </a:prstGeom>
+          <a:noFill/>
+        </p:spPr>
+        <p:txBody>
+          <a:bodyPr wrap="none" rtlCol="0">
+            <a:spAutoFit/>
+          </a:bodyPr>
+          <a:lstStyle/>
+          <a:p>
+            <a:r>
+              <a:rPr lang="de-DE" sz="2400" b="1" dirty="0">
+                <a:solidFill>
+                  <a:srgbClr val="FFC000"/>
+                </a:solidFill>
+              </a:rPr>
+              <a:t>Matrix</a:t>
+            </a:r>
+            <a:endParaRPr lang="de-DE" b="1" dirty="0">
+              <a:solidFill>
+                <a:srgbClr val="FFC000"/>
+              </a:solidFill>
+            </a:endParaRPr>
+          </a:p>
+        </p:txBody>
+      </p:sp>
+      <p:sp>
+        <p:nvSpPr>
+          <p:cNvPr id="20" name="Rechteck 19">
+            <a:extLst>
+              <a:ext uri="{FF2B5EF4-FFF2-40B4-BE49-F238E27FC236}">
+                <a16:creationId xmlns:a16="http://schemas.microsoft.com/office/drawing/2014/main" id="{2B32807F-1AC5-439E-9458-4AB983E5DBA2}"/>
+              </a:ext>
+            </a:extLst>
+          </p:cNvPr>
+          <p:cNvSpPr/>
+          <p:nvPr/>
+        </p:nvSpPr>
+        <p:spPr>
+          <a:xfrm>
+            <a:off x="159488" y="1540559"/>
+            <a:ext cx="9223745" cy="4110646"/>
+          </a:xfrm>
+          <a:prstGeom prst="rect">
+            <a:avLst/>
+          </a:prstGeom>
+          <a:noFill/>
+          <a:ln w="28575">
+            <a:solidFill>
+              <a:srgbClr val="7030A0"/>
+            </a:solidFill>
+          </a:ln>
+        </p:spPr>
+        <p:style>
+          <a:lnRef idx="2">
+            <a:schemeClr val="accent1">
+              <a:shade val="50000"/>
+            </a:schemeClr>
+          </a:lnRef>
+          <a:fillRef idx="1">
+            <a:schemeClr val="accent1"/>
+          </a:fillRef>
+          <a:effectRef idx="0">
+            <a:schemeClr val="accent1"/>
+          </a:effectRef>
+          <a:fontRef idx="minor">
+            <a:schemeClr val="lt1"/>
+          </a:fontRef>
+        </p:style>
+        <p:txBody>
+          <a:bodyPr rtlCol="0" anchor="ctr"/>
+          <a:lstStyle/>
+          <a:p>
+            <a:pPr algn="ctr"/>
+            <a:endParaRPr lang="de-DE"/>
+          </a:p>
+        </p:txBody>
+      </p:sp>
+      <p:sp>
+        <p:nvSpPr>
+          <p:cNvPr id="21" name="Rechteck 20">
+            <a:extLst>
+              <a:ext uri="{FF2B5EF4-FFF2-40B4-BE49-F238E27FC236}">
+                <a16:creationId xmlns:a16="http://schemas.microsoft.com/office/drawing/2014/main" id="{932DBDE9-61C3-4EF2-BCE2-5BF33C8E27A7}"/>
+              </a:ext>
+            </a:extLst>
+          </p:cNvPr>
+          <p:cNvSpPr/>
+          <p:nvPr/>
+        </p:nvSpPr>
+        <p:spPr>
+          <a:xfrm>
+            <a:off x="9851286" y="3658716"/>
+            <a:ext cx="595423" cy="212651"/>
+          </a:xfrm>
+          <a:prstGeom prst="rect">
+            <a:avLst/>
+          </a:prstGeom>
+          <a:noFill/>
+          <a:ln w="19050">
+            <a:solidFill>
+              <a:srgbClr val="7030A0"/>
+            </a:solidFill>
+          </a:ln>
+        </p:spPr>
+        <p:style>
+          <a:lnRef idx="2">
+            <a:schemeClr val="accent1">
+              <a:shade val="50000"/>
+            </a:schemeClr>
+          </a:lnRef>
+          <a:fillRef idx="1">
+            <a:schemeClr val="accent1"/>
+          </a:fillRef>
+          <a:effectRef idx="0">
+            <a:schemeClr val="accent1"/>
+          </a:effectRef>
+          <a:fontRef idx="minor">
+            <a:schemeClr val="lt1"/>
+          </a:fontRef>
+        </p:style>
+        <p:txBody>
+          <a:bodyPr rtlCol="0" anchor="ctr"/>
+          <a:lstStyle/>
+          <a:p>
+            <a:pPr algn="ctr"/>
+            <a:endParaRPr lang="de-DE"/>
+          </a:p>
+        </p:txBody>
+      </p:sp>
+      <p:sp>
+        <p:nvSpPr>
+          <p:cNvPr id="22" name="Textfeld 21">
+            <a:extLst>
+              <a:ext uri="{FF2B5EF4-FFF2-40B4-BE49-F238E27FC236}">
+                <a16:creationId xmlns:a16="http://schemas.microsoft.com/office/drawing/2014/main" id="{04F4B21E-7278-44B6-8CA5-BB87D3EC5653}"/>
+              </a:ext>
+            </a:extLst>
+          </p:cNvPr>
+          <p:cNvSpPr txBox="1"/>
+          <p:nvPr/>
+        </p:nvSpPr>
+        <p:spPr>
+          <a:xfrm>
+            <a:off x="10517854" y="3516718"/>
+            <a:ext cx="1484124" cy="461665"/>
+          </a:xfrm>
+          <a:prstGeom prst="rect">
+            <a:avLst/>
+          </a:prstGeom>
+          <a:noFill/>
+        </p:spPr>
+        <p:txBody>
+          <a:bodyPr wrap="none" rtlCol="0">
+            <a:spAutoFit/>
+          </a:bodyPr>
+          <a:lstStyle/>
+          <a:p>
+            <a:r>
+              <a:rPr lang="de-DE" sz="2400" b="1" dirty="0">
+                <a:solidFill>
+                  <a:srgbClr val="7030A0"/>
+                </a:solidFill>
+              </a:rPr>
+              <a:t>Dataframe</a:t>
+            </a:r>
+            <a:endParaRPr lang="de-DE" b="1" dirty="0">
+              <a:solidFill>
+                <a:srgbClr val="7030A0"/>
+              </a:solidFill>
+            </a:endParaRPr>
           </a:p>
         </p:txBody>
       </p:sp>
     </p:spTree>
     <p:extLst>
       <p:ext uri="{BB962C8B-B14F-4D97-AF65-F5344CB8AC3E}">
-        <p14:creationId xmlns:p14="http://schemas.microsoft.com/office/powerpoint/2010/main" val="3420363640"/>
+        <p14:creationId xmlns:p14="http://schemas.microsoft.com/office/powerpoint/2010/main" val="531248799"/>
       </p:ext>
     </p:extLst>
   </p:cSld>
@@ -8470,7 +9991,7 @@
           <p:cNvPr id="2" name="Titel 1">
             <a:extLst>
               <a:ext uri="{FF2B5EF4-FFF2-40B4-BE49-F238E27FC236}">
-                <a16:creationId xmlns:a16="http://schemas.microsoft.com/office/drawing/2014/main" id="{6E8A2DE6-FB1F-4FFB-A511-02C68EDE7CB9}"/>
+                <a16:creationId xmlns:a16="http://schemas.microsoft.com/office/drawing/2014/main" id="{AE82C04D-C07E-4106-B772-CE20CFE0DA43}"/>
               </a:ext>
             </a:extLst>
           </p:cNvPr>
@@ -8481,6 +10002,69 @@
             <p:ph type="title"/>
           </p:nvPr>
         </p:nvSpPr>
+        <p:spPr>
+          <a:xfrm>
+            <a:off x="653902" y="2328333"/>
+            <a:ext cx="11153553" cy="1658198"/>
+          </a:xfrm>
+        </p:spPr>
+        <p:txBody>
+          <a:bodyPr/>
+          <a:lstStyle/>
+          <a:p>
+            <a:r>
+              <a:rPr lang="de-DE" dirty="0"/>
+              <a:t>Live Coding: Dataframes</a:t>
+            </a:r>
+          </a:p>
+        </p:txBody>
+      </p:sp>
+    </p:spTree>
+    <p:extLst>
+      <p:ext uri="{BB962C8B-B14F-4D97-AF65-F5344CB8AC3E}">
+        <p14:creationId xmlns:p14="http://schemas.microsoft.com/office/powerpoint/2010/main" val="2427056913"/>
+      </p:ext>
+    </p:extLst>
+  </p:cSld>
+  <p:clrMapOvr>
+    <a:masterClrMapping/>
+  </p:clrMapOvr>
+</p:sld>
+</file>
+
+<file path=ppt/slides/slide27.xml><?xml version="1.0" encoding="utf-8"?>
+<p:sld xmlns:a="http://schemas.openxmlformats.org/drawingml/2006/main" xmlns:r="http://schemas.openxmlformats.org/officeDocument/2006/relationships" xmlns:p="http://schemas.openxmlformats.org/presentationml/2006/main">
+  <p:cSld>
+    <p:spTree>
+      <p:nvGrpSpPr>
+        <p:cNvPr id="1" name=""/>
+        <p:cNvGrpSpPr/>
+        <p:nvPr/>
+      </p:nvGrpSpPr>
+      <p:grpSpPr>
+        <a:xfrm>
+          <a:off x="0" y="0"/>
+          <a:ext cx="0" cy="0"/>
+          <a:chOff x="0" y="0"/>
+          <a:chExt cx="0" cy="0"/>
+        </a:xfrm>
+      </p:grpSpPr>
+      <p:sp>
+        <p:nvSpPr>
+          <p:cNvPr id="2" name="Titel 1">
+            <a:extLst>
+              <a:ext uri="{FF2B5EF4-FFF2-40B4-BE49-F238E27FC236}">
+                <a16:creationId xmlns:a16="http://schemas.microsoft.com/office/drawing/2014/main" id="{9E752B50-311C-4FC9-9B3E-E7F32C2E1150}"/>
+              </a:ext>
+            </a:extLst>
+          </p:cNvPr>
+          <p:cNvSpPr>
+            <a:spLocks noGrp="1"/>
+          </p:cNvSpPr>
+          <p:nvPr>
+            <p:ph type="title"/>
+          </p:nvPr>
+        </p:nvSpPr>
         <p:spPr/>
         <p:txBody>
           <a:bodyPr/>
@@ -8488,7 +10072,7 @@
           <a:p>
             <a:r>
               <a:rPr lang="de-DE" dirty="0"/>
-              <a:t>Funktionen und Packages</a:t>
+              <a:t>Übung: Dataframes</a:t>
             </a:r>
           </a:p>
         </p:txBody>
@@ -8498,7 +10082,7 @@
           <p:cNvPr id="3" name="Inhaltsplatzhalter 2">
             <a:extLst>
               <a:ext uri="{FF2B5EF4-FFF2-40B4-BE49-F238E27FC236}">
-                <a16:creationId xmlns:a16="http://schemas.microsoft.com/office/drawing/2014/main" id="{28DC6524-4F25-4949-BD80-6E6852C55482}"/>
+                <a16:creationId xmlns:a16="http://schemas.microsoft.com/office/drawing/2014/main" id="{9D8D5F8B-2B79-4023-9636-42E270F563E0}"/>
               </a:ext>
             </a:extLst>
           </p:cNvPr>
@@ -8511,31 +10095,646 @@
         </p:nvSpPr>
         <p:spPr/>
         <p:txBody>
-          <a:bodyPr/>
-          <a:lstStyle/>
-          <a:p>
+          <a:bodyPr>
+            <a:normAutofit lnSpcReduction="10000"/>
+          </a:bodyPr>
+          <a:lstStyle/>
+          <a:p>
+            <a:pPr marL="457200" indent="-457200">
+              <a:buFont typeface="+mj-lt"/>
+              <a:buAutoNum type="arabicPeriod"/>
+            </a:pPr>
             <a:r>
               <a:rPr lang="de-DE" dirty="0"/>
-              <a:t>Was genau eine Funktion macht, oder welche Argumente die Funktion besitzt lässt sich über die Dokumentation in der internen  </a:t>
-            </a:r>
-            <a:r>
-              <a:rPr lang="de-DE"/>
-              <a:t>Hilfe nachlesen</a:t>
+              <a:t>Lesen sie den Datensatz pirates.csv in R mittels Funktion read.csv() ein oder über ‚</a:t>
+            </a:r>
+            <a:r>
+              <a:rPr lang="de-DE" dirty="0" err="1"/>
+              <a:t>import</a:t>
+            </a:r>
+            <a:r>
+              <a:rPr lang="de-DE" dirty="0"/>
+              <a:t> Dataset‘ in der Environment</a:t>
+            </a:r>
+          </a:p>
+          <a:p>
+            <a:pPr marL="457200" indent="-457200">
+              <a:buFont typeface="+mj-lt"/>
+              <a:buAutoNum type="arabicPeriod"/>
+            </a:pPr>
+            <a:r>
+              <a:rPr lang="de-DE" dirty="0"/>
+              <a:t>Berechnen Sie die mittlere Anzahl an Tattoos pro </a:t>
+            </a:r>
+            <a:r>
+              <a:rPr lang="de-DE" dirty="0" err="1"/>
+              <a:t>Pirat:in</a:t>
             </a:r>
             <a:endParaRPr lang="de-DE" dirty="0"/>
+          </a:p>
+          <a:p>
+            <a:pPr marL="457200" indent="-457200">
+              <a:buFont typeface="+mj-lt"/>
+              <a:buAutoNum type="arabicPeriod"/>
+            </a:pPr>
+            <a:r>
+              <a:rPr lang="de-DE" dirty="0"/>
+              <a:t>Wie viele Papageien gibt es insgesamt im Datensatz?</a:t>
+            </a:r>
+          </a:p>
+          <a:p>
+            <a:pPr marL="457200" indent="-457200">
+              <a:buFont typeface="+mj-lt"/>
+              <a:buAutoNum type="arabicPeriod"/>
+            </a:pPr>
+            <a:r>
+              <a:rPr lang="de-DE" dirty="0"/>
+              <a:t>Wie viele </a:t>
+            </a:r>
+            <a:r>
+              <a:rPr lang="de-DE" dirty="0" err="1"/>
+              <a:t>Pirat:innen</a:t>
+            </a:r>
+            <a:r>
+              <a:rPr lang="de-DE" dirty="0"/>
+              <a:t> tragen eine Augenklappe?</a:t>
+            </a:r>
+          </a:p>
+          <a:p>
+            <a:pPr marL="457200" indent="-457200">
+              <a:buFont typeface="+mj-lt"/>
+              <a:buAutoNum type="arabicPeriod"/>
+            </a:pPr>
+            <a:r>
+              <a:rPr lang="de-DE" dirty="0"/>
+              <a:t>Welche Lieblingspiraten gibt es?</a:t>
+            </a:r>
+          </a:p>
+          <a:p>
+            <a:pPr marL="457200" indent="-457200">
+              <a:buFont typeface="+mj-lt"/>
+              <a:buAutoNum type="arabicPeriod"/>
+            </a:pPr>
+            <a:r>
+              <a:rPr lang="de-DE" dirty="0"/>
+              <a:t>Legen Sie eine neue Spalte mit BMI ein (Body </a:t>
+            </a:r>
+            <a:r>
+              <a:rPr lang="de-DE" dirty="0" err="1"/>
+              <a:t>Mass</a:t>
+            </a:r>
+            <a:r>
+              <a:rPr lang="de-DE" dirty="0"/>
+              <a:t> Index) und speichern Sie in diese Spalte das jeweilige Ergebnis von Gewicht geteilt durch Höhe</a:t>
+            </a:r>
+          </a:p>
+          <a:p>
+            <a:pPr marL="457200" indent="-457200">
+              <a:buFont typeface="+mj-lt"/>
+              <a:buAutoNum type="arabicPeriod"/>
+            </a:pPr>
+            <a:r>
+              <a:rPr lang="de-DE" dirty="0"/>
+              <a:t>Wer hat den größten BMI? Wer den Kleinsten?</a:t>
+            </a:r>
           </a:p>
         </p:txBody>
       </p:sp>
     </p:spTree>
     <p:extLst>
       <p:ext uri="{BB962C8B-B14F-4D97-AF65-F5344CB8AC3E}">
-        <p14:creationId xmlns:p14="http://schemas.microsoft.com/office/powerpoint/2010/main" val="1982837557"/>
+        <p14:creationId xmlns:p14="http://schemas.microsoft.com/office/powerpoint/2010/main" val="444158418"/>
       </p:ext>
     </p:extLst>
   </p:cSld>
   <p:clrMapOvr>
     <a:masterClrMapping/>
   </p:clrMapOvr>
+</p:sld>
+</file>
+
+<file path=ppt/slides/slide28.xml><?xml version="1.0" encoding="utf-8"?>
+<p:sld xmlns:a="http://schemas.openxmlformats.org/drawingml/2006/main" xmlns:r="http://schemas.openxmlformats.org/officeDocument/2006/relationships" xmlns:p="http://schemas.openxmlformats.org/presentationml/2006/main">
+  <p:cSld>
+    <p:spTree>
+      <p:nvGrpSpPr>
+        <p:cNvPr id="1" name=""/>
+        <p:cNvGrpSpPr/>
+        <p:nvPr/>
+      </p:nvGrpSpPr>
+      <p:grpSpPr>
+        <a:xfrm>
+          <a:off x="0" y="0"/>
+          <a:ext cx="0" cy="0"/>
+          <a:chOff x="0" y="0"/>
+          <a:chExt cx="0" cy="0"/>
+        </a:xfrm>
+      </p:grpSpPr>
+      <p:sp>
+        <p:nvSpPr>
+          <p:cNvPr id="2" name="Titel 1">
+            <a:extLst>
+              <a:ext uri="{FF2B5EF4-FFF2-40B4-BE49-F238E27FC236}">
+                <a16:creationId xmlns:a16="http://schemas.microsoft.com/office/drawing/2014/main" id="{9F03FD5D-0C57-4C4A-9C16-0AFCA3AC19A3}"/>
+              </a:ext>
+            </a:extLst>
+          </p:cNvPr>
+          <p:cNvSpPr>
+            <a:spLocks noGrp="1"/>
+          </p:cNvSpPr>
+          <p:nvPr>
+            <p:ph type="title"/>
+          </p:nvPr>
+        </p:nvSpPr>
+        <p:spPr/>
+        <p:txBody>
+          <a:bodyPr/>
+          <a:lstStyle/>
+          <a:p>
+            <a:r>
+              <a:rPr lang="de-DE" dirty="0"/>
+              <a:t>Dataframes</a:t>
+            </a:r>
+          </a:p>
+        </p:txBody>
+      </p:sp>
+      <p:sp>
+        <p:nvSpPr>
+          <p:cNvPr id="3" name="Inhaltsplatzhalter 2">
+            <a:extLst>
+              <a:ext uri="{FF2B5EF4-FFF2-40B4-BE49-F238E27FC236}">
+                <a16:creationId xmlns:a16="http://schemas.microsoft.com/office/drawing/2014/main" id="{04ACF738-AB74-4918-8C3B-C479D336D5DA}"/>
+              </a:ext>
+            </a:extLst>
+          </p:cNvPr>
+          <p:cNvSpPr>
+            <a:spLocks noGrp="1"/>
+          </p:cNvSpPr>
+          <p:nvPr>
+            <p:ph idx="1"/>
+          </p:nvPr>
+        </p:nvSpPr>
+        <p:spPr/>
+        <p:txBody>
+          <a:bodyPr>
+            <a:normAutofit/>
+          </a:bodyPr>
+          <a:lstStyle/>
+          <a:p>
+            <a:pPr lvl="1">
+              <a:buFont typeface="Arial" panose="020B0604020202020204" pitchFamily="34" charset="0"/>
+              <a:buChar char="•"/>
+            </a:pPr>
+            <a:r>
+              <a:rPr lang="de-DE" sz="2800" dirty="0"/>
+              <a:t>Das Kernstück von R</a:t>
+            </a:r>
+          </a:p>
+          <a:p>
+            <a:pPr lvl="1">
+              <a:buFont typeface="Arial" panose="020B0604020202020204" pitchFamily="34" charset="0"/>
+              <a:buChar char="•"/>
+            </a:pPr>
+            <a:r>
+              <a:rPr lang="de-DE" sz="2800" dirty="0"/>
+              <a:t>Analog der Excel Tabelle</a:t>
+            </a:r>
+          </a:p>
+          <a:p>
+            <a:pPr lvl="1">
+              <a:buFont typeface="Arial" panose="020B0604020202020204" pitchFamily="34" charset="0"/>
+              <a:buChar char="•"/>
+            </a:pPr>
+            <a:r>
+              <a:rPr lang="de-DE" sz="2800" dirty="0"/>
+              <a:t>Erweiterung der Matrix</a:t>
+            </a:r>
+          </a:p>
+          <a:p>
+            <a:pPr lvl="1">
+              <a:buFont typeface="Arial" panose="020B0604020202020204" pitchFamily="34" charset="0"/>
+              <a:buChar char="•"/>
+            </a:pPr>
+            <a:r>
+              <a:rPr lang="de-DE" sz="2800" dirty="0"/>
+              <a:t>Spalten können aus unterschiedlichen Datentypen bestehen</a:t>
+            </a:r>
+          </a:p>
+          <a:p>
+            <a:pPr lvl="1">
+              <a:buFont typeface="Arial" panose="020B0604020202020204" pitchFamily="34" charset="0"/>
+              <a:buChar char="•"/>
+            </a:pPr>
+            <a:r>
+              <a:rPr lang="de-DE" sz="2800" dirty="0"/>
+              <a:t>Spalten haben Namen!</a:t>
+            </a:r>
+          </a:p>
+          <a:p>
+            <a:pPr lvl="1">
+              <a:buFont typeface="Arial" panose="020B0604020202020204" pitchFamily="34" charset="0"/>
+              <a:buChar char="•"/>
+            </a:pPr>
+            <a:r>
+              <a:rPr lang="de-DE" sz="2800" dirty="0"/>
+              <a:t>Auswahl einzelner Spalten durch $ und Spaltennamen</a:t>
+            </a:r>
+          </a:p>
+          <a:p>
+            <a:pPr lvl="1">
+              <a:buFont typeface="Arial" panose="020B0604020202020204" pitchFamily="34" charset="0"/>
+              <a:buChar char="•"/>
+            </a:pPr>
+            <a:r>
+              <a:rPr lang="de-DE" sz="2800" dirty="0"/>
+              <a:t>Einlesen von Dataframes über ‚Import Dataset‘</a:t>
+            </a:r>
+          </a:p>
+        </p:txBody>
+      </p:sp>
+    </p:spTree>
+    <p:extLst>
+      <p:ext uri="{BB962C8B-B14F-4D97-AF65-F5344CB8AC3E}">
+        <p14:creationId xmlns:p14="http://schemas.microsoft.com/office/powerpoint/2010/main" val="3420363640"/>
+      </p:ext>
+    </p:extLst>
+  </p:cSld>
+  <p:clrMapOvr>
+    <a:masterClrMapping/>
+  </p:clrMapOvr>
+  <p:timing>
+    <p:tnLst>
+      <p:par>
+        <p:cTn id="1" dur="indefinite" restart="never" nodeType="tmRoot">
+          <p:childTnLst>
+            <p:seq concurrent="1" nextAc="seek">
+              <p:cTn id="2" dur="indefinite" nodeType="mainSeq">
+                <p:childTnLst>
+                  <p:par>
+                    <p:cTn id="3" fill="hold">
+                      <p:stCondLst>
+                        <p:cond delay="indefinite"/>
+                      </p:stCondLst>
+                      <p:childTnLst>
+                        <p:par>
+                          <p:cTn id="4" fill="hold">
+                            <p:stCondLst>
+                              <p:cond delay="0"/>
+                            </p:stCondLst>
+                            <p:childTnLst>
+                              <p:par>
+                                <p:cTn id="5" presetID="1" presetClass="entr" presetSubtype="0" fill="hold" nodeType="clickEffect">
+                                  <p:stCondLst>
+                                    <p:cond delay="0"/>
+                                  </p:stCondLst>
+                                  <p:childTnLst>
+                                    <p:set>
+                                      <p:cBhvr>
+                                        <p:cTn id="6" dur="1" fill="hold">
+                                          <p:stCondLst>
+                                            <p:cond delay="0"/>
+                                          </p:stCondLst>
+                                        </p:cTn>
+                                        <p:tgtEl>
+                                          <p:spTgt spid="3">
+                                            <p:txEl>
+                                              <p:pRg st="0" end="0"/>
+                                            </p:txEl>
+                                          </p:spTgt>
+                                        </p:tgtEl>
+                                        <p:attrNameLst>
+                                          <p:attrName>style.visibility</p:attrName>
+                                        </p:attrNameLst>
+                                      </p:cBhvr>
+                                      <p:to>
+                                        <p:strVal val="visible"/>
+                                      </p:to>
+                                    </p:set>
+                                  </p:childTnLst>
+                                </p:cTn>
+                              </p:par>
+                            </p:childTnLst>
+                          </p:cTn>
+                        </p:par>
+                      </p:childTnLst>
+                    </p:cTn>
+                  </p:par>
+                  <p:par>
+                    <p:cTn id="7" fill="hold">
+                      <p:stCondLst>
+                        <p:cond delay="indefinite"/>
+                      </p:stCondLst>
+                      <p:childTnLst>
+                        <p:par>
+                          <p:cTn id="8" fill="hold">
+                            <p:stCondLst>
+                              <p:cond delay="0"/>
+                            </p:stCondLst>
+                            <p:childTnLst>
+                              <p:par>
+                                <p:cTn id="9" presetID="1" presetClass="entr" presetSubtype="0" fill="hold" nodeType="clickEffect">
+                                  <p:stCondLst>
+                                    <p:cond delay="0"/>
+                                  </p:stCondLst>
+                                  <p:childTnLst>
+                                    <p:set>
+                                      <p:cBhvr>
+                                        <p:cTn id="10" dur="1" fill="hold">
+                                          <p:stCondLst>
+                                            <p:cond delay="0"/>
+                                          </p:stCondLst>
+                                        </p:cTn>
+                                        <p:tgtEl>
+                                          <p:spTgt spid="3">
+                                            <p:txEl>
+                                              <p:pRg st="1" end="1"/>
+                                            </p:txEl>
+                                          </p:spTgt>
+                                        </p:tgtEl>
+                                        <p:attrNameLst>
+                                          <p:attrName>style.visibility</p:attrName>
+                                        </p:attrNameLst>
+                                      </p:cBhvr>
+                                      <p:to>
+                                        <p:strVal val="visible"/>
+                                      </p:to>
+                                    </p:set>
+                                  </p:childTnLst>
+                                </p:cTn>
+                              </p:par>
+                            </p:childTnLst>
+                          </p:cTn>
+                        </p:par>
+                      </p:childTnLst>
+                    </p:cTn>
+                  </p:par>
+                  <p:par>
+                    <p:cTn id="11" fill="hold">
+                      <p:stCondLst>
+                        <p:cond delay="indefinite"/>
+                      </p:stCondLst>
+                      <p:childTnLst>
+                        <p:par>
+                          <p:cTn id="12" fill="hold">
+                            <p:stCondLst>
+                              <p:cond delay="0"/>
+                            </p:stCondLst>
+                            <p:childTnLst>
+                              <p:par>
+                                <p:cTn id="13" presetID="1" presetClass="entr" presetSubtype="0" fill="hold" nodeType="clickEffect">
+                                  <p:stCondLst>
+                                    <p:cond delay="0"/>
+                                  </p:stCondLst>
+                                  <p:childTnLst>
+                                    <p:set>
+                                      <p:cBhvr>
+                                        <p:cTn id="14" dur="1" fill="hold">
+                                          <p:stCondLst>
+                                            <p:cond delay="0"/>
+                                          </p:stCondLst>
+                                        </p:cTn>
+                                        <p:tgtEl>
+                                          <p:spTgt spid="3">
+                                            <p:txEl>
+                                              <p:pRg st="2" end="2"/>
+                                            </p:txEl>
+                                          </p:spTgt>
+                                        </p:tgtEl>
+                                        <p:attrNameLst>
+                                          <p:attrName>style.visibility</p:attrName>
+                                        </p:attrNameLst>
+                                      </p:cBhvr>
+                                      <p:to>
+                                        <p:strVal val="visible"/>
+                                      </p:to>
+                                    </p:set>
+                                  </p:childTnLst>
+                                </p:cTn>
+                              </p:par>
+                            </p:childTnLst>
+                          </p:cTn>
+                        </p:par>
+                      </p:childTnLst>
+                    </p:cTn>
+                  </p:par>
+                  <p:par>
+                    <p:cTn id="15" fill="hold">
+                      <p:stCondLst>
+                        <p:cond delay="indefinite"/>
+                      </p:stCondLst>
+                      <p:childTnLst>
+                        <p:par>
+                          <p:cTn id="16" fill="hold">
+                            <p:stCondLst>
+                              <p:cond delay="0"/>
+                            </p:stCondLst>
+                            <p:childTnLst>
+                              <p:par>
+                                <p:cTn id="17" presetID="1" presetClass="entr" presetSubtype="0" fill="hold" nodeType="clickEffect">
+                                  <p:stCondLst>
+                                    <p:cond delay="0"/>
+                                  </p:stCondLst>
+                                  <p:childTnLst>
+                                    <p:set>
+                                      <p:cBhvr>
+                                        <p:cTn id="18" dur="1" fill="hold">
+                                          <p:stCondLst>
+                                            <p:cond delay="0"/>
+                                          </p:stCondLst>
+                                        </p:cTn>
+                                        <p:tgtEl>
+                                          <p:spTgt spid="3">
+                                            <p:txEl>
+                                              <p:pRg st="3" end="3"/>
+                                            </p:txEl>
+                                          </p:spTgt>
+                                        </p:tgtEl>
+                                        <p:attrNameLst>
+                                          <p:attrName>style.visibility</p:attrName>
+                                        </p:attrNameLst>
+                                      </p:cBhvr>
+                                      <p:to>
+                                        <p:strVal val="visible"/>
+                                      </p:to>
+                                    </p:set>
+                                  </p:childTnLst>
+                                </p:cTn>
+                              </p:par>
+                            </p:childTnLst>
+                          </p:cTn>
+                        </p:par>
+                      </p:childTnLst>
+                    </p:cTn>
+                  </p:par>
+                  <p:par>
+                    <p:cTn id="19" fill="hold">
+                      <p:stCondLst>
+                        <p:cond delay="indefinite"/>
+                      </p:stCondLst>
+                      <p:childTnLst>
+                        <p:par>
+                          <p:cTn id="20" fill="hold">
+                            <p:stCondLst>
+                              <p:cond delay="0"/>
+                            </p:stCondLst>
+                            <p:childTnLst>
+                              <p:par>
+                                <p:cTn id="21" presetID="1" presetClass="entr" presetSubtype="0" fill="hold" nodeType="clickEffect">
+                                  <p:stCondLst>
+                                    <p:cond delay="0"/>
+                                  </p:stCondLst>
+                                  <p:childTnLst>
+                                    <p:set>
+                                      <p:cBhvr>
+                                        <p:cTn id="22" dur="1" fill="hold">
+                                          <p:stCondLst>
+                                            <p:cond delay="0"/>
+                                          </p:stCondLst>
+                                        </p:cTn>
+                                        <p:tgtEl>
+                                          <p:spTgt spid="3">
+                                            <p:txEl>
+                                              <p:pRg st="4" end="4"/>
+                                            </p:txEl>
+                                          </p:spTgt>
+                                        </p:tgtEl>
+                                        <p:attrNameLst>
+                                          <p:attrName>style.visibility</p:attrName>
+                                        </p:attrNameLst>
+                                      </p:cBhvr>
+                                      <p:to>
+                                        <p:strVal val="visible"/>
+                                      </p:to>
+                                    </p:set>
+                                  </p:childTnLst>
+                                </p:cTn>
+                              </p:par>
+                            </p:childTnLst>
+                          </p:cTn>
+                        </p:par>
+                      </p:childTnLst>
+                    </p:cTn>
+                  </p:par>
+                  <p:par>
+                    <p:cTn id="23" fill="hold">
+                      <p:stCondLst>
+                        <p:cond delay="indefinite"/>
+                      </p:stCondLst>
+                      <p:childTnLst>
+                        <p:par>
+                          <p:cTn id="24" fill="hold">
+                            <p:stCondLst>
+                              <p:cond delay="0"/>
+                            </p:stCondLst>
+                            <p:childTnLst>
+                              <p:par>
+                                <p:cTn id="25" presetID="1" presetClass="entr" presetSubtype="0" fill="hold" nodeType="clickEffect">
+                                  <p:stCondLst>
+                                    <p:cond delay="0"/>
+                                  </p:stCondLst>
+                                  <p:childTnLst>
+                                    <p:set>
+                                      <p:cBhvr>
+                                        <p:cTn id="26" dur="1" fill="hold">
+                                          <p:stCondLst>
+                                            <p:cond delay="0"/>
+                                          </p:stCondLst>
+                                        </p:cTn>
+                                        <p:tgtEl>
+                                          <p:spTgt spid="3">
+                                            <p:txEl>
+                                              <p:pRg st="5" end="5"/>
+                                            </p:txEl>
+                                          </p:spTgt>
+                                        </p:tgtEl>
+                                        <p:attrNameLst>
+                                          <p:attrName>style.visibility</p:attrName>
+                                        </p:attrNameLst>
+                                      </p:cBhvr>
+                                      <p:to>
+                                        <p:strVal val="visible"/>
+                                      </p:to>
+                                    </p:set>
+                                  </p:childTnLst>
+                                </p:cTn>
+                              </p:par>
+                            </p:childTnLst>
+                          </p:cTn>
+                        </p:par>
+                      </p:childTnLst>
+                    </p:cTn>
+                  </p:par>
+                  <p:par>
+                    <p:cTn id="27" fill="hold">
+                      <p:stCondLst>
+                        <p:cond delay="indefinite"/>
+                      </p:stCondLst>
+                      <p:childTnLst>
+                        <p:par>
+                          <p:cTn id="28" fill="hold">
+                            <p:stCondLst>
+                              <p:cond delay="0"/>
+                            </p:stCondLst>
+                            <p:childTnLst>
+                              <p:par>
+                                <p:cTn id="29" presetID="1" presetClass="entr" presetSubtype="0" fill="hold" nodeType="clickEffect">
+                                  <p:stCondLst>
+                                    <p:cond delay="0"/>
+                                  </p:stCondLst>
+                                  <p:childTnLst>
+                                    <p:set>
+                                      <p:cBhvr>
+                                        <p:cTn id="30" dur="1" fill="hold">
+                                          <p:stCondLst>
+                                            <p:cond delay="0"/>
+                                          </p:stCondLst>
+                                        </p:cTn>
+                                        <p:tgtEl>
+                                          <p:spTgt spid="3">
+                                            <p:txEl>
+                                              <p:pRg st="6" end="6"/>
+                                            </p:txEl>
+                                          </p:spTgt>
+                                        </p:tgtEl>
+                                        <p:attrNameLst>
+                                          <p:attrName>style.visibility</p:attrName>
+                                        </p:attrNameLst>
+                                      </p:cBhvr>
+                                      <p:to>
+                                        <p:strVal val="visible"/>
+                                      </p:to>
+                                    </p:set>
+                                  </p:childTnLst>
+                                </p:cTn>
+                              </p:par>
+                            </p:childTnLst>
+                          </p:cTn>
+                        </p:par>
+                      </p:childTnLst>
+                    </p:cTn>
+                  </p:par>
+                </p:childTnLst>
+              </p:cTn>
+              <p:prevCondLst>
+                <p:cond evt="onPrev" delay="0">
+                  <p:tgtEl>
+                    <p:sldTgt/>
+                  </p:tgtEl>
+                </p:cond>
+              </p:prevCondLst>
+              <p:nextCondLst>
+                <p:cond evt="onNext" delay="0">
+                  <p:tgtEl>
+                    <p:sldTgt/>
+                  </p:tgtEl>
+                </p:cond>
+              </p:nextCondLst>
+            </p:seq>
+          </p:childTnLst>
+        </p:cTn>
+      </p:par>
+    </p:tnLst>
+  </p:timing>
 </p:sld>
 </file>
 

--- a/Einführung in R.pptx
+++ b/Einführung in R.pptx
@@ -33,6 +33,8 @@
     <p:sldId id="281" r:id="rId27"/>
     <p:sldId id="285" r:id="rId28"/>
     <p:sldId id="263" r:id="rId29"/>
+    <p:sldId id="287" r:id="rId30"/>
+    <p:sldId id="286" r:id="rId31"/>
   </p:sldIdLst>
   <p:sldSz cx="12192000" cy="6858000"/>
   <p:notesSz cx="6858000" cy="9144000"/>
@@ -3401,6 +3403,14 @@
 <file path=ppt/slides/slide1.xml><?xml version="1.0" encoding="utf-8"?>
 <p:sld xmlns:a="http://schemas.openxmlformats.org/drawingml/2006/main" xmlns:r="http://schemas.openxmlformats.org/officeDocument/2006/relationships" xmlns:p="http://schemas.openxmlformats.org/presentationml/2006/main">
   <p:cSld>
+    <p:bg>
+      <p:bgPr>
+        <a:solidFill>
+          <a:srgbClr val="4F81BD"/>
+        </a:solidFill>
+        <a:effectLst/>
+      </p:bgPr>
+    </p:bg>
     <p:spTree>
       <p:nvGrpSpPr>
         <p:cNvPr id="1" name=""/>
@@ -3500,6 +3510,14 @@
 <file path=ppt/slides/slide10.xml><?xml version="1.0" encoding="utf-8"?>
 <p:sld xmlns:a="http://schemas.openxmlformats.org/drawingml/2006/main" xmlns:r="http://schemas.openxmlformats.org/officeDocument/2006/relationships" xmlns:p="http://schemas.openxmlformats.org/presentationml/2006/main">
   <p:cSld>
+    <p:bg>
+      <p:bgPr>
+        <a:solidFill>
+          <a:srgbClr val="4F81BD"/>
+        </a:solidFill>
+        <a:effectLst/>
+      </p:bgPr>
+    </p:bg>
     <p:spTree>
       <p:nvGrpSpPr>
         <p:cNvPr id="1" name=""/>
@@ -3541,7 +3559,11 @@
           <a:lstStyle/>
           <a:p>
             <a:r>
-              <a:rPr lang="de-DE" dirty="0"/>
+              <a:rPr lang="de-DE" dirty="0">
+                <a:solidFill>
+                  <a:schemeClr val="bg1"/>
+                </a:solidFill>
+              </a:rPr>
               <a:t>Live Coding: Operatoren und Variablen</a:t>
             </a:r>
           </a:p>
@@ -3746,7 +3768,7 @@
             </a:pPr>
             <a:r>
               <a:rPr lang="de-DE" sz="2800" dirty="0"/>
-              <a:t>Nutzen Sie einen logische Operator um herauszufinden ob Variable </a:t>
+              <a:t>Nutzen Sie einen logischen Operator um herauszufinden ob Variable </a:t>
             </a:r>
             <a:r>
               <a:rPr lang="de-DE" sz="2800" b="1" dirty="0"/>
@@ -4540,7 +4562,9 @@
         </p:nvSpPr>
         <p:spPr/>
         <p:txBody>
-          <a:bodyPr/>
+          <a:bodyPr>
+            <a:normAutofit/>
+          </a:bodyPr>
           <a:lstStyle/>
           <a:p>
             <a:pPr lvl="1">
@@ -4551,7 +4575,7 @@
               <a:buChar char="•"/>
             </a:pPr>
             <a:r>
-              <a:rPr lang="de-DE" dirty="0"/>
+              <a:rPr lang="de-DE" sz="2800" dirty="0"/>
               <a:t>Speichern Werte wie Zahlen oder Wörter</a:t>
             </a:r>
           </a:p>
@@ -4564,7 +4588,7 @@
               <a:buChar char="•"/>
             </a:pPr>
             <a:r>
-              <a:rPr lang="de-DE" dirty="0"/>
+              <a:rPr lang="de-DE" sz="2800" dirty="0"/>
               <a:t>Erst als Variable ist ein Wert vom Rechner auffindbar</a:t>
             </a:r>
           </a:p>
@@ -4577,7 +4601,7 @@
               <a:buChar char="•"/>
             </a:pPr>
             <a:r>
-              <a:rPr lang="de-DE" dirty="0"/>
+              <a:rPr lang="de-DE" sz="2800" dirty="0"/>
               <a:t>Lassen sich wieder überschreiben</a:t>
             </a:r>
           </a:p>
@@ -5625,6 +5649,14 @@
 <file path=ppt/slides/slide15.xml><?xml version="1.0" encoding="utf-8"?>
 <p:sld xmlns:a="http://schemas.openxmlformats.org/drawingml/2006/main" xmlns:r="http://schemas.openxmlformats.org/officeDocument/2006/relationships" xmlns:p="http://schemas.openxmlformats.org/presentationml/2006/main">
   <p:cSld>
+    <p:bg>
+      <p:bgPr>
+        <a:solidFill>
+          <a:srgbClr val="4F81BD"/>
+        </a:solidFill>
+        <a:effectLst/>
+      </p:bgPr>
+    </p:bg>
     <p:spTree>
       <p:nvGrpSpPr>
         <p:cNvPr id="1" name=""/>
@@ -5666,7 +5698,11 @@
           <a:lstStyle/>
           <a:p>
             <a:r>
-              <a:rPr lang="de-DE" dirty="0"/>
+              <a:rPr lang="de-DE" dirty="0">
+                <a:solidFill>
+                  <a:schemeClr val="bg1"/>
+                </a:solidFill>
+              </a:rPr>
               <a:t>Live Coding: Vektoren</a:t>
             </a:r>
           </a:p>
@@ -5759,7 +5795,7 @@
         </p:spPr>
         <p:txBody>
           <a:bodyPr>
-            <a:normAutofit/>
+            <a:normAutofit lnSpcReduction="10000"/>
           </a:bodyPr>
           <a:lstStyle/>
           <a:p>
@@ -5827,7 +5863,7 @@
             </a:pPr>
             <a:r>
               <a:rPr lang="de-DE" sz="2800" dirty="0"/>
-              <a:t>Wählen sie die ersten 3 Stellen des Vektors aus und speichern diese in einen neuen Vektor </a:t>
+              <a:t>Wählen sie die ersten 3 Stellen des Vektors aus und speichern diese in einen neuen Vektor. Den Namen für den neuen Vektor können Sie beliebig wählen.</a:t>
             </a:r>
           </a:p>
           <a:p>
@@ -5847,7 +5883,7 @@
             </a:pPr>
             <a:r>
               <a:rPr lang="de-DE" sz="2800" dirty="0"/>
-              <a:t>Bonus: Wählen Sie die Zahlen des Vektors so aus, dass die gewählten Zahlen den Vektor in sortierter Reihenfolge darstellen</a:t>
+              <a:t>Wählen Sie die Stellen des Vektors so aus, dass die gewählten Zahlen den Vektor in sortierter Reihenfolge darstellen</a:t>
             </a:r>
           </a:p>
         </p:txBody>
@@ -5983,7 +6019,7 @@
             </a:pPr>
             <a:r>
               <a:rPr lang="de-DE" sz="2800" dirty="0"/>
-              <a:t>-&gt; ermöglicht effizientes Editieren und durchführen von Abfragen</a:t>
+              <a:t>-&gt; ermöglicht effizientes Editieren und Durchführen von Abfragen</a:t>
             </a:r>
           </a:p>
           <a:p>
@@ -6034,7 +6070,7 @@
             </a:pPr>
             <a:r>
               <a:rPr lang="de-DE" sz="2800" dirty="0"/>
-              <a:t>-&gt; ermöglicht das löschen von Elementen</a:t>
+              <a:t>-&gt; ermöglicht das Löschen von Elementen</a:t>
             </a:r>
           </a:p>
           <a:p>
@@ -6395,6 +6431,14 @@
 <file path=ppt/slides/slide18.xml><?xml version="1.0" encoding="utf-8"?>
 <p:sld xmlns:a="http://schemas.openxmlformats.org/drawingml/2006/main" xmlns:r="http://schemas.openxmlformats.org/officeDocument/2006/relationships" xmlns:p="http://schemas.openxmlformats.org/presentationml/2006/main">
   <p:cSld>
+    <p:bg>
+      <p:bgPr>
+        <a:solidFill>
+          <a:srgbClr val="4F81BD"/>
+        </a:solidFill>
+        <a:effectLst/>
+      </p:bgPr>
+    </p:bg>
     <p:spTree>
       <p:nvGrpSpPr>
         <p:cNvPr id="1" name=""/>
@@ -6436,7 +6480,11 @@
           <a:lstStyle/>
           <a:p>
             <a:r>
-              <a:rPr lang="de-DE" dirty="0"/>
+              <a:rPr lang="de-DE" dirty="0">
+                <a:solidFill>
+                  <a:schemeClr val="bg1"/>
+                </a:solidFill>
+              </a:rPr>
               <a:t>Live Coding: Funktionen</a:t>
             </a:r>
           </a:p>
@@ -6572,7 +6620,7 @@
             </a:pPr>
             <a:r>
               <a:rPr lang="de-DE" sz="2800" dirty="0"/>
-              <a:t>Finden Sie mittels R Hilfe und Google eine Funktion die ausgibt, wie oft eine Zahl im Vektor vorkommt</a:t>
+              <a:t>Finden Sie mittels R-Hilfe und Google eine Funktion, die ausgibt wie oft eine Zahl im Vektor vorkommt</a:t>
             </a:r>
           </a:p>
         </p:txBody>
@@ -6660,6 +6708,9 @@
           <a:prstGeom prst="triangle">
             <a:avLst/>
           </a:prstGeom>
+          <a:solidFill>
+            <a:srgbClr val="4F81BD"/>
+          </a:solidFill>
         </p:spPr>
         <p:style>
           <a:lnRef idx="2">
@@ -6842,7 +6893,7 @@
           <a:bodyPr rtlCol="0" anchor="ctr"/>
           <a:lstStyle/>
           <a:p>
-            <a:pPr lvl="0" defTabSz="914400"/>
+            <a:pPr lvl="0" algn="ctr" defTabSz="914400"/>
             <a:r>
               <a:rPr lang="de-DE" sz="2400" kern="0" dirty="0">
                 <a:solidFill>
@@ -6868,7 +6919,7 @@
         </p:nvSpPr>
         <p:spPr>
           <a:xfrm>
-            <a:off x="2078222" y="5459588"/>
+            <a:off x="2624469" y="5459588"/>
             <a:ext cx="4742121" cy="400110"/>
           </a:xfrm>
           <a:prstGeom prst="rect">
@@ -7287,7 +7338,7 @@
             </a:pPr>
             <a:r>
               <a:rPr lang="de-DE" sz="2800" dirty="0"/>
-              <a:t>Viele Funktionen sind nur in zusätzlichen Paketen enthalten</a:t>
+              <a:t>Viele Funktionen sind in zusätzlichen Paketen enthalten</a:t>
             </a:r>
           </a:p>
           <a:p>
@@ -8561,6 +8612,14 @@
 <file path=ppt/slides/slide22.xml><?xml version="1.0" encoding="utf-8"?>
 <p:sld xmlns:a="http://schemas.openxmlformats.org/drawingml/2006/main" xmlns:r="http://schemas.openxmlformats.org/officeDocument/2006/relationships" xmlns:p="http://schemas.openxmlformats.org/presentationml/2006/main">
   <p:cSld>
+    <p:bg>
+      <p:bgPr>
+        <a:solidFill>
+          <a:srgbClr val="4F81BD"/>
+        </a:solidFill>
+        <a:effectLst/>
+      </p:bgPr>
+    </p:bg>
     <p:spTree>
       <p:nvGrpSpPr>
         <p:cNvPr id="1" name=""/>
@@ -8602,7 +8661,11 @@
           <a:lstStyle/>
           <a:p>
             <a:r>
-              <a:rPr lang="de-DE" dirty="0"/>
+              <a:rPr lang="de-DE" dirty="0">
+                <a:solidFill>
+                  <a:schemeClr val="bg1"/>
+                </a:solidFill>
+              </a:rPr>
               <a:t>Live Coding: Matrizen</a:t>
             </a:r>
           </a:p>
@@ -9972,6 +10035,14 @@
 <file path=ppt/slides/slide26.xml><?xml version="1.0" encoding="utf-8"?>
 <p:sld xmlns:a="http://schemas.openxmlformats.org/drawingml/2006/main" xmlns:r="http://schemas.openxmlformats.org/officeDocument/2006/relationships" xmlns:p="http://schemas.openxmlformats.org/presentationml/2006/main">
   <p:cSld>
+    <p:bg>
+      <p:bgPr>
+        <a:solidFill>
+          <a:srgbClr val="4F81BD"/>
+        </a:solidFill>
+        <a:effectLst/>
+      </p:bgPr>
+    </p:bg>
     <p:spTree>
       <p:nvGrpSpPr>
         <p:cNvPr id="1" name=""/>
@@ -10013,7 +10084,11 @@
           <a:lstStyle/>
           <a:p>
             <a:r>
-              <a:rPr lang="de-DE" dirty="0"/>
+              <a:rPr lang="de-DE" dirty="0">
+                <a:solidFill>
+                  <a:schemeClr val="bg1"/>
+                </a:solidFill>
+              </a:rPr>
               <a:t>Live Coding: Dataframes</a:t>
             </a:r>
           </a:p>
@@ -10065,7 +10140,12 @@
             <p:ph type="title"/>
           </p:nvPr>
         </p:nvSpPr>
-        <p:spPr/>
+        <p:spPr>
+          <a:xfrm>
+            <a:off x="676656" y="377259"/>
+            <a:ext cx="10772775" cy="861434"/>
+          </a:xfrm>
+        </p:spPr>
         <p:txBody>
           <a:bodyPr/>
           <a:lstStyle/>
@@ -10093,7 +10173,12 @@
             <p:ph idx="1"/>
           </p:nvPr>
         </p:nvSpPr>
-        <p:spPr/>
+        <p:spPr>
+          <a:xfrm>
+            <a:off x="676656" y="1275907"/>
+            <a:ext cx="10902200" cy="4976037"/>
+          </a:xfrm>
+        </p:spPr>
         <p:txBody>
           <a:bodyPr>
             <a:normAutofit lnSpcReduction="10000"/>
@@ -10105,15 +10190,15 @@
               <a:buAutoNum type="arabicPeriod"/>
             </a:pPr>
             <a:r>
-              <a:rPr lang="de-DE" dirty="0"/>
+              <a:rPr lang="de-DE" sz="2800" dirty="0"/>
               <a:t>Lesen sie den Datensatz pirates.csv in R mittels Funktion read.csv() ein oder über ‚</a:t>
             </a:r>
             <a:r>
-              <a:rPr lang="de-DE" dirty="0" err="1"/>
+              <a:rPr lang="de-DE" sz="2800" dirty="0" err="1"/>
               <a:t>import</a:t>
             </a:r>
             <a:r>
-              <a:rPr lang="de-DE" dirty="0"/>
+              <a:rPr lang="de-DE" sz="2800" dirty="0"/>
               <a:t> Dataset‘ in der Environment</a:t>
             </a:r>
           </a:p>
@@ -10123,14 +10208,14 @@
               <a:buAutoNum type="arabicPeriod"/>
             </a:pPr>
             <a:r>
-              <a:rPr lang="de-DE" dirty="0"/>
+              <a:rPr lang="de-DE" sz="2800" dirty="0"/>
               <a:t>Berechnen Sie die mittlere Anzahl an Tattoos pro </a:t>
             </a:r>
             <a:r>
-              <a:rPr lang="de-DE" dirty="0" err="1"/>
+              <a:rPr lang="de-DE" sz="2800" dirty="0" err="1"/>
               <a:t>Pirat:in</a:t>
             </a:r>
-            <a:endParaRPr lang="de-DE" dirty="0"/>
+            <a:endParaRPr lang="de-DE" sz="2800" dirty="0"/>
           </a:p>
           <a:p>
             <a:pPr marL="457200" indent="-457200">
@@ -10138,7 +10223,7 @@
               <a:buAutoNum type="arabicPeriod"/>
             </a:pPr>
             <a:r>
-              <a:rPr lang="de-DE" dirty="0"/>
+              <a:rPr lang="de-DE" sz="2800" dirty="0"/>
               <a:t>Wie viele Papageien gibt es insgesamt im Datensatz?</a:t>
             </a:r>
           </a:p>
@@ -10148,15 +10233,15 @@
               <a:buAutoNum type="arabicPeriod"/>
             </a:pPr>
             <a:r>
-              <a:rPr lang="de-DE" dirty="0"/>
+              <a:rPr lang="de-DE" sz="2800" dirty="0"/>
               <a:t>Wie viele </a:t>
             </a:r>
             <a:r>
-              <a:rPr lang="de-DE" dirty="0" err="1"/>
+              <a:rPr lang="de-DE" sz="2800" dirty="0" err="1"/>
               <a:t>Pirat:innen</a:t>
             </a:r>
             <a:r>
-              <a:rPr lang="de-DE" dirty="0"/>
+              <a:rPr lang="de-DE" sz="2800" dirty="0"/>
               <a:t> tragen eine Augenklappe?</a:t>
             </a:r>
           </a:p>
@@ -10166,8 +10251,8 @@
               <a:buAutoNum type="arabicPeriod"/>
             </a:pPr>
             <a:r>
-              <a:rPr lang="de-DE" dirty="0"/>
-              <a:t>Welche Lieblingspiraten gibt es?</a:t>
+              <a:rPr lang="de-DE" sz="2800" dirty="0"/>
+              <a:t>Welche Lieblingspiraten gibt es? Finden Sie hierfür eine geeignete Funktion die eindeutige Werte in einem Vektor auflistet</a:t>
             </a:r>
           </a:p>
           <a:p>
@@ -10176,15 +10261,15 @@
               <a:buAutoNum type="arabicPeriod"/>
             </a:pPr>
             <a:r>
-              <a:rPr lang="de-DE" dirty="0"/>
+              <a:rPr lang="de-DE" sz="2800" dirty="0"/>
               <a:t>Legen Sie eine neue Spalte mit BMI ein (Body </a:t>
             </a:r>
             <a:r>
-              <a:rPr lang="de-DE" dirty="0" err="1"/>
+              <a:rPr lang="de-DE" sz="2800" dirty="0" err="1"/>
               <a:t>Mass</a:t>
             </a:r>
             <a:r>
-              <a:rPr lang="de-DE" dirty="0"/>
+              <a:rPr lang="de-DE" sz="2800" dirty="0"/>
               <a:t> Index) und speichern Sie in diese Spalte das jeweilige Ergebnis von Gewicht geteilt durch Höhe</a:t>
             </a:r>
           </a:p>
@@ -10194,7 +10279,7 @@
               <a:buAutoNum type="arabicPeriod"/>
             </a:pPr>
             <a:r>
-              <a:rPr lang="de-DE" dirty="0"/>
+              <a:rPr lang="de-DE" sz="2800" dirty="0"/>
               <a:t>Wer hat den größten BMI? Wer den Kleinsten?</a:t>
             </a:r>
           </a:p>
@@ -10246,7 +10331,12 @@
             <p:ph type="title"/>
           </p:nvPr>
         </p:nvSpPr>
-        <p:spPr/>
+        <p:spPr>
+          <a:xfrm>
+            <a:off x="657224" y="499533"/>
+            <a:ext cx="10772775" cy="999658"/>
+          </a:xfrm>
+        </p:spPr>
         <p:txBody>
           <a:bodyPr/>
           <a:lstStyle/>
@@ -10274,7 +10364,12 @@
             <p:ph idx="1"/>
           </p:nvPr>
         </p:nvSpPr>
-        <p:spPr/>
+        <p:spPr>
+          <a:xfrm>
+            <a:off x="676656" y="1345019"/>
+            <a:ext cx="10753725" cy="5013447"/>
+          </a:xfrm>
+        </p:spPr>
         <p:txBody>
           <a:bodyPr>
             <a:normAutofit/>
@@ -10282,6 +10377,9 @@
           <a:lstStyle/>
           <a:p>
             <a:pPr lvl="1">
+              <a:lnSpc>
+                <a:spcPct val="150000"/>
+              </a:lnSpc>
               <a:buFont typeface="Arial" panose="020B0604020202020204" pitchFamily="34" charset="0"/>
               <a:buChar char="•"/>
             </a:pPr>
@@ -10292,6 +10390,9 @@
           </a:p>
           <a:p>
             <a:pPr lvl="1">
+              <a:lnSpc>
+                <a:spcPct val="150000"/>
+              </a:lnSpc>
               <a:buFont typeface="Arial" panose="020B0604020202020204" pitchFamily="34" charset="0"/>
               <a:buChar char="•"/>
             </a:pPr>
@@ -10302,6 +10403,9 @@
           </a:p>
           <a:p>
             <a:pPr lvl="1">
+              <a:lnSpc>
+                <a:spcPct val="150000"/>
+              </a:lnSpc>
               <a:buFont typeface="Arial" panose="020B0604020202020204" pitchFamily="34" charset="0"/>
               <a:buChar char="•"/>
             </a:pPr>
@@ -10312,6 +10416,9 @@
           </a:p>
           <a:p>
             <a:pPr lvl="1">
+              <a:lnSpc>
+                <a:spcPct val="150000"/>
+              </a:lnSpc>
               <a:buFont typeface="Arial" panose="020B0604020202020204" pitchFamily="34" charset="0"/>
               <a:buChar char="•"/>
             </a:pPr>
@@ -10322,6 +10429,9 @@
           </a:p>
           <a:p>
             <a:pPr lvl="1">
+              <a:lnSpc>
+                <a:spcPct val="150000"/>
+              </a:lnSpc>
               <a:buFont typeface="Arial" panose="020B0604020202020204" pitchFamily="34" charset="0"/>
               <a:buChar char="•"/>
             </a:pPr>
@@ -10332,6 +10442,9 @@
           </a:p>
           <a:p>
             <a:pPr lvl="1">
+              <a:lnSpc>
+                <a:spcPct val="150000"/>
+              </a:lnSpc>
               <a:buFont typeface="Arial" panose="020B0604020202020204" pitchFamily="34" charset="0"/>
               <a:buChar char="•"/>
             </a:pPr>
@@ -10342,6 +10455,9 @@
           </a:p>
           <a:p>
             <a:pPr lvl="1">
+              <a:lnSpc>
+                <a:spcPct val="150000"/>
+              </a:lnSpc>
               <a:buFont typeface="Arial" panose="020B0604020202020204" pitchFamily="34" charset="0"/>
               <a:buChar char="•"/>
             </a:pPr>
@@ -10738,6 +10854,81 @@
 </p:sld>
 </file>
 
+<file path=ppt/slides/slide29.xml><?xml version="1.0" encoding="utf-8"?>
+<p:sld xmlns:a="http://schemas.openxmlformats.org/drawingml/2006/main" xmlns:r="http://schemas.openxmlformats.org/officeDocument/2006/relationships" xmlns:p="http://schemas.openxmlformats.org/presentationml/2006/main">
+  <p:cSld>
+    <p:bg>
+      <p:bgPr>
+        <a:solidFill>
+          <a:srgbClr val="4F81BD"/>
+        </a:solidFill>
+        <a:effectLst/>
+      </p:bgPr>
+    </p:bg>
+    <p:spTree>
+      <p:nvGrpSpPr>
+        <p:cNvPr id="1" name=""/>
+        <p:cNvGrpSpPr/>
+        <p:nvPr/>
+      </p:nvGrpSpPr>
+      <p:grpSpPr>
+        <a:xfrm>
+          <a:off x="0" y="0"/>
+          <a:ext cx="0" cy="0"/>
+          <a:chOff x="0" y="0"/>
+          <a:chExt cx="0" cy="0"/>
+        </a:xfrm>
+      </p:grpSpPr>
+      <p:sp>
+        <p:nvSpPr>
+          <p:cNvPr id="2" name="Titel 1">
+            <a:extLst>
+              <a:ext uri="{FF2B5EF4-FFF2-40B4-BE49-F238E27FC236}">
+                <a16:creationId xmlns:a16="http://schemas.microsoft.com/office/drawing/2014/main" id="{CEB57258-F287-4CBC-8412-C532B261731D}"/>
+              </a:ext>
+            </a:extLst>
+          </p:cNvPr>
+          <p:cNvSpPr>
+            <a:spLocks noGrp="1"/>
+          </p:cNvSpPr>
+          <p:nvPr>
+            <p:ph type="title"/>
+          </p:nvPr>
+        </p:nvSpPr>
+        <p:spPr>
+          <a:xfrm>
+            <a:off x="853167" y="2021356"/>
+            <a:ext cx="10772775" cy="1658198"/>
+          </a:xfrm>
+        </p:spPr>
+        <p:txBody>
+          <a:bodyPr/>
+          <a:lstStyle/>
+          <a:p>
+            <a:r>
+              <a:rPr lang="de-DE" dirty="0">
+                <a:solidFill>
+                  <a:schemeClr val="bg1"/>
+                </a:solidFill>
+              </a:rPr>
+              <a:t>Fertig mit den Datenstrukturen!!!</a:t>
+            </a:r>
+          </a:p>
+        </p:txBody>
+      </p:sp>
+    </p:spTree>
+    <p:extLst>
+      <p:ext uri="{BB962C8B-B14F-4D97-AF65-F5344CB8AC3E}">
+        <p14:creationId xmlns:p14="http://schemas.microsoft.com/office/powerpoint/2010/main" val="2393596856"/>
+      </p:ext>
+    </p:extLst>
+  </p:cSld>
+  <p:clrMapOvr>
+    <a:masterClrMapping/>
+  </p:clrMapOvr>
+</p:sld>
+</file>
+
 <file path=ppt/slides/slide3.xml><?xml version="1.0" encoding="utf-8"?>
 <p:sld xmlns:a="http://schemas.openxmlformats.org/drawingml/2006/main" xmlns:r="http://schemas.openxmlformats.org/officeDocument/2006/relationships" xmlns:p="http://schemas.openxmlformats.org/presentationml/2006/main">
   <p:cSld>
@@ -10806,13 +10997,13 @@
         </p:nvSpPr>
         <p:spPr>
           <a:xfrm>
-            <a:off x="676656" y="1339702"/>
-            <a:ext cx="10753725" cy="5018765"/>
+            <a:off x="676656" y="1188098"/>
+            <a:ext cx="10753725" cy="5170369"/>
           </a:xfrm>
         </p:spPr>
         <p:txBody>
           <a:bodyPr>
-            <a:normAutofit fontScale="92500" lnSpcReduction="10000"/>
+            <a:noAutofit/>
           </a:bodyPr>
           <a:lstStyle/>
           <a:p>
@@ -10821,8 +11012,51 @@
               <a:buAutoNum type="arabicParenR"/>
             </a:pPr>
             <a:r>
-              <a:rPr lang="de-DE" sz="2600" dirty="0"/>
-              <a:t>Kostenlos!!!</a:t>
+              <a:rPr lang="de-DE" dirty="0"/>
+              <a:t>Vielseitige und mächtige Software</a:t>
+            </a:r>
+          </a:p>
+          <a:p>
+            <a:pPr marL="4572" lvl="1" indent="0">
+              <a:buNone/>
+            </a:pPr>
+            <a:r>
+              <a:rPr lang="de-DE" sz="2200" dirty="0"/>
+              <a:t>	- ständige Weiterentwicklung durch Community (R Pakete)</a:t>
+            </a:r>
+          </a:p>
+          <a:p>
+            <a:pPr marL="4572" lvl="1" indent="0">
+              <a:buNone/>
+            </a:pPr>
+            <a:r>
+              <a:rPr lang="de-DE" sz="2200" dirty="0"/>
+              <a:t>	- ermöglicht Auswertung von komplexen Fragestellungen </a:t>
+            </a:r>
+          </a:p>
+          <a:p>
+            <a:pPr marL="4572" lvl="1" indent="0">
+              <a:buNone/>
+            </a:pPr>
+            <a:r>
+              <a:rPr lang="de-DE" sz="2200" dirty="0"/>
+              <a:t>		</a:t>
+            </a:r>
+            <a:r>
+              <a:rPr lang="de-DE" sz="2200" dirty="0" err="1"/>
+              <a:t>Bsp</a:t>
+            </a:r>
+            <a:r>
+              <a:rPr lang="de-DE" sz="2200" dirty="0"/>
+              <a:t>: Klassifizierung von Satellitenbildern mit </a:t>
+            </a:r>
+            <a:r>
+              <a:rPr lang="de-DE" sz="2200" dirty="0" err="1"/>
+              <a:t>Machine</a:t>
+            </a:r>
+            <a:r>
+              <a:rPr lang="de-DE" sz="2200" dirty="0"/>
+              <a:t> Learning Algorithmen  </a:t>
             </a:r>
           </a:p>
           <a:p>
@@ -10831,51 +11065,8 @@
               <a:buAutoNum type="arabicParenR"/>
             </a:pPr>
             <a:r>
-              <a:rPr lang="de-DE" sz="2600" dirty="0"/>
-              <a:t>Vielseitige Software</a:t>
-            </a:r>
-          </a:p>
-          <a:p>
-            <a:pPr marL="4572" lvl="1" indent="0">
-              <a:buNone/>
-            </a:pPr>
-            <a:r>
               <a:rPr lang="de-DE" dirty="0"/>
-              <a:t>	- ständige Weiterentwicklung durch Community (R Pakete)</a:t>
-            </a:r>
-          </a:p>
-          <a:p>
-            <a:pPr marL="4572" lvl="1" indent="0">
-              <a:buNone/>
-            </a:pPr>
-            <a:r>
-              <a:rPr lang="de-DE" dirty="0"/>
-              <a:t>	- ermöglicht Auswertung von komplexen Fragestellungen </a:t>
-            </a:r>
-          </a:p>
-          <a:p>
-            <a:pPr marL="4572" lvl="1" indent="0">
-              <a:buNone/>
-            </a:pPr>
-            <a:r>
-              <a:rPr lang="de-DE" dirty="0"/>
-              <a:t>		</a:t>
-            </a:r>
-            <a:r>
-              <a:rPr lang="de-DE" dirty="0" err="1"/>
-              <a:t>Bsp</a:t>
-            </a:r>
-            <a:r>
-              <a:rPr lang="de-DE" dirty="0"/>
-              <a:t>: Klassifizierung von Satellitenbildern mit </a:t>
-            </a:r>
-            <a:r>
-              <a:rPr lang="de-DE" dirty="0" err="1"/>
-              <a:t>Machine</a:t>
-            </a:r>
-            <a:r>
-              <a:rPr lang="de-DE" dirty="0"/>
-              <a:t> Learning Algorithmen  </a:t>
+              <a:t>Kostenlos!!!</a:t>
             </a:r>
           </a:p>
           <a:p>
@@ -10884,7 +11075,7 @@
               <a:buAutoNum type="arabicParenR"/>
             </a:pPr>
             <a:r>
-              <a:rPr lang="de-DE" sz="2600" dirty="0"/>
+              <a:rPr lang="de-DE" dirty="0"/>
               <a:t>Standard in Umwelt- und Forstwissenschaften</a:t>
             </a:r>
           </a:p>
@@ -10894,7 +11085,11 @@
             </a:pPr>
             <a:r>
               <a:rPr lang="de-DE" dirty="0"/>
-              <a:t>	- vereinfacht Austausch von Forschungsergebnissen und Modellen zwischen 			Einrichtungen</a:t>
+              <a:t>	- </a:t>
+            </a:r>
+            <a:r>
+              <a:rPr lang="de-DE" sz="2200" dirty="0"/>
+              <a:t>vereinfacht Austausch von Forschungsergebnissen und Modellen zwischen 			Einrichtungen</a:t>
             </a:r>
           </a:p>
           <a:p>
@@ -10902,7 +11097,7 @@
               <a:buNone/>
             </a:pPr>
             <a:r>
-              <a:rPr lang="de-DE" dirty="0"/>
+              <a:rPr lang="de-DE" sz="2200" dirty="0"/>
               <a:t>	- R Skills können Einstellungskriterium sein (zumindest an FVA BW)</a:t>
             </a:r>
           </a:p>
@@ -10912,7 +11107,7 @@
               <a:buAutoNum type="arabicParenR"/>
             </a:pPr>
             <a:r>
-              <a:rPr lang="de-DE" sz="2600" dirty="0"/>
+              <a:rPr lang="de-DE" dirty="0"/>
               <a:t>R ist eine Programmiersprache</a:t>
             </a:r>
           </a:p>
@@ -10922,7 +11117,11 @@
             </a:pPr>
             <a:r>
               <a:rPr lang="de-DE" dirty="0"/>
-              <a:t>	- Programmier-Skills lassen sich auf andere Programmiersprachen wie Python, C++, 		Java etc. übertragen</a:t>
+              <a:t>	</a:t>
+            </a:r>
+            <a:r>
+              <a:rPr lang="de-DE" sz="2200" dirty="0"/>
+              <a:t>- Programmier-Skills lassen sich auf andere Programmiersprachen wie Python, C++, 		Java etc. übertragen</a:t>
             </a:r>
           </a:p>
           <a:p>
@@ -10930,7 +11129,7 @@
               <a:buNone/>
             </a:pPr>
             <a:r>
-              <a:rPr lang="de-DE" dirty="0"/>
+              <a:rPr lang="de-DE" sz="2200" dirty="0"/>
               <a:t>	- Datenauswertung wird automatisch dokumentiert -&gt; Fehler lassen sich 				nachvollziehen </a:t>
             </a:r>
           </a:p>
@@ -11144,15 +11343,33 @@
                                   </p:childTnLst>
                                 </p:cTn>
                               </p:par>
+                            </p:childTnLst>
+                          </p:cTn>
+                        </p:par>
+                      </p:childTnLst>
+                    </p:cTn>
+                  </p:par>
+                  <p:par>
+                    <p:cTn id="19" fill="hold">
+                      <p:stCondLst>
+                        <p:cond delay="indefinite"/>
+                      </p:stCondLst>
+                      <p:childTnLst>
+                        <p:par>
+                          <p:cTn id="20" fill="hold">
+                            <p:stCondLst>
+                              <p:cond delay="0"/>
+                            </p:stCondLst>
+                            <p:childTnLst>
                               <p:par>
-                                <p:cTn id="19" presetID="1" presetClass="entr" presetSubtype="0" fill="hold" nodeType="withEffect">
+                                <p:cTn id="21" presetID="1" presetClass="entr" presetSubtype="0" fill="hold" nodeType="clickEffect">
                                   <p:stCondLst>
                                     <p:cond delay="0"/>
                                   </p:stCondLst>
                                   <p:childTnLst>
                                     <p:set>
                                       <p:cBhvr>
-                                        <p:cTn id="20" dur="1" fill="hold">
+                                        <p:cTn id="22" dur="1" fill="hold">
                                           <p:stCondLst>
                                             <p:cond delay="0"/>
                                           </p:stCondLst>
@@ -11182,26 +11399,26 @@
                     </p:cTn>
                   </p:par>
                   <p:par>
-                    <p:cTn id="21" fill="hold">
+                    <p:cTn id="23" fill="hold">
                       <p:stCondLst>
                         <p:cond delay="indefinite"/>
                       </p:stCondLst>
                       <p:childTnLst>
                         <p:par>
-                          <p:cTn id="22" fill="hold">
+                          <p:cTn id="24" fill="hold">
                             <p:stCondLst>
                               <p:cond delay="0"/>
                             </p:stCondLst>
                             <p:childTnLst>
                               <p:par>
-                                <p:cTn id="23" presetID="1" presetClass="entr" presetSubtype="0" fill="hold" nodeType="clickEffect">
+                                <p:cTn id="25" presetID="1" presetClass="entr" presetSubtype="0" fill="hold" nodeType="clickEffect">
                                   <p:stCondLst>
                                     <p:cond delay="0"/>
                                   </p:stCondLst>
                                   <p:childTnLst>
                                     <p:set>
                                       <p:cBhvr>
-                                        <p:cTn id="24" dur="1" fill="hold">
+                                        <p:cTn id="26" dur="1" fill="hold">
                                           <p:stCondLst>
                                             <p:cond delay="0"/>
                                           </p:stCondLst>
@@ -11231,26 +11448,26 @@
                     </p:cTn>
                   </p:par>
                   <p:par>
-                    <p:cTn id="25" fill="hold">
+                    <p:cTn id="27" fill="hold">
                       <p:stCondLst>
                         <p:cond delay="indefinite"/>
                       </p:stCondLst>
                       <p:childTnLst>
                         <p:par>
-                          <p:cTn id="26" fill="hold">
+                          <p:cTn id="28" fill="hold">
                             <p:stCondLst>
                               <p:cond delay="0"/>
                             </p:stCondLst>
                             <p:childTnLst>
                               <p:par>
-                                <p:cTn id="27" presetID="1" presetClass="entr" presetSubtype="0" fill="hold" nodeType="clickEffect">
+                                <p:cTn id="29" presetID="1" presetClass="entr" presetSubtype="0" fill="hold" nodeType="clickEffect">
                                   <p:stCondLst>
                                     <p:cond delay="0"/>
                                   </p:stCondLst>
                                   <p:childTnLst>
                                     <p:set>
                                       <p:cBhvr>
-                                        <p:cTn id="28" dur="1" fill="hold">
+                                        <p:cTn id="30" dur="1" fill="hold">
                                           <p:stCondLst>
                                             <p:cond delay="0"/>
                                           </p:stCondLst>
@@ -11280,26 +11497,26 @@
                     </p:cTn>
                   </p:par>
                   <p:par>
-                    <p:cTn id="29" fill="hold">
+                    <p:cTn id="31" fill="hold">
                       <p:stCondLst>
                         <p:cond delay="indefinite"/>
                       </p:stCondLst>
                       <p:childTnLst>
                         <p:par>
-                          <p:cTn id="30" fill="hold">
+                          <p:cTn id="32" fill="hold">
                             <p:stCondLst>
                               <p:cond delay="0"/>
                             </p:stCondLst>
                             <p:childTnLst>
                               <p:par>
-                                <p:cTn id="31" presetID="1" presetClass="entr" presetSubtype="0" fill="hold" nodeType="clickEffect">
+                                <p:cTn id="33" presetID="1" presetClass="entr" presetSubtype="0" fill="hold" nodeType="clickEffect">
                                   <p:stCondLst>
                                     <p:cond delay="0"/>
                                   </p:stCondLst>
                                   <p:childTnLst>
                                     <p:set>
                                       <p:cBhvr>
-                                        <p:cTn id="32" dur="1" fill="hold">
+                                        <p:cTn id="34" dur="1" fill="hold">
                                           <p:stCondLst>
                                             <p:cond delay="0"/>
                                           </p:stCondLst>
@@ -11329,26 +11546,26 @@
                     </p:cTn>
                   </p:par>
                   <p:par>
-                    <p:cTn id="33" fill="hold">
+                    <p:cTn id="35" fill="hold">
                       <p:stCondLst>
                         <p:cond delay="indefinite"/>
                       </p:stCondLst>
                       <p:childTnLst>
                         <p:par>
-                          <p:cTn id="34" fill="hold">
+                          <p:cTn id="36" fill="hold">
                             <p:stCondLst>
                               <p:cond delay="0"/>
                             </p:stCondLst>
                             <p:childTnLst>
                               <p:par>
-                                <p:cTn id="35" presetID="1" presetClass="entr" presetSubtype="0" fill="hold" nodeType="clickEffect">
+                                <p:cTn id="37" presetID="1" presetClass="entr" presetSubtype="0" fill="hold" nodeType="clickEffect">
                                   <p:stCondLst>
                                     <p:cond delay="0"/>
                                   </p:stCondLst>
                                   <p:childTnLst>
                                     <p:set>
                                       <p:cBhvr>
-                                        <p:cTn id="36" dur="1" fill="hold">
+                                        <p:cTn id="38" dur="1" fill="hold">
                                           <p:stCondLst>
                                             <p:cond delay="0"/>
                                           </p:stCondLst>
@@ -11378,26 +11595,26 @@
                     </p:cTn>
                   </p:par>
                   <p:par>
-                    <p:cTn id="37" fill="hold">
+                    <p:cTn id="39" fill="hold">
                       <p:stCondLst>
                         <p:cond delay="indefinite"/>
                       </p:stCondLst>
                       <p:childTnLst>
                         <p:par>
-                          <p:cTn id="38" fill="hold">
+                          <p:cTn id="40" fill="hold">
                             <p:stCondLst>
                               <p:cond delay="0"/>
                             </p:stCondLst>
                             <p:childTnLst>
                               <p:par>
-                                <p:cTn id="39" presetID="1" presetClass="entr" presetSubtype="0" fill="hold" nodeType="clickEffect">
+                                <p:cTn id="41" presetID="1" presetClass="entr" presetSubtype="0" fill="hold" nodeType="clickEffect">
                                   <p:stCondLst>
                                     <p:cond delay="0"/>
                                   </p:stCondLst>
                                   <p:childTnLst>
                                     <p:set>
                                       <p:cBhvr>
-                                        <p:cTn id="40" dur="1" fill="hold">
+                                        <p:cTn id="42" dur="1" fill="hold">
                                           <p:stCondLst>
                                             <p:cond delay="0"/>
                                           </p:stCondLst>
@@ -11427,26 +11644,26 @@
                     </p:cTn>
                   </p:par>
                   <p:par>
-                    <p:cTn id="41" fill="hold">
+                    <p:cTn id="43" fill="hold">
                       <p:stCondLst>
                         <p:cond delay="indefinite"/>
                       </p:stCondLst>
                       <p:childTnLst>
                         <p:par>
-                          <p:cTn id="42" fill="hold">
+                          <p:cTn id="44" fill="hold">
                             <p:stCondLst>
                               <p:cond delay="0"/>
                             </p:stCondLst>
                             <p:childTnLst>
                               <p:par>
-                                <p:cTn id="43" presetID="1" presetClass="entr" presetSubtype="0" fill="hold" nodeType="clickEffect">
+                                <p:cTn id="45" presetID="1" presetClass="entr" presetSubtype="0" fill="hold" nodeType="clickEffect">
                                   <p:stCondLst>
                                     <p:cond delay="0"/>
                                   </p:stCondLst>
                                   <p:childTnLst>
                                     <p:set>
                                       <p:cBhvr>
-                                        <p:cTn id="44" dur="1" fill="hold">
+                                        <p:cTn id="46" dur="1" fill="hold">
                                           <p:stCondLst>
                                             <p:cond delay="0"/>
                                           </p:stCondLst>
@@ -11500,6 +11717,129 @@
 </p:sld>
 </file>
 
+<file path=ppt/slides/slide30.xml><?xml version="1.0" encoding="utf-8"?>
+<p:sld xmlns:a="http://schemas.openxmlformats.org/drawingml/2006/main" xmlns:r="http://schemas.openxmlformats.org/officeDocument/2006/relationships" xmlns:p="http://schemas.openxmlformats.org/presentationml/2006/main">
+  <p:cSld>
+    <p:spTree>
+      <p:nvGrpSpPr>
+        <p:cNvPr id="1" name=""/>
+        <p:cNvGrpSpPr/>
+        <p:nvPr/>
+      </p:nvGrpSpPr>
+      <p:grpSpPr>
+        <a:xfrm>
+          <a:off x="0" y="0"/>
+          <a:ext cx="0" cy="0"/>
+          <a:chOff x="0" y="0"/>
+          <a:chExt cx="0" cy="0"/>
+        </a:xfrm>
+      </p:grpSpPr>
+      <p:sp>
+        <p:nvSpPr>
+          <p:cNvPr id="2" name="Titel 1">
+            <a:extLst>
+              <a:ext uri="{FF2B5EF4-FFF2-40B4-BE49-F238E27FC236}">
+                <a16:creationId xmlns:a16="http://schemas.microsoft.com/office/drawing/2014/main" id="{AB3FE952-E5A4-44EF-917B-A3008D3A7904}"/>
+              </a:ext>
+            </a:extLst>
+          </p:cNvPr>
+          <p:cNvSpPr>
+            <a:spLocks noGrp="1"/>
+          </p:cNvSpPr>
+          <p:nvPr>
+            <p:ph type="title"/>
+          </p:nvPr>
+        </p:nvSpPr>
+        <p:spPr>
+          <a:xfrm>
+            <a:off x="657224" y="499533"/>
+            <a:ext cx="10772775" cy="824220"/>
+          </a:xfrm>
+        </p:spPr>
+        <p:txBody>
+          <a:bodyPr/>
+          <a:lstStyle/>
+          <a:p>
+            <a:r>
+              <a:rPr lang="de-DE" dirty="0"/>
+              <a:t>Übung: Visualisierung</a:t>
+            </a:r>
+          </a:p>
+        </p:txBody>
+      </p:sp>
+      <p:sp>
+        <p:nvSpPr>
+          <p:cNvPr id="3" name="Inhaltsplatzhalter 2">
+            <a:extLst>
+              <a:ext uri="{FF2B5EF4-FFF2-40B4-BE49-F238E27FC236}">
+                <a16:creationId xmlns:a16="http://schemas.microsoft.com/office/drawing/2014/main" id="{A4CE39C5-AACD-4DBD-87D7-86048775DB22}"/>
+              </a:ext>
+            </a:extLst>
+          </p:cNvPr>
+          <p:cNvSpPr>
+            <a:spLocks noGrp="1"/>
+          </p:cNvSpPr>
+          <p:nvPr>
+            <p:ph idx="1"/>
+          </p:nvPr>
+        </p:nvSpPr>
+        <p:spPr/>
+        <p:txBody>
+          <a:bodyPr/>
+          <a:lstStyle/>
+          <a:p>
+            <a:pPr marL="457200" indent="-457200">
+              <a:buFont typeface="+mj-lt"/>
+              <a:buAutoNum type="arabicPeriod"/>
+            </a:pPr>
+            <a:r>
+              <a:rPr lang="de-DE" dirty="0"/>
+              <a:t>Erstellen Sie einen Boxplot der die MM Anzahlen pro Farbe darstellt. Färben Sie die Boxen entsprechend der MM Farbe ein</a:t>
+            </a:r>
+          </a:p>
+          <a:p>
+            <a:pPr marL="457200" indent="-457200">
+              <a:buFont typeface="+mj-lt"/>
+              <a:buAutoNum type="arabicPeriod"/>
+            </a:pPr>
+            <a:r>
+              <a:rPr lang="de-DE" dirty="0"/>
+              <a:t>Erstellen Sie einen </a:t>
+            </a:r>
+            <a:r>
+              <a:rPr lang="de-DE" dirty="0" err="1"/>
+              <a:t>Barplot</a:t>
+            </a:r>
+            <a:r>
+              <a:rPr lang="de-DE" dirty="0"/>
+              <a:t> der die Summe aller MM pro Farbe darstellt</a:t>
+            </a:r>
+          </a:p>
+          <a:p>
+            <a:pPr marL="457200" indent="-457200">
+              <a:buFont typeface="+mj-lt"/>
+              <a:buAutoNum type="arabicPeriod"/>
+            </a:pPr>
+            <a:r>
+              <a:rPr lang="de-DE" dirty="0"/>
+              <a:t>Scatterplot mit Gesamtgewicht pro Tüte im Verhältnis zu Anzahl der MMs pro Tüte</a:t>
+            </a:r>
+          </a:p>
+        </p:txBody>
+      </p:sp>
+    </p:spTree>
+    <p:extLst>
+      <p:ext uri="{BB962C8B-B14F-4D97-AF65-F5344CB8AC3E}">
+        <p14:creationId xmlns:p14="http://schemas.microsoft.com/office/powerpoint/2010/main" val="3931972651"/>
+      </p:ext>
+    </p:extLst>
+  </p:cSld>
+  <p:clrMapOvr>
+    <a:masterClrMapping/>
+  </p:clrMapOvr>
+</p:sld>
+</file>
+
 <file path=ppt/slides/slide4.xml><?xml version="1.0" encoding="utf-8"?>
 <p:sld xmlns:a="http://schemas.openxmlformats.org/drawingml/2006/main" xmlns:r="http://schemas.openxmlformats.org/officeDocument/2006/relationships" xmlns:p="http://schemas.openxmlformats.org/presentationml/2006/main">
   <p:cSld>
@@ -11691,7 +12031,7 @@
             <a:avLst/>
           </a:prstGeom>
           <a:solidFill>
-            <a:schemeClr val="accent1"/>
+            <a:srgbClr val="4F81BD"/>
           </a:solidFill>
         </p:spPr>
         <p:txBody>
@@ -11722,13 +12062,16 @@
             </a:r>
             <a:r>
               <a:rPr lang="de-DE" sz="2800" i="0" dirty="0"/>
-              <a:t>Variablen, Vektoren, Matrizen/</a:t>
-            </a:r>
-            <a:r>
-              <a:rPr lang="de-DE" sz="2800" i="0" dirty="0" err="1"/>
-              <a:t>data.frames</a:t>
-            </a:r>
-            <a:endParaRPr lang="de-DE" sz="2800" i="0" dirty="0"/>
+              <a:t>Variablen, Vektoren, Matrizen</a:t>
+            </a:r>
+            <a:r>
+              <a:rPr lang="de-DE" sz="2800" dirty="0"/>
+              <a:t>, D</a:t>
+            </a:r>
+            <a:r>
+              <a:rPr lang="de-DE" sz="2800" i="0" dirty="0"/>
+              <a:t>ataframes</a:t>
+            </a:r>
           </a:p>
           <a:p>
             <a:pPr marL="0" lvl="2" indent="0">
@@ -11774,7 +12117,7 @@
             <a:avLst/>
           </a:prstGeom>
           <a:solidFill>
-            <a:schemeClr val="accent1"/>
+            <a:srgbClr val="4F81BD"/>
           </a:solidFill>
         </p:spPr>
         <p:txBody>
@@ -13730,7 +14073,7 @@
                             </p:stCondLst>
                             <p:childTnLst>
                               <p:par>
-                                <p:cTn id="5" presetID="1" presetClass="entr" presetSubtype="0" fill="hold" grpId="0" nodeType="clickEffect">
+                                <p:cTn id="5" presetID="1" presetClass="entr" presetSubtype="0" fill="hold" nodeType="clickEffect">
                                   <p:stCondLst>
                                     <p:cond delay="0"/>
                                   </p:stCondLst>
@@ -13743,7 +14086,7 @@
                                           </p:stCondLst>
                                         </p:cTn>
                                         <p:tgtEl>
-                                          <p:spTgt spid="8"/>
+                                          <p:spTgt spid="7"/>
                                         </p:tgtEl>
                                         <p:attrNameLst>
                                           <p:attrName>style.visibility</p:attrName>
@@ -13788,7 +14131,7 @@
                                           </p:stCondLst>
                                         </p:cTn>
                                         <p:tgtEl>
-                                          <p:spTgt spid="9"/>
+                                          <p:spTgt spid="8"/>
                                         </p:tgtEl>
                                         <p:attrNameLst>
                                           <p:attrName>style.visibility</p:attrName>
@@ -13833,34 +14176,7 @@
                                           </p:stCondLst>
                                         </p:cTn>
                                         <p:tgtEl>
-                                          <p:spTgt spid="10"/>
-                                        </p:tgtEl>
-                                        <p:attrNameLst>
-                                          <p:attrName>style.visibility</p:attrName>
-                                        </p:attrNameLst>
-                                      </p:cBhvr>
-                                      <p:to>
-                                        <p:strVal val="visible"/>
-                                      </p:to>
-                                    </p:set>
-                                  </p:childTnLst>
-                                </p:cTn>
-                              </p:par>
-                              <p:par>
-                                <p:cTn id="15" presetID="1" presetClass="entr" presetSubtype="0" fill="hold" grpId="0" nodeType="withEffect">
-                                  <p:stCondLst>
-                                    <p:cond delay="0"/>
-                                  </p:stCondLst>
-                                  <p:childTnLst>
-                                    <p:set>
-                                      <p:cBhvr>
-                                        <p:cTn id="16" dur="1" fill="hold">
-                                          <p:stCondLst>
-                                            <p:cond delay="0"/>
-                                          </p:stCondLst>
-                                        </p:cTn>
-                                        <p:tgtEl>
-                                          <p:spTgt spid="11"/>
+                                          <p:spTgt spid="9"/>
                                         </p:tgtEl>
                                         <p:attrNameLst>
                                           <p:attrName>style.visibility</p:attrName>
@@ -13880,19 +14196,46 @@
                     </p:cTn>
                   </p:par>
                   <p:par>
-                    <p:cTn id="17" fill="hold">
+                    <p:cTn id="15" fill="hold">
                       <p:stCondLst>
                         <p:cond delay="indefinite"/>
                       </p:stCondLst>
                       <p:childTnLst>
                         <p:par>
-                          <p:cTn id="18" fill="hold">
+                          <p:cTn id="16" fill="hold">
                             <p:stCondLst>
                               <p:cond delay="0"/>
                             </p:stCondLst>
                             <p:childTnLst>
                               <p:par>
-                                <p:cTn id="19" presetID="1" presetClass="entr" presetSubtype="0" fill="hold" grpId="0" nodeType="clickEffect">
+                                <p:cTn id="17" presetID="1" presetClass="entr" presetSubtype="0" fill="hold" grpId="0" nodeType="clickEffect">
+                                  <p:stCondLst>
+                                    <p:cond delay="0"/>
+                                  </p:stCondLst>
+                                  <p:childTnLst>
+                                    <p:set>
+                                      <p:cBhvr>
+                                        <p:cTn id="18" dur="1" fill="hold">
+                                          <p:stCondLst>
+                                            <p:cond delay="0"/>
+                                          </p:stCondLst>
+                                        </p:cTn>
+                                        <p:tgtEl>
+                                          <p:spTgt spid="10"/>
+                                        </p:tgtEl>
+                                        <p:attrNameLst>
+                                          <p:attrName>style.visibility</p:attrName>
+                                        </p:attrNameLst>
+                                      </p:cBhvr>
+                                      <p:to>
+                                        <p:strVal val="visible"/>
+                                      </p:to>
+                                    </p:set>
+                                  </p:childTnLst>
+                                </p:cTn>
+                              </p:par>
+                              <p:par>
+                                <p:cTn id="19" presetID="1" presetClass="entr" presetSubtype="0" fill="hold" grpId="0" nodeType="withEffect">
                                   <p:stCondLst>
                                     <p:cond delay="0"/>
                                   </p:stCondLst>
@@ -13905,7 +14248,7 @@
                                           </p:stCondLst>
                                         </p:cTn>
                                         <p:tgtEl>
-                                          <p:spTgt spid="12"/>
+                                          <p:spTgt spid="11"/>
                                         </p:tgtEl>
                                         <p:attrNameLst>
                                           <p:attrName>style.visibility</p:attrName>
@@ -13950,7 +14293,7 @@
                                           </p:stCondLst>
                                         </p:cTn>
                                         <p:tgtEl>
-                                          <p:spTgt spid="13"/>
+                                          <p:spTgt spid="12"/>
                                         </p:tgtEl>
                                         <p:attrNameLst>
                                           <p:attrName>style.visibility</p:attrName>
@@ -13995,34 +14338,7 @@
                                           </p:stCondLst>
                                         </p:cTn>
                                         <p:tgtEl>
-                                          <p:spTgt spid="15"/>
-                                        </p:tgtEl>
-                                        <p:attrNameLst>
-                                          <p:attrName>style.visibility</p:attrName>
-                                        </p:attrNameLst>
-                                      </p:cBhvr>
-                                      <p:to>
-                                        <p:strVal val="visible"/>
-                                      </p:to>
-                                    </p:set>
-                                  </p:childTnLst>
-                                </p:cTn>
-                              </p:par>
-                              <p:par>
-                                <p:cTn id="29" presetID="1" presetClass="entr" presetSubtype="0" fill="hold" grpId="0" nodeType="withEffect">
-                                  <p:stCondLst>
-                                    <p:cond delay="0"/>
-                                  </p:stCondLst>
-                                  <p:childTnLst>
-                                    <p:set>
-                                      <p:cBhvr>
-                                        <p:cTn id="30" dur="1" fill="hold">
-                                          <p:stCondLst>
-                                            <p:cond delay="0"/>
-                                          </p:stCondLst>
-                                        </p:cTn>
-                                        <p:tgtEl>
-                                          <p:spTgt spid="14"/>
+                                          <p:spTgt spid="13"/>
                                         </p:tgtEl>
                                         <p:attrNameLst>
                                           <p:attrName>style.visibility</p:attrName>
@@ -14042,19 +14358,46 @@
                     </p:cTn>
                   </p:par>
                   <p:par>
-                    <p:cTn id="31" fill="hold">
+                    <p:cTn id="29" fill="hold">
                       <p:stCondLst>
                         <p:cond delay="indefinite"/>
                       </p:stCondLst>
                       <p:childTnLst>
                         <p:par>
-                          <p:cTn id="32" fill="hold">
+                          <p:cTn id="30" fill="hold">
                             <p:stCondLst>
                               <p:cond delay="0"/>
                             </p:stCondLst>
                             <p:childTnLst>
                               <p:par>
-                                <p:cTn id="33" presetID="1" presetClass="entr" presetSubtype="0" fill="hold" grpId="0" nodeType="clickEffect">
+                                <p:cTn id="31" presetID="1" presetClass="entr" presetSubtype="0" fill="hold" grpId="0" nodeType="clickEffect">
+                                  <p:stCondLst>
+                                    <p:cond delay="0"/>
+                                  </p:stCondLst>
+                                  <p:childTnLst>
+                                    <p:set>
+                                      <p:cBhvr>
+                                        <p:cTn id="32" dur="1" fill="hold">
+                                          <p:stCondLst>
+                                            <p:cond delay="0"/>
+                                          </p:stCondLst>
+                                        </p:cTn>
+                                        <p:tgtEl>
+                                          <p:spTgt spid="15"/>
+                                        </p:tgtEl>
+                                        <p:attrNameLst>
+                                          <p:attrName>style.visibility</p:attrName>
+                                        </p:attrNameLst>
+                                      </p:cBhvr>
+                                      <p:to>
+                                        <p:strVal val="visible"/>
+                                      </p:to>
+                                    </p:set>
+                                  </p:childTnLst>
+                                </p:cTn>
+                              </p:par>
+                              <p:par>
+                                <p:cTn id="33" presetID="1" presetClass="entr" presetSubtype="0" fill="hold" grpId="0" nodeType="withEffect">
                                   <p:stCondLst>
                                     <p:cond delay="0"/>
                                   </p:stCondLst>
@@ -14067,7 +14410,7 @@
                                           </p:stCondLst>
                                         </p:cTn>
                                         <p:tgtEl>
-                                          <p:spTgt spid="17"/>
+                                          <p:spTgt spid="14"/>
                                         </p:tgtEl>
                                         <p:attrNameLst>
                                           <p:attrName>style.visibility</p:attrName>
@@ -14112,7 +14455,7 @@
                                           </p:stCondLst>
                                         </p:cTn>
                                         <p:tgtEl>
-                                          <p:spTgt spid="16"/>
+                                          <p:spTgt spid="17"/>
                                         </p:tgtEl>
                                         <p:attrNameLst>
                                           <p:attrName>style.visibility</p:attrName>
@@ -14157,34 +14500,7 @@
                                           </p:stCondLst>
                                         </p:cTn>
                                         <p:tgtEl>
-                                          <p:spTgt spid="19"/>
-                                        </p:tgtEl>
-                                        <p:attrNameLst>
-                                          <p:attrName>style.visibility</p:attrName>
-                                        </p:attrNameLst>
-                                      </p:cBhvr>
-                                      <p:to>
-                                        <p:strVal val="visible"/>
-                                      </p:to>
-                                    </p:set>
-                                  </p:childTnLst>
-                                </p:cTn>
-                              </p:par>
-                              <p:par>
-                                <p:cTn id="43" presetID="1" presetClass="entr" presetSubtype="0" fill="hold" grpId="0" nodeType="withEffect">
-                                  <p:stCondLst>
-                                    <p:cond delay="0"/>
-                                  </p:stCondLst>
-                                  <p:childTnLst>
-                                    <p:set>
-                                      <p:cBhvr>
-                                        <p:cTn id="44" dur="1" fill="hold">
-                                          <p:stCondLst>
-                                            <p:cond delay="0"/>
-                                          </p:stCondLst>
-                                        </p:cTn>
-                                        <p:tgtEl>
-                                          <p:spTgt spid="18"/>
+                                          <p:spTgt spid="16"/>
                                         </p:tgtEl>
                                         <p:attrNameLst>
                                           <p:attrName>style.visibility</p:attrName>
@@ -14204,19 +14520,46 @@
                     </p:cTn>
                   </p:par>
                   <p:par>
-                    <p:cTn id="45" fill="hold">
+                    <p:cTn id="43" fill="hold">
                       <p:stCondLst>
                         <p:cond delay="indefinite"/>
                       </p:stCondLst>
                       <p:childTnLst>
                         <p:par>
-                          <p:cTn id="46" fill="hold">
+                          <p:cTn id="44" fill="hold">
                             <p:stCondLst>
                               <p:cond delay="0"/>
                             </p:stCondLst>
                             <p:childTnLst>
                               <p:par>
-                                <p:cTn id="47" presetID="1" presetClass="entr" presetSubtype="0" fill="hold" grpId="0" nodeType="clickEffect">
+                                <p:cTn id="45" presetID="1" presetClass="entr" presetSubtype="0" fill="hold" grpId="0" nodeType="clickEffect">
+                                  <p:stCondLst>
+                                    <p:cond delay="0"/>
+                                  </p:stCondLst>
+                                  <p:childTnLst>
+                                    <p:set>
+                                      <p:cBhvr>
+                                        <p:cTn id="46" dur="1" fill="hold">
+                                          <p:stCondLst>
+                                            <p:cond delay="0"/>
+                                          </p:stCondLst>
+                                        </p:cTn>
+                                        <p:tgtEl>
+                                          <p:spTgt spid="19"/>
+                                        </p:tgtEl>
+                                        <p:attrNameLst>
+                                          <p:attrName>style.visibility</p:attrName>
+                                        </p:attrNameLst>
+                                      </p:cBhvr>
+                                      <p:to>
+                                        <p:strVal val="visible"/>
+                                      </p:to>
+                                    </p:set>
+                                  </p:childTnLst>
+                                </p:cTn>
+                              </p:par>
+                              <p:par>
+                                <p:cTn id="47" presetID="1" presetClass="entr" presetSubtype="0" fill="hold" grpId="0" nodeType="withEffect">
                                   <p:stCondLst>
                                     <p:cond delay="0"/>
                                   </p:stCondLst>
@@ -14229,7 +14572,7 @@
                                           </p:stCondLst>
                                         </p:cTn>
                                         <p:tgtEl>
-                                          <p:spTgt spid="20"/>
+                                          <p:spTgt spid="18"/>
                                         </p:tgtEl>
                                         <p:attrNameLst>
                                           <p:attrName>style.visibility</p:attrName>
@@ -14274,6 +14617,51 @@
                                           </p:stCondLst>
                                         </p:cTn>
                                         <p:tgtEl>
+                                          <p:spTgt spid="20"/>
+                                        </p:tgtEl>
+                                        <p:attrNameLst>
+                                          <p:attrName>style.visibility</p:attrName>
+                                        </p:attrNameLst>
+                                      </p:cBhvr>
+                                      <p:to>
+                                        <p:strVal val="visible"/>
+                                      </p:to>
+                                    </p:set>
+                                  </p:childTnLst>
+                                </p:cTn>
+                              </p:par>
+                            </p:childTnLst>
+                          </p:cTn>
+                        </p:par>
+                      </p:childTnLst>
+                    </p:cTn>
+                  </p:par>
+                  <p:par>
+                    <p:cTn id="53" fill="hold">
+                      <p:stCondLst>
+                        <p:cond delay="indefinite"/>
+                      </p:stCondLst>
+                      <p:childTnLst>
+                        <p:par>
+                          <p:cTn id="54" fill="hold">
+                            <p:stCondLst>
+                              <p:cond delay="0"/>
+                            </p:stCondLst>
+                            <p:childTnLst>
+                              <p:par>
+                                <p:cTn id="55" presetID="1" presetClass="entr" presetSubtype="0" fill="hold" grpId="0" nodeType="clickEffect">
+                                  <p:stCondLst>
+                                    <p:cond delay="0"/>
+                                  </p:stCondLst>
+                                  <p:childTnLst>
+                                    <p:set>
+                                      <p:cBhvr>
+                                        <p:cTn id="56" dur="1" fill="hold">
+                                          <p:stCondLst>
+                                            <p:cond delay="0"/>
+                                          </p:stCondLst>
+                                        </p:cTn>
+                                        <p:tgtEl>
                                           <p:spTgt spid="21"/>
                                         </p:tgtEl>
                                         <p:attrNameLst>
@@ -14288,14 +14676,14 @@
                                 </p:cTn>
                               </p:par>
                               <p:par>
-                                <p:cTn id="53" presetID="1" presetClass="entr" presetSubtype="0" fill="hold" grpId="0" nodeType="withEffect">
+                                <p:cTn id="57" presetID="1" presetClass="entr" presetSubtype="0" fill="hold" grpId="0" nodeType="withEffect">
                                   <p:stCondLst>
                                     <p:cond delay="0"/>
                                   </p:stCondLst>
                                   <p:childTnLst>
                                     <p:set>
                                       <p:cBhvr>
-                                        <p:cTn id="54" dur="1" fill="hold">
+                                        <p:cTn id="58" dur="1" fill="hold">
                                           <p:stCondLst>
                                             <p:cond delay="0"/>
                                           </p:stCondLst>

--- a/Einführung in R.pptx
+++ b/Einführung in R.pptx
@@ -34,7 +34,11 @@
     <p:sldId id="285" r:id="rId28"/>
     <p:sldId id="263" r:id="rId29"/>
     <p:sldId id="287" r:id="rId30"/>
-    <p:sldId id="286" r:id="rId31"/>
+    <p:sldId id="288" r:id="rId31"/>
+    <p:sldId id="289" r:id="rId32"/>
+    <p:sldId id="291" r:id="rId33"/>
+    <p:sldId id="290" r:id="rId34"/>
+    <p:sldId id="292" r:id="rId35"/>
   </p:sldIdLst>
   <p:sldSz cx="12192000" cy="6858000"/>
   <p:notesSz cx="6858000" cy="9144000"/>
@@ -341,7 +345,7 @@
           <a:p>
             <a:fld id="{3F46AE61-50B3-4440-BB01-1FF85E3E82A7}" type="datetimeFigureOut">
               <a:rPr lang="de-DE" smtClean="0"/>
-              <a:t>29.09.2024</a:t>
+              <a:t>30.09.2024</a:t>
             </a:fld>
             <a:endParaRPr lang="de-DE"/>
           </a:p>
@@ -531,7 +535,7 @@
           <a:p>
             <a:fld id="{3F46AE61-50B3-4440-BB01-1FF85E3E82A7}" type="datetimeFigureOut">
               <a:rPr lang="de-DE" smtClean="0"/>
-              <a:t>29.09.2024</a:t>
+              <a:t>30.09.2024</a:t>
             </a:fld>
             <a:endParaRPr lang="de-DE"/>
           </a:p>
@@ -711,7 +715,7 @@
           <a:p>
             <a:fld id="{3F46AE61-50B3-4440-BB01-1FF85E3E82A7}" type="datetimeFigureOut">
               <a:rPr lang="de-DE" smtClean="0"/>
-              <a:t>29.09.2024</a:t>
+              <a:t>30.09.2024</a:t>
             </a:fld>
             <a:endParaRPr lang="de-DE"/>
           </a:p>
@@ -881,7 +885,7 @@
           <a:p>
             <a:fld id="{3F46AE61-50B3-4440-BB01-1FF85E3E82A7}" type="datetimeFigureOut">
               <a:rPr lang="de-DE" smtClean="0"/>
-              <a:t>29.09.2024</a:t>
+              <a:t>30.09.2024</a:t>
             </a:fld>
             <a:endParaRPr lang="de-DE"/>
           </a:p>
@@ -1137,7 +1141,7 @@
           <a:p>
             <a:fld id="{3F46AE61-50B3-4440-BB01-1FF85E3E82A7}" type="datetimeFigureOut">
               <a:rPr lang="de-DE" smtClean="0"/>
-              <a:t>29.09.2024</a:t>
+              <a:t>30.09.2024</a:t>
             </a:fld>
             <a:endParaRPr lang="de-DE"/>
           </a:p>
@@ -1425,7 +1429,7 @@
           <a:p>
             <a:fld id="{3F46AE61-50B3-4440-BB01-1FF85E3E82A7}" type="datetimeFigureOut">
               <a:rPr lang="de-DE" smtClean="0"/>
-              <a:t>29.09.2024</a:t>
+              <a:t>30.09.2024</a:t>
             </a:fld>
             <a:endParaRPr lang="de-DE"/>
           </a:p>
@@ -1863,7 +1867,7 @@
           <a:p>
             <a:fld id="{3F46AE61-50B3-4440-BB01-1FF85E3E82A7}" type="datetimeFigureOut">
               <a:rPr lang="de-DE" smtClean="0"/>
-              <a:t>29.09.2024</a:t>
+              <a:t>30.09.2024</a:t>
             </a:fld>
             <a:endParaRPr lang="de-DE"/>
           </a:p>
@@ -1981,7 +1985,7 @@
           <a:p>
             <a:fld id="{3F46AE61-50B3-4440-BB01-1FF85E3E82A7}" type="datetimeFigureOut">
               <a:rPr lang="de-DE" smtClean="0"/>
-              <a:t>29.09.2024</a:t>
+              <a:t>30.09.2024</a:t>
             </a:fld>
             <a:endParaRPr lang="de-DE"/>
           </a:p>
@@ -2076,7 +2080,7 @@
           <a:p>
             <a:fld id="{3F46AE61-50B3-4440-BB01-1FF85E3E82A7}" type="datetimeFigureOut">
               <a:rPr lang="de-DE" smtClean="0"/>
-              <a:t>29.09.2024</a:t>
+              <a:t>30.09.2024</a:t>
             </a:fld>
             <a:endParaRPr lang="de-DE"/>
           </a:p>
@@ -2432,7 +2436,7 @@
           <a:p>
             <a:fld id="{3F46AE61-50B3-4440-BB01-1FF85E3E82A7}" type="datetimeFigureOut">
               <a:rPr lang="de-DE" smtClean="0"/>
-              <a:t>29.09.2024</a:t>
+              <a:t>30.09.2024</a:t>
             </a:fld>
             <a:endParaRPr lang="de-DE"/>
           </a:p>
@@ -2748,7 +2752,7 @@
           <a:p>
             <a:fld id="{3F46AE61-50B3-4440-BB01-1FF85E3E82A7}" type="datetimeFigureOut">
               <a:rPr lang="de-DE" smtClean="0"/>
-              <a:t>29.09.2024</a:t>
+              <a:t>30.09.2024</a:t>
             </a:fld>
             <a:endParaRPr lang="de-DE"/>
           </a:p>
@@ -2981,7 +2985,7 @@
           <a:p>
             <a:fld id="{3F46AE61-50B3-4440-BB01-1FF85E3E82A7}" type="datetimeFigureOut">
               <a:rPr lang="de-DE" smtClean="0"/>
-              <a:t>29.09.2024</a:t>
+              <a:t>30.09.2024</a:t>
             </a:fld>
             <a:endParaRPr lang="de-DE"/>
           </a:p>
@@ -10142,7 +10146,7 @@
         </p:nvSpPr>
         <p:spPr>
           <a:xfrm>
-            <a:off x="676656" y="377259"/>
+            <a:off x="676656" y="175339"/>
             <a:ext cx="10772775" cy="861434"/>
           </a:xfrm>
         </p:spPr>
@@ -10175,8 +10179,8 @@
         </p:nvSpPr>
         <p:spPr>
           <a:xfrm>
-            <a:off x="676656" y="1275907"/>
-            <a:ext cx="10902200" cy="4976037"/>
+            <a:off x="676656" y="1036773"/>
+            <a:ext cx="10902200" cy="5480985"/>
           </a:xfrm>
         </p:spPr>
         <p:txBody>
@@ -10262,7 +10266,15 @@
             </a:pPr>
             <a:r>
               <a:rPr lang="de-DE" sz="2800" dirty="0"/>
-              <a:t>Legen Sie eine neue Spalte mit BMI ein (Body </a:t>
+              <a:t>Legen Sie eine neue Spalte mit Namen </a:t>
+            </a:r>
+            <a:r>
+              <a:rPr lang="de-DE" sz="2800" b="1" dirty="0"/>
+              <a:t>BMI</a:t>
+            </a:r>
+            <a:r>
+              <a:rPr lang="de-DE" sz="2800" dirty="0"/>
+              <a:t> an (Body </a:t>
             </a:r>
             <a:r>
               <a:rPr lang="de-DE" sz="2800" dirty="0" err="1"/>
@@ -10280,8 +10292,31 @@
             </a:pPr>
             <a:r>
               <a:rPr lang="de-DE" sz="2800" dirty="0"/>
-              <a:t>Wer hat den größten BMI? Wer den Kleinsten?</a:t>
-            </a:r>
+              <a:t>Welche </a:t>
+            </a:r>
+            <a:r>
+              <a:rPr lang="de-DE" sz="2800" dirty="0" err="1"/>
+              <a:t>Pirat:in</a:t>
+            </a:r>
+            <a:r>
+              <a:rPr lang="de-DE" sz="2800" dirty="0"/>
+              <a:t> hat den größten BMI? Welche den Kleinsten?</a:t>
+            </a:r>
+          </a:p>
+          <a:p>
+            <a:pPr marL="457200" indent="-457200">
+              <a:buFont typeface="+mj-lt"/>
+              <a:buAutoNum type="arabicPeriod"/>
+            </a:pPr>
+            <a:r>
+              <a:rPr lang="de-DE" sz="2800" dirty="0"/>
+              <a:t>Gibt es signifikante Unterschiede der mittleren BMI zwischen weiblichen und männlichen </a:t>
+            </a:r>
+            <a:r>
+              <a:rPr lang="de-DE" sz="2800" dirty="0" err="1"/>
+              <a:t>Pirat:innen</a:t>
+            </a:r>
+            <a:endParaRPr lang="de-DE" sz="2800" dirty="0"/>
           </a:p>
         </p:txBody>
       </p:sp>
@@ -11739,7 +11774,7 @@
           <p:cNvPr id="2" name="Titel 1">
             <a:extLst>
               <a:ext uri="{FF2B5EF4-FFF2-40B4-BE49-F238E27FC236}">
-                <a16:creationId xmlns:a16="http://schemas.microsoft.com/office/drawing/2014/main" id="{AB3FE952-E5A4-44EF-917B-A3008D3A7904}"/>
+                <a16:creationId xmlns:a16="http://schemas.microsoft.com/office/drawing/2014/main" id="{08E930B5-825A-4182-B473-4F834C777D77}"/>
               </a:ext>
             </a:extLst>
           </p:cNvPr>
@@ -11752,8 +11787,8 @@
         </p:nvSpPr>
         <p:spPr>
           <a:xfrm>
-            <a:off x="657224" y="499533"/>
-            <a:ext cx="10772775" cy="824220"/>
+            <a:off x="657606" y="564795"/>
+            <a:ext cx="10772775" cy="1030680"/>
           </a:xfrm>
         </p:spPr>
         <p:txBody>
@@ -11762,7 +11797,7 @@
           <a:p>
             <a:r>
               <a:rPr lang="de-DE" dirty="0"/>
-              <a:t>Übung: Visualisierung</a:t>
+              <a:t>Übung Histogramm</a:t>
             </a:r>
           </a:p>
         </p:txBody>
@@ -11772,7 +11807,7 @@
           <p:cNvPr id="3" name="Inhaltsplatzhalter 2">
             <a:extLst>
               <a:ext uri="{FF2B5EF4-FFF2-40B4-BE49-F238E27FC236}">
-                <a16:creationId xmlns:a16="http://schemas.microsoft.com/office/drawing/2014/main" id="{A4CE39C5-AACD-4DBD-87D7-86048775DB22}"/>
+                <a16:creationId xmlns:a16="http://schemas.microsoft.com/office/drawing/2014/main" id="{AEB01630-4D3C-4E88-AC29-25204C1F7989}"/>
               </a:ext>
             </a:extLst>
           </p:cNvPr>
@@ -11794,7 +11829,7 @@
             </a:pPr>
             <a:r>
               <a:rPr lang="de-DE" dirty="0"/>
-              <a:t>Erstellen Sie einen Boxplot der die MM Anzahlen pro Farbe darstellt. Färben Sie die Boxen entsprechend der MM Farbe ein</a:t>
+              <a:t>Erstellen Sie ein Histogramm, das die Verteilung von BMI darstellt</a:t>
             </a:r>
           </a:p>
           <a:p>
@@ -11804,15 +11839,7 @@
             </a:pPr>
             <a:r>
               <a:rPr lang="de-DE" dirty="0"/>
-              <a:t>Erstellen Sie einen </a:t>
-            </a:r>
-            <a:r>
-              <a:rPr lang="de-DE" dirty="0" err="1"/>
-              <a:t>Barplot</a:t>
-            </a:r>
-            <a:r>
-              <a:rPr lang="de-DE" dirty="0"/>
-              <a:t> der die Summe aller MM pro Farbe darstellt</a:t>
+              <a:t>Fügen Sie einen Titel und Achsenbeschriftungen hinzu</a:t>
             </a:r>
           </a:p>
           <a:p>
@@ -11822,15 +11849,801 @@
             </a:pPr>
             <a:r>
               <a:rPr lang="de-DE" dirty="0"/>
-              <a:t>Scatterplot mit Gesamtgewicht pro Tüte im Verhältnis zu Anzahl der MMs pro Tüte</a:t>
-            </a:r>
+              <a:t>Zeichnen Sie den Mittelwert von BMI mittels </a:t>
+            </a:r>
+            <a:r>
+              <a:rPr lang="de-DE" dirty="0" err="1"/>
+              <a:t>abline</a:t>
+            </a:r>
+            <a:r>
+              <a:rPr lang="de-DE" dirty="0"/>
+              <a:t>() ins Histogramm</a:t>
+            </a:r>
+          </a:p>
+          <a:p>
+            <a:pPr marL="457200" indent="-457200">
+              <a:buFont typeface="+mj-lt"/>
+              <a:buAutoNum type="arabicPeriod"/>
+            </a:pPr>
+            <a:r>
+              <a:rPr lang="de-DE" dirty="0"/>
+              <a:t>Toben Sie sich aus mit den Farben! (</a:t>
+            </a:r>
+            <a:r>
+              <a:rPr lang="de-DE" dirty="0" err="1"/>
+              <a:t>colors</a:t>
+            </a:r>
+            <a:r>
+              <a:rPr lang="de-DE" dirty="0"/>
+              <a:t>() für einen Überblick)</a:t>
+            </a:r>
+          </a:p>
+          <a:p>
+            <a:pPr marL="457200" indent="-457200">
+              <a:buFont typeface="+mj-lt"/>
+              <a:buAutoNum type="arabicPeriod"/>
+            </a:pPr>
+            <a:r>
+              <a:rPr lang="de-DE" dirty="0"/>
+              <a:t>Fügen Sie ebenfalls mit </a:t>
+            </a:r>
+            <a:r>
+              <a:rPr lang="de-DE" dirty="0" err="1"/>
+              <a:t>abline</a:t>
+            </a:r>
+            <a:r>
+              <a:rPr lang="de-DE" dirty="0"/>
+              <a:t>() horizontale Linien im Abstand von 50 dem Diagramm in der Farbe „grey90“ hinzu</a:t>
+            </a:r>
+          </a:p>
+          <a:p>
+            <a:pPr marL="457200" indent="-457200">
+              <a:buFont typeface="+mj-lt"/>
+              <a:buAutoNum type="arabicPeriod"/>
+            </a:pPr>
+            <a:r>
+              <a:rPr lang="de-DE" dirty="0"/>
+              <a:t>Exportieren Sie das Histogramm als </a:t>
+            </a:r>
+            <a:r>
+              <a:rPr lang="de-DE" dirty="0" err="1"/>
+              <a:t>png</a:t>
+            </a:r>
+            <a:r>
+              <a:rPr lang="de-DE" dirty="0"/>
+              <a:t> Datei</a:t>
+            </a:r>
+          </a:p>
+          <a:p>
+            <a:pPr marL="457200" indent="-457200">
+              <a:buFont typeface="+mj-lt"/>
+              <a:buAutoNum type="arabicPeriod"/>
+            </a:pPr>
+            <a:endParaRPr lang="de-DE" dirty="0"/>
           </a:p>
         </p:txBody>
       </p:sp>
     </p:spTree>
     <p:extLst>
       <p:ext uri="{BB962C8B-B14F-4D97-AF65-F5344CB8AC3E}">
-        <p14:creationId xmlns:p14="http://schemas.microsoft.com/office/powerpoint/2010/main" val="3931972651"/>
+        <p14:creationId xmlns:p14="http://schemas.microsoft.com/office/powerpoint/2010/main" val="437693465"/>
+      </p:ext>
+    </p:extLst>
+  </p:cSld>
+  <p:clrMapOvr>
+    <a:masterClrMapping/>
+  </p:clrMapOvr>
+</p:sld>
+</file>
+
+<file path=ppt/slides/slide31.xml><?xml version="1.0" encoding="utf-8"?>
+<p:sld xmlns:a="http://schemas.openxmlformats.org/drawingml/2006/main" xmlns:r="http://schemas.openxmlformats.org/officeDocument/2006/relationships" xmlns:p="http://schemas.openxmlformats.org/presentationml/2006/main">
+  <p:cSld>
+    <p:spTree>
+      <p:nvGrpSpPr>
+        <p:cNvPr id="1" name=""/>
+        <p:cNvGrpSpPr/>
+        <p:nvPr/>
+      </p:nvGrpSpPr>
+      <p:grpSpPr>
+        <a:xfrm>
+          <a:off x="0" y="0"/>
+          <a:ext cx="0" cy="0"/>
+          <a:chOff x="0" y="0"/>
+          <a:chExt cx="0" cy="0"/>
+        </a:xfrm>
+      </p:grpSpPr>
+      <p:sp>
+        <p:nvSpPr>
+          <p:cNvPr id="2" name="Titel 1">
+            <a:extLst>
+              <a:ext uri="{FF2B5EF4-FFF2-40B4-BE49-F238E27FC236}">
+                <a16:creationId xmlns:a16="http://schemas.microsoft.com/office/drawing/2014/main" id="{8BDD5EAD-7FF6-4D46-A636-A2300BFF8604}"/>
+              </a:ext>
+            </a:extLst>
+          </p:cNvPr>
+          <p:cNvSpPr>
+            <a:spLocks noGrp="1"/>
+          </p:cNvSpPr>
+          <p:nvPr>
+            <p:ph type="title"/>
+          </p:nvPr>
+        </p:nvSpPr>
+        <p:spPr>
+          <a:xfrm>
+            <a:off x="657224" y="499533"/>
+            <a:ext cx="10772775" cy="962444"/>
+          </a:xfrm>
+        </p:spPr>
+        <p:txBody>
+          <a:bodyPr/>
+          <a:lstStyle/>
+          <a:p>
+            <a:r>
+              <a:rPr lang="de-DE" dirty="0"/>
+              <a:t>Übung Dichtediagramm</a:t>
+            </a:r>
+          </a:p>
+        </p:txBody>
+      </p:sp>
+      <p:sp>
+        <p:nvSpPr>
+          <p:cNvPr id="3" name="Inhaltsplatzhalter 2">
+            <a:extLst>
+              <a:ext uri="{FF2B5EF4-FFF2-40B4-BE49-F238E27FC236}">
+                <a16:creationId xmlns:a16="http://schemas.microsoft.com/office/drawing/2014/main" id="{EB53CCCD-2653-4D70-84E4-4FF62208D816}"/>
+              </a:ext>
+            </a:extLst>
+          </p:cNvPr>
+          <p:cNvSpPr>
+            <a:spLocks noGrp="1"/>
+          </p:cNvSpPr>
+          <p:nvPr>
+            <p:ph idx="1"/>
+          </p:nvPr>
+        </p:nvSpPr>
+        <p:spPr>
+          <a:xfrm>
+            <a:off x="658553" y="1371600"/>
+            <a:ext cx="10753725" cy="4779335"/>
+          </a:xfrm>
+        </p:spPr>
+        <p:txBody>
+          <a:bodyPr>
+            <a:normAutofit fontScale="92500"/>
+          </a:bodyPr>
+          <a:lstStyle/>
+          <a:p>
+            <a:pPr marL="457200" indent="-457200">
+              <a:lnSpc>
+                <a:spcPct val="150000"/>
+              </a:lnSpc>
+              <a:buFont typeface="+mj-lt"/>
+              <a:buAutoNum type="arabicPeriod"/>
+            </a:pPr>
+            <a:r>
+              <a:rPr lang="de-DE" sz="2800" dirty="0"/>
+              <a:t>Erstellen Sie ein Dichtediagramm mit dem BMI der männlichen Piraten</a:t>
+            </a:r>
+          </a:p>
+          <a:p>
+            <a:pPr marL="457200" indent="-457200">
+              <a:lnSpc>
+                <a:spcPct val="100000"/>
+              </a:lnSpc>
+              <a:buFont typeface="+mj-lt"/>
+              <a:buAutoNum type="arabicPeriod"/>
+            </a:pPr>
+            <a:r>
+              <a:rPr lang="de-DE" sz="2800" dirty="0"/>
+              <a:t>Fügen Sie mit </a:t>
+            </a:r>
+            <a:r>
+              <a:rPr lang="de-DE" sz="2800" dirty="0" err="1"/>
+              <a:t>lines</a:t>
+            </a:r>
+            <a:r>
+              <a:rPr lang="de-DE" sz="2800" dirty="0"/>
+              <a:t>() eine Dichtekurve des BMI der weiblichen Piratinnen hinzu</a:t>
+            </a:r>
+          </a:p>
+          <a:p>
+            <a:pPr marL="457200" indent="-457200">
+              <a:lnSpc>
+                <a:spcPct val="100000"/>
+              </a:lnSpc>
+              <a:buFont typeface="+mj-lt"/>
+              <a:buAutoNum type="arabicPeriod"/>
+            </a:pPr>
+            <a:r>
+              <a:rPr lang="de-DE" sz="2800" dirty="0"/>
+              <a:t>Passen Sie Farbe, Titel, Achsenbeschriftung und ggf. die Achsenlimitierung an</a:t>
+            </a:r>
+          </a:p>
+          <a:p>
+            <a:pPr marL="457200" indent="-457200">
+              <a:lnSpc>
+                <a:spcPct val="100000"/>
+              </a:lnSpc>
+              <a:buFont typeface="+mj-lt"/>
+              <a:buAutoNum type="arabicPeriod"/>
+            </a:pPr>
+            <a:r>
+              <a:rPr lang="de-DE" sz="2800" dirty="0"/>
+              <a:t>Zeichnen Sie die jeweiligen BMI Mittelwerte der Piratinnen und Piraten ein</a:t>
+            </a:r>
+          </a:p>
+          <a:p>
+            <a:pPr marL="457200" indent="-457200">
+              <a:lnSpc>
+                <a:spcPct val="150000"/>
+              </a:lnSpc>
+              <a:buFont typeface="+mj-lt"/>
+              <a:buAutoNum type="arabicPeriod"/>
+            </a:pPr>
+            <a:r>
+              <a:rPr lang="de-DE" sz="2800" dirty="0"/>
+              <a:t>Fügen Sie eine passende Legende hinzu</a:t>
+            </a:r>
+          </a:p>
+          <a:p>
+            <a:pPr marL="457200" indent="-457200">
+              <a:lnSpc>
+                <a:spcPct val="150000"/>
+              </a:lnSpc>
+              <a:buFont typeface="+mj-lt"/>
+              <a:buAutoNum type="arabicPeriod"/>
+            </a:pPr>
+            <a:r>
+              <a:rPr lang="de-DE" sz="2800" dirty="0"/>
+              <a:t>Exportieren Sie den Plot als </a:t>
+            </a:r>
+            <a:r>
+              <a:rPr lang="de-DE" sz="2800" dirty="0" err="1"/>
+              <a:t>png</a:t>
+            </a:r>
+            <a:r>
+              <a:rPr lang="de-DE" sz="2800" dirty="0"/>
+              <a:t> Datei</a:t>
+            </a:r>
+          </a:p>
+        </p:txBody>
+      </p:sp>
+    </p:spTree>
+    <p:extLst>
+      <p:ext uri="{BB962C8B-B14F-4D97-AF65-F5344CB8AC3E}">
+        <p14:creationId xmlns:p14="http://schemas.microsoft.com/office/powerpoint/2010/main" val="629477332"/>
+      </p:ext>
+    </p:extLst>
+  </p:cSld>
+  <p:clrMapOvr>
+    <a:masterClrMapping/>
+  </p:clrMapOvr>
+</p:sld>
+</file>
+
+<file path=ppt/slides/slide32.xml><?xml version="1.0" encoding="utf-8"?>
+<p:sld xmlns:a="http://schemas.openxmlformats.org/drawingml/2006/main" xmlns:r="http://schemas.openxmlformats.org/officeDocument/2006/relationships" xmlns:p="http://schemas.openxmlformats.org/presentationml/2006/main">
+  <p:cSld>
+    <p:spTree>
+      <p:nvGrpSpPr>
+        <p:cNvPr id="1" name=""/>
+        <p:cNvGrpSpPr/>
+        <p:nvPr/>
+      </p:nvGrpSpPr>
+      <p:grpSpPr>
+        <a:xfrm>
+          <a:off x="0" y="0"/>
+          <a:ext cx="0" cy="0"/>
+          <a:chOff x="0" y="0"/>
+          <a:chExt cx="0" cy="0"/>
+        </a:xfrm>
+      </p:grpSpPr>
+      <p:sp>
+        <p:nvSpPr>
+          <p:cNvPr id="2" name="Titel 1">
+            <a:extLst>
+              <a:ext uri="{FF2B5EF4-FFF2-40B4-BE49-F238E27FC236}">
+                <a16:creationId xmlns:a16="http://schemas.microsoft.com/office/drawing/2014/main" id="{496F125F-4F09-4130-9999-82212092E56A}"/>
+              </a:ext>
+            </a:extLst>
+          </p:cNvPr>
+          <p:cNvSpPr>
+            <a:spLocks noGrp="1"/>
+          </p:cNvSpPr>
+          <p:nvPr>
+            <p:ph type="title"/>
+          </p:nvPr>
+        </p:nvSpPr>
+        <p:spPr>
+          <a:xfrm>
+            <a:off x="657224" y="499533"/>
+            <a:ext cx="10772775" cy="978393"/>
+          </a:xfrm>
+        </p:spPr>
+        <p:txBody>
+          <a:bodyPr/>
+          <a:lstStyle/>
+          <a:p>
+            <a:r>
+              <a:rPr lang="de-DE" dirty="0"/>
+              <a:t>Übung Boxplot</a:t>
+            </a:r>
+          </a:p>
+        </p:txBody>
+      </p:sp>
+      <p:sp>
+        <p:nvSpPr>
+          <p:cNvPr id="3" name="Inhaltsplatzhalter 2">
+            <a:extLst>
+              <a:ext uri="{FF2B5EF4-FFF2-40B4-BE49-F238E27FC236}">
+                <a16:creationId xmlns:a16="http://schemas.microsoft.com/office/drawing/2014/main" id="{6E9C5726-98EE-4E55-ACF4-D2405C5D031F}"/>
+              </a:ext>
+            </a:extLst>
+          </p:cNvPr>
+          <p:cNvSpPr>
+            <a:spLocks noGrp="1"/>
+          </p:cNvSpPr>
+          <p:nvPr>
+            <p:ph idx="1"/>
+          </p:nvPr>
+        </p:nvSpPr>
+        <p:spPr>
+          <a:xfrm>
+            <a:off x="676656" y="1584252"/>
+            <a:ext cx="10753725" cy="4193614"/>
+          </a:xfrm>
+        </p:spPr>
+        <p:txBody>
+          <a:bodyPr>
+            <a:normAutofit/>
+          </a:bodyPr>
+          <a:lstStyle/>
+          <a:p>
+            <a:pPr marL="457200" indent="-457200">
+              <a:lnSpc>
+                <a:spcPct val="150000"/>
+              </a:lnSpc>
+              <a:buFont typeface="+mj-lt"/>
+              <a:buAutoNum type="arabicPeriod"/>
+            </a:pPr>
+            <a:r>
+              <a:rPr lang="de-DE" sz="2800" dirty="0"/>
+              <a:t>Lesen Sie den MM.txt Datensatz ein</a:t>
+            </a:r>
+          </a:p>
+          <a:p>
+            <a:pPr marL="457200" indent="-457200">
+              <a:lnSpc>
+                <a:spcPct val="150000"/>
+              </a:lnSpc>
+              <a:buFont typeface="+mj-lt"/>
+              <a:buAutoNum type="arabicPeriod"/>
+            </a:pPr>
+            <a:r>
+              <a:rPr lang="de-DE" sz="2800" dirty="0"/>
+              <a:t>Erstellen Sie einen Boxplot der ausschließlich die Verteilung der M&amp;Ms nach Farbe darstellt. Passen Sie eventuell das </a:t>
+            </a:r>
+            <a:r>
+              <a:rPr lang="de-DE" sz="2800" i="1" dirty="0" err="1"/>
+              <a:t>outline</a:t>
+            </a:r>
+            <a:r>
+              <a:rPr lang="de-DE" sz="2800" dirty="0"/>
+              <a:t> Argument an</a:t>
+            </a:r>
+          </a:p>
+          <a:p>
+            <a:pPr marL="457200" indent="-457200">
+              <a:lnSpc>
+                <a:spcPct val="150000"/>
+              </a:lnSpc>
+              <a:buFont typeface="+mj-lt"/>
+              <a:buAutoNum type="arabicPeriod"/>
+            </a:pPr>
+            <a:r>
+              <a:rPr lang="de-DE" sz="2800" dirty="0"/>
+              <a:t>Färben Sie die Boxen entsprechend der M&amp;M Farben an</a:t>
+            </a:r>
+          </a:p>
+          <a:p>
+            <a:pPr marL="457200" indent="-457200">
+              <a:lnSpc>
+                <a:spcPct val="150000"/>
+              </a:lnSpc>
+              <a:buFont typeface="+mj-lt"/>
+              <a:buAutoNum type="arabicPeriod"/>
+            </a:pPr>
+            <a:r>
+              <a:rPr lang="de-DE" sz="2800" dirty="0"/>
+              <a:t>Exportieren Sie die Grafik</a:t>
+            </a:r>
+          </a:p>
+        </p:txBody>
+      </p:sp>
+    </p:spTree>
+    <p:extLst>
+      <p:ext uri="{BB962C8B-B14F-4D97-AF65-F5344CB8AC3E}">
+        <p14:creationId xmlns:p14="http://schemas.microsoft.com/office/powerpoint/2010/main" val="4016134650"/>
+      </p:ext>
+    </p:extLst>
+  </p:cSld>
+  <p:clrMapOvr>
+    <a:masterClrMapping/>
+  </p:clrMapOvr>
+</p:sld>
+</file>
+
+<file path=ppt/slides/slide33.xml><?xml version="1.0" encoding="utf-8"?>
+<p:sld xmlns:a="http://schemas.openxmlformats.org/drawingml/2006/main" xmlns:r="http://schemas.openxmlformats.org/officeDocument/2006/relationships" xmlns:p="http://schemas.openxmlformats.org/presentationml/2006/main">
+  <p:cSld>
+    <p:spTree>
+      <p:nvGrpSpPr>
+        <p:cNvPr id="1" name=""/>
+        <p:cNvGrpSpPr/>
+        <p:nvPr/>
+      </p:nvGrpSpPr>
+      <p:grpSpPr>
+        <a:xfrm>
+          <a:off x="0" y="0"/>
+          <a:ext cx="0" cy="0"/>
+          <a:chOff x="0" y="0"/>
+          <a:chExt cx="0" cy="0"/>
+        </a:xfrm>
+      </p:grpSpPr>
+      <p:sp>
+        <p:nvSpPr>
+          <p:cNvPr id="2" name="Titel 1">
+            <a:extLst>
+              <a:ext uri="{FF2B5EF4-FFF2-40B4-BE49-F238E27FC236}">
+                <a16:creationId xmlns:a16="http://schemas.microsoft.com/office/drawing/2014/main" id="{BAB2BF70-F744-49F7-ABC6-4C7ADFFDAE05}"/>
+              </a:ext>
+            </a:extLst>
+          </p:cNvPr>
+          <p:cNvSpPr>
+            <a:spLocks noGrp="1"/>
+          </p:cNvSpPr>
+          <p:nvPr>
+            <p:ph type="title"/>
+          </p:nvPr>
+        </p:nvSpPr>
+        <p:spPr>
+          <a:xfrm>
+            <a:off x="657224" y="499533"/>
+            <a:ext cx="10772775" cy="994341"/>
+          </a:xfrm>
+        </p:spPr>
+        <p:txBody>
+          <a:bodyPr/>
+          <a:lstStyle/>
+          <a:p>
+            <a:r>
+              <a:rPr lang="de-DE" dirty="0"/>
+              <a:t>Übung </a:t>
+            </a:r>
+            <a:r>
+              <a:rPr lang="de-DE" dirty="0" err="1"/>
+              <a:t>Barplot</a:t>
+            </a:r>
+            <a:endParaRPr lang="de-DE" dirty="0"/>
+          </a:p>
+        </p:txBody>
+      </p:sp>
+      <p:sp>
+        <p:nvSpPr>
+          <p:cNvPr id="3" name="Inhaltsplatzhalter 2">
+            <a:extLst>
+              <a:ext uri="{FF2B5EF4-FFF2-40B4-BE49-F238E27FC236}">
+                <a16:creationId xmlns:a16="http://schemas.microsoft.com/office/drawing/2014/main" id="{A75420BA-BAEC-4AB1-87D8-BF813BC3BFA7}"/>
+              </a:ext>
+            </a:extLst>
+          </p:cNvPr>
+          <p:cNvSpPr>
+            <a:spLocks noGrp="1"/>
+          </p:cNvSpPr>
+          <p:nvPr>
+            <p:ph idx="1"/>
+          </p:nvPr>
+        </p:nvSpPr>
+        <p:spPr>
+          <a:xfrm>
+            <a:off x="676656" y="1642730"/>
+            <a:ext cx="10753725" cy="4864396"/>
+          </a:xfrm>
+        </p:spPr>
+        <p:txBody>
+          <a:bodyPr>
+            <a:normAutofit/>
+          </a:bodyPr>
+          <a:lstStyle/>
+          <a:p>
+            <a:pPr marL="457200" indent="-457200">
+              <a:lnSpc>
+                <a:spcPct val="150000"/>
+              </a:lnSpc>
+              <a:buFont typeface="+mj-lt"/>
+              <a:buAutoNum type="arabicPeriod"/>
+            </a:pPr>
+            <a:r>
+              <a:rPr lang="de-DE" dirty="0"/>
+              <a:t>Lesen Sie den MM.txt Datensatz ein</a:t>
+            </a:r>
+          </a:p>
+          <a:p>
+            <a:pPr marL="457200" indent="-457200">
+              <a:lnSpc>
+                <a:spcPct val="100000"/>
+              </a:lnSpc>
+              <a:buFont typeface="+mj-lt"/>
+              <a:buAutoNum type="arabicPeriod"/>
+            </a:pPr>
+            <a:r>
+              <a:rPr lang="de-DE" dirty="0"/>
+              <a:t>Erstellen Sie einen </a:t>
+            </a:r>
+            <a:r>
+              <a:rPr lang="de-DE" dirty="0" err="1"/>
+              <a:t>Barplot</a:t>
+            </a:r>
+            <a:r>
+              <a:rPr lang="de-DE" dirty="0"/>
+              <a:t> der die Gesamtzahl M&amp;Ms pro Farbe zeigt. (Tipp: Finden Sie im Vorfeld eine geeignete Funktion, die die Summe pro Spalte berechnet)</a:t>
+            </a:r>
+          </a:p>
+          <a:p>
+            <a:pPr marL="457200" indent="-457200">
+              <a:lnSpc>
+                <a:spcPct val="110000"/>
+              </a:lnSpc>
+              <a:buFont typeface="+mj-lt"/>
+              <a:buAutoNum type="arabicPeriod"/>
+            </a:pPr>
+            <a:r>
+              <a:rPr lang="de-DE" dirty="0"/>
+              <a:t>Passen Sie gegebenenfalls die Ränder des Plot-Fensters und drehen Sie ggf. die Achsenbeschriftung um 90°</a:t>
+            </a:r>
+          </a:p>
+          <a:p>
+            <a:pPr marL="457200" indent="-457200">
+              <a:lnSpc>
+                <a:spcPct val="100000"/>
+              </a:lnSpc>
+              <a:buFont typeface="+mj-lt"/>
+              <a:buAutoNum type="arabicPeriod"/>
+            </a:pPr>
+            <a:r>
+              <a:rPr lang="de-DE" dirty="0"/>
+              <a:t>Färben Sie die Balken entsprechend der M&amp;M Farbe ein und fügen Sie einen Titel hinzu</a:t>
+            </a:r>
+          </a:p>
+          <a:p>
+            <a:pPr marL="457200" indent="-457200">
+              <a:lnSpc>
+                <a:spcPct val="150000"/>
+              </a:lnSpc>
+              <a:buFont typeface="+mj-lt"/>
+              <a:buAutoNum type="arabicPeriod"/>
+            </a:pPr>
+            <a:r>
+              <a:rPr lang="de-DE" dirty="0"/>
+              <a:t>Exportieren Sie die Grafik als </a:t>
+            </a:r>
+            <a:r>
+              <a:rPr lang="de-DE" dirty="0" err="1"/>
+              <a:t>png</a:t>
+            </a:r>
+            <a:r>
+              <a:rPr lang="de-DE" dirty="0"/>
+              <a:t> Datei</a:t>
+            </a:r>
+          </a:p>
+          <a:p>
+            <a:pPr marL="457200" indent="-457200">
+              <a:buFont typeface="+mj-lt"/>
+              <a:buAutoNum type="arabicPeriod"/>
+            </a:pPr>
+            <a:endParaRPr lang="de-DE" dirty="0"/>
+          </a:p>
+        </p:txBody>
+      </p:sp>
+    </p:spTree>
+    <p:extLst>
+      <p:ext uri="{BB962C8B-B14F-4D97-AF65-F5344CB8AC3E}">
+        <p14:creationId xmlns:p14="http://schemas.microsoft.com/office/powerpoint/2010/main" val="2249418622"/>
+      </p:ext>
+    </p:extLst>
+  </p:cSld>
+  <p:clrMapOvr>
+    <a:masterClrMapping/>
+  </p:clrMapOvr>
+</p:sld>
+</file>
+
+<file path=ppt/slides/slide34.xml><?xml version="1.0" encoding="utf-8"?>
+<p:sld xmlns:a="http://schemas.openxmlformats.org/drawingml/2006/main" xmlns:r="http://schemas.openxmlformats.org/officeDocument/2006/relationships" xmlns:p="http://schemas.openxmlformats.org/presentationml/2006/main">
+  <p:cSld>
+    <p:spTree>
+      <p:nvGrpSpPr>
+        <p:cNvPr id="1" name=""/>
+        <p:cNvGrpSpPr/>
+        <p:nvPr/>
+      </p:nvGrpSpPr>
+      <p:grpSpPr>
+        <a:xfrm>
+          <a:off x="0" y="0"/>
+          <a:ext cx="0" cy="0"/>
+          <a:chOff x="0" y="0"/>
+          <a:chExt cx="0" cy="0"/>
+        </a:xfrm>
+      </p:grpSpPr>
+      <p:sp>
+        <p:nvSpPr>
+          <p:cNvPr id="2" name="Titel 1">
+            <a:extLst>
+              <a:ext uri="{FF2B5EF4-FFF2-40B4-BE49-F238E27FC236}">
+                <a16:creationId xmlns:a16="http://schemas.microsoft.com/office/drawing/2014/main" id="{EBA5FD4C-F113-468D-929C-88B36AADE3F9}"/>
+              </a:ext>
+            </a:extLst>
+          </p:cNvPr>
+          <p:cNvSpPr>
+            <a:spLocks noGrp="1"/>
+          </p:cNvSpPr>
+          <p:nvPr>
+            <p:ph type="title"/>
+          </p:nvPr>
+        </p:nvSpPr>
+        <p:spPr>
+          <a:xfrm>
+            <a:off x="676656" y="122078"/>
+            <a:ext cx="10772775" cy="1105983"/>
+          </a:xfrm>
+        </p:spPr>
+        <p:txBody>
+          <a:bodyPr/>
+          <a:lstStyle/>
+          <a:p>
+            <a:r>
+              <a:rPr lang="de-DE" dirty="0"/>
+              <a:t>Übung Scatterplot</a:t>
+            </a:r>
+          </a:p>
+        </p:txBody>
+      </p:sp>
+      <p:sp>
+        <p:nvSpPr>
+          <p:cNvPr id="3" name="Inhaltsplatzhalter 2">
+            <a:extLst>
+              <a:ext uri="{FF2B5EF4-FFF2-40B4-BE49-F238E27FC236}">
+                <a16:creationId xmlns:a16="http://schemas.microsoft.com/office/drawing/2014/main" id="{BB1AE5D9-AA34-4D6A-B607-A97AF39B932D}"/>
+              </a:ext>
+            </a:extLst>
+          </p:cNvPr>
+          <p:cNvSpPr>
+            <a:spLocks noGrp="1"/>
+          </p:cNvSpPr>
+          <p:nvPr>
+            <p:ph idx="1"/>
+          </p:nvPr>
+        </p:nvSpPr>
+        <p:spPr>
+          <a:xfrm>
+            <a:off x="676656" y="1164266"/>
+            <a:ext cx="10981944" cy="5427920"/>
+          </a:xfrm>
+        </p:spPr>
+        <p:txBody>
+          <a:bodyPr>
+            <a:normAutofit fontScale="85000" lnSpcReduction="20000"/>
+          </a:bodyPr>
+          <a:lstStyle/>
+          <a:p>
+            <a:pPr marL="457200" indent="-457200">
+              <a:lnSpc>
+                <a:spcPct val="120000"/>
+              </a:lnSpc>
+              <a:buFont typeface="+mj-lt"/>
+              <a:buAutoNum type="arabicPeriod"/>
+            </a:pPr>
+            <a:r>
+              <a:rPr lang="de-DE" sz="2800" dirty="0"/>
+              <a:t>Fügen Sie dem M&amp;M Datensatz eine Spalte hinzu in der die Gesamtanzahl M&amp;Ms pro Tüte gespeichert ist (Tipp: Es gibt eine Funktion die Summen pro Zeilen berechnet)</a:t>
+            </a:r>
+          </a:p>
+          <a:p>
+            <a:pPr marL="457200" indent="-457200">
+              <a:lnSpc>
+                <a:spcPct val="120000"/>
+              </a:lnSpc>
+              <a:buFont typeface="+mj-lt"/>
+              <a:buAutoNum type="arabicPeriod"/>
+            </a:pPr>
+            <a:r>
+              <a:rPr lang="de-DE" sz="2800" dirty="0"/>
+              <a:t>Erstellen Sie einen Scatterplot bei dem das Gewicht der Tüte im Verhältnis zu der Gesamtanzahl M&amp;Ms dargestellt ist</a:t>
+            </a:r>
+          </a:p>
+          <a:p>
+            <a:pPr marL="457200" indent="-457200">
+              <a:lnSpc>
+                <a:spcPct val="150000"/>
+              </a:lnSpc>
+              <a:buFont typeface="+mj-lt"/>
+              <a:buAutoNum type="arabicPeriod"/>
+            </a:pPr>
+            <a:r>
+              <a:rPr lang="de-DE" sz="2800" dirty="0"/>
+              <a:t>Passen Sie Titel, Achsenbeschriftung und ggf. das Punkt-Symbol an</a:t>
+            </a:r>
+          </a:p>
+          <a:p>
+            <a:pPr marL="457200" indent="-457200">
+              <a:lnSpc>
+                <a:spcPct val="150000"/>
+              </a:lnSpc>
+              <a:buFont typeface="+mj-lt"/>
+              <a:buAutoNum type="arabicPeriod"/>
+            </a:pPr>
+            <a:r>
+              <a:rPr lang="de-DE" sz="2800" dirty="0"/>
+              <a:t>Fügen Sie eine Trendlinie mittels </a:t>
+            </a:r>
+            <a:r>
+              <a:rPr lang="de-DE" sz="2800" dirty="0" err="1"/>
+              <a:t>line</a:t>
+            </a:r>
+            <a:r>
+              <a:rPr lang="de-DE" sz="2800" dirty="0"/>
+              <a:t>() und </a:t>
+            </a:r>
+            <a:r>
+              <a:rPr lang="de-DE" sz="2800" dirty="0" err="1"/>
+              <a:t>smooth.spline</a:t>
+            </a:r>
+            <a:r>
+              <a:rPr lang="de-DE" sz="2800" dirty="0"/>
+              <a:t>() hinzu</a:t>
+            </a:r>
+          </a:p>
+          <a:p>
+            <a:pPr marL="457200" indent="-457200">
+              <a:lnSpc>
+                <a:spcPct val="150000"/>
+              </a:lnSpc>
+              <a:buFont typeface="+mj-lt"/>
+              <a:buAutoNum type="arabicPeriod"/>
+            </a:pPr>
+            <a:r>
+              <a:rPr lang="de-DE" sz="2800" dirty="0"/>
+              <a:t>Berechnen Sie den Korrelationskoeffizienten nach Spearman und fügen Sie das Ergebnis dem Plot mittels </a:t>
+            </a:r>
+            <a:r>
+              <a:rPr lang="de-DE" sz="2800" dirty="0" err="1"/>
+              <a:t>text</a:t>
+            </a:r>
+            <a:r>
+              <a:rPr lang="de-DE" sz="2800" dirty="0"/>
+              <a:t>() hinzu</a:t>
+            </a:r>
+          </a:p>
+          <a:p>
+            <a:pPr marL="457200" indent="-457200">
+              <a:lnSpc>
+                <a:spcPct val="150000"/>
+              </a:lnSpc>
+              <a:buFont typeface="+mj-lt"/>
+              <a:buAutoNum type="arabicPeriod"/>
+            </a:pPr>
+            <a:r>
+              <a:rPr lang="de-DE" sz="2800" dirty="0"/>
+              <a:t>Exportieren Sie die Grafik</a:t>
+            </a:r>
+          </a:p>
+        </p:txBody>
+      </p:sp>
+    </p:spTree>
+    <p:extLst>
+      <p:ext uri="{BB962C8B-B14F-4D97-AF65-F5344CB8AC3E}">
+        <p14:creationId xmlns:p14="http://schemas.microsoft.com/office/powerpoint/2010/main" val="4079362406"/>
       </p:ext>
     </p:extLst>
   </p:cSld>

--- a/Einführung in R.pptx
+++ b/Einführung in R.pptx
@@ -39,6 +39,11 @@
     <p:sldId id="291" r:id="rId33"/>
     <p:sldId id="290" r:id="rId34"/>
     <p:sldId id="292" r:id="rId35"/>
+    <p:sldId id="293" r:id="rId36"/>
+    <p:sldId id="294" r:id="rId37"/>
+    <p:sldId id="295" r:id="rId38"/>
+    <p:sldId id="296" r:id="rId39"/>
+    <p:sldId id="297" r:id="rId40"/>
   </p:sldIdLst>
   <p:sldSz cx="12192000" cy="6858000"/>
   <p:notesSz cx="6858000" cy="9144000"/>
@@ -345,7 +350,7 @@
           <a:p>
             <a:fld id="{3F46AE61-50B3-4440-BB01-1FF85E3E82A7}" type="datetimeFigureOut">
               <a:rPr lang="de-DE" smtClean="0"/>
-              <a:t>30.09.2024</a:t>
+              <a:t>01.10.2024</a:t>
             </a:fld>
             <a:endParaRPr lang="de-DE"/>
           </a:p>
@@ -535,7 +540,7 @@
           <a:p>
             <a:fld id="{3F46AE61-50B3-4440-BB01-1FF85E3E82A7}" type="datetimeFigureOut">
               <a:rPr lang="de-DE" smtClean="0"/>
-              <a:t>30.09.2024</a:t>
+              <a:t>01.10.2024</a:t>
             </a:fld>
             <a:endParaRPr lang="de-DE"/>
           </a:p>
@@ -715,7 +720,7 @@
           <a:p>
             <a:fld id="{3F46AE61-50B3-4440-BB01-1FF85E3E82A7}" type="datetimeFigureOut">
               <a:rPr lang="de-DE" smtClean="0"/>
-              <a:t>30.09.2024</a:t>
+              <a:t>01.10.2024</a:t>
             </a:fld>
             <a:endParaRPr lang="de-DE"/>
           </a:p>
@@ -885,7 +890,7 @@
           <a:p>
             <a:fld id="{3F46AE61-50B3-4440-BB01-1FF85E3E82A7}" type="datetimeFigureOut">
               <a:rPr lang="de-DE" smtClean="0"/>
-              <a:t>30.09.2024</a:t>
+              <a:t>01.10.2024</a:t>
             </a:fld>
             <a:endParaRPr lang="de-DE"/>
           </a:p>
@@ -1141,7 +1146,7 @@
           <a:p>
             <a:fld id="{3F46AE61-50B3-4440-BB01-1FF85E3E82A7}" type="datetimeFigureOut">
               <a:rPr lang="de-DE" smtClean="0"/>
-              <a:t>30.09.2024</a:t>
+              <a:t>01.10.2024</a:t>
             </a:fld>
             <a:endParaRPr lang="de-DE"/>
           </a:p>
@@ -1429,7 +1434,7 @@
           <a:p>
             <a:fld id="{3F46AE61-50B3-4440-BB01-1FF85E3E82A7}" type="datetimeFigureOut">
               <a:rPr lang="de-DE" smtClean="0"/>
-              <a:t>30.09.2024</a:t>
+              <a:t>01.10.2024</a:t>
             </a:fld>
             <a:endParaRPr lang="de-DE"/>
           </a:p>
@@ -1867,7 +1872,7 @@
           <a:p>
             <a:fld id="{3F46AE61-50B3-4440-BB01-1FF85E3E82A7}" type="datetimeFigureOut">
               <a:rPr lang="de-DE" smtClean="0"/>
-              <a:t>30.09.2024</a:t>
+              <a:t>01.10.2024</a:t>
             </a:fld>
             <a:endParaRPr lang="de-DE"/>
           </a:p>
@@ -1985,7 +1990,7 @@
           <a:p>
             <a:fld id="{3F46AE61-50B3-4440-BB01-1FF85E3E82A7}" type="datetimeFigureOut">
               <a:rPr lang="de-DE" smtClean="0"/>
-              <a:t>30.09.2024</a:t>
+              <a:t>01.10.2024</a:t>
             </a:fld>
             <a:endParaRPr lang="de-DE"/>
           </a:p>
@@ -2080,7 +2085,7 @@
           <a:p>
             <a:fld id="{3F46AE61-50B3-4440-BB01-1FF85E3E82A7}" type="datetimeFigureOut">
               <a:rPr lang="de-DE" smtClean="0"/>
-              <a:t>30.09.2024</a:t>
+              <a:t>01.10.2024</a:t>
             </a:fld>
             <a:endParaRPr lang="de-DE"/>
           </a:p>
@@ -2436,7 +2441,7 @@
           <a:p>
             <a:fld id="{3F46AE61-50B3-4440-BB01-1FF85E3E82A7}" type="datetimeFigureOut">
               <a:rPr lang="de-DE" smtClean="0"/>
-              <a:t>30.09.2024</a:t>
+              <a:t>01.10.2024</a:t>
             </a:fld>
             <a:endParaRPr lang="de-DE"/>
           </a:p>
@@ -2752,7 +2757,7 @@
           <a:p>
             <a:fld id="{3F46AE61-50B3-4440-BB01-1FF85E3E82A7}" type="datetimeFigureOut">
               <a:rPr lang="de-DE" smtClean="0"/>
-              <a:t>30.09.2024</a:t>
+              <a:t>01.10.2024</a:t>
             </a:fld>
             <a:endParaRPr lang="de-DE"/>
           </a:p>
@@ -2985,7 +2990,7 @@
           <a:p>
             <a:fld id="{3F46AE61-50B3-4440-BB01-1FF85E3E82A7}" type="datetimeFigureOut">
               <a:rPr lang="de-DE" smtClean="0"/>
-              <a:t>30.09.2024</a:t>
+              <a:t>01.10.2024</a:t>
             </a:fld>
             <a:endParaRPr lang="de-DE"/>
           </a:p>
@@ -12644,6 +12649,768 @@
     <p:extLst>
       <p:ext uri="{BB962C8B-B14F-4D97-AF65-F5344CB8AC3E}">
         <p14:creationId xmlns:p14="http://schemas.microsoft.com/office/powerpoint/2010/main" val="4079362406"/>
+      </p:ext>
+    </p:extLst>
+  </p:cSld>
+  <p:clrMapOvr>
+    <a:masterClrMapping/>
+  </p:clrMapOvr>
+</p:sld>
+</file>
+
+<file path=ppt/slides/slide35.xml><?xml version="1.0" encoding="utf-8"?>
+<p:sld xmlns:a="http://schemas.openxmlformats.org/drawingml/2006/main" xmlns:r="http://schemas.openxmlformats.org/officeDocument/2006/relationships" xmlns:p="http://schemas.openxmlformats.org/presentationml/2006/main">
+  <p:cSld>
+    <p:bg>
+      <p:bgPr>
+        <a:solidFill>
+          <a:srgbClr val="4F81BD"/>
+        </a:solidFill>
+        <a:effectLst/>
+      </p:bgPr>
+    </p:bg>
+    <p:spTree>
+      <p:nvGrpSpPr>
+        <p:cNvPr id="1" name=""/>
+        <p:cNvGrpSpPr/>
+        <p:nvPr/>
+      </p:nvGrpSpPr>
+      <p:grpSpPr>
+        <a:xfrm>
+          <a:off x="0" y="0"/>
+          <a:ext cx="0" cy="0"/>
+          <a:chOff x="0" y="0"/>
+          <a:chExt cx="0" cy="0"/>
+        </a:xfrm>
+      </p:grpSpPr>
+      <p:sp>
+        <p:nvSpPr>
+          <p:cNvPr id="2" name="Titel 1">
+            <a:extLst>
+              <a:ext uri="{FF2B5EF4-FFF2-40B4-BE49-F238E27FC236}">
+                <a16:creationId xmlns:a16="http://schemas.microsoft.com/office/drawing/2014/main" id="{CEB57258-F287-4CBC-8412-C532B261731D}"/>
+              </a:ext>
+            </a:extLst>
+          </p:cNvPr>
+          <p:cNvSpPr>
+            <a:spLocks noGrp="1"/>
+          </p:cNvSpPr>
+          <p:nvPr>
+            <p:ph type="title"/>
+          </p:nvPr>
+        </p:nvSpPr>
+        <p:spPr>
+          <a:xfrm>
+            <a:off x="853167" y="2021356"/>
+            <a:ext cx="10772775" cy="1658198"/>
+          </a:xfrm>
+        </p:spPr>
+        <p:txBody>
+          <a:bodyPr/>
+          <a:lstStyle/>
+          <a:p>
+            <a:r>
+              <a:rPr lang="de-DE" dirty="0">
+                <a:solidFill>
+                  <a:schemeClr val="bg1"/>
+                </a:solidFill>
+              </a:rPr>
+              <a:t>Fortgeschrittene Anwendungen mit R</a:t>
+            </a:r>
+          </a:p>
+        </p:txBody>
+      </p:sp>
+    </p:spTree>
+    <p:extLst>
+      <p:ext uri="{BB962C8B-B14F-4D97-AF65-F5344CB8AC3E}">
+        <p14:creationId xmlns:p14="http://schemas.microsoft.com/office/powerpoint/2010/main" val="1072907355"/>
+      </p:ext>
+    </p:extLst>
+  </p:cSld>
+  <p:clrMapOvr>
+    <a:masterClrMapping/>
+  </p:clrMapOvr>
+</p:sld>
+</file>
+
+<file path=ppt/slides/slide36.xml><?xml version="1.0" encoding="utf-8"?>
+<p:sld xmlns:a="http://schemas.openxmlformats.org/drawingml/2006/main" xmlns:r="http://schemas.openxmlformats.org/officeDocument/2006/relationships" xmlns:p="http://schemas.openxmlformats.org/presentationml/2006/main">
+  <p:cSld>
+    <p:spTree>
+      <p:nvGrpSpPr>
+        <p:cNvPr id="1" name=""/>
+        <p:cNvGrpSpPr/>
+        <p:nvPr/>
+      </p:nvGrpSpPr>
+      <p:grpSpPr>
+        <a:xfrm>
+          <a:off x="0" y="0"/>
+          <a:ext cx="0" cy="0"/>
+          <a:chOff x="0" y="0"/>
+          <a:chExt cx="0" cy="0"/>
+        </a:xfrm>
+      </p:grpSpPr>
+      <p:sp>
+        <p:nvSpPr>
+          <p:cNvPr id="2" name="Titel 1">
+            <a:extLst>
+              <a:ext uri="{FF2B5EF4-FFF2-40B4-BE49-F238E27FC236}">
+                <a16:creationId xmlns:a16="http://schemas.microsoft.com/office/drawing/2014/main" id="{450BB82A-4A36-4F92-B3E6-CAC5D2A9A249}"/>
+              </a:ext>
+            </a:extLst>
+          </p:cNvPr>
+          <p:cNvSpPr>
+            <a:spLocks noGrp="1"/>
+          </p:cNvSpPr>
+          <p:nvPr>
+            <p:ph type="title"/>
+          </p:nvPr>
+        </p:nvSpPr>
+        <p:spPr>
+          <a:xfrm>
+            <a:off x="540266" y="297514"/>
+            <a:ext cx="10772775" cy="840169"/>
+          </a:xfrm>
+        </p:spPr>
+        <p:txBody>
+          <a:bodyPr/>
+          <a:lstStyle/>
+          <a:p>
+            <a:r>
+              <a:rPr lang="de-DE" dirty="0"/>
+              <a:t>Übung Fibonacci Folge</a:t>
+            </a:r>
+          </a:p>
+        </p:txBody>
+      </p:sp>
+      <p:sp>
+        <p:nvSpPr>
+          <p:cNvPr id="3" name="Inhaltsplatzhalter 2">
+            <a:extLst>
+              <a:ext uri="{FF2B5EF4-FFF2-40B4-BE49-F238E27FC236}">
+                <a16:creationId xmlns:a16="http://schemas.microsoft.com/office/drawing/2014/main" id="{3FB7BE5A-ECE7-4725-87E2-9FA5BBB1BC69}"/>
+              </a:ext>
+            </a:extLst>
+          </p:cNvPr>
+          <p:cNvSpPr>
+            <a:spLocks noGrp="1"/>
+          </p:cNvSpPr>
+          <p:nvPr>
+            <p:ph idx="1"/>
+          </p:nvPr>
+        </p:nvSpPr>
+        <p:spPr>
+          <a:xfrm>
+            <a:off x="676656" y="1190848"/>
+            <a:ext cx="10753725" cy="5241850"/>
+          </a:xfrm>
+        </p:spPr>
+        <p:txBody>
+          <a:bodyPr>
+            <a:normAutofit/>
+          </a:bodyPr>
+          <a:lstStyle/>
+          <a:p>
+            <a:pPr marL="457200" indent="-457200">
+              <a:lnSpc>
+                <a:spcPct val="100000"/>
+              </a:lnSpc>
+              <a:buFont typeface="+mj-lt"/>
+              <a:buAutoNum type="arabicPeriod"/>
+            </a:pPr>
+            <a:r>
+              <a:rPr lang="de-DE" sz="2800" dirty="0"/>
+              <a:t>Schreiben Sie eine </a:t>
+            </a:r>
+            <a:r>
+              <a:rPr lang="de-DE" sz="2800" dirty="0" err="1"/>
+              <a:t>while</a:t>
+            </a:r>
+            <a:r>
+              <a:rPr lang="de-DE" sz="2800" dirty="0"/>
+              <a:t>-Schleife die die Fibonacci Folge berechnet bis die aktuelle Zahl größer ist als 100</a:t>
+            </a:r>
+          </a:p>
+          <a:p>
+            <a:pPr marL="457200" indent="-457200">
+              <a:lnSpc>
+                <a:spcPct val="150000"/>
+              </a:lnSpc>
+              <a:buFont typeface="+mj-lt"/>
+              <a:buAutoNum type="arabicPeriod"/>
+            </a:pPr>
+            <a:r>
+              <a:rPr lang="de-DE" sz="2800" dirty="0"/>
+              <a:t>Wie groß ist die aktuelle Zahl?</a:t>
+            </a:r>
+          </a:p>
+          <a:p>
+            <a:pPr marL="457200" indent="-457200">
+              <a:lnSpc>
+                <a:spcPct val="110000"/>
+              </a:lnSpc>
+              <a:buFont typeface="+mj-lt"/>
+              <a:buAutoNum type="arabicPeriod"/>
+            </a:pPr>
+            <a:r>
+              <a:rPr lang="de-DE" sz="2800" dirty="0"/>
+              <a:t>Wie viele Iterationen braucht die Folge bis die aktuelle Zahl größer ist als 100?</a:t>
+            </a:r>
+          </a:p>
+          <a:p>
+            <a:pPr marL="457200" indent="-457200">
+              <a:lnSpc>
+                <a:spcPct val="110000"/>
+              </a:lnSpc>
+              <a:buFont typeface="+mj-lt"/>
+              <a:buAutoNum type="arabicPeriod"/>
+            </a:pPr>
+            <a:r>
+              <a:rPr lang="de-DE" sz="2800" dirty="0"/>
+              <a:t>Schreiben Sie die Fibonacci Folge nun als </a:t>
+            </a:r>
+            <a:r>
+              <a:rPr lang="de-DE" sz="2800" dirty="0" err="1"/>
+              <a:t>for</a:t>
+            </a:r>
+            <a:r>
+              <a:rPr lang="de-DE" sz="2800" dirty="0"/>
+              <a:t>-Schleife die 100 mal über die Folge iteriert</a:t>
+            </a:r>
+          </a:p>
+          <a:p>
+            <a:pPr marL="457200" indent="-457200">
+              <a:lnSpc>
+                <a:spcPct val="150000"/>
+              </a:lnSpc>
+              <a:buFont typeface="+mj-lt"/>
+              <a:buAutoNum type="arabicPeriod"/>
+            </a:pPr>
+            <a:r>
+              <a:rPr lang="de-DE" sz="2800" dirty="0"/>
+              <a:t>Wie groß ist die Zahl nach 100 Iterationen</a:t>
+            </a:r>
+          </a:p>
+        </p:txBody>
+      </p:sp>
+    </p:spTree>
+    <p:extLst>
+      <p:ext uri="{BB962C8B-B14F-4D97-AF65-F5344CB8AC3E}">
+        <p14:creationId xmlns:p14="http://schemas.microsoft.com/office/powerpoint/2010/main" val="3530125378"/>
+      </p:ext>
+    </p:extLst>
+  </p:cSld>
+  <p:clrMapOvr>
+    <a:masterClrMapping/>
+  </p:clrMapOvr>
+</p:sld>
+</file>
+
+<file path=ppt/slides/slide37.xml><?xml version="1.0" encoding="utf-8"?>
+<p:sld xmlns:a="http://schemas.openxmlformats.org/drawingml/2006/main" xmlns:r="http://schemas.openxmlformats.org/officeDocument/2006/relationships" xmlns:p="http://schemas.openxmlformats.org/presentationml/2006/main">
+  <p:cSld>
+    <p:spTree>
+      <p:nvGrpSpPr>
+        <p:cNvPr id="1" name=""/>
+        <p:cNvGrpSpPr/>
+        <p:nvPr/>
+      </p:nvGrpSpPr>
+      <p:grpSpPr>
+        <a:xfrm>
+          <a:off x="0" y="0"/>
+          <a:ext cx="0" cy="0"/>
+          <a:chOff x="0" y="0"/>
+          <a:chExt cx="0" cy="0"/>
+        </a:xfrm>
+      </p:grpSpPr>
+      <p:sp>
+        <p:nvSpPr>
+          <p:cNvPr id="2" name="Titel 1">
+            <a:extLst>
+              <a:ext uri="{FF2B5EF4-FFF2-40B4-BE49-F238E27FC236}">
+                <a16:creationId xmlns:a16="http://schemas.microsoft.com/office/drawing/2014/main" id="{C4237B4F-0744-4883-AAB0-293CC3A7ED88}"/>
+              </a:ext>
+            </a:extLst>
+          </p:cNvPr>
+          <p:cNvSpPr>
+            <a:spLocks noGrp="1"/>
+          </p:cNvSpPr>
+          <p:nvPr>
+            <p:ph type="title"/>
+          </p:nvPr>
+        </p:nvSpPr>
+        <p:spPr>
+          <a:xfrm>
+            <a:off x="657224" y="499533"/>
+            <a:ext cx="10772775" cy="861434"/>
+          </a:xfrm>
+        </p:spPr>
+        <p:txBody>
+          <a:bodyPr/>
+          <a:lstStyle/>
+          <a:p>
+            <a:r>
+              <a:rPr lang="de-DE" dirty="0"/>
+              <a:t>Übung Schleife mit </a:t>
+            </a:r>
+            <a:r>
+              <a:rPr lang="de-DE" dirty="0" err="1"/>
+              <a:t>if-else</a:t>
+            </a:r>
+            <a:endParaRPr lang="de-DE" dirty="0"/>
+          </a:p>
+        </p:txBody>
+      </p:sp>
+      <p:sp>
+        <p:nvSpPr>
+          <p:cNvPr id="3" name="Inhaltsplatzhalter 2">
+            <a:extLst>
+              <a:ext uri="{FF2B5EF4-FFF2-40B4-BE49-F238E27FC236}">
+                <a16:creationId xmlns:a16="http://schemas.microsoft.com/office/drawing/2014/main" id="{EBC88ED8-5F13-4AFE-AD62-F1AE70FA6DE0}"/>
+              </a:ext>
+            </a:extLst>
+          </p:cNvPr>
+          <p:cNvSpPr>
+            <a:spLocks noGrp="1"/>
+          </p:cNvSpPr>
+          <p:nvPr>
+            <p:ph idx="1"/>
+          </p:nvPr>
+        </p:nvSpPr>
+        <p:spPr>
+          <a:xfrm>
+            <a:off x="676656" y="1440712"/>
+            <a:ext cx="10997893" cy="5002618"/>
+          </a:xfrm>
+        </p:spPr>
+        <p:txBody>
+          <a:bodyPr>
+            <a:normAutofit fontScale="92500" lnSpcReduction="20000"/>
+          </a:bodyPr>
+          <a:lstStyle/>
+          <a:p>
+            <a:pPr marL="457200" indent="-457200">
+              <a:lnSpc>
+                <a:spcPct val="150000"/>
+              </a:lnSpc>
+              <a:buFont typeface="+mj-lt"/>
+              <a:buAutoNum type="arabicPeriod"/>
+            </a:pPr>
+            <a:r>
+              <a:rPr lang="de-DE" sz="2800" dirty="0"/>
+              <a:t>Berechnen Sie die ersten 100 Stellen einer Folge mit den folgenden Eigenschaften:</a:t>
+            </a:r>
+          </a:p>
+          <a:p>
+            <a:pPr marL="713232" lvl="1" indent="-457200">
+              <a:lnSpc>
+                <a:spcPct val="150000"/>
+              </a:lnSpc>
+              <a:buFont typeface="Arial" panose="020B0604020202020204" pitchFamily="34" charset="0"/>
+              <a:buChar char="•"/>
+            </a:pPr>
+            <a:r>
+              <a:rPr lang="de-DE" sz="2800" dirty="0"/>
+              <a:t>Sie startet mit dem Wert 3</a:t>
+            </a:r>
+          </a:p>
+          <a:p>
+            <a:pPr marL="713232" lvl="1" indent="-457200">
+              <a:lnSpc>
+                <a:spcPct val="120000"/>
+              </a:lnSpc>
+              <a:buFont typeface="Arial" panose="020B0604020202020204" pitchFamily="34" charset="0"/>
+              <a:buChar char="•"/>
+            </a:pPr>
+            <a:r>
+              <a:rPr lang="de-DE" sz="2800" dirty="0"/>
+              <a:t>Bei der Berechnung der nächsten Zahl soll geprüft werden ob die vorherige Zahl teilbar durch 3 ist. </a:t>
+            </a:r>
+          </a:p>
+          <a:p>
+            <a:pPr marL="256032" lvl="1" indent="0">
+              <a:lnSpc>
+                <a:spcPct val="120000"/>
+              </a:lnSpc>
+              <a:buNone/>
+            </a:pPr>
+            <a:r>
+              <a:rPr lang="de-DE" sz="2800" dirty="0"/>
+              <a:t>	-&gt; Wenn ja, dann soll der nächste Wert berechnet werden aus dem 			vorherigen Wert + 7</a:t>
+            </a:r>
+          </a:p>
+          <a:p>
+            <a:pPr marL="256032" lvl="1" indent="0">
+              <a:lnSpc>
+                <a:spcPct val="120000"/>
+              </a:lnSpc>
+              <a:buNone/>
+            </a:pPr>
+            <a:r>
+              <a:rPr lang="de-DE" sz="2800" dirty="0"/>
+              <a:t>	-&gt; ansonsten soll der nächste Wert berechnet werden aus dem vorherigen 		Wert – 3</a:t>
+            </a:r>
+          </a:p>
+          <a:p>
+            <a:pPr marL="256032" lvl="1" indent="0">
+              <a:lnSpc>
+                <a:spcPct val="150000"/>
+              </a:lnSpc>
+              <a:buNone/>
+            </a:pPr>
+            <a:r>
+              <a:rPr lang="de-DE" sz="2800" dirty="0"/>
+              <a:t>2. Stellen Sie die Folge grafisch dar </a:t>
+            </a:r>
+          </a:p>
+        </p:txBody>
+      </p:sp>
+    </p:spTree>
+    <p:extLst>
+      <p:ext uri="{BB962C8B-B14F-4D97-AF65-F5344CB8AC3E}">
+        <p14:creationId xmlns:p14="http://schemas.microsoft.com/office/powerpoint/2010/main" val="3529331888"/>
+      </p:ext>
+    </p:extLst>
+  </p:cSld>
+  <p:clrMapOvr>
+    <a:masterClrMapping/>
+  </p:clrMapOvr>
+</p:sld>
+</file>
+
+<file path=ppt/slides/slide38.xml><?xml version="1.0" encoding="utf-8"?>
+<p:sld xmlns:a="http://schemas.openxmlformats.org/drawingml/2006/main" xmlns:r="http://schemas.openxmlformats.org/officeDocument/2006/relationships" xmlns:p="http://schemas.openxmlformats.org/presentationml/2006/main">
+  <p:cSld>
+    <p:spTree>
+      <p:nvGrpSpPr>
+        <p:cNvPr id="1" name=""/>
+        <p:cNvGrpSpPr/>
+        <p:nvPr/>
+      </p:nvGrpSpPr>
+      <p:grpSpPr>
+        <a:xfrm>
+          <a:off x="0" y="0"/>
+          <a:ext cx="0" cy="0"/>
+          <a:chOff x="0" y="0"/>
+          <a:chExt cx="0" cy="0"/>
+        </a:xfrm>
+      </p:grpSpPr>
+      <p:sp>
+        <p:nvSpPr>
+          <p:cNvPr id="2" name="Titel 1">
+            <a:extLst>
+              <a:ext uri="{FF2B5EF4-FFF2-40B4-BE49-F238E27FC236}">
+                <a16:creationId xmlns:a16="http://schemas.microsoft.com/office/drawing/2014/main" id="{2F8442BA-4AF9-4F3C-A1DE-0472859C5193}"/>
+              </a:ext>
+            </a:extLst>
+          </p:cNvPr>
+          <p:cNvSpPr>
+            <a:spLocks noGrp="1"/>
+          </p:cNvSpPr>
+          <p:nvPr>
+            <p:ph type="title"/>
+          </p:nvPr>
+        </p:nvSpPr>
+        <p:spPr>
+          <a:xfrm>
+            <a:off x="638174" y="340045"/>
+            <a:ext cx="10772775" cy="654100"/>
+          </a:xfrm>
+        </p:spPr>
+        <p:txBody>
+          <a:bodyPr>
+            <a:normAutofit fontScale="90000"/>
+          </a:bodyPr>
+          <a:lstStyle/>
+          <a:p>
+            <a:r>
+              <a:rPr lang="de-DE" dirty="0"/>
+              <a:t>Übung </a:t>
+            </a:r>
+            <a:r>
+              <a:rPr lang="de-DE" dirty="0" err="1"/>
+              <a:t>Babynames</a:t>
+            </a:r>
+            <a:endParaRPr lang="de-DE" dirty="0"/>
+          </a:p>
+        </p:txBody>
+      </p:sp>
+      <p:sp>
+        <p:nvSpPr>
+          <p:cNvPr id="3" name="Inhaltsplatzhalter 2">
+            <a:extLst>
+              <a:ext uri="{FF2B5EF4-FFF2-40B4-BE49-F238E27FC236}">
+                <a16:creationId xmlns:a16="http://schemas.microsoft.com/office/drawing/2014/main" id="{B134B269-5E99-40A2-8851-AA5EE490B9DC}"/>
+              </a:ext>
+            </a:extLst>
+          </p:cNvPr>
+          <p:cNvSpPr>
+            <a:spLocks noGrp="1"/>
+          </p:cNvSpPr>
+          <p:nvPr>
+            <p:ph idx="1"/>
+          </p:nvPr>
+        </p:nvSpPr>
+        <p:spPr>
+          <a:xfrm>
+            <a:off x="676656" y="1313121"/>
+            <a:ext cx="10753725" cy="4768701"/>
+          </a:xfrm>
+        </p:spPr>
+        <p:txBody>
+          <a:bodyPr>
+            <a:normAutofit fontScale="92500" lnSpcReduction="20000"/>
+          </a:bodyPr>
+          <a:lstStyle/>
+          <a:p>
+            <a:pPr marL="457200" indent="-457200">
+              <a:lnSpc>
+                <a:spcPct val="150000"/>
+              </a:lnSpc>
+              <a:buFont typeface="+mj-lt"/>
+              <a:buAutoNum type="arabicPeriod"/>
+            </a:pPr>
+            <a:r>
+              <a:rPr lang="de-DE" sz="2800" dirty="0"/>
+              <a:t>Lesen Sie den Datensatz </a:t>
+            </a:r>
+            <a:r>
+              <a:rPr lang="de-DE" sz="2800" dirty="0" err="1"/>
+              <a:t>babyNamesUS</a:t>
+            </a:r>
+            <a:r>
+              <a:rPr lang="de-DE" sz="2800" dirty="0"/>
+              <a:t> ein</a:t>
+            </a:r>
+          </a:p>
+          <a:p>
+            <a:pPr marL="457200" indent="-457200">
+              <a:lnSpc>
+                <a:spcPct val="150000"/>
+              </a:lnSpc>
+              <a:buFont typeface="+mj-lt"/>
+              <a:buAutoNum type="arabicPeriod"/>
+            </a:pPr>
+            <a:r>
+              <a:rPr lang="de-DE" sz="2800" dirty="0"/>
+              <a:t>Erstellen Sie einen Vektor mit eindeutigen Jahreszahlen im Datensatz</a:t>
+            </a:r>
+          </a:p>
+          <a:p>
+            <a:pPr marL="457200" indent="-457200">
+              <a:lnSpc>
+                <a:spcPct val="110000"/>
+              </a:lnSpc>
+              <a:buFont typeface="+mj-lt"/>
+              <a:buAutoNum type="arabicPeriod"/>
+            </a:pPr>
+            <a:r>
+              <a:rPr lang="de-DE" sz="2800" dirty="0"/>
+              <a:t>Extrahieren Sie mittels Schleife den populärsten Namen und die Anzahl der Geburten pro Jahr. Erstellen Sie dafür vor der Schleife entsprechende leere Vektoren und nutzen Sie den Vektor mit den Jahreszahlen.</a:t>
+            </a:r>
+          </a:p>
+          <a:p>
+            <a:pPr marL="457200" indent="-457200">
+              <a:lnSpc>
+                <a:spcPct val="120000"/>
+              </a:lnSpc>
+              <a:buFont typeface="+mj-lt"/>
+              <a:buAutoNum type="arabicPeriod"/>
+            </a:pPr>
+            <a:r>
+              <a:rPr lang="de-DE" sz="2800" dirty="0"/>
+              <a:t>Stellen Sie grafisch dar wie häufig die populärsten Namen über die Jahre vorkamen</a:t>
+            </a:r>
+          </a:p>
+          <a:p>
+            <a:pPr marL="457200" indent="-457200">
+              <a:lnSpc>
+                <a:spcPct val="120000"/>
+              </a:lnSpc>
+              <a:buFont typeface="+mj-lt"/>
+              <a:buAutoNum type="arabicPeriod"/>
+            </a:pPr>
+            <a:r>
+              <a:rPr lang="de-DE" sz="2800" dirty="0"/>
+              <a:t>Erstellen Sie einen Plot mit der Entwicklung der Geburtenzahlen im Laufe der Jahre</a:t>
+            </a:r>
+          </a:p>
+        </p:txBody>
+      </p:sp>
+    </p:spTree>
+    <p:extLst>
+      <p:ext uri="{BB962C8B-B14F-4D97-AF65-F5344CB8AC3E}">
+        <p14:creationId xmlns:p14="http://schemas.microsoft.com/office/powerpoint/2010/main" val="1150970870"/>
+      </p:ext>
+    </p:extLst>
+  </p:cSld>
+  <p:clrMapOvr>
+    <a:masterClrMapping/>
+  </p:clrMapOvr>
+</p:sld>
+</file>
+
+<file path=ppt/slides/slide39.xml><?xml version="1.0" encoding="utf-8"?>
+<p:sld xmlns:a="http://schemas.openxmlformats.org/drawingml/2006/main" xmlns:r="http://schemas.openxmlformats.org/officeDocument/2006/relationships" xmlns:p="http://schemas.openxmlformats.org/presentationml/2006/main">
+  <p:cSld>
+    <p:spTree>
+      <p:nvGrpSpPr>
+        <p:cNvPr id="1" name=""/>
+        <p:cNvGrpSpPr/>
+        <p:nvPr/>
+      </p:nvGrpSpPr>
+      <p:grpSpPr>
+        <a:xfrm>
+          <a:off x="0" y="0"/>
+          <a:ext cx="0" cy="0"/>
+          <a:chOff x="0" y="0"/>
+          <a:chExt cx="0" cy="0"/>
+        </a:xfrm>
+      </p:grpSpPr>
+      <p:sp>
+        <p:nvSpPr>
+          <p:cNvPr id="2" name="Titel 1">
+            <a:extLst>
+              <a:ext uri="{FF2B5EF4-FFF2-40B4-BE49-F238E27FC236}">
+                <a16:creationId xmlns:a16="http://schemas.microsoft.com/office/drawing/2014/main" id="{02A9975D-C771-44C5-890D-DCEF15A5F7BF}"/>
+              </a:ext>
+            </a:extLst>
+          </p:cNvPr>
+          <p:cNvSpPr>
+            <a:spLocks noGrp="1"/>
+          </p:cNvSpPr>
+          <p:nvPr>
+            <p:ph type="title"/>
+          </p:nvPr>
+        </p:nvSpPr>
+        <p:spPr>
+          <a:xfrm>
+            <a:off x="607163" y="175240"/>
+            <a:ext cx="10772775" cy="856118"/>
+          </a:xfrm>
+        </p:spPr>
+        <p:txBody>
+          <a:bodyPr/>
+          <a:lstStyle/>
+          <a:p>
+            <a:r>
+              <a:rPr lang="de-DE" dirty="0"/>
+              <a:t>Übung Bundeswaldinventur</a:t>
+            </a:r>
+          </a:p>
+        </p:txBody>
+      </p:sp>
+      <p:sp>
+        <p:nvSpPr>
+          <p:cNvPr id="3" name="Inhaltsplatzhalter 2">
+            <a:extLst>
+              <a:ext uri="{FF2B5EF4-FFF2-40B4-BE49-F238E27FC236}">
+                <a16:creationId xmlns:a16="http://schemas.microsoft.com/office/drawing/2014/main" id="{D1D56579-4B14-42EB-9B41-92B1BA890137}"/>
+              </a:ext>
+            </a:extLst>
+          </p:cNvPr>
+          <p:cNvSpPr>
+            <a:spLocks noGrp="1"/>
+          </p:cNvSpPr>
+          <p:nvPr>
+            <p:ph idx="1"/>
+          </p:nvPr>
+        </p:nvSpPr>
+        <p:spPr>
+          <a:xfrm>
+            <a:off x="676656" y="956931"/>
+            <a:ext cx="10753725" cy="5603358"/>
+          </a:xfrm>
+        </p:spPr>
+        <p:txBody>
+          <a:bodyPr>
+            <a:normAutofit fontScale="85000" lnSpcReduction="20000"/>
+          </a:bodyPr>
+          <a:lstStyle/>
+          <a:p>
+            <a:pPr marL="514350" indent="-514350">
+              <a:lnSpc>
+                <a:spcPct val="160000"/>
+              </a:lnSpc>
+              <a:buFont typeface="+mj-lt"/>
+              <a:buAutoNum type="arabicPeriod"/>
+            </a:pPr>
+            <a:r>
+              <a:rPr lang="de-DE" sz="2800" dirty="0"/>
+              <a:t>Lesen Sie den Datensatz Bundeswaldinventur_2012.csv ein</a:t>
+            </a:r>
+          </a:p>
+          <a:p>
+            <a:pPr marL="514350" indent="-514350">
+              <a:lnSpc>
+                <a:spcPct val="120000"/>
+              </a:lnSpc>
+              <a:buFont typeface="+mj-lt"/>
+              <a:buAutoNum type="arabicPeriod"/>
+            </a:pPr>
+            <a:r>
+              <a:rPr lang="de-DE" sz="2800" dirty="0"/>
+              <a:t>Schreiben Sie eine Funktion, die die Summe des Holzvolumens eines Bundeslandes ausgibt. Das Bundesland soll über das Funktionsargument wählbar sein</a:t>
+            </a:r>
+          </a:p>
+          <a:p>
+            <a:pPr marL="514350" indent="-514350">
+              <a:lnSpc>
+                <a:spcPct val="120000"/>
+              </a:lnSpc>
+              <a:buFont typeface="+mj-lt"/>
+              <a:buAutoNum type="arabicPeriod"/>
+            </a:pPr>
+            <a:r>
+              <a:rPr lang="de-DE" sz="2800" dirty="0"/>
+              <a:t>Erweitern Sie die Funktion so, dass auch ein Histogramm mit der Verteilung des Holzvolumens pro Einzelbaum für das Bundesland erstellt wird. Der Titel sollte Auskunft geben welches Bundesland dargestellt ist.</a:t>
+            </a:r>
+          </a:p>
+          <a:p>
+            <a:pPr marL="514350" indent="-514350">
+              <a:lnSpc>
+                <a:spcPct val="120000"/>
+              </a:lnSpc>
+              <a:buFont typeface="+mj-lt"/>
+              <a:buAutoNum type="arabicPeriod"/>
+            </a:pPr>
+            <a:r>
+              <a:rPr lang="de-DE" sz="2800" dirty="0"/>
+              <a:t>Führen Sie ein zweites Argument ein welches steuert ob das Histogramm beim Funktionsaufruf erstellt wird oder nicht</a:t>
+            </a:r>
+          </a:p>
+          <a:p>
+            <a:pPr marL="514350" indent="-514350">
+              <a:lnSpc>
+                <a:spcPct val="120000"/>
+              </a:lnSpc>
+              <a:buFont typeface="+mj-lt"/>
+              <a:buAutoNum type="arabicPeriod"/>
+            </a:pPr>
+            <a:r>
+              <a:rPr lang="de-DE" sz="2800" dirty="0"/>
+              <a:t>Rufen Sie die Funktion in einer Schleife für jedes Bundesland auf und speichern Sie das Ergebnis in einem entsprechenden Vektor</a:t>
+            </a:r>
+          </a:p>
+          <a:p>
+            <a:pPr marL="514350" indent="-514350">
+              <a:lnSpc>
+                <a:spcPct val="160000"/>
+              </a:lnSpc>
+              <a:buFont typeface="+mj-lt"/>
+              <a:buAutoNum type="arabicPeriod"/>
+            </a:pPr>
+            <a:r>
+              <a:rPr lang="de-DE" sz="2800" dirty="0"/>
+              <a:t>Stellen Sie das Ergebnis auf geeignete Weise dar</a:t>
+            </a:r>
+          </a:p>
+        </p:txBody>
+      </p:sp>
+    </p:spTree>
+    <p:extLst>
+      <p:ext uri="{BB962C8B-B14F-4D97-AF65-F5344CB8AC3E}">
+        <p14:creationId xmlns:p14="http://schemas.microsoft.com/office/powerpoint/2010/main" val="1369864366"/>
       </p:ext>
     </p:extLst>
   </p:cSld>
